--- a/TS_basics/TypeScript_usage_understood.pptx
+++ b/TS_basics/TypeScript_usage_understood.pptx
@@ -5,22 +5,21 @@
     <p:sldMasterId id="2147483648" r:id="rId4"/>
   </p:sldMasterIdLst>
   <p:notesMasterIdLst>
-    <p:notesMasterId r:id="rId18"/>
+    <p:notesMasterId r:id="rId17"/>
   </p:notesMasterIdLst>
   <p:sldIdLst>
     <p:sldId id="256" r:id="rId5"/>
-    <p:sldId id="279" r:id="rId6"/>
-    <p:sldId id="275" r:id="rId7"/>
-    <p:sldId id="280" r:id="rId8"/>
-    <p:sldId id="276" r:id="rId9"/>
-    <p:sldId id="277" r:id="rId10"/>
-    <p:sldId id="278" r:id="rId11"/>
-    <p:sldId id="281" r:id="rId12"/>
-    <p:sldId id="282" r:id="rId13"/>
+    <p:sldId id="285" r:id="rId6"/>
+    <p:sldId id="279" r:id="rId7"/>
+    <p:sldId id="275" r:id="rId8"/>
+    <p:sldId id="280" r:id="rId9"/>
+    <p:sldId id="276" r:id="rId10"/>
+    <p:sldId id="277" r:id="rId11"/>
+    <p:sldId id="278" r:id="rId12"/>
+    <p:sldId id="281" r:id="rId13"/>
     <p:sldId id="283" r:id="rId14"/>
     <p:sldId id="284" r:id="rId15"/>
-    <p:sldId id="285" r:id="rId16"/>
-    <p:sldId id="286" r:id="rId17"/>
+    <p:sldId id="286" r:id="rId16"/>
   </p:sldIdLst>
   <p:sldSz cx="12192000" cy="6858000"/>
   <p:notesSz cx="6858000" cy="9144000"/>
@@ -6933,20 +6932,37 @@
             </a:r>
           </a:p>
           <a:p>
-            <a:r>
-              <a:rPr lang="en-US" dirty="0" err="1"/>
+            <a:pPr marL="0" indent="0">
+              <a:buNone/>
+            </a:pPr>
+            <a:r>
+              <a:rPr lang="en-US" dirty="0">
+                <a:latin typeface="Consolas" panose="020B0609020204030204" pitchFamily="49" charset="0"/>
+              </a:rPr>
+              <a:t>&gt; </a:t>
+            </a:r>
+            <a:r>
+              <a:rPr lang="en-US" dirty="0" err="1">
+                <a:latin typeface="Consolas" panose="020B0609020204030204" pitchFamily="49" charset="0"/>
+              </a:rPr>
               <a:t>npm</a:t>
             </a:r>
             <a:r>
-              <a:rPr lang="en-US" dirty="0"/>
+              <a:rPr lang="en-US" dirty="0">
+                <a:latin typeface="Consolas" panose="020B0609020204030204" pitchFamily="49" charset="0"/>
+              </a:rPr>
               <a:t> </a:t>
             </a:r>
             <a:r>
-              <a:rPr lang="en-US" dirty="0" err="1"/>
+              <a:rPr lang="en-US" dirty="0" err="1">
+                <a:latin typeface="Consolas" panose="020B0609020204030204" pitchFamily="49" charset="0"/>
+              </a:rPr>
               <a:t>i</a:t>
             </a:r>
             <a:r>
-              <a:rPr lang="en-US" dirty="0"/>
+              <a:rPr lang="en-US" dirty="0">
+                <a:latin typeface="Consolas" panose="020B0609020204030204" pitchFamily="49" charset="0"/>
+              </a:rPr>
               <a:t> --save express @types/node @types/react @types/react-dom @types/jest</a:t>
             </a:r>
           </a:p>
@@ -7147,13 +7163,24 @@
           <a:p>
             <a:r>
               <a:rPr lang="en-US" dirty="0"/>
-              <a:t>- 2. Runtime:             run the .</a:t>
+              <a:t>- 2. Runtime:                run the .</a:t>
             </a:r>
             <a:r>
               <a:rPr lang="en-US" dirty="0" err="1"/>
               <a:t>js</a:t>
             </a:r>
-            <a:endParaRPr lang="en-US" dirty="0"/>
+            <a:r>
+              <a:rPr lang="en-US" dirty="0"/>
+              <a:t>,    e.g. with node, </a:t>
+            </a:r>
+            <a:r>
+              <a:rPr lang="en-US" dirty="0" err="1"/>
+              <a:t>nodemon</a:t>
+            </a:r>
+            <a:r>
+              <a:rPr lang="en-US" dirty="0"/>
+              <a:t>, np2         or so</a:t>
+            </a:r>
           </a:p>
           <a:p>
             <a:endParaRPr lang="en-US" dirty="0"/>
@@ -7318,8 +7345,12 @@
           <a:p>
             <a:pPr lvl="0"/>
             <a:r>
+              <a:rPr lang="en-US" dirty="0" err="1"/>
+              <a:t>tsc</a:t>
+            </a:r>
+            <a:r>
               <a:rPr lang="en-US" dirty="0"/>
-              <a:t>Principles as a picture</a:t>
+              <a:t> compilation as the image</a:t>
             </a:r>
             <a:endParaRPr lang="fi-FI" dirty="0"/>
           </a:p>
@@ -7403,505 +7434,6 @@
             <a:fld id="{76BAB7ED-EDE9-4D4B-9A2D-30E18C47C16E}" type="slidenum">
               <a:rPr lang="en-GB" smtClean="0"/>
               <a:t>12</a:t>
-            </a:fld>
-            <a:endParaRPr lang="en-GB"/>
-          </a:p>
-        </p:txBody>
-      </p:sp>
-      <p:sp>
-        <p:nvSpPr>
-          <p:cNvPr id="4" name="Oval 3">
-            <a:extLst>
-              <a:ext uri="{FF2B5EF4-FFF2-40B4-BE49-F238E27FC236}">
-                <a16:creationId xmlns:a16="http://schemas.microsoft.com/office/drawing/2014/main" id="{D145BB1F-4797-DDB7-B8A8-1AF92D637E1E}"/>
-              </a:ext>
-            </a:extLst>
-          </p:cNvPr>
-          <p:cNvSpPr/>
-          <p:nvPr/>
-        </p:nvSpPr>
-        <p:spPr>
-          <a:xfrm>
-            <a:off x="3089189" y="1773238"/>
-            <a:ext cx="4161182" cy="4034053"/>
-          </a:xfrm>
-          <a:prstGeom prst="ellipse">
-            <a:avLst/>
-          </a:prstGeom>
-          <a:ln>
-            <a:noFill/>
-          </a:ln>
-        </p:spPr>
-        <p:style>
-          <a:lnRef idx="2">
-            <a:schemeClr val="accent1">
-              <a:shade val="15000"/>
-            </a:schemeClr>
-          </a:lnRef>
-          <a:fillRef idx="1">
-            <a:schemeClr val="accent1"/>
-          </a:fillRef>
-          <a:effectRef idx="0">
-            <a:schemeClr val="accent1"/>
-          </a:effectRef>
-          <a:fontRef idx="minor">
-            <a:schemeClr val="lt1"/>
-          </a:fontRef>
-        </p:style>
-        <p:txBody>
-          <a:bodyPr wrap="none" tIns="0" rtlCol="0" anchor="t" anchorCtr="0"/>
-          <a:lstStyle/>
-          <a:p>
-            <a:pPr algn="ctr"/>
-            <a:r>
-              <a:rPr lang="fi-FI" sz="3600"/>
-              <a:t>TypeScript</a:t>
-            </a:r>
-          </a:p>
-          <a:p>
-            <a:pPr algn="ctr"/>
-            <a:endParaRPr lang="fi-FI" sz="3600"/>
-          </a:p>
-          <a:p>
-            <a:pPr algn="ctr"/>
-            <a:endParaRPr lang="fi-FI" sz="3600"/>
-          </a:p>
-          <a:p>
-            <a:pPr algn="ctr"/>
-            <a:endParaRPr lang="fi-FI" sz="3600"/>
-          </a:p>
-          <a:p>
-            <a:pPr algn="ctr"/>
-            <a:endParaRPr lang="fi-FI" sz="3600" dirty="0"/>
-          </a:p>
-        </p:txBody>
-      </p:sp>
-      <p:sp>
-        <p:nvSpPr>
-          <p:cNvPr id="10" name="Oval 9">
-            <a:extLst>
-              <a:ext uri="{FF2B5EF4-FFF2-40B4-BE49-F238E27FC236}">
-                <a16:creationId xmlns:a16="http://schemas.microsoft.com/office/drawing/2014/main" id="{BF7514AA-C490-FD52-42D6-594B9CAFF19C}"/>
-              </a:ext>
-            </a:extLst>
-          </p:cNvPr>
-          <p:cNvSpPr/>
-          <p:nvPr/>
-        </p:nvSpPr>
-        <p:spPr>
-          <a:xfrm>
-            <a:off x="4265477" y="2952852"/>
-            <a:ext cx="2759952" cy="2644239"/>
-          </a:xfrm>
-          <a:prstGeom prst="ellipse">
-            <a:avLst/>
-          </a:prstGeom>
-          <a:solidFill>
-            <a:schemeClr val="accent3">
-              <a:lumMod val="40000"/>
-              <a:lumOff val="60000"/>
-            </a:schemeClr>
-          </a:solidFill>
-          <a:ln>
-            <a:noFill/>
-          </a:ln>
-        </p:spPr>
-        <p:style>
-          <a:lnRef idx="2">
-            <a:schemeClr val="accent1">
-              <a:shade val="15000"/>
-            </a:schemeClr>
-          </a:lnRef>
-          <a:fillRef idx="1">
-            <a:schemeClr val="accent1"/>
-          </a:fillRef>
-          <a:effectRef idx="0">
-            <a:schemeClr val="accent1"/>
-          </a:effectRef>
-          <a:fontRef idx="minor">
-            <a:schemeClr val="lt1"/>
-          </a:fontRef>
-        </p:style>
-        <p:txBody>
-          <a:bodyPr rtlCol="0" anchor="t" anchorCtr="1"/>
-          <a:lstStyle/>
-          <a:p>
-            <a:pPr algn="ctr"/>
-            <a:r>
-              <a:rPr lang="fi-FI" sz="2400" dirty="0" err="1"/>
-              <a:t>ECMAScript</a:t>
-            </a:r>
-            <a:r>
-              <a:rPr lang="fi-FI" sz="2400" dirty="0"/>
-              <a:t> </a:t>
-            </a:r>
-            <a:r>
-              <a:rPr lang="fi-FI" sz="2400" dirty="0" err="1"/>
-              <a:t>new</a:t>
-            </a:r>
-            <a:r>
-              <a:rPr lang="fi-FI" sz="2400" dirty="0"/>
-              <a:t> </a:t>
-            </a:r>
-            <a:r>
-              <a:rPr lang="fi-FI" sz="2400" dirty="0" err="1"/>
-              <a:t>features</a:t>
-            </a:r>
-            <a:endParaRPr lang="fi-FI" sz="2400" dirty="0"/>
-          </a:p>
-        </p:txBody>
-      </p:sp>
-      <p:sp>
-        <p:nvSpPr>
-          <p:cNvPr id="11" name="Oval 10">
-            <a:extLst>
-              <a:ext uri="{FF2B5EF4-FFF2-40B4-BE49-F238E27FC236}">
-                <a16:creationId xmlns:a16="http://schemas.microsoft.com/office/drawing/2014/main" id="{5BB342A3-E735-1D31-6901-D9732A13AC7F}"/>
-              </a:ext>
-            </a:extLst>
-          </p:cNvPr>
-          <p:cNvSpPr/>
-          <p:nvPr/>
-        </p:nvSpPr>
-        <p:spPr>
-          <a:xfrm>
-            <a:off x="4685988" y="4073091"/>
-            <a:ext cx="2141518" cy="1397329"/>
-          </a:xfrm>
-          <a:prstGeom prst="ellipse">
-            <a:avLst/>
-          </a:prstGeom>
-          <a:solidFill>
-            <a:schemeClr val="accent4">
-              <a:lumMod val="20000"/>
-              <a:lumOff val="80000"/>
-            </a:schemeClr>
-          </a:solidFill>
-          <a:ln>
-            <a:noFill/>
-          </a:ln>
-        </p:spPr>
-        <p:style>
-          <a:lnRef idx="2">
-            <a:schemeClr val="accent1">
-              <a:shade val="15000"/>
-            </a:schemeClr>
-          </a:lnRef>
-          <a:fillRef idx="1">
-            <a:schemeClr val="accent1"/>
-          </a:fillRef>
-          <a:effectRef idx="0">
-            <a:schemeClr val="accent1"/>
-          </a:effectRef>
-          <a:fontRef idx="minor">
-            <a:schemeClr val="lt1"/>
-          </a:fontRef>
-        </p:style>
-        <p:txBody>
-          <a:bodyPr rtlCol="0" anchor="ctr"/>
-          <a:lstStyle/>
-          <a:p>
-            <a:pPr algn="ctr"/>
-            <a:r>
-              <a:rPr lang="fi-FI" dirty="0" err="1">
-                <a:solidFill>
-                  <a:schemeClr val="tx1">
-                    <a:lumMod val="50000"/>
-                    <a:lumOff val="50000"/>
-                  </a:schemeClr>
-                </a:solidFill>
-              </a:rPr>
-              <a:t>older</a:t>
-            </a:r>
-            <a:r>
-              <a:rPr lang="fi-FI" dirty="0">
-                <a:solidFill>
-                  <a:schemeClr val="tx1">
-                    <a:lumMod val="50000"/>
-                    <a:lumOff val="50000"/>
-                  </a:schemeClr>
-                </a:solidFill>
-              </a:rPr>
-              <a:t> ES/JavaScript</a:t>
-            </a:r>
-          </a:p>
-          <a:p>
-            <a:pPr algn="ctr"/>
-            <a:r>
-              <a:rPr lang="fi-FI" dirty="0" err="1">
-                <a:solidFill>
-                  <a:schemeClr val="tx1">
-                    <a:lumMod val="50000"/>
-                    <a:lumOff val="50000"/>
-                  </a:schemeClr>
-                </a:solidFill>
-              </a:rPr>
-              <a:t>supported</a:t>
-            </a:r>
-            <a:endParaRPr lang="fi-FI" dirty="0">
-              <a:solidFill>
-                <a:schemeClr val="tx1">
-                  <a:lumMod val="50000"/>
-                  <a:lumOff val="50000"/>
-                </a:schemeClr>
-              </a:solidFill>
-            </a:endParaRPr>
-          </a:p>
-          <a:p>
-            <a:pPr algn="ctr"/>
-            <a:r>
-              <a:rPr lang="fi-FI" dirty="0" err="1">
-                <a:solidFill>
-                  <a:schemeClr val="tx1">
-                    <a:lumMod val="50000"/>
-                    <a:lumOff val="50000"/>
-                  </a:schemeClr>
-                </a:solidFill>
-              </a:rPr>
-              <a:t>by</a:t>
-            </a:r>
-            <a:r>
-              <a:rPr lang="fi-FI" dirty="0">
-                <a:solidFill>
-                  <a:schemeClr val="tx1">
-                    <a:lumMod val="50000"/>
-                    <a:lumOff val="50000"/>
-                  </a:schemeClr>
-                </a:solidFill>
-              </a:rPr>
-              <a:t> </a:t>
-            </a:r>
-            <a:r>
-              <a:rPr lang="fi-FI" dirty="0" err="1">
-                <a:solidFill>
-                  <a:schemeClr val="tx1">
-                    <a:lumMod val="50000"/>
-                    <a:lumOff val="50000"/>
-                  </a:schemeClr>
-                </a:solidFill>
-              </a:rPr>
-              <a:t>runtimes</a:t>
-            </a:r>
-            <a:endParaRPr lang="fi-FI" dirty="0">
-              <a:solidFill>
-                <a:schemeClr val="tx1">
-                  <a:lumMod val="50000"/>
-                  <a:lumOff val="50000"/>
-                </a:schemeClr>
-              </a:solidFill>
-            </a:endParaRPr>
-          </a:p>
-        </p:txBody>
-      </p:sp>
-      <p:sp>
-        <p:nvSpPr>
-          <p:cNvPr id="13" name="TextBox 12">
-            <a:extLst>
-              <a:ext uri="{FF2B5EF4-FFF2-40B4-BE49-F238E27FC236}">
-                <a16:creationId xmlns:a16="http://schemas.microsoft.com/office/drawing/2014/main" id="{EC251AB5-4355-ADFF-9C8A-A46BAB84D23C}"/>
-              </a:ext>
-            </a:extLst>
-          </p:cNvPr>
-          <p:cNvSpPr txBox="1"/>
-          <p:nvPr/>
-        </p:nvSpPr>
-        <p:spPr>
-          <a:xfrm>
-            <a:off x="3048000" y="3311298"/>
-            <a:ext cx="1394691" cy="646331"/>
-          </a:xfrm>
-          <a:prstGeom prst="rect">
-            <a:avLst/>
-          </a:prstGeom>
-          <a:noFill/>
-        </p:spPr>
-        <p:txBody>
-          <a:bodyPr wrap="square">
-            <a:spAutoFit/>
-          </a:bodyPr>
-          <a:lstStyle/>
-          <a:p>
-            <a:r>
-              <a:rPr lang="fi-FI" dirty="0">
-                <a:solidFill>
-                  <a:schemeClr val="bg1"/>
-                </a:solidFill>
-              </a:rPr>
-              <a:t>e.g. </a:t>
-            </a:r>
-            <a:r>
-              <a:rPr lang="fi-FI" dirty="0" err="1">
-                <a:solidFill>
-                  <a:schemeClr val="bg1"/>
-                </a:solidFill>
-              </a:rPr>
-              <a:t>type</a:t>
-            </a:r>
-            <a:endParaRPr lang="fi-FI" dirty="0">
-              <a:solidFill>
-                <a:schemeClr val="bg1"/>
-              </a:solidFill>
-            </a:endParaRPr>
-          </a:p>
-          <a:p>
-            <a:r>
-              <a:rPr lang="fi-FI" dirty="0" err="1">
-                <a:solidFill>
-                  <a:schemeClr val="bg1"/>
-                </a:solidFill>
-              </a:rPr>
-              <a:t>annotations</a:t>
-            </a:r>
-            <a:endParaRPr lang="fi-FI" dirty="0">
-              <a:solidFill>
-                <a:schemeClr val="bg1"/>
-              </a:solidFill>
-            </a:endParaRPr>
-          </a:p>
-        </p:txBody>
-      </p:sp>
-    </p:spTree>
-    <p:extLst>
-      <p:ext uri="{BB962C8B-B14F-4D97-AF65-F5344CB8AC3E}">
-        <p14:creationId xmlns:p14="http://schemas.microsoft.com/office/powerpoint/2010/main" val="3033948748"/>
-      </p:ext>
-    </p:extLst>
-  </p:cSld>
-  <p:clrMapOvr>
-    <a:masterClrMapping/>
-  </p:clrMapOvr>
-</p:sld>
-</file>
-
-<file path=ppt/slides/slide13.xml><?xml version="1.0" encoding="utf-8"?>
-<p:sld xmlns:a="http://schemas.openxmlformats.org/drawingml/2006/main" xmlns:r="http://schemas.openxmlformats.org/officeDocument/2006/relationships" xmlns:p="http://schemas.openxmlformats.org/presentationml/2006/main">
-  <p:cSld>
-    <p:spTree>
-      <p:nvGrpSpPr>
-        <p:cNvPr id="1" name=""/>
-        <p:cNvGrpSpPr/>
-        <p:nvPr/>
-      </p:nvGrpSpPr>
-      <p:grpSpPr>
-        <a:xfrm>
-          <a:off x="0" y="0"/>
-          <a:ext cx="0" cy="0"/>
-          <a:chOff x="0" y="0"/>
-          <a:chExt cx="0" cy="0"/>
-        </a:xfrm>
-      </p:grpSpPr>
-      <p:sp>
-        <p:nvSpPr>
-          <p:cNvPr id="8" name="Title 7">
-            <a:extLst>
-              <a:ext uri="{FF2B5EF4-FFF2-40B4-BE49-F238E27FC236}">
-                <a16:creationId xmlns:a16="http://schemas.microsoft.com/office/drawing/2014/main" id="{197044C3-CD23-D844-B780-26FABA91AD0F}"/>
-              </a:ext>
-            </a:extLst>
-          </p:cNvPr>
-          <p:cNvSpPr>
-            <a:spLocks noGrp="1"/>
-          </p:cNvSpPr>
-          <p:nvPr>
-            <p:ph type="title"/>
-          </p:nvPr>
-        </p:nvSpPr>
-        <p:spPr/>
-        <p:txBody>
-          <a:bodyPr/>
-          <a:lstStyle/>
-          <a:p>
-            <a:pPr lvl="0"/>
-            <a:r>
-              <a:rPr lang="en-US" dirty="0" err="1"/>
-              <a:t>tsc</a:t>
-            </a:r>
-            <a:r>
-              <a:rPr lang="en-US" dirty="0"/>
-              <a:t> compilation as the image</a:t>
-            </a:r>
-            <a:endParaRPr lang="fi-FI" dirty="0"/>
-          </a:p>
-        </p:txBody>
-      </p:sp>
-      <p:sp>
-        <p:nvSpPr>
-          <p:cNvPr id="5" name="Date Placeholder 4">
-            <a:extLst>
-              <a:ext uri="{FF2B5EF4-FFF2-40B4-BE49-F238E27FC236}">
-                <a16:creationId xmlns:a16="http://schemas.microsoft.com/office/drawing/2014/main" id="{976244E2-AA76-2742-B2EC-FEC79276155C}"/>
-              </a:ext>
-            </a:extLst>
-          </p:cNvPr>
-          <p:cNvSpPr>
-            <a:spLocks noGrp="1"/>
-          </p:cNvSpPr>
-          <p:nvPr>
-            <p:ph type="dt" sz="half" idx="10"/>
-          </p:nvPr>
-        </p:nvSpPr>
-        <p:spPr/>
-        <p:txBody>
-          <a:bodyPr/>
-          <a:lstStyle/>
-          <a:p>
-            <a:fld id="{202E1EC2-47B8-044B-A09E-6A63B4D80C87}" type="datetime1">
-              <a:rPr lang="fi-FI" smtClean="0"/>
-              <a:t>2.10.2024</a:t>
-            </a:fld>
-            <a:endParaRPr lang="en-GB"/>
-          </a:p>
-        </p:txBody>
-      </p:sp>
-      <p:sp>
-        <p:nvSpPr>
-          <p:cNvPr id="6" name="Footer Placeholder 5">
-            <a:extLst>
-              <a:ext uri="{FF2B5EF4-FFF2-40B4-BE49-F238E27FC236}">
-                <a16:creationId xmlns:a16="http://schemas.microsoft.com/office/drawing/2014/main" id="{588CE607-4137-8840-8FEA-42EAC857E3A3}"/>
-              </a:ext>
-            </a:extLst>
-          </p:cNvPr>
-          <p:cNvSpPr>
-            <a:spLocks noGrp="1"/>
-          </p:cNvSpPr>
-          <p:nvPr>
-            <p:ph type="ftr" sz="quarter" idx="11"/>
-          </p:nvPr>
-        </p:nvSpPr>
-        <p:spPr/>
-        <p:txBody>
-          <a:bodyPr/>
-          <a:lstStyle/>
-          <a:p>
-            <a:endParaRPr lang="en-GB"/>
-          </a:p>
-        </p:txBody>
-      </p:sp>
-      <p:sp>
-        <p:nvSpPr>
-          <p:cNvPr id="7" name="Slide Number Placeholder 6">
-            <a:extLst>
-              <a:ext uri="{FF2B5EF4-FFF2-40B4-BE49-F238E27FC236}">
-                <a16:creationId xmlns:a16="http://schemas.microsoft.com/office/drawing/2014/main" id="{2E133A96-6C73-0844-B8CB-27C2B5F4CFB1}"/>
-              </a:ext>
-            </a:extLst>
-          </p:cNvPr>
-          <p:cNvSpPr>
-            <a:spLocks noGrp="1"/>
-          </p:cNvSpPr>
-          <p:nvPr>
-            <p:ph type="sldNum" sz="quarter" idx="12"/>
-          </p:nvPr>
-        </p:nvSpPr>
-        <p:spPr/>
-        <p:txBody>
-          <a:bodyPr/>
-          <a:lstStyle/>
-          <a:p>
-            <a:fld id="{76BAB7ED-EDE9-4D4B-9A2D-30E18C47C16E}" type="slidenum">
-              <a:rPr lang="en-GB" smtClean="0"/>
-              <a:t>13</a:t>
             </a:fld>
             <a:endParaRPr lang="en-GB"/>
           </a:p>
@@ -8360,62 +7892,9 @@
             <a:pPr lvl="0"/>
             <a:r>
               <a:rPr lang="en-US" dirty="0"/>
-              <a:t>Installing TypeScript to your computer</a:t>
+              <a:t>Principles as a picture</a:t>
             </a:r>
             <a:endParaRPr lang="fi-FI" dirty="0"/>
-          </a:p>
-        </p:txBody>
-      </p:sp>
-      <p:sp>
-        <p:nvSpPr>
-          <p:cNvPr id="9" name="Content Placeholder 8">
-            <a:extLst>
-              <a:ext uri="{FF2B5EF4-FFF2-40B4-BE49-F238E27FC236}">
-                <a16:creationId xmlns:a16="http://schemas.microsoft.com/office/drawing/2014/main" id="{ACDE61D8-A75A-F94B-B57A-46F276C03311}"/>
-              </a:ext>
-            </a:extLst>
-          </p:cNvPr>
-          <p:cNvSpPr>
-            <a:spLocks noGrp="1"/>
-          </p:cNvSpPr>
-          <p:nvPr>
-            <p:ph sz="half" idx="2"/>
-          </p:nvPr>
-        </p:nvSpPr>
-        <p:spPr>
-          <a:xfrm>
-            <a:off x="550864" y="1295074"/>
-            <a:ext cx="11125198" cy="4759498"/>
-          </a:xfrm>
-        </p:spPr>
-        <p:txBody>
-          <a:bodyPr>
-            <a:normAutofit/>
-          </a:bodyPr>
-          <a:lstStyle/>
-          <a:p>
-            <a:r>
-              <a:rPr lang="en-US" dirty="0"/>
-              <a:t>Assuming you have Node.js already installed to your computer, continue by installing TypeScript, e.g. this might be the correct command:</a:t>
-            </a:r>
-          </a:p>
-          <a:p>
-            <a:r>
-              <a:rPr lang="en-US" dirty="0" err="1"/>
-              <a:t>npm</a:t>
-            </a:r>
-            <a:r>
-              <a:rPr lang="en-US" dirty="0"/>
-              <a:t> </a:t>
-            </a:r>
-            <a:r>
-              <a:rPr lang="en-US" dirty="0" err="1"/>
-              <a:t>i</a:t>
-            </a:r>
-            <a:r>
-              <a:rPr lang="en-US" dirty="0"/>
-              <a:t> --save -g typescript @types/node</a:t>
-            </a:r>
           </a:p>
         </p:txBody>
       </p:sp>
@@ -8502,10 +7981,362 @@
           </a:p>
         </p:txBody>
       </p:sp>
+      <p:sp>
+        <p:nvSpPr>
+          <p:cNvPr id="4" name="Oval 3">
+            <a:extLst>
+              <a:ext uri="{FF2B5EF4-FFF2-40B4-BE49-F238E27FC236}">
+                <a16:creationId xmlns:a16="http://schemas.microsoft.com/office/drawing/2014/main" id="{D145BB1F-4797-DDB7-B8A8-1AF92D637E1E}"/>
+              </a:ext>
+            </a:extLst>
+          </p:cNvPr>
+          <p:cNvSpPr/>
+          <p:nvPr/>
+        </p:nvSpPr>
+        <p:spPr>
+          <a:xfrm>
+            <a:off x="3089189" y="1773238"/>
+            <a:ext cx="4161182" cy="4034053"/>
+          </a:xfrm>
+          <a:prstGeom prst="ellipse">
+            <a:avLst/>
+          </a:prstGeom>
+          <a:ln>
+            <a:noFill/>
+          </a:ln>
+        </p:spPr>
+        <p:style>
+          <a:lnRef idx="2">
+            <a:schemeClr val="accent1">
+              <a:shade val="15000"/>
+            </a:schemeClr>
+          </a:lnRef>
+          <a:fillRef idx="1">
+            <a:schemeClr val="accent1"/>
+          </a:fillRef>
+          <a:effectRef idx="0">
+            <a:schemeClr val="accent1"/>
+          </a:effectRef>
+          <a:fontRef idx="minor">
+            <a:schemeClr val="lt1"/>
+          </a:fontRef>
+        </p:style>
+        <p:txBody>
+          <a:bodyPr wrap="none" tIns="0" rtlCol="0" anchor="t" anchorCtr="0"/>
+          <a:lstStyle/>
+          <a:p>
+            <a:pPr algn="ctr"/>
+            <a:r>
+              <a:rPr lang="fi-FI" sz="3600"/>
+              <a:t>TypeScript</a:t>
+            </a:r>
+          </a:p>
+          <a:p>
+            <a:pPr algn="ctr"/>
+            <a:endParaRPr lang="fi-FI" sz="3600"/>
+          </a:p>
+          <a:p>
+            <a:pPr algn="ctr"/>
+            <a:endParaRPr lang="fi-FI" sz="3600"/>
+          </a:p>
+          <a:p>
+            <a:pPr algn="ctr"/>
+            <a:endParaRPr lang="fi-FI" sz="3600"/>
+          </a:p>
+          <a:p>
+            <a:pPr algn="ctr"/>
+            <a:endParaRPr lang="fi-FI" sz="3600" dirty="0"/>
+          </a:p>
+        </p:txBody>
+      </p:sp>
+      <p:sp>
+        <p:nvSpPr>
+          <p:cNvPr id="10" name="Oval 9">
+            <a:extLst>
+              <a:ext uri="{FF2B5EF4-FFF2-40B4-BE49-F238E27FC236}">
+                <a16:creationId xmlns:a16="http://schemas.microsoft.com/office/drawing/2014/main" id="{BF7514AA-C490-FD52-42D6-594B9CAFF19C}"/>
+              </a:ext>
+            </a:extLst>
+          </p:cNvPr>
+          <p:cNvSpPr/>
+          <p:nvPr/>
+        </p:nvSpPr>
+        <p:spPr>
+          <a:xfrm>
+            <a:off x="4265477" y="2952852"/>
+            <a:ext cx="2759952" cy="2644239"/>
+          </a:xfrm>
+          <a:prstGeom prst="ellipse">
+            <a:avLst/>
+          </a:prstGeom>
+          <a:solidFill>
+            <a:schemeClr val="accent3">
+              <a:lumMod val="40000"/>
+              <a:lumOff val="60000"/>
+            </a:schemeClr>
+          </a:solidFill>
+          <a:ln>
+            <a:noFill/>
+          </a:ln>
+        </p:spPr>
+        <p:style>
+          <a:lnRef idx="2">
+            <a:schemeClr val="accent1">
+              <a:shade val="15000"/>
+            </a:schemeClr>
+          </a:lnRef>
+          <a:fillRef idx="1">
+            <a:schemeClr val="accent1"/>
+          </a:fillRef>
+          <a:effectRef idx="0">
+            <a:schemeClr val="accent1"/>
+          </a:effectRef>
+          <a:fontRef idx="minor">
+            <a:schemeClr val="lt1"/>
+          </a:fontRef>
+        </p:style>
+        <p:txBody>
+          <a:bodyPr rtlCol="0" anchor="t" anchorCtr="1"/>
+          <a:lstStyle/>
+          <a:p>
+            <a:pPr algn="ctr"/>
+            <a:r>
+              <a:rPr lang="fi-FI" sz="2400" dirty="0" err="1"/>
+              <a:t>ECMAScript</a:t>
+            </a:r>
+            <a:r>
+              <a:rPr lang="fi-FI" sz="2400" dirty="0"/>
+              <a:t> </a:t>
+            </a:r>
+            <a:r>
+              <a:rPr lang="fi-FI" sz="2400" dirty="0" err="1"/>
+              <a:t>new</a:t>
+            </a:r>
+            <a:r>
+              <a:rPr lang="fi-FI" sz="2400" dirty="0"/>
+              <a:t> </a:t>
+            </a:r>
+            <a:r>
+              <a:rPr lang="fi-FI" sz="2400" dirty="0" err="1"/>
+              <a:t>features</a:t>
+            </a:r>
+            <a:endParaRPr lang="fi-FI" sz="2400" dirty="0"/>
+          </a:p>
+        </p:txBody>
+      </p:sp>
+      <p:sp>
+        <p:nvSpPr>
+          <p:cNvPr id="11" name="Oval 10">
+            <a:extLst>
+              <a:ext uri="{FF2B5EF4-FFF2-40B4-BE49-F238E27FC236}">
+                <a16:creationId xmlns:a16="http://schemas.microsoft.com/office/drawing/2014/main" id="{5BB342A3-E735-1D31-6901-D9732A13AC7F}"/>
+              </a:ext>
+            </a:extLst>
+          </p:cNvPr>
+          <p:cNvSpPr/>
+          <p:nvPr/>
+        </p:nvSpPr>
+        <p:spPr>
+          <a:xfrm>
+            <a:off x="4685988" y="4073091"/>
+            <a:ext cx="2141518" cy="1397329"/>
+          </a:xfrm>
+          <a:prstGeom prst="ellipse">
+            <a:avLst/>
+          </a:prstGeom>
+          <a:solidFill>
+            <a:schemeClr val="accent4">
+              <a:lumMod val="20000"/>
+              <a:lumOff val="80000"/>
+            </a:schemeClr>
+          </a:solidFill>
+          <a:ln>
+            <a:noFill/>
+          </a:ln>
+        </p:spPr>
+        <p:style>
+          <a:lnRef idx="2">
+            <a:schemeClr val="accent1">
+              <a:shade val="15000"/>
+            </a:schemeClr>
+          </a:lnRef>
+          <a:fillRef idx="1">
+            <a:schemeClr val="accent1"/>
+          </a:fillRef>
+          <a:effectRef idx="0">
+            <a:schemeClr val="accent1"/>
+          </a:effectRef>
+          <a:fontRef idx="minor">
+            <a:schemeClr val="lt1"/>
+          </a:fontRef>
+        </p:style>
+        <p:txBody>
+          <a:bodyPr rtlCol="0" anchor="ctr"/>
+          <a:lstStyle/>
+          <a:p>
+            <a:pPr algn="ctr"/>
+            <a:r>
+              <a:rPr lang="fi-FI" dirty="0" err="1">
+                <a:solidFill>
+                  <a:schemeClr val="tx1">
+                    <a:lumMod val="50000"/>
+                    <a:lumOff val="50000"/>
+                  </a:schemeClr>
+                </a:solidFill>
+              </a:rPr>
+              <a:t>older</a:t>
+            </a:r>
+            <a:r>
+              <a:rPr lang="fi-FI" dirty="0">
+                <a:solidFill>
+                  <a:schemeClr val="tx1">
+                    <a:lumMod val="50000"/>
+                    <a:lumOff val="50000"/>
+                  </a:schemeClr>
+                </a:solidFill>
+              </a:rPr>
+              <a:t> ES/JavaScript</a:t>
+            </a:r>
+          </a:p>
+          <a:p>
+            <a:pPr algn="ctr"/>
+            <a:r>
+              <a:rPr lang="fi-FI" dirty="0" err="1">
+                <a:solidFill>
+                  <a:schemeClr val="tx1">
+                    <a:lumMod val="50000"/>
+                    <a:lumOff val="50000"/>
+                  </a:schemeClr>
+                </a:solidFill>
+              </a:rPr>
+              <a:t>supported</a:t>
+            </a:r>
+            <a:endParaRPr lang="fi-FI" dirty="0">
+              <a:solidFill>
+                <a:schemeClr val="tx1">
+                  <a:lumMod val="50000"/>
+                  <a:lumOff val="50000"/>
+                </a:schemeClr>
+              </a:solidFill>
+            </a:endParaRPr>
+          </a:p>
+          <a:p>
+            <a:pPr algn="ctr"/>
+            <a:r>
+              <a:rPr lang="fi-FI" dirty="0" err="1">
+                <a:solidFill>
+                  <a:schemeClr val="tx1">
+                    <a:lumMod val="50000"/>
+                    <a:lumOff val="50000"/>
+                  </a:schemeClr>
+                </a:solidFill>
+              </a:rPr>
+              <a:t>by</a:t>
+            </a:r>
+            <a:r>
+              <a:rPr lang="fi-FI" dirty="0">
+                <a:solidFill>
+                  <a:schemeClr val="tx1">
+                    <a:lumMod val="50000"/>
+                    <a:lumOff val="50000"/>
+                  </a:schemeClr>
+                </a:solidFill>
+              </a:rPr>
+              <a:t> </a:t>
+            </a:r>
+            <a:r>
+              <a:rPr lang="fi-FI" dirty="0" err="1">
+                <a:solidFill>
+                  <a:schemeClr val="tx1">
+                    <a:lumMod val="50000"/>
+                    <a:lumOff val="50000"/>
+                  </a:schemeClr>
+                </a:solidFill>
+              </a:rPr>
+              <a:t>runtime</a:t>
+            </a:r>
+            <a:endParaRPr lang="fi-FI" dirty="0">
+              <a:solidFill>
+                <a:schemeClr val="tx1">
+                  <a:lumMod val="50000"/>
+                  <a:lumOff val="50000"/>
+                </a:schemeClr>
+              </a:solidFill>
+            </a:endParaRPr>
+          </a:p>
+        </p:txBody>
+      </p:sp>
+      <p:sp>
+        <p:nvSpPr>
+          <p:cNvPr id="13" name="TextBox 12">
+            <a:extLst>
+              <a:ext uri="{FF2B5EF4-FFF2-40B4-BE49-F238E27FC236}">
+                <a16:creationId xmlns:a16="http://schemas.microsoft.com/office/drawing/2014/main" id="{EC251AB5-4355-ADFF-9C8A-A46BAB84D23C}"/>
+              </a:ext>
+            </a:extLst>
+          </p:cNvPr>
+          <p:cNvSpPr txBox="1"/>
+          <p:nvPr/>
+        </p:nvSpPr>
+        <p:spPr>
+          <a:xfrm>
+            <a:off x="3048000" y="3311298"/>
+            <a:ext cx="1394691" cy="646331"/>
+          </a:xfrm>
+          <a:prstGeom prst="rect">
+            <a:avLst/>
+          </a:prstGeom>
+          <a:noFill/>
+        </p:spPr>
+        <p:txBody>
+          <a:bodyPr wrap="square">
+            <a:spAutoFit/>
+          </a:bodyPr>
+          <a:lstStyle/>
+          <a:p>
+            <a:r>
+              <a:rPr lang="fi-FI" dirty="0">
+                <a:solidFill>
+                  <a:schemeClr val="bg1"/>
+                </a:solidFill>
+              </a:rPr>
+              <a:t>e.g. </a:t>
+            </a:r>
+            <a:r>
+              <a:rPr lang="fi-FI" dirty="0" err="1">
+                <a:solidFill>
+                  <a:schemeClr val="bg1"/>
+                </a:solidFill>
+              </a:rPr>
+              <a:t>type</a:t>
+            </a:r>
+            <a:endParaRPr lang="fi-FI" dirty="0">
+              <a:solidFill>
+                <a:schemeClr val="bg1"/>
+              </a:solidFill>
+            </a:endParaRPr>
+          </a:p>
+          <a:p>
+            <a:r>
+              <a:rPr lang="fi-FI" dirty="0" err="1">
+                <a:solidFill>
+                  <a:schemeClr val="bg1"/>
+                </a:solidFill>
+              </a:rPr>
+              <a:t>annotations</a:t>
+            </a:r>
+            <a:endParaRPr lang="fi-FI" dirty="0">
+              <a:solidFill>
+                <a:schemeClr val="bg1"/>
+              </a:solidFill>
+            </a:endParaRPr>
+          </a:p>
+        </p:txBody>
+      </p:sp>
     </p:spTree>
     <p:extLst>
       <p:ext uri="{BB962C8B-B14F-4D97-AF65-F5344CB8AC3E}">
-        <p14:creationId xmlns:p14="http://schemas.microsoft.com/office/powerpoint/2010/main" val="2821324429"/>
+        <p14:creationId xmlns:p14="http://schemas.microsoft.com/office/powerpoint/2010/main" val="3033948748"/>
       </p:ext>
     </p:extLst>
   </p:cSld>
@@ -8556,7 +8387,7 @@
             <a:pPr lvl="0"/>
             <a:r>
               <a:rPr lang="en-US" dirty="0"/>
-              <a:t>Starting to turn JavaScript project to TypeScript</a:t>
+              <a:t>Installing TypeScript to your computer</a:t>
             </a:r>
             <a:endParaRPr lang="fi-FI" dirty="0"/>
           </a:p>
@@ -8592,7 +8423,42 @@
           <a:p>
             <a:r>
               <a:rPr lang="en-US" dirty="0"/>
-              <a:t>…</a:t>
+              <a:t>Assuming you have Node.js already installed to your computer, continue by installing TypeScript, e.g. this might be the correct command:</a:t>
+            </a:r>
+          </a:p>
+          <a:p>
+            <a:pPr marL="0" indent="0">
+              <a:buNone/>
+            </a:pPr>
+            <a:r>
+              <a:rPr lang="en-US" dirty="0">
+                <a:latin typeface="Consolas" panose="020B0609020204030204" pitchFamily="49" charset="0"/>
+              </a:rPr>
+              <a:t>&gt; </a:t>
+            </a:r>
+            <a:r>
+              <a:rPr lang="en-US" dirty="0" err="1">
+                <a:latin typeface="Consolas" panose="020B0609020204030204" pitchFamily="49" charset="0"/>
+              </a:rPr>
+              <a:t>npm</a:t>
+            </a:r>
+            <a:r>
+              <a:rPr lang="en-US" dirty="0">
+                <a:latin typeface="Consolas" panose="020B0609020204030204" pitchFamily="49" charset="0"/>
+              </a:rPr>
+              <a:t> </a:t>
+            </a:r>
+            <a:r>
+              <a:rPr lang="en-US" dirty="0" err="1">
+                <a:latin typeface="Consolas" panose="020B0609020204030204" pitchFamily="49" charset="0"/>
+              </a:rPr>
+              <a:t>i</a:t>
+            </a:r>
+            <a:r>
+              <a:rPr lang="en-US" dirty="0">
+                <a:latin typeface="Consolas" panose="020B0609020204030204" pitchFamily="49" charset="0"/>
+              </a:rPr>
+              <a:t> --save -g typescript @types/node</a:t>
             </a:r>
           </a:p>
         </p:txBody>
@@ -8683,7 +8549,7 @@
     </p:spTree>
     <p:extLst>
       <p:ext uri="{BB962C8B-B14F-4D97-AF65-F5344CB8AC3E}">
-        <p14:creationId xmlns:p14="http://schemas.microsoft.com/office/powerpoint/2010/main" val="702849068"/>
+        <p14:creationId xmlns:p14="http://schemas.microsoft.com/office/powerpoint/2010/main" val="2821324429"/>
       </p:ext>
     </p:extLst>
   </p:cSld>
@@ -8734,7 +8600,7 @@
             <a:pPr lvl="0"/>
             <a:r>
               <a:rPr lang="en-US" dirty="0"/>
-              <a:t>Initialize the project as TS project</a:t>
+              <a:t>Starting to turn JavaScript project to TypeScript</a:t>
             </a:r>
             <a:endParaRPr lang="fi-FI" dirty="0"/>
           </a:p>
@@ -8769,29 +8635,9 @@
           <a:lstStyle/>
           <a:p>
             <a:r>
-              <a:rPr lang="en-US" dirty="0" err="1"/>
-              <a:t>tsc</a:t>
-            </a:r>
-            <a:r>
               <a:rPr lang="en-US" dirty="0"/>
-              <a:t> </a:t>
-            </a:r>
-            <a:r>
-              <a:rPr lang="en-US" dirty="0" err="1"/>
-              <a:t>init</a:t>
-            </a:r>
-            <a:endParaRPr lang="en-US" dirty="0"/>
-          </a:p>
-          <a:p>
-            <a:r>
-              <a:rPr lang="en-US" dirty="0"/>
-              <a:t>=&gt; </a:t>
-            </a:r>
-            <a:r>
-              <a:rPr lang="en-US" dirty="0" err="1"/>
-              <a:t>tsconfig.json</a:t>
-            </a:r>
-            <a:endParaRPr lang="en-US" dirty="0"/>
+              <a:t>…</a:t>
+            </a:r>
           </a:p>
         </p:txBody>
       </p:sp>
@@ -8881,7 +8727,7 @@
     </p:spTree>
     <p:extLst>
       <p:ext uri="{BB962C8B-B14F-4D97-AF65-F5344CB8AC3E}">
-        <p14:creationId xmlns:p14="http://schemas.microsoft.com/office/powerpoint/2010/main" val="1715487246"/>
+        <p14:creationId xmlns:p14="http://schemas.microsoft.com/office/powerpoint/2010/main" val="702849068"/>
       </p:ext>
     </p:extLst>
   </p:cSld>
@@ -8931,8 +8777,8 @@
           <a:p>
             <a:pPr lvl="0"/>
             <a:r>
-              <a:rPr lang="en-US" dirty="0" err="1"/>
-              <a:t>tsconfig.json</a:t>
+              <a:rPr lang="en-US" dirty="0"/>
+              <a:t>Initialize the (former JS?) project as TS project</a:t>
             </a:r>
             <a:endParaRPr lang="fi-FI" dirty="0"/>
           </a:p>
@@ -8966,41 +8812,49 @@
           </a:bodyPr>
           <a:lstStyle/>
           <a:p>
+            <a:pPr marL="0" indent="0">
+              <a:buNone/>
+            </a:pPr>
+            <a:r>
+              <a:rPr lang="en-US" dirty="0">
+                <a:latin typeface="Consolas" panose="020B0609020204030204" pitchFamily="49" charset="0"/>
+              </a:rPr>
+              <a:t>&gt; </a:t>
+            </a:r>
+            <a:r>
+              <a:rPr lang="en-US" dirty="0" err="1">
+                <a:latin typeface="Consolas" panose="020B0609020204030204" pitchFamily="49" charset="0"/>
+              </a:rPr>
+              <a:t>tsc</a:t>
+            </a:r>
+            <a:r>
+              <a:rPr lang="en-US" dirty="0">
+                <a:latin typeface="Consolas" panose="020B0609020204030204" pitchFamily="49" charset="0"/>
+              </a:rPr>
+              <a:t> </a:t>
+            </a:r>
+            <a:r>
+              <a:rPr lang="en-US" dirty="0" err="1">
+                <a:latin typeface="Consolas" panose="020B0609020204030204" pitchFamily="49" charset="0"/>
+              </a:rPr>
+              <a:t>init</a:t>
+            </a:r>
+            <a:endParaRPr lang="en-US" dirty="0">
+              <a:latin typeface="Consolas" panose="020B0609020204030204" pitchFamily="49" charset="0"/>
+            </a:endParaRPr>
+          </a:p>
+          <a:p>
             <a:r>
               <a:rPr lang="en-US" dirty="0"/>
-              <a:t>E.g. </a:t>
-            </a:r>
-          </a:p>
-          <a:p>
+              <a:t>Creates the </a:t>
+            </a:r>
+            <a:r>
+              <a:rPr lang="en-US" dirty="0" err="1"/>
+              <a:t>tsconfig.json</a:t>
+            </a:r>
             <a:r>
               <a:rPr lang="en-US" dirty="0"/>
-              <a:t>source folder (for TS)</a:t>
-            </a:r>
-          </a:p>
-          <a:p>
-            <a:r>
-              <a:rPr lang="en-US" dirty="0"/>
-              <a:t>Output/</a:t>
-            </a:r>
-            <a:r>
-              <a:rPr lang="en-US" dirty="0" err="1"/>
-              <a:t>dist</a:t>
-            </a:r>
-            <a:r>
-              <a:rPr lang="en-US" dirty="0"/>
-              <a:t> folder (for compiled JS files)</a:t>
-            </a:r>
-          </a:p>
-          <a:p>
-            <a:r>
-              <a:rPr lang="en-US" dirty="0"/>
-              <a:t>How strict TypeScript required/followed?</a:t>
-            </a:r>
-          </a:p>
-          <a:p>
-            <a:r>
-              <a:rPr lang="en-US" dirty="0"/>
-              <a:t>What version of ES should the output be?</a:t>
+              <a:t> file to the project root</a:t>
             </a:r>
           </a:p>
         </p:txBody>
@@ -9091,7 +8945,7 @@
     </p:spTree>
     <p:extLst>
       <p:ext uri="{BB962C8B-B14F-4D97-AF65-F5344CB8AC3E}">
-        <p14:creationId xmlns:p14="http://schemas.microsoft.com/office/powerpoint/2010/main" val="1845058198"/>
+        <p14:creationId xmlns:p14="http://schemas.microsoft.com/office/powerpoint/2010/main" val="1715487246"/>
       </p:ext>
     </p:extLst>
   </p:cSld>
@@ -9142,27 +8996,11 @@
             <a:pPr lvl="0"/>
             <a:r>
               <a:rPr lang="en-US" dirty="0" err="1"/>
-              <a:t>Package.json</a:t>
+              <a:t>tsconfig.json</a:t>
             </a:r>
             <a:r>
               <a:rPr lang="en-US" dirty="0"/>
-              <a:t> </a:t>
-            </a:r>
-            <a:r>
-              <a:rPr lang="en-US" dirty="0" err="1"/>
-              <a:t>npm</a:t>
-            </a:r>
-            <a:r>
-              <a:rPr lang="en-US" dirty="0"/>
-              <a:t> run/build </a:t>
-            </a:r>
-            <a:r>
-              <a:rPr lang="en-US" dirty="0" err="1"/>
-              <a:t>etc</a:t>
-            </a:r>
-            <a:r>
-              <a:rPr lang="en-US" dirty="0"/>
-              <a:t> scripts changed </a:t>
+              <a:t> file:</a:t>
             </a:r>
             <a:endParaRPr lang="fi-FI" dirty="0"/>
           </a:p>
@@ -9198,35 +9036,54 @@
           <a:p>
             <a:r>
               <a:rPr lang="en-US" dirty="0"/>
-              <a:t>…from using JS tools, to use TS tools like compiler</a:t>
+              <a:t>E.g. </a:t>
             </a:r>
           </a:p>
           <a:p>
             <a:r>
               <a:rPr lang="en-US" dirty="0"/>
-              <a:t>E.g. </a:t>
+              <a:t>source folder (for TS files)</a:t>
+            </a:r>
+          </a:p>
+          <a:p>
+            <a:r>
+              <a:rPr lang="en-US" dirty="0"/>
+              <a:t>Output/</a:t>
             </a:r>
             <a:r>
               <a:rPr lang="en-US" dirty="0" err="1"/>
-              <a:t>ts</a:t>
+              <a:t>dist</a:t>
             </a:r>
             <a:r>
               <a:rPr lang="en-US" dirty="0"/>
-              <a:t>-watch could look for changing .</a:t>
+              <a:t> folder (for compiled JS files)</a:t>
+            </a:r>
+          </a:p>
+          <a:p>
+            <a:r>
+              <a:rPr lang="en-US" dirty="0"/>
+              <a:t>How strict TypeScript required/followed?</a:t>
+            </a:r>
+          </a:p>
+          <a:p>
+            <a:r>
+              <a:rPr lang="en-US" dirty="0"/>
+              <a:t>What version of ES should the output be?  ES 2020?</a:t>
+            </a:r>
+          </a:p>
+          <a:p>
+            <a:r>
+              <a:rPr lang="en-US" dirty="0"/>
+              <a:t>The module mechanism to use?  e.g. export/import instead of </a:t>
             </a:r>
             <a:r>
               <a:rPr lang="en-US" dirty="0" err="1"/>
-              <a:t>ts</a:t>
+              <a:t>module.exports</a:t>
             </a:r>
             <a:r>
               <a:rPr lang="en-US" dirty="0"/>
-              <a:t> files and compile them to .</a:t>
-            </a:r>
-            <a:r>
-              <a:rPr lang="en-US" dirty="0" err="1"/>
-              <a:t>js</a:t>
-            </a:r>
-            <a:endParaRPr lang="en-US" dirty="0"/>
+              <a:t>/require</a:t>
+            </a:r>
           </a:p>
         </p:txBody>
       </p:sp>
@@ -9316,7 +9173,7 @@
     </p:spTree>
     <p:extLst>
       <p:ext uri="{BB962C8B-B14F-4D97-AF65-F5344CB8AC3E}">
-        <p14:creationId xmlns:p14="http://schemas.microsoft.com/office/powerpoint/2010/main" val="3263424136"/>
+        <p14:creationId xmlns:p14="http://schemas.microsoft.com/office/powerpoint/2010/main" val="1845058198"/>
       </p:ext>
     </p:extLst>
   </p:cSld>
@@ -9366,20 +9223,28 @@
           <a:p>
             <a:pPr lvl="0"/>
             <a:r>
+              <a:rPr lang="en-US" dirty="0" err="1"/>
+              <a:t>Package.json</a:t>
+            </a:r>
+            <a:r>
               <a:rPr lang="en-US" dirty="0"/>
-              <a:t>Renaming source files from .</a:t>
+              <a:t> </a:t>
             </a:r>
             <a:r>
               <a:rPr lang="en-US" dirty="0" err="1"/>
-              <a:t>js</a:t>
+              <a:t>npm</a:t>
             </a:r>
             <a:r>
               <a:rPr lang="en-US" dirty="0"/>
-              <a:t> to .</a:t>
+              <a:t> run/build </a:t>
             </a:r>
             <a:r>
               <a:rPr lang="en-US" dirty="0" err="1"/>
-              <a:t>ts</a:t>
+              <a:t>etc</a:t>
+            </a:r>
+            <a:r>
+              <a:rPr lang="en-US" dirty="0"/>
+              <a:t> scripts changed </a:t>
             </a:r>
             <a:endParaRPr lang="fi-FI" dirty="0"/>
           </a:p>
@@ -9414,10 +9279,47 @@
           <a:lstStyle/>
           <a:p>
             <a:r>
+              <a:rPr lang="en-US" dirty="0"/>
+              <a:t>…scripts won’t be using JS tools anymore, but use TS tools like </a:t>
+            </a:r>
+            <a:r>
               <a:rPr lang="en-US" dirty="0" err="1"/>
-              <a:t>Beeee</a:t>
-            </a:r>
-            <a:endParaRPr lang="en-US" dirty="0"/>
+              <a:t>tsc</a:t>
+            </a:r>
+            <a:r>
+              <a:rPr lang="en-US" dirty="0"/>
+              <a:t> compiler</a:t>
+            </a:r>
+          </a:p>
+          <a:p>
+            <a:r>
+              <a:rPr lang="en-US" dirty="0"/>
+              <a:t>Or e.g. </a:t>
+            </a:r>
+            <a:r>
+              <a:rPr lang="en-US" dirty="0" err="1"/>
+              <a:t>ts</a:t>
+            </a:r>
+            <a:r>
+              <a:rPr lang="en-US" dirty="0"/>
+              <a:t>-watch could look for changing .</a:t>
+            </a:r>
+            <a:r>
+              <a:rPr lang="en-US" dirty="0" err="1"/>
+              <a:t>ts</a:t>
+            </a:r>
+            <a:r>
+              <a:rPr lang="en-US" dirty="0"/>
+              <a:t> files and compile them automatically to .</a:t>
+            </a:r>
+            <a:r>
+              <a:rPr lang="en-US" dirty="0" err="1"/>
+              <a:t>js</a:t>
+            </a:r>
+            <a:r>
+              <a:rPr lang="en-US" dirty="0"/>
+              <a:t> files</a:t>
+            </a:r>
           </a:p>
         </p:txBody>
       </p:sp>
@@ -9507,7 +9409,7 @@
     </p:spTree>
     <p:extLst>
       <p:ext uri="{BB962C8B-B14F-4D97-AF65-F5344CB8AC3E}">
-        <p14:creationId xmlns:p14="http://schemas.microsoft.com/office/powerpoint/2010/main" val="663343295"/>
+        <p14:creationId xmlns:p14="http://schemas.microsoft.com/office/powerpoint/2010/main" val="3263424136"/>
       </p:ext>
     </p:extLst>
   </p:cSld>
@@ -9558,7 +9460,19 @@
             <a:pPr lvl="0"/>
             <a:r>
               <a:rPr lang="en-US" dirty="0"/>
-              <a:t>Run some checker that forces to use TS features</a:t>
+              <a:t>Renaming source files from .</a:t>
+            </a:r>
+            <a:r>
+              <a:rPr lang="en-US" dirty="0" err="1"/>
+              <a:t>js</a:t>
+            </a:r>
+            <a:r>
+              <a:rPr lang="en-US" dirty="0"/>
+              <a:t> to .</a:t>
+            </a:r>
+            <a:r>
+              <a:rPr lang="en-US" dirty="0" err="1"/>
+              <a:t>ts</a:t>
             </a:r>
             <a:endParaRPr lang="fi-FI" dirty="0"/>
           </a:p>
@@ -9594,7 +9508,7 @@
           <a:p>
             <a:r>
               <a:rPr lang="en-US" dirty="0"/>
-              <a:t>E.g. biome</a:t>
+              <a:t>… and start using TypeScript features (e.g. according to the list on course materials)</a:t>
             </a:r>
           </a:p>
         </p:txBody>
@@ -9685,7 +9599,7 @@
     </p:spTree>
     <p:extLst>
       <p:ext uri="{BB962C8B-B14F-4D97-AF65-F5344CB8AC3E}">
-        <p14:creationId xmlns:p14="http://schemas.microsoft.com/office/powerpoint/2010/main" val="1492789356"/>
+        <p14:creationId xmlns:p14="http://schemas.microsoft.com/office/powerpoint/2010/main" val="663343295"/>
       </p:ext>
     </p:extLst>
   </p:cSld>
@@ -9736,44 +9650,9 @@
             <a:pPr lvl="0"/>
             <a:r>
               <a:rPr lang="en-US" dirty="0"/>
-              <a:t>Run some checker that forces to use TS features</a:t>
+              <a:t>Run some checker that forces to 1. use TS features and 2. to use them correctly</a:t>
             </a:r>
             <a:endParaRPr lang="fi-FI" dirty="0"/>
-          </a:p>
-        </p:txBody>
-      </p:sp>
-      <p:sp>
-        <p:nvSpPr>
-          <p:cNvPr id="9" name="Content Placeholder 8">
-            <a:extLst>
-              <a:ext uri="{FF2B5EF4-FFF2-40B4-BE49-F238E27FC236}">
-                <a16:creationId xmlns:a16="http://schemas.microsoft.com/office/drawing/2014/main" id="{ACDE61D8-A75A-F94B-B57A-46F276C03311}"/>
-              </a:ext>
-            </a:extLst>
-          </p:cNvPr>
-          <p:cNvSpPr>
-            <a:spLocks noGrp="1"/>
-          </p:cNvSpPr>
-          <p:nvPr>
-            <p:ph sz="half" idx="2"/>
-          </p:nvPr>
-        </p:nvSpPr>
-        <p:spPr>
-          <a:xfrm>
-            <a:off x="550864" y="1295074"/>
-            <a:ext cx="11125198" cy="4759498"/>
-          </a:xfrm>
-        </p:spPr>
-        <p:txBody>
-          <a:bodyPr>
-            <a:normAutofit/>
-          </a:bodyPr>
-          <a:lstStyle/>
-          <a:p>
-            <a:r>
-              <a:rPr lang="en-US" dirty="0"/>
-              <a:t>E.g. biome</a:t>
-            </a:r>
           </a:p>
         </p:txBody>
       </p:sp>
@@ -9860,10 +9739,2253 @@
           </a:p>
         </p:txBody>
       </p:sp>
+      <p:sp>
+        <p:nvSpPr>
+          <p:cNvPr id="4" name="Rectangle 3">
+            <a:extLst>
+              <a:ext uri="{FF2B5EF4-FFF2-40B4-BE49-F238E27FC236}">
+                <a16:creationId xmlns:a16="http://schemas.microsoft.com/office/drawing/2014/main" id="{C7A12394-ED83-A1B5-EE59-DD745C6B124F}"/>
+              </a:ext>
+            </a:extLst>
+          </p:cNvPr>
+          <p:cNvSpPr>
+            <a:spLocks noChangeArrowheads="1"/>
+          </p:cNvSpPr>
+          <p:nvPr/>
+        </p:nvSpPr>
+        <p:spPr bwMode="auto">
+          <a:xfrm>
+            <a:off x="319596" y="2040615"/>
+            <a:ext cx="11762913" cy="3693319"/>
+          </a:xfrm>
+          <a:prstGeom prst="rect">
+            <a:avLst/>
+          </a:prstGeom>
+          <a:noFill/>
+          <a:ln>
+            <a:noFill/>
+          </a:ln>
+          <a:effectLst/>
+          <a:extLst>
+            <a:ext uri="{909E8E84-426E-40DD-AFC4-6F175D3DCCD1}">
+              <a14:hiddenFill xmlns:a14="http://schemas.microsoft.com/office/drawing/2010/main">
+                <a:solidFill>
+                  <a:schemeClr val="accent1"/>
+                </a:solidFill>
+              </a14:hiddenFill>
+            </a:ext>
+            <a:ext uri="{91240B29-F687-4F45-9708-019B960494DF}">
+              <a14:hiddenLine xmlns:a14="http://schemas.microsoft.com/office/drawing/2010/main" w="9525">
+                <a:solidFill>
+                  <a:schemeClr val="tx1"/>
+                </a:solidFill>
+                <a:miter lim="800000"/>
+                <a:headEnd/>
+                <a:tailEnd/>
+              </a14:hiddenLine>
+            </a:ext>
+            <a:ext uri="{AF507438-7753-43E0-B8FC-AC1667EBCBE1}">
+              <a14:hiddenEffects xmlns:a14="http://schemas.microsoft.com/office/drawing/2010/main">
+                <a:effectLst>
+                  <a:outerShdw dist="35921" dir="2700000" algn="ctr" rotWithShape="0">
+                    <a:schemeClr val="bg2"/>
+                  </a:outerShdw>
+                </a:effectLst>
+              </a14:hiddenEffects>
+            </a:ext>
+          </a:extLst>
+        </p:spPr>
+        <p:txBody>
+          <a:bodyPr vert="horz" wrap="square" lIns="91440" tIns="45720" rIns="91440" bIns="45720" numCol="1" anchor="ctr" anchorCtr="0" compatLnSpc="1">
+            <a:prstTxWarp prst="textNoShape">
+              <a:avLst/>
+            </a:prstTxWarp>
+            <a:spAutoFit/>
+          </a:bodyPr>
+          <a:lstStyle/>
+          <a:p>
+            <a:pPr marL="0" marR="0" lvl="0" indent="0" algn="l" defTabSz="914400" rtl="0" eaLnBrk="0" fontAlgn="base" latinLnBrk="0" hangingPunct="0">
+              <a:lnSpc>
+                <a:spcPct val="100000"/>
+              </a:lnSpc>
+              <a:spcBef>
+                <a:spcPct val="0"/>
+              </a:spcBef>
+              <a:spcAft>
+                <a:spcPct val="0"/>
+              </a:spcAft>
+              <a:buClrTx/>
+              <a:buSzTx/>
+              <a:buFontTx/>
+              <a:buNone/>
+              <a:tabLst/>
+            </a:pPr>
+            <a:r>
+              <a:rPr kumimoji="0" lang="fi-FI" altLang="fi-FI" sz="1800" b="0" i="0" u="none" strike="noStrike" cap="none" normalizeH="0" baseline="0" dirty="0" err="1">
+                <a:ln>
+                  <a:noFill/>
+                </a:ln>
+                <a:solidFill>
+                  <a:schemeClr val="tx1"/>
+                </a:solidFill>
+                <a:effectLst/>
+                <a:latin typeface="Arial" panose="020B0604020202020204" pitchFamily="34" charset="0"/>
+              </a:rPr>
+              <a:t>This</a:t>
+            </a:r>
+            <a:r>
+              <a:rPr kumimoji="0" lang="fi-FI" altLang="fi-FI" sz="1800" b="0" i="0" u="none" strike="noStrike" cap="none" normalizeH="0" baseline="0" dirty="0">
+                <a:ln>
+                  <a:noFill/>
+                </a:ln>
+                <a:solidFill>
+                  <a:schemeClr val="tx1"/>
+                </a:solidFill>
+                <a:effectLst/>
+                <a:latin typeface="Arial" panose="020B0604020202020204" pitchFamily="34" charset="0"/>
+              </a:rPr>
+              <a:t> </a:t>
+            </a:r>
+            <a:r>
+              <a:rPr kumimoji="0" lang="fi-FI" altLang="fi-FI" sz="1800" b="0" i="0" u="none" strike="noStrike" cap="none" normalizeH="0" baseline="0" dirty="0" err="1">
+                <a:ln>
+                  <a:noFill/>
+                </a:ln>
+                <a:solidFill>
+                  <a:schemeClr val="tx1"/>
+                </a:solidFill>
+                <a:effectLst/>
+                <a:latin typeface="Arial" panose="020B0604020202020204" pitchFamily="34" charset="0"/>
+              </a:rPr>
+              <a:t>seems</a:t>
+            </a:r>
+            <a:r>
+              <a:rPr kumimoji="0" lang="fi-FI" altLang="fi-FI" sz="1800" b="0" i="0" u="none" strike="noStrike" cap="none" normalizeH="0" baseline="0" dirty="0">
+                <a:ln>
+                  <a:noFill/>
+                </a:ln>
+                <a:solidFill>
+                  <a:schemeClr val="tx1"/>
+                </a:solidFill>
+                <a:effectLst/>
+                <a:latin typeface="Arial" panose="020B0604020202020204" pitchFamily="34" charset="0"/>
+              </a:rPr>
+              <a:t> to </a:t>
+            </a:r>
+            <a:r>
+              <a:rPr kumimoji="0" lang="fi-FI" altLang="fi-FI" sz="1800" b="0" i="0" u="none" strike="noStrike" cap="none" normalizeH="0" baseline="0" dirty="0" err="1">
+                <a:ln>
+                  <a:noFill/>
+                </a:ln>
+                <a:solidFill>
+                  <a:schemeClr val="tx1"/>
+                </a:solidFill>
+                <a:effectLst/>
+                <a:latin typeface="Arial" panose="020B0604020202020204" pitchFamily="34" charset="0"/>
+              </a:rPr>
+              <a:t>be</a:t>
+            </a:r>
+            <a:r>
+              <a:rPr kumimoji="0" lang="fi-FI" altLang="fi-FI" sz="1800" b="0" i="0" u="none" strike="noStrike" cap="none" normalizeH="0" baseline="0" dirty="0">
+                <a:ln>
+                  <a:noFill/>
+                </a:ln>
+                <a:solidFill>
+                  <a:schemeClr val="tx1"/>
+                </a:solidFill>
+                <a:effectLst/>
+                <a:latin typeface="Arial" panose="020B0604020202020204" pitchFamily="34" charset="0"/>
+              </a:rPr>
+              <a:t> </a:t>
+            </a:r>
+            <a:r>
+              <a:rPr kumimoji="0" lang="fi-FI" altLang="fi-FI" sz="1800" b="0" i="0" u="none" strike="noStrike" cap="none" normalizeH="0" baseline="0" dirty="0" err="1">
+                <a:ln>
+                  <a:noFill/>
+                </a:ln>
+                <a:solidFill>
+                  <a:schemeClr val="tx1"/>
+                </a:solidFill>
+                <a:effectLst/>
+                <a:latin typeface="Arial" panose="020B0604020202020204" pitchFamily="34" charset="0"/>
+              </a:rPr>
+              <a:t>correct</a:t>
+            </a:r>
+            <a:r>
+              <a:rPr kumimoji="0" lang="fi-FI" altLang="fi-FI" sz="1800" b="0" i="0" u="none" strike="noStrike" cap="none" normalizeH="0" baseline="0" dirty="0">
+                <a:ln>
+                  <a:noFill/>
+                </a:ln>
+                <a:solidFill>
+                  <a:schemeClr val="tx1"/>
+                </a:solidFill>
+                <a:effectLst/>
+                <a:latin typeface="Arial" panose="020B0604020202020204" pitchFamily="34" charset="0"/>
+              </a:rPr>
+              <a:t> </a:t>
+            </a:r>
+            <a:r>
+              <a:rPr kumimoji="0" lang="fi-FI" altLang="fi-FI" sz="1800" b="0" i="0" u="none" strike="noStrike" cap="none" normalizeH="0" baseline="0" dirty="0" err="1">
+                <a:ln>
+                  <a:noFill/>
+                </a:ln>
+                <a:solidFill>
+                  <a:schemeClr val="tx1"/>
+                </a:solidFill>
+                <a:effectLst/>
+                <a:latin typeface="Arial" panose="020B0604020202020204" pitchFamily="34" charset="0"/>
+              </a:rPr>
+              <a:t>way</a:t>
+            </a:r>
+            <a:r>
+              <a:rPr kumimoji="0" lang="fi-FI" altLang="fi-FI" sz="1800" b="0" i="0" u="none" strike="noStrike" cap="none" normalizeH="0" baseline="0" dirty="0">
+                <a:ln>
+                  <a:noFill/>
+                </a:ln>
+                <a:solidFill>
+                  <a:schemeClr val="tx1"/>
+                </a:solidFill>
+                <a:effectLst/>
+                <a:latin typeface="Arial" panose="020B0604020202020204" pitchFamily="34" charset="0"/>
+              </a:rPr>
+              <a:t> to </a:t>
+            </a:r>
+            <a:r>
+              <a:rPr kumimoji="0" lang="fi-FI" altLang="fi-FI" sz="1800" b="0" i="0" u="none" strike="noStrike" cap="none" normalizeH="0" baseline="0" dirty="0" err="1">
+                <a:ln>
+                  <a:noFill/>
+                </a:ln>
+                <a:solidFill>
+                  <a:schemeClr val="tx1"/>
+                </a:solidFill>
+                <a:effectLst/>
+                <a:latin typeface="Arial" panose="020B0604020202020204" pitchFamily="34" charset="0"/>
+              </a:rPr>
+              <a:t>run</a:t>
+            </a:r>
+            <a:r>
+              <a:rPr kumimoji="0" lang="fi-FI" altLang="fi-FI" sz="1800" b="0" i="0" u="none" strike="noStrike" cap="none" normalizeH="0" baseline="0" dirty="0">
+                <a:ln>
+                  <a:noFill/>
+                </a:ln>
+                <a:solidFill>
+                  <a:schemeClr val="tx1"/>
+                </a:solidFill>
+                <a:effectLst/>
+                <a:latin typeface="Arial" panose="020B0604020202020204" pitchFamily="34" charset="0"/>
+              </a:rPr>
+              <a:t> </a:t>
+            </a:r>
+            <a:r>
+              <a:rPr kumimoji="0" lang="fi-FI" altLang="fi-FI" sz="1800" b="1" i="0" u="none" strike="noStrike" cap="none" normalizeH="0" baseline="0" dirty="0" err="1">
+                <a:ln>
+                  <a:noFill/>
+                </a:ln>
+                <a:solidFill>
+                  <a:schemeClr val="tx1"/>
+                </a:solidFill>
+                <a:effectLst/>
+                <a:latin typeface="Arial" panose="020B0604020202020204" pitchFamily="34" charset="0"/>
+              </a:rPr>
+              <a:t>biome</a:t>
+            </a:r>
+            <a:r>
+              <a:rPr kumimoji="0" lang="fi-FI" altLang="fi-FI" sz="1800" b="0" i="0" u="none" strike="noStrike" cap="none" normalizeH="0" baseline="0" dirty="0">
+                <a:ln>
+                  <a:noFill/>
+                </a:ln>
+                <a:solidFill>
+                  <a:schemeClr val="tx1"/>
+                </a:solidFill>
+                <a:effectLst/>
+                <a:latin typeface="Arial" panose="020B0604020202020204" pitchFamily="34" charset="0"/>
+              </a:rPr>
+              <a:t> in Windows </a:t>
+            </a:r>
+            <a:r>
+              <a:rPr kumimoji="0" lang="fi-FI" altLang="fi-FI" sz="1800" b="0" i="0" u="none" strike="noStrike" cap="none" normalizeH="0" baseline="0" dirty="0" err="1">
+                <a:ln>
+                  <a:noFill/>
+                </a:ln>
+                <a:solidFill>
+                  <a:schemeClr val="tx1"/>
+                </a:solidFill>
+                <a:effectLst/>
+                <a:latin typeface="Arial" panose="020B0604020202020204" pitchFamily="34" charset="0"/>
+              </a:rPr>
+              <a:t>computers</a:t>
+            </a:r>
+            <a:r>
+              <a:rPr kumimoji="0" lang="fi-FI" altLang="fi-FI" sz="1800" b="0" i="0" u="none" strike="noStrike" cap="none" normalizeH="0" baseline="0" dirty="0">
+                <a:ln>
+                  <a:noFill/>
+                </a:ln>
+                <a:solidFill>
+                  <a:schemeClr val="tx1"/>
+                </a:solidFill>
+                <a:effectLst/>
+                <a:latin typeface="Arial" panose="020B0604020202020204" pitchFamily="34" charset="0"/>
+              </a:rPr>
+              <a:t>, </a:t>
+            </a:r>
+            <a:r>
+              <a:rPr kumimoji="0" lang="fi-FI" altLang="fi-FI" sz="1800" b="1" i="0" u="none" strike="noStrike" cap="none" normalizeH="0" baseline="0" dirty="0" err="1">
+                <a:ln>
+                  <a:noFill/>
+                </a:ln>
+                <a:solidFill>
+                  <a:schemeClr val="tx1"/>
+                </a:solidFill>
+                <a:effectLst/>
+                <a:latin typeface="Arial" panose="020B0604020202020204" pitchFamily="34" charset="0"/>
+              </a:rPr>
+              <a:t>crlf</a:t>
+            </a:r>
+            <a:r>
+              <a:rPr kumimoji="0" lang="fi-FI" altLang="fi-FI" sz="1800" b="0" i="0" u="none" strike="noStrike" cap="none" normalizeH="0" baseline="0" dirty="0">
+                <a:ln>
+                  <a:noFill/>
+                </a:ln>
+                <a:solidFill>
+                  <a:schemeClr val="tx1"/>
+                </a:solidFill>
+                <a:effectLst/>
+                <a:latin typeface="Arial" panose="020B0604020202020204" pitchFamily="34" charset="0"/>
+              </a:rPr>
+              <a:t> : (Linux &amp; Mac: </a:t>
+            </a:r>
+            <a:r>
+              <a:rPr kumimoji="0" lang="fi-FI" altLang="fi-FI" sz="1800" b="0" i="0" u="none" strike="noStrike" cap="none" normalizeH="0" baseline="0" dirty="0" err="1">
+                <a:ln>
+                  <a:noFill/>
+                </a:ln>
+                <a:solidFill>
+                  <a:schemeClr val="tx1"/>
+                </a:solidFill>
+                <a:effectLst/>
+                <a:latin typeface="Arial" panose="020B0604020202020204" pitchFamily="34" charset="0"/>
+              </a:rPr>
+              <a:t>change</a:t>
+            </a:r>
+            <a:r>
+              <a:rPr kumimoji="0" lang="fi-FI" altLang="fi-FI" sz="1800" b="0" i="0" u="none" strike="noStrike" cap="none" normalizeH="0" baseline="0" dirty="0">
+                <a:ln>
+                  <a:noFill/>
+                </a:ln>
+                <a:solidFill>
+                  <a:schemeClr val="tx1"/>
+                </a:solidFill>
+                <a:effectLst/>
+                <a:latin typeface="Arial" panose="020B0604020202020204" pitchFamily="34" charset="0"/>
+              </a:rPr>
+              <a:t> </a:t>
+            </a:r>
+            <a:r>
+              <a:rPr kumimoji="0" lang="fi-FI" altLang="fi-FI" sz="1800" b="0" i="0" u="none" strike="noStrike" cap="none" normalizeH="0" baseline="0" dirty="0" err="1">
+                <a:ln>
+                  <a:noFill/>
+                </a:ln>
+                <a:solidFill>
+                  <a:schemeClr val="tx1"/>
+                </a:solidFill>
+                <a:effectLst/>
+                <a:latin typeface="Arial" panose="020B0604020202020204" pitchFamily="34" charset="0"/>
+              </a:rPr>
+              <a:t>crlf</a:t>
+            </a:r>
+            <a:r>
+              <a:rPr kumimoji="0" lang="fi-FI" altLang="fi-FI" sz="1800" b="0" i="0" u="none" strike="noStrike" cap="none" normalizeH="0" baseline="0" dirty="0">
+                <a:ln>
+                  <a:noFill/>
+                </a:ln>
+                <a:solidFill>
+                  <a:schemeClr val="tx1"/>
+                </a:solidFill>
+                <a:effectLst/>
+                <a:latin typeface="Arial" panose="020B0604020202020204" pitchFamily="34" charset="0"/>
+              </a:rPr>
+              <a:t> to </a:t>
+            </a:r>
+            <a:r>
+              <a:rPr kumimoji="0" lang="fi-FI" altLang="fi-FI" sz="1800" b="1" i="0" u="none" strike="noStrike" cap="none" normalizeH="0" baseline="0" dirty="0" err="1">
+                <a:ln>
+                  <a:noFill/>
+                </a:ln>
+                <a:solidFill>
+                  <a:schemeClr val="tx1"/>
+                </a:solidFill>
+                <a:effectLst/>
+                <a:latin typeface="Arial" panose="020B0604020202020204" pitchFamily="34" charset="0"/>
+              </a:rPr>
+              <a:t>cr</a:t>
+            </a:r>
+            <a:r>
+              <a:rPr kumimoji="0" lang="fi-FI" altLang="fi-FI" sz="1800" b="0" i="0" u="none" strike="noStrike" cap="none" normalizeH="0" baseline="0" dirty="0">
+                <a:ln>
+                  <a:noFill/>
+                </a:ln>
+                <a:solidFill>
+                  <a:schemeClr val="tx1"/>
+                </a:solidFill>
+                <a:effectLst/>
+                <a:latin typeface="Arial" panose="020B0604020202020204" pitchFamily="34" charset="0"/>
+              </a:rPr>
+              <a:t> )</a:t>
+            </a:r>
+          </a:p>
+          <a:p>
+            <a:pPr marL="0" marR="0" lvl="0" indent="0" algn="l" defTabSz="914400" rtl="0" eaLnBrk="0" fontAlgn="base" latinLnBrk="0" hangingPunct="0">
+              <a:lnSpc>
+                <a:spcPct val="100000"/>
+              </a:lnSpc>
+              <a:spcBef>
+                <a:spcPct val="0"/>
+              </a:spcBef>
+              <a:spcAft>
+                <a:spcPct val="0"/>
+              </a:spcAft>
+              <a:buClrTx/>
+              <a:buSzTx/>
+              <a:buFontTx/>
+              <a:buNone/>
+              <a:tabLst/>
+            </a:pPr>
+            <a:endParaRPr kumimoji="0" lang="fi-FI" altLang="fi-FI" sz="1800" b="0" i="0" u="none" strike="noStrike" cap="none" normalizeH="0" baseline="0" dirty="0">
+              <a:ln>
+                <a:noFill/>
+              </a:ln>
+              <a:solidFill>
+                <a:schemeClr val="tx1"/>
+              </a:solidFill>
+              <a:effectLst/>
+              <a:latin typeface="Arial" panose="020B0604020202020204" pitchFamily="34" charset="0"/>
+            </a:endParaRPr>
+          </a:p>
+          <a:p>
+            <a:pPr marL="0" marR="0" lvl="0" indent="0" algn="l" defTabSz="914400" rtl="0" eaLnBrk="0" fontAlgn="base" latinLnBrk="0" hangingPunct="0">
+              <a:lnSpc>
+                <a:spcPct val="100000"/>
+              </a:lnSpc>
+              <a:spcBef>
+                <a:spcPct val="0"/>
+              </a:spcBef>
+              <a:spcAft>
+                <a:spcPct val="0"/>
+              </a:spcAft>
+              <a:buClrTx/>
+              <a:buSzTx/>
+              <a:buFontTx/>
+              <a:buAutoNum type="arabicPeriod"/>
+              <a:tabLst/>
+            </a:pPr>
+            <a:r>
+              <a:rPr kumimoji="0" lang="fi-FI" altLang="fi-FI" sz="1800" b="0" i="0" u="none" strike="noStrike" cap="none" normalizeH="0" baseline="0" dirty="0">
+                <a:ln>
+                  <a:noFill/>
+                </a:ln>
+                <a:solidFill>
+                  <a:schemeClr val="tx1"/>
+                </a:solidFill>
+                <a:effectLst/>
+                <a:latin typeface="Arial" panose="020B0604020202020204" pitchFamily="34" charset="0"/>
+              </a:rPr>
+              <a:t> </a:t>
+            </a:r>
+            <a:r>
+              <a:rPr kumimoji="0" lang="fi-FI" altLang="fi-FI" sz="1800" b="0" i="0" u="none" strike="noStrike" cap="none" normalizeH="0" baseline="0" dirty="0" err="1">
+                <a:ln>
+                  <a:noFill/>
+                </a:ln>
+                <a:solidFill>
+                  <a:schemeClr val="tx1"/>
+                </a:solidFill>
+                <a:effectLst/>
+                <a:latin typeface="Arial" panose="020B0604020202020204" pitchFamily="34" charset="0"/>
+              </a:rPr>
+              <a:t>First</a:t>
+            </a:r>
+            <a:r>
+              <a:rPr kumimoji="0" lang="fi-FI" altLang="fi-FI" sz="1800" b="0" i="0" u="none" strike="noStrike" cap="none" normalizeH="0" baseline="0" dirty="0">
+                <a:ln>
+                  <a:noFill/>
+                </a:ln>
+                <a:solidFill>
+                  <a:schemeClr val="tx1"/>
+                </a:solidFill>
+                <a:effectLst/>
+                <a:latin typeface="Arial" panose="020B0604020202020204" pitchFamily="34" charset="0"/>
+              </a:rPr>
+              <a:t> </a:t>
+            </a:r>
+            <a:r>
+              <a:rPr kumimoji="0" lang="fi-FI" altLang="fi-FI" sz="1800" b="0" i="0" u="none" strike="noStrike" cap="none" normalizeH="0" baseline="0" dirty="0" err="1">
+                <a:ln>
+                  <a:noFill/>
+                </a:ln>
+                <a:solidFill>
+                  <a:schemeClr val="tx1"/>
+                </a:solidFill>
+                <a:effectLst/>
+                <a:latin typeface="Arial" panose="020B0604020202020204" pitchFamily="34" charset="0"/>
+              </a:rPr>
+              <a:t>you</a:t>
+            </a:r>
+            <a:r>
+              <a:rPr kumimoji="0" lang="fi-FI" altLang="fi-FI" sz="1800" b="0" i="0" u="none" strike="noStrike" cap="none" normalizeH="0" baseline="0" dirty="0">
+                <a:ln>
+                  <a:noFill/>
+                </a:ln>
+                <a:solidFill>
+                  <a:schemeClr val="tx1"/>
+                </a:solidFill>
+                <a:effectLst/>
+                <a:latin typeface="Arial" panose="020B0604020202020204" pitchFamily="34" charset="0"/>
+              </a:rPr>
+              <a:t> </a:t>
+            </a:r>
+            <a:r>
+              <a:rPr kumimoji="0" lang="fi-FI" altLang="fi-FI" sz="1800" b="0" i="0" u="none" strike="noStrike" cap="none" normalizeH="0" baseline="0" dirty="0" err="1">
+                <a:ln>
+                  <a:noFill/>
+                </a:ln>
+                <a:solidFill>
+                  <a:schemeClr val="tx1"/>
+                </a:solidFill>
+                <a:effectLst/>
+                <a:latin typeface="Arial" panose="020B0604020202020204" pitchFamily="34" charset="0"/>
+              </a:rPr>
+              <a:t>might</a:t>
+            </a:r>
+            <a:r>
+              <a:rPr kumimoji="0" lang="fi-FI" altLang="fi-FI" sz="1800" b="0" i="0" u="none" strike="noStrike" cap="none" normalizeH="0" baseline="0" dirty="0">
+                <a:ln>
+                  <a:noFill/>
+                </a:ln>
+                <a:solidFill>
+                  <a:schemeClr val="tx1"/>
+                </a:solidFill>
+                <a:effectLst/>
+                <a:latin typeface="Arial" panose="020B0604020202020204" pitchFamily="34" charset="0"/>
+              </a:rPr>
+              <a:t> </a:t>
+            </a:r>
+            <a:r>
+              <a:rPr kumimoji="0" lang="fi-FI" altLang="fi-FI" sz="1800" b="0" i="0" u="none" strike="noStrike" cap="none" normalizeH="0" baseline="0" dirty="0" err="1">
+                <a:ln>
+                  <a:noFill/>
+                </a:ln>
+                <a:solidFill>
+                  <a:schemeClr val="tx1"/>
+                </a:solidFill>
+                <a:effectLst/>
+                <a:latin typeface="Arial" panose="020B0604020202020204" pitchFamily="34" charset="0"/>
+              </a:rPr>
+              <a:t>need</a:t>
+            </a:r>
+            <a:r>
+              <a:rPr kumimoji="0" lang="fi-FI" altLang="fi-FI" sz="1800" b="0" i="0" u="none" strike="noStrike" cap="none" normalizeH="0" baseline="0" dirty="0">
+                <a:ln>
+                  <a:noFill/>
+                </a:ln>
+                <a:solidFill>
+                  <a:schemeClr val="tx1"/>
+                </a:solidFill>
+                <a:effectLst/>
+                <a:latin typeface="Arial" panose="020B0604020202020204" pitchFamily="34" charset="0"/>
+              </a:rPr>
+              <a:t> to </a:t>
+            </a:r>
+            <a:r>
+              <a:rPr kumimoji="0" lang="fi-FI" altLang="fi-FI" sz="1800" b="0" i="0" u="none" strike="noStrike" cap="none" normalizeH="0" baseline="0" dirty="0" err="1">
+                <a:ln>
+                  <a:noFill/>
+                </a:ln>
+                <a:solidFill>
+                  <a:schemeClr val="tx1"/>
+                </a:solidFill>
+                <a:effectLst/>
+                <a:latin typeface="Arial" panose="020B0604020202020204" pitchFamily="34" charset="0"/>
+              </a:rPr>
+              <a:t>fix</a:t>
+            </a:r>
+            <a:r>
+              <a:rPr kumimoji="0" lang="fi-FI" altLang="fi-FI" sz="1800" b="0" i="0" u="none" strike="noStrike" cap="none" normalizeH="0" baseline="0" dirty="0">
+                <a:ln>
+                  <a:noFill/>
+                </a:ln>
+                <a:solidFill>
+                  <a:schemeClr val="tx1"/>
+                </a:solidFill>
+                <a:effectLst/>
+                <a:latin typeface="Arial" panose="020B0604020202020204" pitchFamily="34" charset="0"/>
+              </a:rPr>
+              <a:t> and </a:t>
+            </a:r>
+            <a:r>
+              <a:rPr kumimoji="0" lang="fi-FI" altLang="fi-FI" sz="1800" b="1" i="0" u="none" strike="noStrike" cap="none" normalizeH="0" baseline="0" dirty="0" err="1">
+                <a:ln>
+                  <a:noFill/>
+                </a:ln>
+                <a:solidFill>
+                  <a:schemeClr val="tx1"/>
+                </a:solidFill>
+                <a:effectLst/>
+                <a:latin typeface="Arial" panose="020B0604020202020204" pitchFamily="34" charset="0"/>
+              </a:rPr>
+              <a:t>rewrite</a:t>
+            </a:r>
+            <a:r>
+              <a:rPr kumimoji="0" lang="fi-FI" altLang="fi-FI" sz="1800" b="1" i="0" u="none" strike="noStrike" cap="none" normalizeH="0" baseline="0" dirty="0">
+                <a:ln>
+                  <a:noFill/>
+                </a:ln>
+                <a:solidFill>
+                  <a:schemeClr val="tx1"/>
+                </a:solidFill>
+                <a:effectLst/>
+                <a:latin typeface="Arial" panose="020B0604020202020204" pitchFamily="34" charset="0"/>
+              </a:rPr>
+              <a:t> </a:t>
+            </a:r>
+            <a:r>
+              <a:rPr kumimoji="0" lang="fi-FI" altLang="fi-FI" sz="1800" b="1" i="0" u="none" strike="noStrike" cap="none" normalizeH="0" baseline="0" dirty="0" err="1">
+                <a:ln>
+                  <a:noFill/>
+                </a:ln>
+                <a:solidFill>
+                  <a:schemeClr val="tx1"/>
+                </a:solidFill>
+                <a:effectLst/>
+                <a:latin typeface="Arial" panose="020B0604020202020204" pitchFamily="34" charset="0"/>
+              </a:rPr>
+              <a:t>formatting</a:t>
+            </a:r>
+            <a:r>
+              <a:rPr kumimoji="0" lang="fi-FI" altLang="fi-FI" sz="1800" b="0" i="0" u="none" strike="noStrike" cap="none" normalizeH="0" baseline="0" dirty="0">
+                <a:ln>
+                  <a:noFill/>
+                </a:ln>
+                <a:solidFill>
+                  <a:schemeClr val="tx1"/>
+                </a:solidFill>
+                <a:effectLst/>
+                <a:latin typeface="Arial" panose="020B0604020202020204" pitchFamily="34" charset="0"/>
+              </a:rPr>
+              <a:t> of </a:t>
+            </a:r>
+            <a:r>
+              <a:rPr kumimoji="0" lang="fi-FI" altLang="fi-FI" sz="1800" b="0" i="0" u="none" strike="noStrike" cap="none" normalizeH="0" baseline="0" dirty="0" err="1">
+                <a:ln>
+                  <a:noFill/>
+                </a:ln>
+                <a:solidFill>
+                  <a:schemeClr val="tx1"/>
+                </a:solidFill>
+                <a:effectLst/>
+                <a:latin typeface="Arial" panose="020B0604020202020204" pitchFamily="34" charset="0"/>
+              </a:rPr>
+              <a:t>files</a:t>
+            </a:r>
+            <a:r>
+              <a:rPr kumimoji="0" lang="fi-FI" altLang="fi-FI" sz="1800" b="0" i="0" u="none" strike="noStrike" cap="none" normalizeH="0" baseline="0" dirty="0">
+                <a:ln>
+                  <a:noFill/>
+                </a:ln>
+                <a:solidFill>
+                  <a:schemeClr val="tx1"/>
+                </a:solidFill>
+                <a:effectLst/>
+                <a:latin typeface="Arial" panose="020B0604020202020204" pitchFamily="34" charset="0"/>
+              </a:rPr>
+              <a:t> for </a:t>
+            </a:r>
+            <a:r>
+              <a:rPr kumimoji="0" lang="fi-FI" altLang="fi-FI" sz="1800" b="0" i="0" u="none" strike="noStrike" cap="none" normalizeH="0" baseline="0" dirty="0" err="1">
+                <a:ln>
+                  <a:noFill/>
+                </a:ln>
+                <a:solidFill>
+                  <a:schemeClr val="tx1"/>
+                </a:solidFill>
+                <a:effectLst/>
+                <a:latin typeface="Arial" panose="020B0604020202020204" pitchFamily="34" charset="0"/>
+              </a:rPr>
+              <a:t>your</a:t>
+            </a:r>
+            <a:r>
+              <a:rPr kumimoji="0" lang="fi-FI" altLang="fi-FI" sz="1800" b="0" i="0" u="none" strike="noStrike" cap="none" normalizeH="0" baseline="0" dirty="0">
+                <a:ln>
+                  <a:noFill/>
+                </a:ln>
+                <a:solidFill>
+                  <a:schemeClr val="tx1"/>
+                </a:solidFill>
+                <a:effectLst/>
+                <a:latin typeface="Arial" panose="020B0604020202020204" pitchFamily="34" charset="0"/>
+              </a:rPr>
+              <a:t> </a:t>
+            </a:r>
+            <a:r>
+              <a:rPr kumimoji="0" lang="fi-FI" altLang="fi-FI" sz="1800" b="0" i="0" u="none" strike="noStrike" cap="none" normalizeH="0" baseline="0" dirty="0" err="1">
+                <a:ln>
+                  <a:noFill/>
+                </a:ln>
+                <a:solidFill>
+                  <a:schemeClr val="tx1"/>
+                </a:solidFill>
+                <a:effectLst/>
+                <a:latin typeface="Arial" panose="020B0604020202020204" pitchFamily="34" charset="0"/>
+              </a:rPr>
+              <a:t>enviroment</a:t>
+            </a:r>
+            <a:r>
+              <a:rPr kumimoji="0" lang="fi-FI" altLang="fi-FI" sz="1800" b="0" i="0" u="none" strike="noStrike" cap="none" normalizeH="0" baseline="0" dirty="0">
+                <a:ln>
+                  <a:noFill/>
+                </a:ln>
+                <a:solidFill>
+                  <a:schemeClr val="tx1"/>
+                </a:solidFill>
+                <a:effectLst/>
+                <a:latin typeface="Arial" panose="020B0604020202020204" pitchFamily="34" charset="0"/>
+              </a:rPr>
+              <a:t> (</a:t>
+            </a:r>
+            <a:r>
+              <a:rPr kumimoji="0" lang="fi-FI" altLang="fi-FI" sz="1800" b="0" i="0" u="none" strike="noStrike" cap="none" normalizeH="0" baseline="0" dirty="0" err="1">
+                <a:ln>
+                  <a:noFill/>
+                </a:ln>
+                <a:solidFill>
+                  <a:schemeClr val="tx1"/>
+                </a:solidFill>
+                <a:effectLst/>
+                <a:latin typeface="Arial" panose="020B0604020202020204" pitchFamily="34" charset="0"/>
+              </a:rPr>
+              <a:t>indentation</a:t>
+            </a:r>
+            <a:r>
+              <a:rPr kumimoji="0" lang="fi-FI" altLang="fi-FI" sz="1800" b="0" i="0" u="none" strike="noStrike" cap="none" normalizeH="0" baseline="0" dirty="0">
+                <a:ln>
+                  <a:noFill/>
+                </a:ln>
+                <a:solidFill>
+                  <a:schemeClr val="tx1"/>
+                </a:solidFill>
+                <a:effectLst/>
+                <a:latin typeface="Arial" panose="020B0604020202020204" pitchFamily="34" charset="0"/>
+              </a:rPr>
+              <a:t> and </a:t>
+            </a:r>
+            <a:r>
+              <a:rPr kumimoji="0" lang="fi-FI" altLang="fi-FI" sz="1800" b="0" i="0" u="none" strike="noStrike" cap="none" normalizeH="0" baseline="0" dirty="0" err="1">
+                <a:ln>
+                  <a:noFill/>
+                </a:ln>
+                <a:solidFill>
+                  <a:schemeClr val="tx1"/>
+                </a:solidFill>
+                <a:effectLst/>
+                <a:latin typeface="Arial" panose="020B0604020202020204" pitchFamily="34" charset="0"/>
+              </a:rPr>
+              <a:t>line-endings</a:t>
+            </a:r>
+            <a:r>
+              <a:rPr kumimoji="0" lang="fi-FI" altLang="fi-FI" sz="1800" b="0" i="0" u="none" strike="noStrike" cap="none" normalizeH="0" baseline="0" dirty="0">
+                <a:ln>
+                  <a:noFill/>
+                </a:ln>
+                <a:solidFill>
+                  <a:schemeClr val="tx1"/>
+                </a:solidFill>
+                <a:effectLst/>
+                <a:latin typeface="Arial" panose="020B0604020202020204" pitchFamily="34" charset="0"/>
+              </a:rPr>
+              <a:t>)</a:t>
+            </a:r>
+          </a:p>
+          <a:p>
+            <a:pPr marL="0" marR="0" lvl="0" indent="0" algn="l" defTabSz="914400" rtl="0" eaLnBrk="0" fontAlgn="base" latinLnBrk="0" hangingPunct="0">
+              <a:lnSpc>
+                <a:spcPct val="100000"/>
+              </a:lnSpc>
+              <a:spcBef>
+                <a:spcPct val="0"/>
+              </a:spcBef>
+              <a:spcAft>
+                <a:spcPct val="0"/>
+              </a:spcAft>
+              <a:buClrTx/>
+              <a:buSzTx/>
+              <a:buFontTx/>
+              <a:buAutoNum type="arabicPeriod" startAt="2"/>
+              <a:tabLst/>
+            </a:pPr>
+            <a:r>
+              <a:rPr kumimoji="0" lang="fi-FI" altLang="fi-FI" sz="1800" b="0" i="0" u="none" strike="noStrike" cap="none" normalizeH="0" baseline="0" dirty="0">
+                <a:ln>
+                  <a:noFill/>
+                </a:ln>
+                <a:solidFill>
+                  <a:schemeClr val="tx1"/>
+                </a:solidFill>
+                <a:effectLst/>
+                <a:latin typeface="Arial" panose="020B0604020202020204" pitchFamily="34" charset="0"/>
+              </a:rPr>
+              <a:t> Second </a:t>
+            </a:r>
+            <a:r>
+              <a:rPr kumimoji="0" lang="fi-FI" altLang="fi-FI" sz="1800" b="0" i="0" u="none" strike="noStrike" cap="none" normalizeH="0" baseline="0" dirty="0" err="1">
+                <a:ln>
+                  <a:noFill/>
+                </a:ln>
+                <a:solidFill>
+                  <a:schemeClr val="tx1"/>
+                </a:solidFill>
+                <a:effectLst/>
+                <a:latin typeface="Arial" panose="020B0604020202020204" pitchFamily="34" charset="0"/>
+              </a:rPr>
+              <a:t>you</a:t>
+            </a:r>
+            <a:r>
+              <a:rPr kumimoji="0" lang="fi-FI" altLang="fi-FI" sz="1800" b="0" i="0" u="none" strike="noStrike" cap="none" normalizeH="0" baseline="0" dirty="0">
+                <a:ln>
+                  <a:noFill/>
+                </a:ln>
+                <a:solidFill>
+                  <a:schemeClr val="tx1"/>
+                </a:solidFill>
+                <a:effectLst/>
+                <a:latin typeface="Arial" panose="020B0604020202020204" pitchFamily="34" charset="0"/>
+              </a:rPr>
+              <a:t> </a:t>
+            </a:r>
+            <a:r>
+              <a:rPr kumimoji="0" lang="fi-FI" altLang="fi-FI" sz="1800" b="0" i="0" u="none" strike="noStrike" cap="none" normalizeH="0" baseline="0" dirty="0" err="1">
+                <a:ln>
+                  <a:noFill/>
+                </a:ln>
+                <a:solidFill>
+                  <a:schemeClr val="tx1"/>
+                </a:solidFill>
+                <a:effectLst/>
+                <a:latin typeface="Arial" panose="020B0604020202020204" pitchFamily="34" charset="0"/>
+              </a:rPr>
+              <a:t>can</a:t>
+            </a:r>
+            <a:r>
+              <a:rPr kumimoji="0" lang="fi-FI" altLang="fi-FI" sz="1800" b="0" i="0" u="none" strike="noStrike" cap="none" normalizeH="0" baseline="0" dirty="0">
+                <a:ln>
+                  <a:noFill/>
+                </a:ln>
+                <a:solidFill>
+                  <a:schemeClr val="tx1"/>
+                </a:solidFill>
+                <a:effectLst/>
+                <a:latin typeface="Arial" panose="020B0604020202020204" pitchFamily="34" charset="0"/>
+              </a:rPr>
+              <a:t> just </a:t>
+            </a:r>
+            <a:r>
+              <a:rPr kumimoji="0" lang="fi-FI" altLang="fi-FI" sz="1800" b="1" i="0" u="none" strike="noStrike" cap="none" normalizeH="0" baseline="0" dirty="0" err="1">
+                <a:ln>
+                  <a:noFill/>
+                </a:ln>
+                <a:solidFill>
+                  <a:schemeClr val="tx1"/>
+                </a:solidFill>
+                <a:effectLst/>
+                <a:latin typeface="Arial" panose="020B0604020202020204" pitchFamily="34" charset="0"/>
+              </a:rPr>
+              <a:t>check</a:t>
+            </a:r>
+            <a:r>
+              <a:rPr kumimoji="0" lang="fi-FI" altLang="fi-FI" sz="1800" b="0" i="0" u="none" strike="noStrike" cap="none" normalizeH="0" baseline="0" dirty="0">
+                <a:ln>
+                  <a:noFill/>
+                </a:ln>
+                <a:solidFill>
+                  <a:schemeClr val="tx1"/>
+                </a:solidFill>
+                <a:effectLst/>
+                <a:latin typeface="Arial" panose="020B0604020202020204" pitchFamily="34" charset="0"/>
+              </a:rPr>
+              <a:t> (for </a:t>
+            </a:r>
+            <a:r>
+              <a:rPr kumimoji="0" lang="fi-FI" altLang="fi-FI" sz="1800" b="1" i="0" u="none" strike="noStrike" cap="none" normalizeH="0" baseline="0" dirty="0" err="1">
+                <a:ln>
+                  <a:noFill/>
+                </a:ln>
+                <a:solidFill>
+                  <a:schemeClr val="tx1"/>
+                </a:solidFill>
+                <a:effectLst/>
+                <a:latin typeface="Arial" panose="020B0604020202020204" pitchFamily="34" charset="0"/>
+              </a:rPr>
+              <a:t>other</a:t>
+            </a:r>
+            <a:r>
+              <a:rPr kumimoji="0" lang="fi-FI" altLang="fi-FI" sz="1800" b="1" i="0" u="none" strike="noStrike" cap="none" normalizeH="0" baseline="0" dirty="0">
+                <a:ln>
+                  <a:noFill/>
+                </a:ln>
+                <a:solidFill>
+                  <a:schemeClr val="tx1"/>
+                </a:solidFill>
+                <a:effectLst/>
+                <a:latin typeface="Arial" panose="020B0604020202020204" pitchFamily="34" charset="0"/>
+              </a:rPr>
+              <a:t> </a:t>
+            </a:r>
+            <a:r>
+              <a:rPr kumimoji="0" lang="fi-FI" altLang="fi-FI" sz="1800" b="1" i="0" u="none" strike="noStrike" cap="none" normalizeH="0" baseline="0" dirty="0" err="1">
+                <a:ln>
+                  <a:noFill/>
+                </a:ln>
+                <a:solidFill>
+                  <a:schemeClr val="tx1"/>
+                </a:solidFill>
+                <a:effectLst/>
+                <a:latin typeface="Arial" panose="020B0604020202020204" pitchFamily="34" charset="0"/>
+              </a:rPr>
+              <a:t>problems</a:t>
+            </a:r>
+            <a:r>
+              <a:rPr kumimoji="0" lang="fi-FI" altLang="fi-FI" sz="1800" b="0" i="0" u="none" strike="noStrike" cap="none" normalizeH="0" baseline="0" dirty="0">
+                <a:ln>
+                  <a:noFill/>
+                </a:ln>
+                <a:solidFill>
+                  <a:schemeClr val="tx1"/>
+                </a:solidFill>
+                <a:effectLst/>
+                <a:latin typeface="Arial" panose="020B0604020202020204" pitchFamily="34" charset="0"/>
+              </a:rPr>
+              <a:t>/</a:t>
+            </a:r>
+            <a:r>
+              <a:rPr kumimoji="0" lang="fi-FI" altLang="fi-FI" sz="1800" b="0" i="0" u="none" strike="noStrike" cap="none" normalizeH="0" baseline="0" dirty="0" err="1">
+                <a:ln>
+                  <a:noFill/>
+                </a:ln>
+                <a:solidFill>
+                  <a:schemeClr val="tx1"/>
+                </a:solidFill>
+                <a:effectLst/>
+                <a:latin typeface="Arial" panose="020B0604020202020204" pitchFamily="34" charset="0"/>
+              </a:rPr>
+              <a:t>hints</a:t>
+            </a:r>
+            <a:r>
+              <a:rPr kumimoji="0" lang="fi-FI" altLang="fi-FI" sz="1800" b="0" i="0" u="none" strike="noStrike" cap="none" normalizeH="0" baseline="0" dirty="0">
+                <a:ln>
+                  <a:noFill/>
+                </a:ln>
+                <a:solidFill>
+                  <a:schemeClr val="tx1"/>
+                </a:solidFill>
+                <a:effectLst/>
+                <a:latin typeface="Arial" panose="020B0604020202020204" pitchFamily="34" charset="0"/>
+              </a:rPr>
+              <a:t> </a:t>
+            </a:r>
+            <a:r>
+              <a:rPr kumimoji="0" lang="fi-FI" altLang="fi-FI" sz="1800" b="0" i="0" u="none" strike="noStrike" cap="none" normalizeH="0" baseline="0" dirty="0" err="1">
+                <a:ln>
+                  <a:noFill/>
+                </a:ln>
+                <a:solidFill>
+                  <a:schemeClr val="tx1"/>
+                </a:solidFill>
+                <a:effectLst/>
+                <a:latin typeface="Arial" panose="020B0604020202020204" pitchFamily="34" charset="0"/>
+              </a:rPr>
+              <a:t>than</a:t>
+            </a:r>
+            <a:r>
+              <a:rPr kumimoji="0" lang="fi-FI" altLang="fi-FI" sz="1800" b="0" i="0" u="none" strike="noStrike" cap="none" normalizeH="0" baseline="0" dirty="0">
+                <a:ln>
+                  <a:noFill/>
+                </a:ln>
+                <a:solidFill>
+                  <a:schemeClr val="tx1"/>
+                </a:solidFill>
+                <a:effectLst/>
+                <a:latin typeface="Arial" panose="020B0604020202020204" pitchFamily="34" charset="0"/>
+              </a:rPr>
+              <a:t> </a:t>
+            </a:r>
+            <a:r>
+              <a:rPr kumimoji="0" lang="fi-FI" altLang="fi-FI" sz="1800" b="0" i="0" u="none" strike="noStrike" cap="none" normalizeH="0" baseline="0" dirty="0" err="1">
+                <a:ln>
+                  <a:noFill/>
+                </a:ln>
+                <a:solidFill>
+                  <a:schemeClr val="tx1"/>
+                </a:solidFill>
+                <a:effectLst/>
+                <a:latin typeface="Arial" panose="020B0604020202020204" pitchFamily="34" charset="0"/>
+              </a:rPr>
+              <a:t>formatting</a:t>
+            </a:r>
+            <a:r>
+              <a:rPr kumimoji="0" lang="fi-FI" altLang="fi-FI" sz="1800" b="0" i="0" u="none" strike="noStrike" cap="none" normalizeH="0" baseline="0" dirty="0">
+                <a:ln>
+                  <a:noFill/>
+                </a:ln>
+                <a:solidFill>
+                  <a:schemeClr val="tx1"/>
+                </a:solidFill>
+                <a:effectLst/>
+                <a:latin typeface="Arial" panose="020B0604020202020204" pitchFamily="34" charset="0"/>
+              </a:rPr>
+              <a:t>)</a:t>
+            </a:r>
+          </a:p>
+          <a:p>
+            <a:pPr marL="0" marR="0" lvl="0" indent="0" algn="l" defTabSz="914400" rtl="0" eaLnBrk="0" fontAlgn="base" latinLnBrk="0" hangingPunct="0">
+              <a:lnSpc>
+                <a:spcPct val="100000"/>
+              </a:lnSpc>
+              <a:spcBef>
+                <a:spcPct val="0"/>
+              </a:spcBef>
+              <a:spcAft>
+                <a:spcPct val="0"/>
+              </a:spcAft>
+              <a:buClrTx/>
+              <a:buSzTx/>
+              <a:buFontTx/>
+              <a:buAutoNum type="arabicPeriod" startAt="3"/>
+              <a:tabLst/>
+            </a:pPr>
+            <a:r>
+              <a:rPr kumimoji="0" lang="fi-FI" altLang="fi-FI" sz="1800" b="0" i="0" u="none" strike="noStrike" cap="none" normalizeH="0" baseline="0" dirty="0">
+                <a:ln>
+                  <a:noFill/>
+                </a:ln>
+                <a:solidFill>
+                  <a:schemeClr val="tx1"/>
+                </a:solidFill>
+                <a:effectLst/>
+                <a:latin typeface="Arial" panose="020B0604020202020204" pitchFamily="34" charset="0"/>
+              </a:rPr>
+              <a:t> Third </a:t>
+            </a:r>
+            <a:r>
+              <a:rPr kumimoji="0" lang="fi-FI" altLang="fi-FI" sz="1800" b="0" i="0" u="none" strike="noStrike" cap="none" normalizeH="0" baseline="0" dirty="0" err="1">
+                <a:ln>
+                  <a:noFill/>
+                </a:ln>
+                <a:solidFill>
+                  <a:schemeClr val="tx1"/>
+                </a:solidFill>
+                <a:effectLst/>
+                <a:latin typeface="Arial" panose="020B0604020202020204" pitchFamily="34" charset="0"/>
+              </a:rPr>
+              <a:t>would</a:t>
+            </a:r>
+            <a:r>
+              <a:rPr kumimoji="0" lang="fi-FI" altLang="fi-FI" sz="1800" b="0" i="0" u="none" strike="noStrike" cap="none" normalizeH="0" baseline="0" dirty="0">
+                <a:ln>
+                  <a:noFill/>
+                </a:ln>
+                <a:solidFill>
+                  <a:schemeClr val="tx1"/>
+                </a:solidFill>
+                <a:effectLst/>
+                <a:latin typeface="Arial" panose="020B0604020202020204" pitchFamily="34" charset="0"/>
+              </a:rPr>
+              <a:t> </a:t>
+            </a:r>
+            <a:r>
+              <a:rPr kumimoji="0" lang="fi-FI" altLang="fi-FI" sz="1800" b="0" i="0" u="none" strike="noStrike" cap="none" normalizeH="0" baseline="0" dirty="0" err="1">
+                <a:ln>
+                  <a:noFill/>
+                </a:ln>
+                <a:solidFill>
+                  <a:schemeClr val="tx1"/>
+                </a:solidFill>
+                <a:effectLst/>
+                <a:latin typeface="Arial" panose="020B0604020202020204" pitchFamily="34" charset="0"/>
+              </a:rPr>
+              <a:t>also</a:t>
+            </a:r>
+            <a:r>
+              <a:rPr kumimoji="0" lang="fi-FI" altLang="fi-FI" sz="1800" b="0" i="0" u="none" strike="noStrike" cap="none" normalizeH="0" baseline="0" dirty="0">
+                <a:ln>
+                  <a:noFill/>
+                </a:ln>
+                <a:solidFill>
+                  <a:schemeClr val="tx1"/>
+                </a:solidFill>
+                <a:effectLst/>
+                <a:latin typeface="Arial" panose="020B0604020202020204" pitchFamily="34" charset="0"/>
+              </a:rPr>
+              <a:t> </a:t>
+            </a:r>
+            <a:r>
+              <a:rPr kumimoji="0" lang="fi-FI" altLang="fi-FI" sz="1800" b="0" i="0" u="none" strike="noStrike" cap="none" normalizeH="0" baseline="0" dirty="0" err="1">
+                <a:ln>
+                  <a:noFill/>
+                </a:ln>
+                <a:solidFill>
+                  <a:schemeClr val="tx1"/>
+                </a:solidFill>
+                <a:effectLst/>
+                <a:latin typeface="Arial" panose="020B0604020202020204" pitchFamily="34" charset="0"/>
+              </a:rPr>
+              <a:t>apply</a:t>
+            </a:r>
+            <a:r>
+              <a:rPr kumimoji="0" lang="fi-FI" altLang="fi-FI" sz="1800" b="0" i="0" u="none" strike="noStrike" cap="none" normalizeH="0" baseline="0" dirty="0">
+                <a:ln>
+                  <a:noFill/>
+                </a:ln>
+                <a:solidFill>
+                  <a:schemeClr val="tx1"/>
+                </a:solidFill>
+                <a:effectLst/>
+                <a:latin typeface="Arial" panose="020B0604020202020204" pitchFamily="34" charset="0"/>
+              </a:rPr>
+              <a:t>  = </a:t>
+            </a:r>
+            <a:r>
+              <a:rPr kumimoji="0" lang="fi-FI" altLang="fi-FI" sz="1800" b="1" i="0" u="none" strike="noStrike" cap="none" normalizeH="0" baseline="0" dirty="0" err="1">
+                <a:ln>
+                  <a:noFill/>
+                </a:ln>
+                <a:solidFill>
+                  <a:schemeClr val="tx1"/>
+                </a:solidFill>
+                <a:effectLst/>
+                <a:latin typeface="Arial" panose="020B0604020202020204" pitchFamily="34" charset="0"/>
+              </a:rPr>
+              <a:t>write</a:t>
+            </a:r>
+            <a:r>
+              <a:rPr kumimoji="0" lang="fi-FI" altLang="fi-FI" sz="1800" b="1" i="0" u="none" strike="noStrike" cap="none" normalizeH="0" baseline="0" dirty="0">
+                <a:ln>
+                  <a:noFill/>
+                </a:ln>
+                <a:solidFill>
+                  <a:schemeClr val="tx1"/>
+                </a:solidFill>
+                <a:effectLst/>
+                <a:latin typeface="Arial" panose="020B0604020202020204" pitchFamily="34" charset="0"/>
+              </a:rPr>
+              <a:t> </a:t>
+            </a:r>
+            <a:r>
+              <a:rPr kumimoji="0" lang="fi-FI" altLang="fi-FI" sz="1800" b="1" i="0" u="none" strike="noStrike" cap="none" normalizeH="0" baseline="0" dirty="0" err="1">
+                <a:ln>
+                  <a:noFill/>
+                </a:ln>
+                <a:solidFill>
+                  <a:schemeClr val="tx1"/>
+                </a:solidFill>
+                <a:effectLst/>
+                <a:latin typeface="Arial" panose="020B0604020202020204" pitchFamily="34" charset="0"/>
+              </a:rPr>
+              <a:t>those</a:t>
+            </a:r>
+            <a:r>
+              <a:rPr kumimoji="0" lang="fi-FI" altLang="fi-FI" sz="1800" b="1" i="0" u="none" strike="noStrike" cap="none" normalizeH="0" baseline="0" dirty="0">
+                <a:ln>
+                  <a:noFill/>
+                </a:ln>
+                <a:solidFill>
+                  <a:schemeClr val="tx1"/>
+                </a:solidFill>
+                <a:effectLst/>
+                <a:latin typeface="Arial" panose="020B0604020202020204" pitchFamily="34" charset="0"/>
+              </a:rPr>
+              <a:t> </a:t>
+            </a:r>
+            <a:r>
+              <a:rPr kumimoji="0" lang="fi-FI" altLang="fi-FI" sz="1800" b="1" i="0" u="none" strike="noStrike" cap="none" normalizeH="0" baseline="0" dirty="0" err="1">
+                <a:ln>
+                  <a:noFill/>
+                </a:ln>
+                <a:solidFill>
+                  <a:schemeClr val="tx1"/>
+                </a:solidFill>
+                <a:effectLst/>
+                <a:latin typeface="Arial" panose="020B0604020202020204" pitchFamily="34" charset="0"/>
+              </a:rPr>
+              <a:t>changes</a:t>
+            </a:r>
+            <a:r>
+              <a:rPr kumimoji="0" lang="fi-FI" altLang="fi-FI" sz="1800" b="1" i="0" u="none" strike="noStrike" cap="none" normalizeH="0" baseline="0" dirty="0">
+                <a:ln>
+                  <a:noFill/>
+                </a:ln>
+                <a:solidFill>
+                  <a:schemeClr val="tx1"/>
+                </a:solidFill>
+                <a:effectLst/>
+                <a:latin typeface="Arial" panose="020B0604020202020204" pitchFamily="34" charset="0"/>
+              </a:rPr>
+              <a:t> </a:t>
+            </a:r>
+            <a:r>
+              <a:rPr kumimoji="0" lang="fi-FI" altLang="fi-FI" sz="1800" b="0" i="0" u="none" strike="noStrike" cap="none" normalizeH="0" baseline="0" dirty="0">
+                <a:ln>
+                  <a:noFill/>
+                </a:ln>
+                <a:solidFill>
+                  <a:schemeClr val="tx1"/>
+                </a:solidFill>
+                <a:effectLst/>
+                <a:latin typeface="Arial" panose="020B0604020202020204" pitchFamily="34" charset="0"/>
+              </a:rPr>
+              <a:t>to </a:t>
+            </a:r>
+            <a:r>
+              <a:rPr kumimoji="0" lang="fi-FI" altLang="fi-FI" sz="1800" b="0" i="0" u="none" strike="noStrike" cap="none" normalizeH="0" baseline="0" dirty="0" err="1">
+                <a:ln>
+                  <a:noFill/>
+                </a:ln>
+                <a:solidFill>
+                  <a:schemeClr val="tx1"/>
+                </a:solidFill>
+                <a:effectLst/>
+                <a:latin typeface="Arial" panose="020B0604020202020204" pitchFamily="34" charset="0"/>
+              </a:rPr>
+              <a:t>the</a:t>
+            </a:r>
+            <a:r>
+              <a:rPr kumimoji="0" lang="fi-FI" altLang="fi-FI" sz="1800" b="0" i="0" u="none" strike="noStrike" cap="none" normalizeH="0" baseline="0" dirty="0">
+                <a:ln>
+                  <a:noFill/>
+                </a:ln>
+                <a:solidFill>
+                  <a:schemeClr val="tx1"/>
+                </a:solidFill>
+                <a:effectLst/>
+                <a:latin typeface="Arial" panose="020B0604020202020204" pitchFamily="34" charset="0"/>
+              </a:rPr>
+              <a:t> </a:t>
+            </a:r>
+            <a:r>
+              <a:rPr kumimoji="0" lang="fi-FI" altLang="fi-FI" sz="1800" b="0" i="0" u="none" strike="noStrike" cap="none" normalizeH="0" baseline="0" dirty="0" err="1">
+                <a:ln>
+                  <a:noFill/>
+                </a:ln>
+                <a:solidFill>
+                  <a:schemeClr val="tx1"/>
+                </a:solidFill>
+                <a:effectLst/>
+                <a:latin typeface="Arial" panose="020B0604020202020204" pitchFamily="34" charset="0"/>
+              </a:rPr>
+              <a:t>files</a:t>
+            </a:r>
+            <a:endParaRPr kumimoji="0" lang="fi-FI" altLang="fi-FI" sz="1800" b="0" i="0" u="none" strike="noStrike" cap="none" normalizeH="0" baseline="0" dirty="0">
+              <a:ln>
+                <a:noFill/>
+              </a:ln>
+              <a:solidFill>
+                <a:schemeClr val="tx1"/>
+              </a:solidFill>
+              <a:effectLst/>
+              <a:latin typeface="Arial" panose="020B0604020202020204" pitchFamily="34" charset="0"/>
+            </a:endParaRPr>
+          </a:p>
+          <a:p>
+            <a:pPr marL="0" marR="0" lvl="0" indent="0" algn="l" defTabSz="914400" rtl="0" eaLnBrk="0" fontAlgn="base" latinLnBrk="0" hangingPunct="0">
+              <a:lnSpc>
+                <a:spcPct val="100000"/>
+              </a:lnSpc>
+              <a:spcBef>
+                <a:spcPct val="0"/>
+              </a:spcBef>
+              <a:spcAft>
+                <a:spcPct val="0"/>
+              </a:spcAft>
+              <a:buClrTx/>
+              <a:buSzTx/>
+              <a:tabLst/>
+            </a:pPr>
+            <a:endParaRPr kumimoji="0" lang="fi-FI" altLang="fi-FI" sz="1800" b="0" i="0" u="none" strike="noStrike" cap="none" normalizeH="0" baseline="0" dirty="0">
+              <a:ln>
+                <a:noFill/>
+              </a:ln>
+              <a:solidFill>
+                <a:schemeClr val="tx1"/>
+              </a:solidFill>
+              <a:effectLst/>
+              <a:latin typeface="Arial" panose="020B0604020202020204" pitchFamily="34" charset="0"/>
+            </a:endParaRPr>
+          </a:p>
+          <a:p>
+            <a:pPr marL="0" marR="0" lvl="0" indent="0" algn="l" defTabSz="914400" rtl="0" eaLnBrk="0" fontAlgn="base" latinLnBrk="0" hangingPunct="0">
+              <a:lnSpc>
+                <a:spcPct val="100000"/>
+              </a:lnSpc>
+              <a:spcBef>
+                <a:spcPct val="0"/>
+              </a:spcBef>
+              <a:spcAft>
+                <a:spcPct val="0"/>
+              </a:spcAft>
+              <a:buClrTx/>
+              <a:buSzTx/>
+              <a:buFontTx/>
+              <a:buNone/>
+              <a:tabLst/>
+            </a:pPr>
+            <a:r>
+              <a:rPr kumimoji="0" lang="fi-FI" altLang="fi-FI" sz="1800" b="0" i="0" u="none" strike="noStrike" cap="none" normalizeH="0" baseline="0" dirty="0" err="1">
+                <a:ln>
+                  <a:noFill/>
+                </a:ln>
+                <a:solidFill>
+                  <a:schemeClr val="tx1"/>
+                </a:solidFill>
+                <a:effectLst/>
+                <a:latin typeface="Consolas" panose="020B0609020204030204" pitchFamily="49" charset="0"/>
+              </a:rPr>
+              <a:t>npx</a:t>
+            </a:r>
+            <a:r>
+              <a:rPr kumimoji="0" lang="fi-FI" altLang="fi-FI" sz="1800" b="0" i="0" u="none" strike="noStrike" cap="none" normalizeH="0" baseline="0" dirty="0">
+                <a:ln>
+                  <a:noFill/>
+                </a:ln>
+                <a:solidFill>
+                  <a:schemeClr val="tx1"/>
+                </a:solidFill>
+                <a:effectLst/>
+                <a:latin typeface="Consolas" panose="020B0609020204030204" pitchFamily="49" charset="0"/>
+              </a:rPr>
+              <a:t> @biomejs/biome </a:t>
+            </a:r>
+            <a:r>
+              <a:rPr kumimoji="0" lang="fi-FI" altLang="fi-FI" sz="1800" b="1" i="0" u="none" strike="noStrike" cap="none" normalizeH="0" baseline="0" dirty="0" err="1">
+                <a:ln>
+                  <a:noFill/>
+                </a:ln>
+                <a:solidFill>
+                  <a:schemeClr val="tx1"/>
+                </a:solidFill>
+                <a:effectLst/>
+                <a:latin typeface="Consolas" panose="020B0609020204030204" pitchFamily="49" charset="0"/>
+              </a:rPr>
+              <a:t>format</a:t>
+            </a:r>
+            <a:r>
+              <a:rPr kumimoji="0" lang="fi-FI" altLang="fi-FI" sz="1800" b="1" i="0" u="none" strike="noStrike" cap="none" normalizeH="0" baseline="0" dirty="0">
+                <a:ln>
+                  <a:noFill/>
+                </a:ln>
+                <a:solidFill>
+                  <a:schemeClr val="tx1"/>
+                </a:solidFill>
+                <a:effectLst/>
+                <a:latin typeface="Consolas" panose="020B0609020204030204" pitchFamily="49" charset="0"/>
+              </a:rPr>
+              <a:t> --</a:t>
+            </a:r>
+            <a:r>
+              <a:rPr kumimoji="0" lang="fi-FI" altLang="fi-FI" sz="1800" b="1" i="0" u="none" strike="noStrike" cap="none" normalizeH="0" baseline="0" dirty="0" err="1">
+                <a:ln>
+                  <a:noFill/>
+                </a:ln>
+                <a:solidFill>
+                  <a:schemeClr val="tx1"/>
+                </a:solidFill>
+                <a:effectLst/>
+                <a:latin typeface="Consolas" panose="020B0609020204030204" pitchFamily="49" charset="0"/>
+              </a:rPr>
+              <a:t>write</a:t>
+            </a:r>
+            <a:r>
+              <a:rPr kumimoji="0" lang="fi-FI" altLang="fi-FI" sz="1800" b="0" i="0" u="none" strike="noStrike" cap="none" normalizeH="0" baseline="0" dirty="0">
+                <a:ln>
+                  <a:noFill/>
+                </a:ln>
+                <a:solidFill>
+                  <a:schemeClr val="tx1"/>
+                </a:solidFill>
+                <a:effectLst/>
+                <a:latin typeface="Consolas" panose="020B0609020204030204" pitchFamily="49" charset="0"/>
+              </a:rPr>
+              <a:t> --</a:t>
+            </a:r>
+            <a:r>
+              <a:rPr kumimoji="0" lang="fi-FI" altLang="fi-FI" sz="1800" b="0" i="0" u="none" strike="noStrike" cap="none" normalizeH="0" baseline="0" dirty="0" err="1">
+                <a:ln>
+                  <a:noFill/>
+                </a:ln>
+                <a:solidFill>
+                  <a:schemeClr val="tx1"/>
+                </a:solidFill>
+                <a:effectLst/>
+                <a:latin typeface="Consolas" panose="020B0609020204030204" pitchFamily="49" charset="0"/>
+              </a:rPr>
+              <a:t>max-diagnostics</a:t>
+            </a:r>
+            <a:r>
+              <a:rPr kumimoji="0" lang="fi-FI" altLang="fi-FI" sz="1800" b="0" i="0" u="none" strike="noStrike" cap="none" normalizeH="0" baseline="0" dirty="0">
+                <a:ln>
+                  <a:noFill/>
+                </a:ln>
+                <a:solidFill>
+                  <a:schemeClr val="tx1"/>
+                </a:solidFill>
+                <a:effectLst/>
+                <a:latin typeface="Consolas" panose="020B0609020204030204" pitchFamily="49" charset="0"/>
+              </a:rPr>
+              <a:t>=200 --</a:t>
+            </a:r>
+            <a:r>
+              <a:rPr kumimoji="0" lang="fi-FI" altLang="fi-FI" sz="1800" b="0" i="0" u="none" strike="noStrike" cap="none" normalizeH="0" baseline="0" dirty="0" err="1">
+                <a:ln>
+                  <a:noFill/>
+                </a:ln>
+                <a:solidFill>
+                  <a:schemeClr val="tx1"/>
+                </a:solidFill>
+                <a:effectLst/>
+                <a:latin typeface="Consolas" panose="020B0609020204030204" pitchFamily="49" charset="0"/>
+              </a:rPr>
+              <a:t>line-ending</a:t>
+            </a:r>
+            <a:r>
+              <a:rPr kumimoji="0" lang="fi-FI" altLang="fi-FI" sz="1800" b="0" i="0" u="none" strike="noStrike" cap="none" normalizeH="0" baseline="0" dirty="0">
+                <a:ln>
+                  <a:noFill/>
+                </a:ln>
+                <a:solidFill>
+                  <a:schemeClr val="tx1"/>
+                </a:solidFill>
+                <a:effectLst/>
+                <a:latin typeface="Consolas" panose="020B0609020204030204" pitchFamily="49" charset="0"/>
+              </a:rPr>
+              <a:t>=</a:t>
+            </a:r>
+            <a:r>
+              <a:rPr kumimoji="0" lang="fi-FI" altLang="fi-FI" sz="1800" b="0" i="0" u="none" strike="noStrike" cap="none" normalizeH="0" baseline="0" dirty="0" err="1">
+                <a:ln>
+                  <a:noFill/>
+                </a:ln>
+                <a:solidFill>
+                  <a:schemeClr val="tx1"/>
+                </a:solidFill>
+                <a:effectLst/>
+                <a:latin typeface="Consolas" panose="020B0609020204030204" pitchFamily="49" charset="0"/>
+              </a:rPr>
+              <a:t>crlf</a:t>
+            </a:r>
+            <a:r>
+              <a:rPr kumimoji="0" lang="fi-FI" altLang="fi-FI" sz="1800" b="0" i="0" u="none" strike="noStrike" cap="none" normalizeH="0" baseline="0" dirty="0">
+                <a:ln>
+                  <a:noFill/>
+                </a:ln>
+                <a:solidFill>
+                  <a:schemeClr val="tx1"/>
+                </a:solidFill>
+                <a:effectLst/>
+                <a:latin typeface="Consolas" panose="020B0609020204030204" pitchFamily="49" charset="0"/>
+              </a:rPr>
+              <a:t> ./</a:t>
+            </a:r>
+            <a:r>
+              <a:rPr kumimoji="0" lang="fi-FI" altLang="fi-FI" sz="1800" b="0" i="0" u="none" strike="noStrike" cap="none" normalizeH="0" baseline="0" dirty="0" err="1">
+                <a:ln>
+                  <a:noFill/>
+                </a:ln>
+                <a:solidFill>
+                  <a:schemeClr val="tx1"/>
+                </a:solidFill>
+                <a:effectLst/>
+                <a:latin typeface="Consolas" panose="020B0609020204030204" pitchFamily="49" charset="0"/>
+              </a:rPr>
+              <a:t>src</a:t>
+            </a:r>
+            <a:r>
+              <a:rPr kumimoji="0" lang="fi-FI" altLang="fi-FI" sz="1800" b="0" i="0" u="none" strike="noStrike" cap="none" normalizeH="0" baseline="0" dirty="0">
+                <a:ln>
+                  <a:noFill/>
+                </a:ln>
+                <a:solidFill>
+                  <a:schemeClr val="tx1"/>
+                </a:solidFill>
+                <a:effectLst/>
+                <a:latin typeface="Consolas" panose="020B0609020204030204" pitchFamily="49" charset="0"/>
+              </a:rPr>
+              <a:t> </a:t>
+            </a:r>
+          </a:p>
+          <a:p>
+            <a:pPr marL="0" marR="0" lvl="0" indent="0" algn="l" defTabSz="914400" rtl="0" eaLnBrk="0" fontAlgn="base" latinLnBrk="0" hangingPunct="0">
+              <a:lnSpc>
+                <a:spcPct val="100000"/>
+              </a:lnSpc>
+              <a:spcBef>
+                <a:spcPct val="0"/>
+              </a:spcBef>
+              <a:spcAft>
+                <a:spcPct val="0"/>
+              </a:spcAft>
+              <a:buClrTx/>
+              <a:buSzTx/>
+              <a:buFontTx/>
+              <a:buNone/>
+              <a:tabLst/>
+            </a:pPr>
+            <a:endParaRPr kumimoji="0" lang="fi-FI" altLang="fi-FI" sz="1800" b="0" i="0" u="none" strike="noStrike" cap="none" normalizeH="0" baseline="0" dirty="0">
+              <a:ln>
+                <a:noFill/>
+              </a:ln>
+              <a:solidFill>
+                <a:schemeClr val="tx1"/>
+              </a:solidFill>
+              <a:effectLst/>
+              <a:latin typeface="Consolas" panose="020B0609020204030204" pitchFamily="49" charset="0"/>
+            </a:endParaRPr>
+          </a:p>
+          <a:p>
+            <a:pPr marL="0" marR="0" lvl="0" indent="0" algn="l" defTabSz="914400" rtl="0" eaLnBrk="0" fontAlgn="base" latinLnBrk="0" hangingPunct="0">
+              <a:lnSpc>
+                <a:spcPct val="100000"/>
+              </a:lnSpc>
+              <a:spcBef>
+                <a:spcPct val="0"/>
+              </a:spcBef>
+              <a:spcAft>
+                <a:spcPct val="0"/>
+              </a:spcAft>
+              <a:buClrTx/>
+              <a:buSzTx/>
+              <a:buFontTx/>
+              <a:buNone/>
+              <a:tabLst/>
+            </a:pPr>
+            <a:r>
+              <a:rPr kumimoji="0" lang="fi-FI" altLang="fi-FI" sz="1800" b="0" i="0" u="none" strike="noStrike" cap="none" normalizeH="0" baseline="0" dirty="0" err="1">
+                <a:ln>
+                  <a:noFill/>
+                </a:ln>
+                <a:solidFill>
+                  <a:schemeClr val="tx1"/>
+                </a:solidFill>
+                <a:effectLst/>
+                <a:latin typeface="Consolas" panose="020B0609020204030204" pitchFamily="49" charset="0"/>
+              </a:rPr>
+              <a:t>npx</a:t>
+            </a:r>
+            <a:r>
+              <a:rPr kumimoji="0" lang="fi-FI" altLang="fi-FI" sz="1800" b="0" i="0" u="none" strike="noStrike" cap="none" normalizeH="0" baseline="0" dirty="0">
+                <a:ln>
+                  <a:noFill/>
+                </a:ln>
+                <a:solidFill>
+                  <a:schemeClr val="tx1"/>
+                </a:solidFill>
+                <a:effectLst/>
+                <a:latin typeface="Consolas" panose="020B0609020204030204" pitchFamily="49" charset="0"/>
+              </a:rPr>
+              <a:t> @biomejs/biome </a:t>
+            </a:r>
+            <a:r>
+              <a:rPr kumimoji="0" lang="fi-FI" altLang="fi-FI" sz="1800" b="1" i="0" u="none" strike="noStrike" cap="none" normalizeH="0" baseline="0" dirty="0" err="1">
+                <a:ln>
+                  <a:noFill/>
+                </a:ln>
+                <a:solidFill>
+                  <a:schemeClr val="tx1"/>
+                </a:solidFill>
+                <a:effectLst/>
+                <a:latin typeface="Consolas" panose="020B0609020204030204" pitchFamily="49" charset="0"/>
+              </a:rPr>
+              <a:t>check</a:t>
+            </a:r>
+            <a:r>
+              <a:rPr kumimoji="0" lang="fi-FI" altLang="fi-FI" sz="1800" b="0" i="0" u="none" strike="noStrike" cap="none" normalizeH="0" baseline="0" dirty="0">
+                <a:ln>
+                  <a:noFill/>
+                </a:ln>
+                <a:solidFill>
+                  <a:schemeClr val="tx1"/>
+                </a:solidFill>
+                <a:effectLst/>
+                <a:latin typeface="Consolas" panose="020B0609020204030204" pitchFamily="49" charset="0"/>
+              </a:rPr>
+              <a:t>  --</a:t>
+            </a:r>
+            <a:r>
+              <a:rPr kumimoji="0" lang="fi-FI" altLang="fi-FI" sz="1800" b="0" i="0" u="none" strike="noStrike" cap="none" normalizeH="0" baseline="0" dirty="0" err="1">
+                <a:ln>
+                  <a:noFill/>
+                </a:ln>
+                <a:solidFill>
+                  <a:schemeClr val="tx1"/>
+                </a:solidFill>
+                <a:effectLst/>
+                <a:latin typeface="Consolas" panose="020B0609020204030204" pitchFamily="49" charset="0"/>
+              </a:rPr>
+              <a:t>max-diagnostics</a:t>
+            </a:r>
+            <a:r>
+              <a:rPr kumimoji="0" lang="fi-FI" altLang="fi-FI" sz="1800" b="0" i="0" u="none" strike="noStrike" cap="none" normalizeH="0" baseline="0" dirty="0">
+                <a:ln>
+                  <a:noFill/>
+                </a:ln>
+                <a:solidFill>
+                  <a:schemeClr val="tx1"/>
+                </a:solidFill>
+                <a:effectLst/>
+                <a:latin typeface="Consolas" panose="020B0609020204030204" pitchFamily="49" charset="0"/>
+              </a:rPr>
+              <a:t>=200 --</a:t>
+            </a:r>
+            <a:r>
+              <a:rPr kumimoji="0" lang="fi-FI" altLang="fi-FI" sz="1800" b="0" i="0" u="none" strike="noStrike" cap="none" normalizeH="0" baseline="0" dirty="0" err="1">
+                <a:ln>
+                  <a:noFill/>
+                </a:ln>
+                <a:solidFill>
+                  <a:schemeClr val="tx1"/>
+                </a:solidFill>
+                <a:effectLst/>
+                <a:latin typeface="Consolas" panose="020B0609020204030204" pitchFamily="49" charset="0"/>
+              </a:rPr>
+              <a:t>line-ending</a:t>
+            </a:r>
+            <a:r>
+              <a:rPr kumimoji="0" lang="fi-FI" altLang="fi-FI" sz="1800" b="0" i="0" u="none" strike="noStrike" cap="none" normalizeH="0" baseline="0" dirty="0">
+                <a:ln>
+                  <a:noFill/>
+                </a:ln>
+                <a:solidFill>
+                  <a:schemeClr val="tx1"/>
+                </a:solidFill>
+                <a:effectLst/>
+                <a:latin typeface="Consolas" panose="020B0609020204030204" pitchFamily="49" charset="0"/>
+              </a:rPr>
+              <a:t>=</a:t>
+            </a:r>
+            <a:r>
+              <a:rPr kumimoji="0" lang="fi-FI" altLang="fi-FI" sz="1800" b="0" i="0" u="none" strike="noStrike" cap="none" normalizeH="0" baseline="0" dirty="0" err="1">
+                <a:ln>
+                  <a:noFill/>
+                </a:ln>
+                <a:solidFill>
+                  <a:schemeClr val="tx1"/>
+                </a:solidFill>
+                <a:effectLst/>
+                <a:latin typeface="Consolas" panose="020B0609020204030204" pitchFamily="49" charset="0"/>
+              </a:rPr>
+              <a:t>crlf</a:t>
+            </a:r>
+            <a:r>
+              <a:rPr kumimoji="0" lang="fi-FI" altLang="fi-FI" sz="1800" b="0" i="0" u="none" strike="noStrike" cap="none" normalizeH="0" baseline="0" dirty="0">
+                <a:ln>
+                  <a:noFill/>
+                </a:ln>
+                <a:solidFill>
+                  <a:schemeClr val="tx1"/>
+                </a:solidFill>
+                <a:effectLst/>
+                <a:latin typeface="Consolas" panose="020B0609020204030204" pitchFamily="49" charset="0"/>
+              </a:rPr>
+              <a:t> ./</a:t>
+            </a:r>
+            <a:r>
+              <a:rPr kumimoji="0" lang="fi-FI" altLang="fi-FI" sz="1800" b="0" i="0" u="none" strike="noStrike" cap="none" normalizeH="0" baseline="0" dirty="0" err="1">
+                <a:ln>
+                  <a:noFill/>
+                </a:ln>
+                <a:solidFill>
+                  <a:schemeClr val="tx1"/>
+                </a:solidFill>
+                <a:effectLst/>
+                <a:latin typeface="Consolas" panose="020B0609020204030204" pitchFamily="49" charset="0"/>
+              </a:rPr>
+              <a:t>src</a:t>
+            </a:r>
+            <a:endParaRPr kumimoji="0" lang="fi-FI" altLang="fi-FI" sz="1800" b="0" i="0" u="none" strike="noStrike" cap="none" normalizeH="0" baseline="0" dirty="0">
+              <a:ln>
+                <a:noFill/>
+              </a:ln>
+              <a:solidFill>
+                <a:schemeClr val="tx1"/>
+              </a:solidFill>
+              <a:effectLst/>
+              <a:latin typeface="Consolas" panose="020B0609020204030204" pitchFamily="49" charset="0"/>
+            </a:endParaRPr>
+          </a:p>
+          <a:p>
+            <a:pPr marL="0" marR="0" lvl="0" indent="0" algn="l" defTabSz="914400" rtl="0" eaLnBrk="0" fontAlgn="base" latinLnBrk="0" hangingPunct="0">
+              <a:lnSpc>
+                <a:spcPct val="100000"/>
+              </a:lnSpc>
+              <a:spcBef>
+                <a:spcPct val="0"/>
+              </a:spcBef>
+              <a:spcAft>
+                <a:spcPct val="0"/>
+              </a:spcAft>
+              <a:buClrTx/>
+              <a:buSzTx/>
+              <a:buFontTx/>
+              <a:buNone/>
+              <a:tabLst/>
+            </a:pPr>
+            <a:endParaRPr kumimoji="0" lang="fi-FI" altLang="fi-FI" sz="1800" b="0" i="0" u="none" strike="noStrike" cap="none" normalizeH="0" baseline="0" dirty="0">
+              <a:ln>
+                <a:noFill/>
+              </a:ln>
+              <a:solidFill>
+                <a:schemeClr val="tx1"/>
+              </a:solidFill>
+              <a:effectLst/>
+              <a:latin typeface="Consolas" panose="020B0609020204030204" pitchFamily="49" charset="0"/>
+            </a:endParaRPr>
+          </a:p>
+          <a:p>
+            <a:pPr marL="0" marR="0" lvl="0" indent="0" algn="l" defTabSz="914400" rtl="0" eaLnBrk="0" fontAlgn="base" latinLnBrk="0" hangingPunct="0">
+              <a:lnSpc>
+                <a:spcPct val="100000"/>
+              </a:lnSpc>
+              <a:spcBef>
+                <a:spcPct val="0"/>
+              </a:spcBef>
+              <a:spcAft>
+                <a:spcPct val="0"/>
+              </a:spcAft>
+              <a:buClrTx/>
+              <a:buSzTx/>
+              <a:buFontTx/>
+              <a:buNone/>
+              <a:tabLst/>
+            </a:pPr>
+            <a:r>
+              <a:rPr kumimoji="0" lang="fi-FI" altLang="fi-FI" sz="1800" b="0" i="0" u="none" strike="noStrike" cap="none" normalizeH="0" baseline="0" dirty="0" err="1">
+                <a:ln>
+                  <a:noFill/>
+                </a:ln>
+                <a:solidFill>
+                  <a:schemeClr val="tx1"/>
+                </a:solidFill>
+                <a:effectLst/>
+                <a:latin typeface="Consolas" panose="020B0609020204030204" pitchFamily="49" charset="0"/>
+              </a:rPr>
+              <a:t>npx</a:t>
+            </a:r>
+            <a:r>
+              <a:rPr kumimoji="0" lang="fi-FI" altLang="fi-FI" sz="1800" b="0" i="0" u="none" strike="noStrike" cap="none" normalizeH="0" baseline="0" dirty="0">
+                <a:ln>
+                  <a:noFill/>
+                </a:ln>
+                <a:solidFill>
+                  <a:schemeClr val="tx1"/>
+                </a:solidFill>
+                <a:effectLst/>
+                <a:latin typeface="Consolas" panose="020B0609020204030204" pitchFamily="49" charset="0"/>
+              </a:rPr>
+              <a:t> @biomejs/biome </a:t>
+            </a:r>
+            <a:r>
+              <a:rPr kumimoji="0" lang="fi-FI" altLang="fi-FI" sz="1800" b="1" i="0" u="none" strike="noStrike" cap="none" normalizeH="0" baseline="0" dirty="0" err="1">
+                <a:ln>
+                  <a:noFill/>
+                </a:ln>
+                <a:solidFill>
+                  <a:schemeClr val="tx1"/>
+                </a:solidFill>
+                <a:effectLst/>
+                <a:latin typeface="Consolas" panose="020B0609020204030204" pitchFamily="49" charset="0"/>
+              </a:rPr>
+              <a:t>check</a:t>
+            </a:r>
+            <a:r>
+              <a:rPr kumimoji="0" lang="fi-FI" altLang="fi-FI" sz="1800" b="0" i="0" u="none" strike="noStrike" cap="none" normalizeH="0" baseline="0" dirty="0">
+                <a:ln>
+                  <a:noFill/>
+                </a:ln>
+                <a:solidFill>
+                  <a:schemeClr val="tx1"/>
+                </a:solidFill>
+                <a:effectLst/>
+                <a:latin typeface="Consolas" panose="020B0609020204030204" pitchFamily="49" charset="0"/>
+              </a:rPr>
+              <a:t> </a:t>
+            </a:r>
+            <a:r>
+              <a:rPr kumimoji="0" lang="fi-FI" altLang="fi-FI" sz="1800" b="1" i="0" u="none" strike="noStrike" cap="none" normalizeH="0" baseline="0" dirty="0">
+                <a:ln>
+                  <a:noFill/>
+                </a:ln>
+                <a:solidFill>
+                  <a:schemeClr val="tx1"/>
+                </a:solidFill>
+                <a:effectLst/>
+                <a:latin typeface="Consolas" panose="020B0609020204030204" pitchFamily="49" charset="0"/>
+              </a:rPr>
+              <a:t>--</a:t>
+            </a:r>
+            <a:r>
+              <a:rPr kumimoji="0" lang="fi-FI" altLang="fi-FI" sz="1800" b="1" i="0" u="none" strike="noStrike" cap="none" normalizeH="0" baseline="0" dirty="0" err="1">
+                <a:ln>
+                  <a:noFill/>
+                </a:ln>
+                <a:solidFill>
+                  <a:schemeClr val="tx1"/>
+                </a:solidFill>
+                <a:effectLst/>
+                <a:latin typeface="Consolas" panose="020B0609020204030204" pitchFamily="49" charset="0"/>
+              </a:rPr>
+              <a:t>apply</a:t>
+            </a:r>
+            <a:r>
+              <a:rPr kumimoji="0" lang="fi-FI" altLang="fi-FI" sz="1800" b="1" i="0" u="none" strike="noStrike" cap="none" normalizeH="0" baseline="0" dirty="0">
+                <a:ln>
+                  <a:noFill/>
+                </a:ln>
+                <a:solidFill>
+                  <a:schemeClr val="tx1"/>
+                </a:solidFill>
+                <a:effectLst/>
+                <a:latin typeface="Consolas" panose="020B0609020204030204" pitchFamily="49" charset="0"/>
+              </a:rPr>
+              <a:t> </a:t>
+            </a:r>
+            <a:r>
+              <a:rPr kumimoji="0" lang="fi-FI" altLang="fi-FI" sz="1800" b="0" i="0" u="none" strike="noStrike" cap="none" normalizeH="0" baseline="0" dirty="0">
+                <a:ln>
+                  <a:noFill/>
+                </a:ln>
+                <a:solidFill>
+                  <a:schemeClr val="tx1"/>
+                </a:solidFill>
+                <a:effectLst/>
+                <a:latin typeface="Consolas" panose="020B0609020204030204" pitchFamily="49" charset="0"/>
+              </a:rPr>
+              <a:t>--</a:t>
+            </a:r>
+            <a:r>
+              <a:rPr kumimoji="0" lang="fi-FI" altLang="fi-FI" sz="1800" b="0" i="0" u="none" strike="noStrike" cap="none" normalizeH="0" baseline="0" dirty="0" err="1">
+                <a:ln>
+                  <a:noFill/>
+                </a:ln>
+                <a:solidFill>
+                  <a:schemeClr val="tx1"/>
+                </a:solidFill>
+                <a:effectLst/>
+                <a:latin typeface="Consolas" panose="020B0609020204030204" pitchFamily="49" charset="0"/>
+              </a:rPr>
+              <a:t>max-diagnostics</a:t>
+            </a:r>
+            <a:r>
+              <a:rPr kumimoji="0" lang="fi-FI" altLang="fi-FI" sz="1800" b="0" i="0" u="none" strike="noStrike" cap="none" normalizeH="0" baseline="0" dirty="0">
+                <a:ln>
+                  <a:noFill/>
+                </a:ln>
+                <a:solidFill>
+                  <a:schemeClr val="tx1"/>
+                </a:solidFill>
+                <a:effectLst/>
+                <a:latin typeface="Consolas" panose="020B0609020204030204" pitchFamily="49" charset="0"/>
+              </a:rPr>
+              <a:t>=200 --</a:t>
+            </a:r>
+            <a:r>
+              <a:rPr kumimoji="0" lang="fi-FI" altLang="fi-FI" sz="1800" b="0" i="0" u="none" strike="noStrike" cap="none" normalizeH="0" baseline="0" dirty="0" err="1">
+                <a:ln>
+                  <a:noFill/>
+                </a:ln>
+                <a:solidFill>
+                  <a:schemeClr val="tx1"/>
+                </a:solidFill>
+                <a:effectLst/>
+                <a:latin typeface="Consolas" panose="020B0609020204030204" pitchFamily="49" charset="0"/>
+              </a:rPr>
+              <a:t>line-ending</a:t>
+            </a:r>
+            <a:r>
+              <a:rPr kumimoji="0" lang="fi-FI" altLang="fi-FI" sz="1800" b="0" i="0" u="none" strike="noStrike" cap="none" normalizeH="0" baseline="0" dirty="0">
+                <a:ln>
+                  <a:noFill/>
+                </a:ln>
+                <a:solidFill>
+                  <a:schemeClr val="tx1"/>
+                </a:solidFill>
+                <a:effectLst/>
+                <a:latin typeface="Consolas" panose="020B0609020204030204" pitchFamily="49" charset="0"/>
+              </a:rPr>
+              <a:t>=</a:t>
+            </a:r>
+            <a:r>
+              <a:rPr kumimoji="0" lang="fi-FI" altLang="fi-FI" sz="1800" b="0" i="0" u="none" strike="noStrike" cap="none" normalizeH="0" baseline="0" dirty="0" err="1">
+                <a:ln>
+                  <a:noFill/>
+                </a:ln>
+                <a:solidFill>
+                  <a:schemeClr val="tx1"/>
+                </a:solidFill>
+                <a:effectLst/>
+                <a:latin typeface="Consolas" panose="020B0609020204030204" pitchFamily="49" charset="0"/>
+              </a:rPr>
+              <a:t>crlf</a:t>
+            </a:r>
+            <a:r>
+              <a:rPr kumimoji="0" lang="fi-FI" altLang="fi-FI" sz="1800" b="0" i="0" u="none" strike="noStrike" cap="none" normalizeH="0" baseline="0" dirty="0">
+                <a:ln>
+                  <a:noFill/>
+                </a:ln>
+                <a:solidFill>
+                  <a:schemeClr val="tx1"/>
+                </a:solidFill>
+                <a:effectLst/>
+                <a:latin typeface="Consolas" panose="020B0609020204030204" pitchFamily="49" charset="0"/>
+              </a:rPr>
+              <a:t> ./</a:t>
+            </a:r>
+            <a:r>
+              <a:rPr kumimoji="0" lang="fi-FI" altLang="fi-FI" sz="1800" b="0" i="0" u="none" strike="noStrike" cap="none" normalizeH="0" baseline="0" dirty="0" err="1">
+                <a:ln>
+                  <a:noFill/>
+                </a:ln>
+                <a:solidFill>
+                  <a:schemeClr val="tx1"/>
+                </a:solidFill>
+                <a:effectLst/>
+                <a:latin typeface="Consolas" panose="020B0609020204030204" pitchFamily="49" charset="0"/>
+              </a:rPr>
+              <a:t>src</a:t>
+            </a:r>
+            <a:endParaRPr kumimoji="0" lang="fi-FI" altLang="fi-FI" sz="1800" b="0" i="0" u="none" strike="noStrike" cap="none" normalizeH="0" baseline="0" dirty="0">
+              <a:ln>
+                <a:noFill/>
+              </a:ln>
+              <a:solidFill>
+                <a:schemeClr val="tx1"/>
+              </a:solidFill>
+              <a:effectLst/>
+              <a:latin typeface="Consolas" panose="020B0609020204030204" pitchFamily="49" charset="0"/>
+            </a:endParaRPr>
+          </a:p>
+          <a:p>
+            <a:pPr marL="0" marR="0" lvl="0" indent="0" algn="l" defTabSz="914400" rtl="0" eaLnBrk="0" fontAlgn="base" latinLnBrk="0" hangingPunct="0">
+              <a:lnSpc>
+                <a:spcPct val="100000"/>
+              </a:lnSpc>
+              <a:spcBef>
+                <a:spcPct val="0"/>
+              </a:spcBef>
+              <a:spcAft>
+                <a:spcPct val="0"/>
+              </a:spcAft>
+              <a:buClrTx/>
+              <a:buSzTx/>
+              <a:buFontTx/>
+              <a:buNone/>
+              <a:tabLst/>
+            </a:pPr>
+            <a:endParaRPr lang="fi-FI" altLang="fi-FI" dirty="0">
+              <a:latin typeface="Consolas" panose="020B0609020204030204" pitchFamily="49" charset="0"/>
+            </a:endParaRPr>
+          </a:p>
+          <a:p>
+            <a:pPr marL="0" marR="0" lvl="0" indent="0" algn="l" defTabSz="914400" rtl="0" eaLnBrk="0" fontAlgn="base" latinLnBrk="0" hangingPunct="0">
+              <a:lnSpc>
+                <a:spcPct val="100000"/>
+              </a:lnSpc>
+              <a:spcBef>
+                <a:spcPct val="0"/>
+              </a:spcBef>
+              <a:spcAft>
+                <a:spcPct val="0"/>
+              </a:spcAft>
+              <a:buClrTx/>
+              <a:buSzTx/>
+              <a:buFontTx/>
+              <a:buNone/>
+              <a:tabLst/>
+            </a:pPr>
+            <a:r>
+              <a:rPr kumimoji="0" lang="fi-FI" altLang="fi-FI" sz="1800" b="0" i="0" u="none" strike="noStrike" cap="none" normalizeH="0" baseline="0" dirty="0">
+                <a:ln>
+                  <a:noFill/>
+                </a:ln>
+                <a:solidFill>
+                  <a:schemeClr val="tx1"/>
+                </a:solidFill>
+                <a:effectLst/>
+                <a:latin typeface="+mj-lt"/>
+              </a:rPr>
+              <a:t># 200 </a:t>
+            </a:r>
+            <a:r>
+              <a:rPr kumimoji="0" lang="fi-FI" altLang="fi-FI" sz="1800" b="0" i="0" u="none" strike="noStrike" cap="none" normalizeH="0" baseline="0" dirty="0" err="1">
+                <a:ln>
+                  <a:noFill/>
+                </a:ln>
+                <a:solidFill>
+                  <a:schemeClr val="tx1"/>
+                </a:solidFill>
+                <a:effectLst/>
+                <a:latin typeface="+mj-lt"/>
+              </a:rPr>
+              <a:t>here</a:t>
+            </a:r>
+            <a:r>
+              <a:rPr kumimoji="0" lang="fi-FI" altLang="fi-FI" sz="1800" b="0" i="0" u="none" strike="noStrike" cap="none" normalizeH="0" baseline="0" dirty="0">
+                <a:ln>
+                  <a:noFill/>
+                </a:ln>
+                <a:solidFill>
+                  <a:schemeClr val="tx1"/>
+                </a:solidFill>
+                <a:effectLst/>
+                <a:latin typeface="+mj-lt"/>
+              </a:rPr>
+              <a:t> </a:t>
+            </a:r>
+            <a:r>
+              <a:rPr kumimoji="0" lang="fi-FI" altLang="fi-FI" sz="1800" b="0" i="0" u="none" strike="noStrike" cap="none" normalizeH="0" baseline="0" dirty="0" err="1">
+                <a:ln>
+                  <a:noFill/>
+                </a:ln>
+                <a:solidFill>
+                  <a:schemeClr val="tx1"/>
+                </a:solidFill>
+                <a:effectLst/>
+                <a:latin typeface="+mj-lt"/>
+              </a:rPr>
+              <a:t>means</a:t>
+            </a:r>
+            <a:r>
+              <a:rPr kumimoji="0" lang="fi-FI" altLang="fi-FI" sz="1800" b="0" i="0" u="none" strike="noStrike" cap="none" normalizeH="0" baseline="0" dirty="0">
+                <a:ln>
+                  <a:noFill/>
+                </a:ln>
+                <a:solidFill>
+                  <a:schemeClr val="tx1"/>
+                </a:solidFill>
+                <a:effectLst/>
+                <a:latin typeface="+mj-lt"/>
+              </a:rPr>
+              <a:t> it </a:t>
+            </a:r>
+            <a:r>
+              <a:rPr kumimoji="0" lang="fi-FI" altLang="fi-FI" sz="1800" b="0" i="0" u="none" strike="noStrike" cap="none" normalizeH="0" baseline="0" dirty="0" err="1">
+                <a:ln>
+                  <a:noFill/>
+                </a:ln>
+                <a:solidFill>
+                  <a:schemeClr val="tx1"/>
+                </a:solidFill>
+                <a:effectLst/>
+                <a:latin typeface="+mj-lt"/>
+              </a:rPr>
+              <a:t>will</a:t>
+            </a:r>
+            <a:r>
+              <a:rPr kumimoji="0" lang="fi-FI" altLang="fi-FI" sz="1800" b="0" i="0" u="none" strike="noStrike" cap="none" normalizeH="0" baseline="0" dirty="0">
+                <a:ln>
+                  <a:noFill/>
+                </a:ln>
+                <a:solidFill>
+                  <a:schemeClr val="tx1"/>
+                </a:solidFill>
+                <a:effectLst/>
+                <a:latin typeface="+mj-lt"/>
+              </a:rPr>
+              <a:t> </a:t>
+            </a:r>
+            <a:r>
+              <a:rPr kumimoji="0" lang="fi-FI" altLang="fi-FI" sz="1800" b="0" i="0" u="none" strike="noStrike" cap="none" normalizeH="0" baseline="0" dirty="0" err="1">
+                <a:ln>
+                  <a:noFill/>
+                </a:ln>
+                <a:solidFill>
+                  <a:schemeClr val="tx1"/>
+                </a:solidFill>
+                <a:effectLst/>
+                <a:latin typeface="+mj-lt"/>
+              </a:rPr>
+              <a:t>each</a:t>
+            </a:r>
+            <a:r>
+              <a:rPr kumimoji="0" lang="fi-FI" altLang="fi-FI" sz="1800" b="0" i="0" u="none" strike="noStrike" cap="none" normalizeH="0" baseline="0" dirty="0">
+                <a:ln>
+                  <a:noFill/>
+                </a:ln>
+                <a:solidFill>
+                  <a:schemeClr val="tx1"/>
+                </a:solidFill>
+                <a:effectLst/>
+                <a:latin typeface="+mj-lt"/>
+              </a:rPr>
+              <a:t> </a:t>
+            </a:r>
+            <a:r>
+              <a:rPr kumimoji="0" lang="fi-FI" altLang="fi-FI" sz="1800" b="0" i="0" u="none" strike="noStrike" cap="none" normalizeH="0" baseline="0" dirty="0" err="1">
+                <a:ln>
+                  <a:noFill/>
+                </a:ln>
+                <a:solidFill>
+                  <a:schemeClr val="tx1"/>
+                </a:solidFill>
+                <a:effectLst/>
+                <a:latin typeface="+mj-lt"/>
+              </a:rPr>
+              <a:t>time</a:t>
+            </a:r>
+            <a:r>
+              <a:rPr kumimoji="0" lang="fi-FI" altLang="fi-FI" sz="1800" b="0" i="0" u="none" strike="noStrike" cap="none" normalizeH="0" baseline="0" dirty="0">
+                <a:ln>
+                  <a:noFill/>
+                </a:ln>
+                <a:solidFill>
+                  <a:schemeClr val="tx1"/>
+                </a:solidFill>
+                <a:effectLst/>
+                <a:latin typeface="+mj-lt"/>
+              </a:rPr>
+              <a:t> </a:t>
+            </a:r>
+            <a:r>
+              <a:rPr kumimoji="0" lang="fi-FI" altLang="fi-FI" sz="1800" b="0" i="0" u="none" strike="noStrike" cap="none" normalizeH="0" baseline="0" dirty="0" err="1">
+                <a:ln>
+                  <a:noFill/>
+                </a:ln>
+                <a:solidFill>
+                  <a:schemeClr val="tx1"/>
+                </a:solidFill>
+                <a:effectLst/>
+                <a:latin typeface="+mj-lt"/>
+              </a:rPr>
+              <a:t>only</a:t>
+            </a:r>
+            <a:r>
+              <a:rPr kumimoji="0" lang="fi-FI" altLang="fi-FI" sz="1800" b="0" i="0" u="none" strike="noStrike" cap="none" normalizeH="0" baseline="0" dirty="0">
+                <a:ln>
+                  <a:noFill/>
+                </a:ln>
+                <a:solidFill>
+                  <a:schemeClr val="tx1"/>
+                </a:solidFill>
+                <a:effectLst/>
+                <a:latin typeface="+mj-lt"/>
+              </a:rPr>
+              <a:t> </a:t>
+            </a:r>
+            <a:r>
+              <a:rPr kumimoji="0" lang="fi-FI" altLang="fi-FI" sz="1800" b="0" i="0" u="none" strike="noStrike" cap="none" normalizeH="0" baseline="0" dirty="0" err="1">
+                <a:ln>
+                  <a:noFill/>
+                </a:ln>
+                <a:solidFill>
+                  <a:schemeClr val="tx1"/>
+                </a:solidFill>
+                <a:effectLst/>
+                <a:latin typeface="+mj-lt"/>
+              </a:rPr>
+              <a:t>notice</a:t>
+            </a:r>
+            <a:r>
+              <a:rPr kumimoji="0" lang="fi-FI" altLang="fi-FI" sz="1800" b="0" i="0" u="none" strike="noStrike" cap="none" normalizeH="0" baseline="0" dirty="0">
+                <a:ln>
+                  <a:noFill/>
+                </a:ln>
+                <a:solidFill>
+                  <a:schemeClr val="tx1"/>
+                </a:solidFill>
+                <a:effectLst/>
+                <a:latin typeface="+mj-lt"/>
+              </a:rPr>
+              <a:t>/</a:t>
+            </a:r>
+            <a:r>
+              <a:rPr kumimoji="0" lang="fi-FI" altLang="fi-FI" sz="1800" b="0" i="0" u="none" strike="noStrike" cap="none" normalizeH="0" baseline="0" dirty="0" err="1">
+                <a:ln>
+                  <a:noFill/>
+                </a:ln>
+                <a:solidFill>
+                  <a:schemeClr val="tx1"/>
+                </a:solidFill>
+                <a:effectLst/>
+                <a:latin typeface="+mj-lt"/>
+              </a:rPr>
+              <a:t>fix</a:t>
+            </a:r>
+            <a:r>
+              <a:rPr kumimoji="0" lang="fi-FI" altLang="fi-FI" sz="1800" b="0" i="0" u="none" strike="noStrike" cap="none" normalizeH="0" baseline="0" dirty="0">
+                <a:ln>
+                  <a:noFill/>
+                </a:ln>
+                <a:solidFill>
+                  <a:schemeClr val="tx1"/>
+                </a:solidFill>
+                <a:effectLst/>
+                <a:latin typeface="+mj-lt"/>
+              </a:rPr>
+              <a:t> </a:t>
+            </a:r>
+            <a:r>
+              <a:rPr kumimoji="0" lang="fi-FI" altLang="fi-FI" sz="1800" b="0" i="0" u="none" strike="noStrike" cap="none" normalizeH="0" baseline="0" dirty="0" err="1">
+                <a:ln>
+                  <a:noFill/>
+                </a:ln>
+                <a:solidFill>
+                  <a:schemeClr val="tx1"/>
+                </a:solidFill>
+                <a:effectLst/>
+                <a:latin typeface="+mj-lt"/>
+              </a:rPr>
+              <a:t>first</a:t>
+            </a:r>
+            <a:r>
+              <a:rPr kumimoji="0" lang="fi-FI" altLang="fi-FI" sz="1800" b="0" i="0" u="none" strike="noStrike" cap="none" normalizeH="0" baseline="0" dirty="0">
+                <a:ln>
+                  <a:noFill/>
+                </a:ln>
+                <a:solidFill>
+                  <a:schemeClr val="tx1"/>
+                </a:solidFill>
+                <a:effectLst/>
+                <a:latin typeface="+mj-lt"/>
+              </a:rPr>
+              <a:t> 200 </a:t>
+            </a:r>
+            <a:r>
+              <a:rPr kumimoji="0" lang="fi-FI" altLang="fi-FI" sz="1800" b="0" i="0" u="none" strike="noStrike" cap="none" normalizeH="0" baseline="0" dirty="0" err="1">
+                <a:ln>
+                  <a:noFill/>
+                </a:ln>
+                <a:solidFill>
+                  <a:schemeClr val="tx1"/>
+                </a:solidFill>
+                <a:effectLst/>
+                <a:latin typeface="+mj-lt"/>
+              </a:rPr>
+              <a:t>probs</a:t>
+            </a:r>
+            <a:r>
+              <a:rPr kumimoji="0" lang="fi-FI" altLang="fi-FI" sz="1800" b="0" i="0" u="none" strike="noStrike" cap="none" normalizeH="0" baseline="0" dirty="0">
+                <a:ln>
+                  <a:noFill/>
+                </a:ln>
+                <a:solidFill>
+                  <a:schemeClr val="tx1"/>
+                </a:solidFill>
+                <a:effectLst/>
+                <a:latin typeface="+mj-lt"/>
+              </a:rPr>
+              <a:t>!</a:t>
+            </a:r>
+          </a:p>
+        </p:txBody>
+      </p:sp>
     </p:spTree>
     <p:extLst>
       <p:ext uri="{BB962C8B-B14F-4D97-AF65-F5344CB8AC3E}">
-        <p14:creationId xmlns:p14="http://schemas.microsoft.com/office/powerpoint/2010/main" val="376273718"/>
+        <p14:creationId xmlns:p14="http://schemas.microsoft.com/office/powerpoint/2010/main" val="1492789356"/>
       </p:ext>
     </p:extLst>
   </p:cSld>
@@ -10430,21 +12552,21 @@
 </file>
 
 <file path=customXml/item1.xml><?xml version="1.0" encoding="utf-8"?>
+<?mso-contentType ?>
+<FormTemplates xmlns="http://schemas.microsoft.com/sharepoint/v3/contenttype/forms">
+  <Display>DocumentLibraryForm</Display>
+  <Edit>DocumentLibraryForm</Edit>
+  <New>DocumentLibraryForm</New>
+</FormTemplates>
+</file>
+
+<file path=customXml/item2.xml><?xml version="1.0" encoding="utf-8"?>
 <p:properties xmlns:p="http://schemas.microsoft.com/office/2006/metadata/properties" xmlns:xsi="http://www.w3.org/2001/XMLSchema-instance" xmlns:pc="http://schemas.microsoft.com/office/infopath/2007/PartnerControls">
   <documentManagement>
     <PublishingExpirationDate xmlns="http://schemas.microsoft.com/sharepoint/v3" xsi:nil="true"/>
     <PublishingStartDate xmlns="http://schemas.microsoft.com/sharepoint/v3" xsi:nil="true"/>
   </documentManagement>
 </p:properties>
-</file>
-
-<file path=customXml/item2.xml><?xml version="1.0" encoding="utf-8"?>
-<?mso-contentType ?>
-<FormTemplates xmlns="http://schemas.microsoft.com/sharepoint/v3/contenttype/forms">
-  <Display>DocumentLibraryForm</Display>
-  <Edit>DocumentLibraryForm</Edit>
-  <New>DocumentLibraryForm</New>
-</FormTemplates>
 </file>
 
 <file path=customXml/item3.xml><?xml version="1.0" encoding="utf-8"?>
@@ -10580,6 +12702,14 @@
 </file>
 
 <file path=customXml/itemProps1.xml><?xml version="1.0" encoding="utf-8"?>
+<ds:datastoreItem xmlns:ds="http://schemas.openxmlformats.org/officeDocument/2006/customXml" ds:itemID="{D546C03B-CD3A-4EA0-AAA4-0E00E896454E}">
+  <ds:schemaRefs>
+    <ds:schemaRef ds:uri="http://schemas.microsoft.com/sharepoint/v3/contenttype/forms"/>
+  </ds:schemaRefs>
+</ds:datastoreItem>
+</file>
+
+<file path=customXml/itemProps2.xml><?xml version="1.0" encoding="utf-8"?>
 <ds:datastoreItem xmlns:ds="http://schemas.openxmlformats.org/officeDocument/2006/customXml" ds:itemID="{DED4E12E-7268-4B03-A47B-0755D62B5E31}">
   <ds:schemaRefs>
     <ds:schemaRef ds:uri="http://purl.org/dc/dcmitype/"/>
@@ -10591,14 +12721,6 @@
     <ds:schemaRef ds:uri="http://schemas.openxmlformats.org/package/2006/metadata/core-properties"/>
     <ds:schemaRef ds:uri="http://www.w3.org/XML/1998/namespace"/>
     <ds:schemaRef ds:uri="http://purl.org/dc/elements/1.1/"/>
-  </ds:schemaRefs>
-</ds:datastoreItem>
-</file>
-
-<file path=customXml/itemProps2.xml><?xml version="1.0" encoding="utf-8"?>
-<ds:datastoreItem xmlns:ds="http://schemas.openxmlformats.org/officeDocument/2006/customXml" ds:itemID="{D546C03B-CD3A-4EA0-AAA4-0E00E896454E}">
-  <ds:schemaRefs>
-    <ds:schemaRef ds:uri="http://schemas.microsoft.com/sharepoint/v3/contenttype/forms"/>
   </ds:schemaRefs>
 </ds:datastoreItem>
 </file>

--- a/TS_basics/TypeScript_usage_understood.pptx
+++ b/TS_basics/TypeScript_usage_understood.pptx
@@ -7157,8 +7157,13 @@
             </a:r>
             <a:r>
               <a:rPr lang="en-US" dirty="0"/>
-              <a:t>-&gt;.j</a:t>
-            </a:r>
+              <a:t>-&gt;.</a:t>
+            </a:r>
+            <a:r>
+              <a:rPr lang="en-US" dirty="0" err="1"/>
+              <a:t>js</a:t>
+            </a:r>
+            <a:endParaRPr lang="en-US" dirty="0"/>
           </a:p>
           <a:p>
             <a:r>
@@ -7204,7 +7209,23 @@
             </a:r>
             <a:r>
               <a:rPr lang="en-US" dirty="0"/>
-              <a:t>, where as JS tools and modules are for running time</a:t>
+              <a:t>, for </a:t>
+            </a:r>
+            <a:r>
+              <a:rPr lang="en-US"/>
+              <a:t>development time, </a:t>
+            </a:r>
+            <a:r>
+              <a:rPr lang="en-US" dirty="0"/>
+              <a:t>whereas JS tools and modules are </a:t>
+            </a:r>
+            <a:r>
+              <a:rPr lang="en-US"/>
+              <a:t>in Dependencies for the </a:t>
+            </a:r>
+            <a:r>
+              <a:rPr lang="en-US" dirty="0"/>
+              <a:t>running time</a:t>
             </a:r>
           </a:p>
         </p:txBody>
@@ -12552,21 +12573,21 @@
 </file>
 
 <file path=customXml/item1.xml><?xml version="1.0" encoding="utf-8"?>
+<p:properties xmlns:p="http://schemas.microsoft.com/office/2006/metadata/properties" xmlns:xsi="http://www.w3.org/2001/XMLSchema-instance" xmlns:pc="http://schemas.microsoft.com/office/infopath/2007/PartnerControls">
+  <documentManagement>
+    <PublishingExpirationDate xmlns="http://schemas.microsoft.com/sharepoint/v3" xsi:nil="true"/>
+    <PublishingStartDate xmlns="http://schemas.microsoft.com/sharepoint/v3" xsi:nil="true"/>
+  </documentManagement>
+</p:properties>
+</file>
+
+<file path=customXml/item2.xml><?xml version="1.0" encoding="utf-8"?>
 <?mso-contentType ?>
 <FormTemplates xmlns="http://schemas.microsoft.com/sharepoint/v3/contenttype/forms">
   <Display>DocumentLibraryForm</Display>
   <Edit>DocumentLibraryForm</Edit>
   <New>DocumentLibraryForm</New>
 </FormTemplates>
-</file>
-
-<file path=customXml/item2.xml><?xml version="1.0" encoding="utf-8"?>
-<p:properties xmlns:p="http://schemas.microsoft.com/office/2006/metadata/properties" xmlns:xsi="http://www.w3.org/2001/XMLSchema-instance" xmlns:pc="http://schemas.microsoft.com/office/infopath/2007/PartnerControls">
-  <documentManagement>
-    <PublishingExpirationDate xmlns="http://schemas.microsoft.com/sharepoint/v3" xsi:nil="true"/>
-    <PublishingStartDate xmlns="http://schemas.microsoft.com/sharepoint/v3" xsi:nil="true"/>
-  </documentManagement>
-</p:properties>
 </file>
 
 <file path=customXml/item3.xml><?xml version="1.0" encoding="utf-8"?>
@@ -12702,14 +12723,6 @@
 </file>
 
 <file path=customXml/itemProps1.xml><?xml version="1.0" encoding="utf-8"?>
-<ds:datastoreItem xmlns:ds="http://schemas.openxmlformats.org/officeDocument/2006/customXml" ds:itemID="{D546C03B-CD3A-4EA0-AAA4-0E00E896454E}">
-  <ds:schemaRefs>
-    <ds:schemaRef ds:uri="http://schemas.microsoft.com/sharepoint/v3/contenttype/forms"/>
-  </ds:schemaRefs>
-</ds:datastoreItem>
-</file>
-
-<file path=customXml/itemProps2.xml><?xml version="1.0" encoding="utf-8"?>
 <ds:datastoreItem xmlns:ds="http://schemas.openxmlformats.org/officeDocument/2006/customXml" ds:itemID="{DED4E12E-7268-4B03-A47B-0755D62B5E31}">
   <ds:schemaRefs>
     <ds:schemaRef ds:uri="http://purl.org/dc/dcmitype/"/>
@@ -12721,6 +12734,14 @@
     <ds:schemaRef ds:uri="http://schemas.openxmlformats.org/package/2006/metadata/core-properties"/>
     <ds:schemaRef ds:uri="http://www.w3.org/XML/1998/namespace"/>
     <ds:schemaRef ds:uri="http://purl.org/dc/elements/1.1/"/>
+  </ds:schemaRefs>
+</ds:datastoreItem>
+</file>
+
+<file path=customXml/itemProps2.xml><?xml version="1.0" encoding="utf-8"?>
+<ds:datastoreItem xmlns:ds="http://schemas.openxmlformats.org/officeDocument/2006/customXml" ds:itemID="{D546C03B-CD3A-4EA0-AAA4-0E00E896454E}">
+  <ds:schemaRefs>
+    <ds:schemaRef ds:uri="http://schemas.microsoft.com/sharepoint/v3/contenttype/forms"/>
   </ds:schemaRefs>
 </ds:datastoreItem>
 </file>

--- a/TS_basics/TypeScript_usage_understood.pptx
+++ b/TS_basics/TypeScript_usage_understood.pptx
@@ -5,21 +5,23 @@
     <p:sldMasterId id="2147483648" r:id="rId4"/>
   </p:sldMasterIdLst>
   <p:notesMasterIdLst>
-    <p:notesMasterId r:id="rId17"/>
+    <p:notesMasterId r:id="rId19"/>
   </p:notesMasterIdLst>
   <p:sldIdLst>
     <p:sldId id="256" r:id="rId5"/>
     <p:sldId id="285" r:id="rId6"/>
-    <p:sldId id="279" r:id="rId7"/>
-    <p:sldId id="275" r:id="rId8"/>
-    <p:sldId id="280" r:id="rId9"/>
-    <p:sldId id="276" r:id="rId10"/>
-    <p:sldId id="277" r:id="rId11"/>
-    <p:sldId id="278" r:id="rId12"/>
-    <p:sldId id="281" r:id="rId13"/>
-    <p:sldId id="283" r:id="rId14"/>
-    <p:sldId id="284" r:id="rId15"/>
-    <p:sldId id="286" r:id="rId16"/>
+    <p:sldId id="286" r:id="rId7"/>
+    <p:sldId id="279" r:id="rId8"/>
+    <p:sldId id="275" r:id="rId9"/>
+    <p:sldId id="280" r:id="rId10"/>
+    <p:sldId id="276" r:id="rId11"/>
+    <p:sldId id="277" r:id="rId12"/>
+    <p:sldId id="278" r:id="rId13"/>
+    <p:sldId id="287" r:id="rId14"/>
+    <p:sldId id="281" r:id="rId15"/>
+    <p:sldId id="288" r:id="rId16"/>
+    <p:sldId id="283" r:id="rId17"/>
+    <p:sldId id="284" r:id="rId18"/>
   </p:sldIdLst>
   <p:sldSz cx="12192000" cy="6858000"/>
   <p:notesSz cx="6858000" cy="9144000"/>
@@ -1202,7 +1204,7 @@
           <a:p>
             <a:fld id="{5645C365-1C26-6946-87AF-75D6A7DF4277}" type="datetimeFigureOut">
               <a:rPr lang="en-GB" smtClean="0"/>
-              <a:t>02/10/2024</a:t>
+              <a:t>03/10/2024</a:t>
             </a:fld>
             <a:endParaRPr lang="en-GB"/>
           </a:p>
@@ -1701,7 +1703,7 @@
           <a:p>
             <a:fld id="{35B864B8-8D08-7B43-B4FB-B2FB41A5D9E3}" type="datetime1">
               <a:rPr lang="fi-FI" smtClean="0"/>
-              <a:t>2.10.2024</a:t>
+              <a:t>3.10.2024</a:t>
             </a:fld>
             <a:endParaRPr lang="en-GB" dirty="0"/>
           </a:p>
@@ -2028,7 +2030,7 @@
           <a:p>
             <a:fld id="{D5AEA85A-FC56-D34C-9AA6-ECC3D2586F37}" type="datetime1">
               <a:rPr lang="fi-FI" smtClean="0"/>
-              <a:t>2.10.2024</a:t>
+              <a:t>3.10.2024</a:t>
             </a:fld>
             <a:endParaRPr lang="en-GB" dirty="0"/>
           </a:p>
@@ -2238,7 +2240,7 @@
           <a:p>
             <a:fld id="{E6BC6EEF-E660-7844-8930-418AFF95EA40}" type="datetime1">
               <a:rPr lang="fi-FI" smtClean="0"/>
-              <a:t>2.10.2024</a:t>
+              <a:t>3.10.2024</a:t>
             </a:fld>
             <a:endParaRPr lang="en-GB" dirty="0"/>
           </a:p>
@@ -2547,7 +2549,7 @@
           <a:p>
             <a:fld id="{4E10C7EC-C1C1-9849-A573-7692478FCD52}" type="datetime1">
               <a:rPr lang="fi-FI" smtClean="0"/>
-              <a:t>2.10.2024</a:t>
+              <a:t>3.10.2024</a:t>
             </a:fld>
             <a:endParaRPr lang="en-GB" dirty="0"/>
           </a:p>
@@ -2820,7 +2822,7 @@
           <a:p>
             <a:fld id="{844FF3FE-30BE-2040-9151-6FBC4992BF4F}" type="datetime1">
               <a:rPr lang="fi-FI" smtClean="0"/>
-              <a:t>2.10.2024</a:t>
+              <a:t>3.10.2024</a:t>
             </a:fld>
             <a:endParaRPr lang="en-GB" dirty="0"/>
           </a:p>
@@ -3060,7 +3062,7 @@
           <a:p>
             <a:fld id="{11EDCD7B-6966-E249-89F2-D46BDFBF56BE}" type="datetime1">
               <a:rPr lang="fi-FI" smtClean="0"/>
-              <a:t>2.10.2024</a:t>
+              <a:t>3.10.2024</a:t>
             </a:fld>
             <a:endParaRPr lang="en-GB" dirty="0"/>
           </a:p>
@@ -3353,7 +3355,7 @@
           <a:p>
             <a:fld id="{11EDCD7B-6966-E249-89F2-D46BDFBF56BE}" type="datetime1">
               <a:rPr lang="fi-FI" smtClean="0"/>
-              <a:t>2.10.2024</a:t>
+              <a:t>3.10.2024</a:t>
             </a:fld>
             <a:endParaRPr lang="en-GB" dirty="0"/>
           </a:p>
@@ -3792,7 +3794,7 @@
           <a:p>
             <a:fld id="{844FF3FE-30BE-2040-9151-6FBC4992BF4F}" type="datetime1">
               <a:rPr lang="fi-FI" smtClean="0"/>
-              <a:t>2.10.2024</a:t>
+              <a:t>3.10.2024</a:t>
             </a:fld>
             <a:endParaRPr lang="en-GB" dirty="0"/>
           </a:p>
@@ -4020,7 +4022,7 @@
           <a:p>
             <a:fld id="{11EDCD7B-6966-E249-89F2-D46BDFBF56BE}" type="datetime1">
               <a:rPr lang="fi-FI" smtClean="0"/>
-              <a:t>2.10.2024</a:t>
+              <a:t>3.10.2024</a:t>
             </a:fld>
             <a:endParaRPr lang="en-GB" dirty="0"/>
           </a:p>
@@ -4435,7 +4437,7 @@
           <a:p>
             <a:fld id="{B62E192A-D52B-F541-B2AA-4AEB9388F1F7}" type="datetime1">
               <a:rPr lang="fi-FI" smtClean="0"/>
-              <a:t>2.10.2024</a:t>
+              <a:t>3.10.2024</a:t>
             </a:fld>
             <a:endParaRPr lang="en-GB" dirty="0"/>
           </a:p>
@@ -4735,7 +4737,7 @@
           <a:p>
             <a:fld id="{EEA4FAA2-2B3E-264C-A42F-2D6D3EF33A3C}" type="datetime1">
               <a:rPr lang="fi-FI" smtClean="0"/>
-              <a:t>2.10.2024</a:t>
+              <a:t>3.10.2024</a:t>
             </a:fld>
             <a:endParaRPr lang="en-GB" dirty="0"/>
           </a:p>
@@ -5638,7 +5640,7 @@
           <a:p>
             <a:fld id="{B3114A65-8017-1743-A85A-B2A4BB835AE9}" type="datetime1">
               <a:rPr lang="fi-FI" smtClean="0"/>
-              <a:t>2.10.2024</a:t>
+              <a:t>3.10.2024</a:t>
             </a:fld>
             <a:endParaRPr lang="en-GB" dirty="0"/>
           </a:p>
@@ -5866,7 +5868,7 @@
           <a:p>
             <a:fld id="{11EDCD7B-6966-E249-89F2-D46BDFBF56BE}" type="datetime1">
               <a:rPr lang="fi-FI" smtClean="0"/>
-              <a:t>2.10.2024</a:t>
+              <a:t>3.10.2024</a:t>
             </a:fld>
             <a:endParaRPr lang="en-GB" dirty="0"/>
           </a:p>
@@ -6158,7 +6160,7 @@
           <a:p>
             <a:fld id="{45F98643-D206-614D-B596-3C8548138211}" type="datetime1">
               <a:rPr lang="fi-FI" smtClean="0"/>
-              <a:t>2.10.2024</a:t>
+              <a:t>3.10.2024</a:t>
             </a:fld>
             <a:endParaRPr lang="en-GB" dirty="0"/>
           </a:p>
@@ -6798,7 +6800,7 @@
           <a:p>
             <a:fld id="{30BF63A1-919F-FB49-ABA8-182126D24C50}" type="datetime1">
               <a:rPr lang="fi-FI" smtClean="0"/>
-              <a:t>2.10.2024</a:t>
+              <a:t>3.10.2024</a:t>
             </a:fld>
             <a:endParaRPr lang="en-GB" dirty="0"/>
           </a:p>
@@ -6886,7 +6888,7 @@
             <a:pPr lvl="0"/>
             <a:r>
               <a:rPr lang="en-US" dirty="0"/>
-              <a:t>Install the TS versions of libraries, with their type definition modules</a:t>
+              <a:t>You can use TypeScript and modern ECMAScript</a:t>
             </a:r>
             <a:endParaRPr lang="fi-FI" dirty="0"/>
           </a:p>
@@ -6920,50 +6922,82 @@
           </a:bodyPr>
           <a:lstStyle/>
           <a:p>
+            <a:r>
+              <a:rPr lang="en-US" dirty="0"/>
+              <a:t>… as TypeScript compiler </a:t>
+            </a:r>
+            <a:r>
+              <a:rPr lang="en-US" dirty="0" err="1"/>
+              <a:t>tsc</a:t>
+            </a:r>
+            <a:r>
+              <a:rPr lang="en-US" dirty="0"/>
+              <a:t> still makes compilation to older ECMAScript understood by the runtime(s)</a:t>
+            </a:r>
+          </a:p>
+          <a:p>
+            <a:r>
+              <a:rPr lang="en-US" b="1" dirty="0"/>
+              <a:t>ECMAScript</a:t>
+            </a:r>
+            <a:r>
+              <a:rPr lang="en-US" dirty="0"/>
+              <a:t>, some tricky features: </a:t>
+            </a:r>
+            <a:r>
+              <a:rPr lang="en-US" dirty="0">
+                <a:hlinkClick r:id="rId2"/>
+              </a:rPr>
+              <a:t>https://github.com/valju/JS_ES_Features/blob/master/ES_advanced/ES_advanced_or_tricky_features.md</a:t>
+            </a:r>
+            <a:r>
+              <a:rPr lang="en-US" dirty="0"/>
+              <a:t> </a:t>
+            </a:r>
+          </a:p>
+          <a:p>
+            <a:r>
+              <a:rPr lang="en-US" b="1" dirty="0"/>
+              <a:t>TypeScript</a:t>
+            </a:r>
+            <a:r>
+              <a:rPr lang="en-US" dirty="0"/>
+              <a:t>, some useful features: </a:t>
+            </a:r>
+            <a:r>
+              <a:rPr lang="en-US" dirty="0">
+                <a:hlinkClick r:id="rId3"/>
+              </a:rPr>
+              <a:t>https://github.com/valju/JS_ES_Features/blob/master/TS_basics/TS_in_a_fullstack_project.md</a:t>
+            </a:r>
             <a:endParaRPr lang="en-US" dirty="0"/>
           </a:p>
           <a:p>
-            <a:endParaRPr lang="en-US" dirty="0"/>
-          </a:p>
-          <a:p>
             <a:r>
               <a:rPr lang="en-US" dirty="0"/>
-              <a:t>E.g. </a:t>
-            </a:r>
-          </a:p>
-          <a:p>
-            <a:pPr marL="0" indent="0">
-              <a:buNone/>
-            </a:pPr>
-            <a:r>
-              <a:rPr lang="en-US" dirty="0">
-                <a:latin typeface="Consolas" panose="020B0609020204030204" pitchFamily="49" charset="0"/>
-              </a:rPr>
-              <a:t>&gt; </a:t>
-            </a:r>
-            <a:r>
-              <a:rPr lang="en-US" dirty="0" err="1">
-                <a:latin typeface="Consolas" panose="020B0609020204030204" pitchFamily="49" charset="0"/>
-              </a:rPr>
-              <a:t>npm</a:t>
-            </a:r>
-            <a:r>
-              <a:rPr lang="en-US" dirty="0">
-                <a:latin typeface="Consolas" panose="020B0609020204030204" pitchFamily="49" charset="0"/>
-              </a:rPr>
+              <a:t>More? </a:t>
+            </a:r>
+          </a:p>
+          <a:p>
+            <a:pPr lvl="1"/>
+            <a:r>
+              <a:rPr lang="en-US" dirty="0"/>
+              <a:t>Look at the course pages </a:t>
+            </a:r>
+          </a:p>
+          <a:p>
+            <a:pPr lvl="1"/>
+            <a:r>
+              <a:rPr lang="en-US" dirty="0"/>
+              <a:t>Search web for TypeScript and ECMAScript </a:t>
+            </a:r>
+            <a:r>
+              <a:rPr lang="en-US" b="1" dirty="0"/>
+              <a:t>cheat sheets</a:t>
+            </a:r>
+            <a:r>
+              <a:rPr lang="en-US" dirty="0"/>
               <a:t> </a:t>
-            </a:r>
-            <a:r>
-              <a:rPr lang="en-US" dirty="0" err="1">
-                <a:latin typeface="Consolas" panose="020B0609020204030204" pitchFamily="49" charset="0"/>
-              </a:rPr>
-              <a:t>i</a:t>
-            </a:r>
-            <a:r>
-              <a:rPr lang="en-US" dirty="0">
-                <a:latin typeface="Consolas" panose="020B0609020204030204" pitchFamily="49" charset="0"/>
-              </a:rPr>
-              <a:t> --save express @types/node @types/react @types/react-dom @types/jest</a:t>
             </a:r>
           </a:p>
         </p:txBody>
@@ -6991,7 +7025,7 @@
           <a:p>
             <a:fld id="{202E1EC2-47B8-044B-A09E-6A63B4D80C87}" type="datetime1">
               <a:rPr lang="fi-FI" smtClean="0"/>
-              <a:t>2.10.2024</a:t>
+              <a:t>3.10.2024</a:t>
             </a:fld>
             <a:endParaRPr lang="en-GB"/>
           </a:p>
@@ -7054,7 +7088,7 @@
     </p:spTree>
     <p:extLst>
       <p:ext uri="{BB962C8B-B14F-4D97-AF65-F5344CB8AC3E}">
-        <p14:creationId xmlns:p14="http://schemas.microsoft.com/office/powerpoint/2010/main" val="1945319992"/>
+        <p14:creationId xmlns:p14="http://schemas.microsoft.com/office/powerpoint/2010/main" val="2557779571"/>
       </p:ext>
     </p:extLst>
   </p:cSld>
@@ -7105,128 +7139,9 @@
             <a:pPr lvl="0"/>
             <a:r>
               <a:rPr lang="en-US" dirty="0"/>
-              <a:t>Understand compilation-time vs run-time</a:t>
+              <a:t>Biome checker that forces to 1. use TS features and 2. to use them correctly</a:t>
             </a:r>
             <a:endParaRPr lang="fi-FI" dirty="0"/>
-          </a:p>
-        </p:txBody>
-      </p:sp>
-      <p:sp>
-        <p:nvSpPr>
-          <p:cNvPr id="9" name="Content Placeholder 8">
-            <a:extLst>
-              <a:ext uri="{FF2B5EF4-FFF2-40B4-BE49-F238E27FC236}">
-                <a16:creationId xmlns:a16="http://schemas.microsoft.com/office/drawing/2014/main" id="{ACDE61D8-A75A-F94B-B57A-46F276C03311}"/>
-              </a:ext>
-            </a:extLst>
-          </p:cNvPr>
-          <p:cNvSpPr>
-            <a:spLocks noGrp="1"/>
-          </p:cNvSpPr>
-          <p:nvPr>
-            <p:ph sz="half" idx="2"/>
-          </p:nvPr>
-        </p:nvSpPr>
-        <p:spPr>
-          <a:xfrm>
-            <a:off x="550864" y="1295074"/>
-            <a:ext cx="11125198" cy="4759498"/>
-          </a:xfrm>
-        </p:spPr>
-        <p:txBody>
-          <a:bodyPr>
-            <a:normAutofit/>
-          </a:bodyPr>
-          <a:lstStyle/>
-          <a:p>
-            <a:r>
-              <a:rPr lang="en-US" dirty="0"/>
-              <a:t>- 1. Compilation time:    </a:t>
-            </a:r>
-            <a:r>
-              <a:rPr lang="en-US" dirty="0" err="1"/>
-              <a:t>tsc</a:t>
-            </a:r>
-            <a:r>
-              <a:rPr lang="en-US" dirty="0"/>
-              <a:t> (TypeScript build) .</a:t>
-            </a:r>
-            <a:r>
-              <a:rPr lang="en-US" dirty="0" err="1"/>
-              <a:t>ts</a:t>
-            </a:r>
-            <a:r>
-              <a:rPr lang="en-US" dirty="0"/>
-              <a:t>-&gt;.</a:t>
-            </a:r>
-            <a:r>
-              <a:rPr lang="en-US" dirty="0" err="1"/>
-              <a:t>js</a:t>
-            </a:r>
-            <a:endParaRPr lang="en-US" dirty="0"/>
-          </a:p>
-          <a:p>
-            <a:r>
-              <a:rPr lang="en-US" dirty="0"/>
-              <a:t>- 2. Runtime:                run the .</a:t>
-            </a:r>
-            <a:r>
-              <a:rPr lang="en-US" dirty="0" err="1"/>
-              <a:t>js</a:t>
-            </a:r>
-            <a:r>
-              <a:rPr lang="en-US" dirty="0"/>
-              <a:t>,    e.g. with node, </a:t>
-            </a:r>
-            <a:r>
-              <a:rPr lang="en-US" dirty="0" err="1"/>
-              <a:t>nodemon</a:t>
-            </a:r>
-            <a:r>
-              <a:rPr lang="en-US" dirty="0"/>
-              <a:t>, np2         or so</a:t>
-            </a:r>
-          </a:p>
-          <a:p>
-            <a:endParaRPr lang="en-US" dirty="0"/>
-          </a:p>
-          <a:p>
-            <a:r>
-              <a:rPr lang="en-US" dirty="0"/>
-              <a:t>See also how all TS tools are in </a:t>
-            </a:r>
-            <a:r>
-              <a:rPr lang="en-US" dirty="0" err="1"/>
-              <a:t>DevDependencies</a:t>
-            </a:r>
-            <a:r>
-              <a:rPr lang="en-US" dirty="0"/>
-              <a:t> in </a:t>
-            </a:r>
-            <a:r>
-              <a:rPr lang="en-US" dirty="0" err="1"/>
-              <a:t>package.json</a:t>
-            </a:r>
-            <a:r>
-              <a:rPr lang="en-US" dirty="0"/>
-              <a:t>, for </a:t>
-            </a:r>
-            <a:r>
-              <a:rPr lang="en-US"/>
-              <a:t>development time, </a:t>
-            </a:r>
-            <a:r>
-              <a:rPr lang="en-US" dirty="0"/>
-              <a:t>whereas JS tools and modules are </a:t>
-            </a:r>
-            <a:r>
-              <a:rPr lang="en-US"/>
-              <a:t>in Dependencies for the </a:t>
-            </a:r>
-            <a:r>
-              <a:rPr lang="en-US" dirty="0"/>
-              <a:t>running time</a:t>
-            </a:r>
           </a:p>
         </p:txBody>
       </p:sp>
@@ -7253,7 +7168,7 @@
           <a:p>
             <a:fld id="{202E1EC2-47B8-044B-A09E-6A63B4D80C87}" type="datetime1">
               <a:rPr lang="fi-FI" smtClean="0"/>
-              <a:t>2.10.2024</a:t>
+              <a:t>3.10.2024</a:t>
             </a:fld>
             <a:endParaRPr lang="en-GB"/>
           </a:p>
@@ -7313,10 +7228,2385 @@
           </a:p>
         </p:txBody>
       </p:sp>
+      <p:sp>
+        <p:nvSpPr>
+          <p:cNvPr id="4" name="Rectangle 3">
+            <a:extLst>
+              <a:ext uri="{FF2B5EF4-FFF2-40B4-BE49-F238E27FC236}">
+                <a16:creationId xmlns:a16="http://schemas.microsoft.com/office/drawing/2014/main" id="{C7A12394-ED83-A1B5-EE59-DD745C6B124F}"/>
+              </a:ext>
+            </a:extLst>
+          </p:cNvPr>
+          <p:cNvSpPr>
+            <a:spLocks noChangeArrowheads="1"/>
+          </p:cNvSpPr>
+          <p:nvPr/>
+        </p:nvSpPr>
+        <p:spPr bwMode="auto">
+          <a:xfrm>
+            <a:off x="319596" y="2040615"/>
+            <a:ext cx="11762913" cy="3693319"/>
+          </a:xfrm>
+          <a:prstGeom prst="rect">
+            <a:avLst/>
+          </a:prstGeom>
+          <a:noFill/>
+          <a:ln>
+            <a:noFill/>
+          </a:ln>
+          <a:effectLst/>
+          <a:extLst>
+            <a:ext uri="{909E8E84-426E-40DD-AFC4-6F175D3DCCD1}">
+              <a14:hiddenFill xmlns:a14="http://schemas.microsoft.com/office/drawing/2010/main">
+                <a:solidFill>
+                  <a:schemeClr val="accent1"/>
+                </a:solidFill>
+              </a14:hiddenFill>
+            </a:ext>
+            <a:ext uri="{91240B29-F687-4F45-9708-019B960494DF}">
+              <a14:hiddenLine xmlns:a14="http://schemas.microsoft.com/office/drawing/2010/main" w="9525">
+                <a:solidFill>
+                  <a:schemeClr val="tx1"/>
+                </a:solidFill>
+                <a:miter lim="800000"/>
+                <a:headEnd/>
+                <a:tailEnd/>
+              </a14:hiddenLine>
+            </a:ext>
+            <a:ext uri="{AF507438-7753-43E0-B8FC-AC1667EBCBE1}">
+              <a14:hiddenEffects xmlns:a14="http://schemas.microsoft.com/office/drawing/2010/main">
+                <a:effectLst>
+                  <a:outerShdw dist="35921" dir="2700000" algn="ctr" rotWithShape="0">
+                    <a:schemeClr val="bg2"/>
+                  </a:outerShdw>
+                </a:effectLst>
+              </a14:hiddenEffects>
+            </a:ext>
+          </a:extLst>
+        </p:spPr>
+        <p:txBody>
+          <a:bodyPr vert="horz" wrap="square" lIns="91440" tIns="45720" rIns="91440" bIns="45720" numCol="1" anchor="ctr" anchorCtr="0" compatLnSpc="1">
+            <a:prstTxWarp prst="textNoShape">
+              <a:avLst/>
+            </a:prstTxWarp>
+            <a:spAutoFit/>
+          </a:bodyPr>
+          <a:lstStyle/>
+          <a:p>
+            <a:pPr marL="0" marR="0" lvl="0" indent="0" algn="l" defTabSz="914400" rtl="0" eaLnBrk="0" fontAlgn="base" latinLnBrk="0" hangingPunct="0">
+              <a:lnSpc>
+                <a:spcPct val="100000"/>
+              </a:lnSpc>
+              <a:spcBef>
+                <a:spcPct val="0"/>
+              </a:spcBef>
+              <a:spcAft>
+                <a:spcPct val="0"/>
+              </a:spcAft>
+              <a:buClrTx/>
+              <a:buSzTx/>
+              <a:buFontTx/>
+              <a:buNone/>
+              <a:tabLst/>
+            </a:pPr>
+            <a:r>
+              <a:rPr kumimoji="0" lang="fi-FI" altLang="fi-FI" sz="1800" b="0" i="0" u="none" strike="noStrike" cap="none" normalizeH="0" baseline="0" dirty="0" err="1">
+                <a:ln>
+                  <a:noFill/>
+                </a:ln>
+                <a:solidFill>
+                  <a:schemeClr val="tx1"/>
+                </a:solidFill>
+                <a:effectLst/>
+                <a:latin typeface="Arial" panose="020B0604020202020204" pitchFamily="34" charset="0"/>
+              </a:rPr>
+              <a:t>This</a:t>
+            </a:r>
+            <a:r>
+              <a:rPr kumimoji="0" lang="fi-FI" altLang="fi-FI" sz="1800" b="0" i="0" u="none" strike="noStrike" cap="none" normalizeH="0" baseline="0" dirty="0">
+                <a:ln>
+                  <a:noFill/>
+                </a:ln>
+                <a:solidFill>
+                  <a:schemeClr val="tx1"/>
+                </a:solidFill>
+                <a:effectLst/>
+                <a:latin typeface="Arial" panose="020B0604020202020204" pitchFamily="34" charset="0"/>
+              </a:rPr>
+              <a:t> </a:t>
+            </a:r>
+            <a:r>
+              <a:rPr kumimoji="0" lang="fi-FI" altLang="fi-FI" sz="1800" b="0" i="0" u="none" strike="noStrike" cap="none" normalizeH="0" baseline="0" dirty="0" err="1">
+                <a:ln>
+                  <a:noFill/>
+                </a:ln>
+                <a:solidFill>
+                  <a:schemeClr val="tx1"/>
+                </a:solidFill>
+                <a:effectLst/>
+                <a:latin typeface="Arial" panose="020B0604020202020204" pitchFamily="34" charset="0"/>
+              </a:rPr>
+              <a:t>seems</a:t>
+            </a:r>
+            <a:r>
+              <a:rPr kumimoji="0" lang="fi-FI" altLang="fi-FI" sz="1800" b="0" i="0" u="none" strike="noStrike" cap="none" normalizeH="0" baseline="0" dirty="0">
+                <a:ln>
+                  <a:noFill/>
+                </a:ln>
+                <a:solidFill>
+                  <a:schemeClr val="tx1"/>
+                </a:solidFill>
+                <a:effectLst/>
+                <a:latin typeface="Arial" panose="020B0604020202020204" pitchFamily="34" charset="0"/>
+              </a:rPr>
+              <a:t> to </a:t>
+            </a:r>
+            <a:r>
+              <a:rPr kumimoji="0" lang="fi-FI" altLang="fi-FI" sz="1800" b="0" i="0" u="none" strike="noStrike" cap="none" normalizeH="0" baseline="0" dirty="0" err="1">
+                <a:ln>
+                  <a:noFill/>
+                </a:ln>
+                <a:solidFill>
+                  <a:schemeClr val="tx1"/>
+                </a:solidFill>
+                <a:effectLst/>
+                <a:latin typeface="Arial" panose="020B0604020202020204" pitchFamily="34" charset="0"/>
+              </a:rPr>
+              <a:t>be</a:t>
+            </a:r>
+            <a:r>
+              <a:rPr kumimoji="0" lang="fi-FI" altLang="fi-FI" sz="1800" b="0" i="0" u="none" strike="noStrike" cap="none" normalizeH="0" baseline="0" dirty="0">
+                <a:ln>
+                  <a:noFill/>
+                </a:ln>
+                <a:solidFill>
+                  <a:schemeClr val="tx1"/>
+                </a:solidFill>
+                <a:effectLst/>
+                <a:latin typeface="Arial" panose="020B0604020202020204" pitchFamily="34" charset="0"/>
+              </a:rPr>
+              <a:t> </a:t>
+            </a:r>
+            <a:r>
+              <a:rPr kumimoji="0" lang="fi-FI" altLang="fi-FI" sz="1800" b="0" i="0" u="none" strike="noStrike" cap="none" normalizeH="0" baseline="0" dirty="0" err="1">
+                <a:ln>
+                  <a:noFill/>
+                </a:ln>
+                <a:solidFill>
+                  <a:schemeClr val="tx1"/>
+                </a:solidFill>
+                <a:effectLst/>
+                <a:latin typeface="Arial" panose="020B0604020202020204" pitchFamily="34" charset="0"/>
+              </a:rPr>
+              <a:t>correct</a:t>
+            </a:r>
+            <a:r>
+              <a:rPr kumimoji="0" lang="fi-FI" altLang="fi-FI" sz="1800" b="0" i="0" u="none" strike="noStrike" cap="none" normalizeH="0" baseline="0" dirty="0">
+                <a:ln>
+                  <a:noFill/>
+                </a:ln>
+                <a:solidFill>
+                  <a:schemeClr val="tx1"/>
+                </a:solidFill>
+                <a:effectLst/>
+                <a:latin typeface="Arial" panose="020B0604020202020204" pitchFamily="34" charset="0"/>
+              </a:rPr>
+              <a:t> </a:t>
+            </a:r>
+            <a:r>
+              <a:rPr kumimoji="0" lang="fi-FI" altLang="fi-FI" sz="1800" b="0" i="0" u="none" strike="noStrike" cap="none" normalizeH="0" baseline="0" dirty="0" err="1">
+                <a:ln>
+                  <a:noFill/>
+                </a:ln>
+                <a:solidFill>
+                  <a:schemeClr val="tx1"/>
+                </a:solidFill>
+                <a:effectLst/>
+                <a:latin typeface="Arial" panose="020B0604020202020204" pitchFamily="34" charset="0"/>
+              </a:rPr>
+              <a:t>way</a:t>
+            </a:r>
+            <a:r>
+              <a:rPr kumimoji="0" lang="fi-FI" altLang="fi-FI" sz="1800" b="0" i="0" u="none" strike="noStrike" cap="none" normalizeH="0" baseline="0" dirty="0">
+                <a:ln>
+                  <a:noFill/>
+                </a:ln>
+                <a:solidFill>
+                  <a:schemeClr val="tx1"/>
+                </a:solidFill>
+                <a:effectLst/>
+                <a:latin typeface="Arial" panose="020B0604020202020204" pitchFamily="34" charset="0"/>
+              </a:rPr>
+              <a:t> to </a:t>
+            </a:r>
+            <a:r>
+              <a:rPr kumimoji="0" lang="fi-FI" altLang="fi-FI" sz="1800" b="0" i="0" u="none" strike="noStrike" cap="none" normalizeH="0" baseline="0" dirty="0" err="1">
+                <a:ln>
+                  <a:noFill/>
+                </a:ln>
+                <a:solidFill>
+                  <a:schemeClr val="tx1"/>
+                </a:solidFill>
+                <a:effectLst/>
+                <a:latin typeface="Arial" panose="020B0604020202020204" pitchFamily="34" charset="0"/>
+              </a:rPr>
+              <a:t>run</a:t>
+            </a:r>
+            <a:r>
+              <a:rPr kumimoji="0" lang="fi-FI" altLang="fi-FI" sz="1800" b="0" i="0" u="none" strike="noStrike" cap="none" normalizeH="0" baseline="0" dirty="0">
+                <a:ln>
+                  <a:noFill/>
+                </a:ln>
+                <a:solidFill>
+                  <a:schemeClr val="tx1"/>
+                </a:solidFill>
+                <a:effectLst/>
+                <a:latin typeface="Arial" panose="020B0604020202020204" pitchFamily="34" charset="0"/>
+              </a:rPr>
+              <a:t> </a:t>
+            </a:r>
+            <a:r>
+              <a:rPr kumimoji="0" lang="fi-FI" altLang="fi-FI" sz="1800" b="1" i="0" u="none" strike="noStrike" cap="none" normalizeH="0" baseline="0" dirty="0" err="1">
+                <a:ln>
+                  <a:noFill/>
+                </a:ln>
+                <a:solidFill>
+                  <a:schemeClr val="tx1"/>
+                </a:solidFill>
+                <a:effectLst/>
+                <a:latin typeface="Arial" panose="020B0604020202020204" pitchFamily="34" charset="0"/>
+              </a:rPr>
+              <a:t>biome</a:t>
+            </a:r>
+            <a:r>
+              <a:rPr kumimoji="0" lang="fi-FI" altLang="fi-FI" sz="1800" b="0" i="0" u="none" strike="noStrike" cap="none" normalizeH="0" baseline="0" dirty="0">
+                <a:ln>
+                  <a:noFill/>
+                </a:ln>
+                <a:solidFill>
+                  <a:schemeClr val="tx1"/>
+                </a:solidFill>
+                <a:effectLst/>
+                <a:latin typeface="Arial" panose="020B0604020202020204" pitchFamily="34" charset="0"/>
+              </a:rPr>
+              <a:t> in Windows </a:t>
+            </a:r>
+            <a:r>
+              <a:rPr kumimoji="0" lang="fi-FI" altLang="fi-FI" sz="1800" b="0" i="0" u="none" strike="noStrike" cap="none" normalizeH="0" baseline="0" dirty="0" err="1">
+                <a:ln>
+                  <a:noFill/>
+                </a:ln>
+                <a:solidFill>
+                  <a:schemeClr val="tx1"/>
+                </a:solidFill>
+                <a:effectLst/>
+                <a:latin typeface="Arial" panose="020B0604020202020204" pitchFamily="34" charset="0"/>
+              </a:rPr>
+              <a:t>computers</a:t>
+            </a:r>
+            <a:r>
+              <a:rPr kumimoji="0" lang="fi-FI" altLang="fi-FI" sz="1800" b="0" i="0" u="none" strike="noStrike" cap="none" normalizeH="0" baseline="0" dirty="0">
+                <a:ln>
+                  <a:noFill/>
+                </a:ln>
+                <a:solidFill>
+                  <a:schemeClr val="tx1"/>
+                </a:solidFill>
+                <a:effectLst/>
+                <a:latin typeface="Arial" panose="020B0604020202020204" pitchFamily="34" charset="0"/>
+              </a:rPr>
+              <a:t>, </a:t>
+            </a:r>
+            <a:r>
+              <a:rPr kumimoji="0" lang="fi-FI" altLang="fi-FI" sz="1800" b="1" i="0" u="none" strike="noStrike" cap="none" normalizeH="0" baseline="0" dirty="0" err="1">
+                <a:ln>
+                  <a:noFill/>
+                </a:ln>
+                <a:solidFill>
+                  <a:schemeClr val="tx1"/>
+                </a:solidFill>
+                <a:effectLst/>
+                <a:latin typeface="Arial" panose="020B0604020202020204" pitchFamily="34" charset="0"/>
+              </a:rPr>
+              <a:t>crlf</a:t>
+            </a:r>
+            <a:r>
+              <a:rPr kumimoji="0" lang="fi-FI" altLang="fi-FI" sz="1800" b="0" i="0" u="none" strike="noStrike" cap="none" normalizeH="0" baseline="0" dirty="0">
+                <a:ln>
+                  <a:noFill/>
+                </a:ln>
+                <a:solidFill>
+                  <a:schemeClr val="tx1"/>
+                </a:solidFill>
+                <a:effectLst/>
+                <a:latin typeface="Arial" panose="020B0604020202020204" pitchFamily="34" charset="0"/>
+              </a:rPr>
+              <a:t> : (Linux &amp; Mac: </a:t>
+            </a:r>
+            <a:r>
+              <a:rPr kumimoji="0" lang="fi-FI" altLang="fi-FI" sz="1800" b="0" i="0" u="none" strike="noStrike" cap="none" normalizeH="0" baseline="0" dirty="0" err="1">
+                <a:ln>
+                  <a:noFill/>
+                </a:ln>
+                <a:solidFill>
+                  <a:schemeClr val="tx1"/>
+                </a:solidFill>
+                <a:effectLst/>
+                <a:latin typeface="Arial" panose="020B0604020202020204" pitchFamily="34" charset="0"/>
+              </a:rPr>
+              <a:t>change</a:t>
+            </a:r>
+            <a:r>
+              <a:rPr kumimoji="0" lang="fi-FI" altLang="fi-FI" sz="1800" b="0" i="0" u="none" strike="noStrike" cap="none" normalizeH="0" baseline="0" dirty="0">
+                <a:ln>
+                  <a:noFill/>
+                </a:ln>
+                <a:solidFill>
+                  <a:schemeClr val="tx1"/>
+                </a:solidFill>
+                <a:effectLst/>
+                <a:latin typeface="Arial" panose="020B0604020202020204" pitchFamily="34" charset="0"/>
+              </a:rPr>
+              <a:t> </a:t>
+            </a:r>
+            <a:r>
+              <a:rPr kumimoji="0" lang="fi-FI" altLang="fi-FI" sz="1800" b="0" i="0" u="none" strike="noStrike" cap="none" normalizeH="0" baseline="0" dirty="0" err="1">
+                <a:ln>
+                  <a:noFill/>
+                </a:ln>
+                <a:solidFill>
+                  <a:schemeClr val="tx1"/>
+                </a:solidFill>
+                <a:effectLst/>
+                <a:latin typeface="Arial" panose="020B0604020202020204" pitchFamily="34" charset="0"/>
+              </a:rPr>
+              <a:t>crlf</a:t>
+            </a:r>
+            <a:r>
+              <a:rPr kumimoji="0" lang="fi-FI" altLang="fi-FI" sz="1800" b="0" i="0" u="none" strike="noStrike" cap="none" normalizeH="0" baseline="0" dirty="0">
+                <a:ln>
+                  <a:noFill/>
+                </a:ln>
+                <a:solidFill>
+                  <a:schemeClr val="tx1"/>
+                </a:solidFill>
+                <a:effectLst/>
+                <a:latin typeface="Arial" panose="020B0604020202020204" pitchFamily="34" charset="0"/>
+              </a:rPr>
+              <a:t> to </a:t>
+            </a:r>
+            <a:r>
+              <a:rPr kumimoji="0" lang="fi-FI" altLang="fi-FI" sz="1800" b="1" i="0" u="none" strike="noStrike" cap="none" normalizeH="0" baseline="0" dirty="0" err="1">
+                <a:ln>
+                  <a:noFill/>
+                </a:ln>
+                <a:solidFill>
+                  <a:schemeClr val="tx1"/>
+                </a:solidFill>
+                <a:effectLst/>
+                <a:latin typeface="Arial" panose="020B0604020202020204" pitchFamily="34" charset="0"/>
+              </a:rPr>
+              <a:t>cr</a:t>
+            </a:r>
+            <a:r>
+              <a:rPr kumimoji="0" lang="fi-FI" altLang="fi-FI" sz="1800" b="0" i="0" u="none" strike="noStrike" cap="none" normalizeH="0" baseline="0" dirty="0">
+                <a:ln>
+                  <a:noFill/>
+                </a:ln>
+                <a:solidFill>
+                  <a:schemeClr val="tx1"/>
+                </a:solidFill>
+                <a:effectLst/>
+                <a:latin typeface="Arial" panose="020B0604020202020204" pitchFamily="34" charset="0"/>
+              </a:rPr>
+              <a:t> )</a:t>
+            </a:r>
+          </a:p>
+          <a:p>
+            <a:pPr marL="0" marR="0" lvl="0" indent="0" algn="l" defTabSz="914400" rtl="0" eaLnBrk="0" fontAlgn="base" latinLnBrk="0" hangingPunct="0">
+              <a:lnSpc>
+                <a:spcPct val="100000"/>
+              </a:lnSpc>
+              <a:spcBef>
+                <a:spcPct val="0"/>
+              </a:spcBef>
+              <a:spcAft>
+                <a:spcPct val="0"/>
+              </a:spcAft>
+              <a:buClrTx/>
+              <a:buSzTx/>
+              <a:buFontTx/>
+              <a:buNone/>
+              <a:tabLst/>
+            </a:pPr>
+            <a:endParaRPr kumimoji="0" lang="fi-FI" altLang="fi-FI" sz="1800" b="0" i="0" u="none" strike="noStrike" cap="none" normalizeH="0" baseline="0" dirty="0">
+              <a:ln>
+                <a:noFill/>
+              </a:ln>
+              <a:solidFill>
+                <a:schemeClr val="tx1"/>
+              </a:solidFill>
+              <a:effectLst/>
+              <a:latin typeface="Arial" panose="020B0604020202020204" pitchFamily="34" charset="0"/>
+            </a:endParaRPr>
+          </a:p>
+          <a:p>
+            <a:pPr marL="0" marR="0" lvl="0" indent="0" algn="l" defTabSz="914400" rtl="0" eaLnBrk="0" fontAlgn="base" latinLnBrk="0" hangingPunct="0">
+              <a:lnSpc>
+                <a:spcPct val="100000"/>
+              </a:lnSpc>
+              <a:spcBef>
+                <a:spcPct val="0"/>
+              </a:spcBef>
+              <a:spcAft>
+                <a:spcPct val="0"/>
+              </a:spcAft>
+              <a:buClrTx/>
+              <a:buSzTx/>
+              <a:buFontTx/>
+              <a:buAutoNum type="arabicPeriod"/>
+              <a:tabLst/>
+            </a:pPr>
+            <a:r>
+              <a:rPr kumimoji="0" lang="fi-FI" altLang="fi-FI" sz="1800" b="0" i="0" u="none" strike="noStrike" cap="none" normalizeH="0" baseline="0" dirty="0">
+                <a:ln>
+                  <a:noFill/>
+                </a:ln>
+                <a:solidFill>
+                  <a:schemeClr val="tx1"/>
+                </a:solidFill>
+                <a:effectLst/>
+                <a:latin typeface="Arial" panose="020B0604020202020204" pitchFamily="34" charset="0"/>
+              </a:rPr>
+              <a:t> </a:t>
+            </a:r>
+            <a:r>
+              <a:rPr kumimoji="0" lang="fi-FI" altLang="fi-FI" sz="1800" b="0" i="0" u="none" strike="noStrike" cap="none" normalizeH="0" baseline="0" dirty="0" err="1">
+                <a:ln>
+                  <a:noFill/>
+                </a:ln>
+                <a:solidFill>
+                  <a:schemeClr val="tx1"/>
+                </a:solidFill>
+                <a:effectLst/>
+                <a:latin typeface="Arial" panose="020B0604020202020204" pitchFamily="34" charset="0"/>
+              </a:rPr>
+              <a:t>First</a:t>
+            </a:r>
+            <a:r>
+              <a:rPr kumimoji="0" lang="fi-FI" altLang="fi-FI" sz="1800" b="0" i="0" u="none" strike="noStrike" cap="none" normalizeH="0" baseline="0" dirty="0">
+                <a:ln>
+                  <a:noFill/>
+                </a:ln>
+                <a:solidFill>
+                  <a:schemeClr val="tx1"/>
+                </a:solidFill>
+                <a:effectLst/>
+                <a:latin typeface="Arial" panose="020B0604020202020204" pitchFamily="34" charset="0"/>
+              </a:rPr>
+              <a:t> </a:t>
+            </a:r>
+            <a:r>
+              <a:rPr kumimoji="0" lang="fi-FI" altLang="fi-FI" sz="1800" b="0" i="0" u="none" strike="noStrike" cap="none" normalizeH="0" baseline="0" dirty="0" err="1">
+                <a:ln>
+                  <a:noFill/>
+                </a:ln>
+                <a:solidFill>
+                  <a:schemeClr val="tx1"/>
+                </a:solidFill>
+                <a:effectLst/>
+                <a:latin typeface="Arial" panose="020B0604020202020204" pitchFamily="34" charset="0"/>
+              </a:rPr>
+              <a:t>you</a:t>
+            </a:r>
+            <a:r>
+              <a:rPr kumimoji="0" lang="fi-FI" altLang="fi-FI" sz="1800" b="0" i="0" u="none" strike="noStrike" cap="none" normalizeH="0" baseline="0" dirty="0">
+                <a:ln>
+                  <a:noFill/>
+                </a:ln>
+                <a:solidFill>
+                  <a:schemeClr val="tx1"/>
+                </a:solidFill>
+                <a:effectLst/>
+                <a:latin typeface="Arial" panose="020B0604020202020204" pitchFamily="34" charset="0"/>
+              </a:rPr>
+              <a:t> </a:t>
+            </a:r>
+            <a:r>
+              <a:rPr kumimoji="0" lang="fi-FI" altLang="fi-FI" sz="1800" b="0" i="0" u="none" strike="noStrike" cap="none" normalizeH="0" baseline="0" dirty="0" err="1">
+                <a:ln>
+                  <a:noFill/>
+                </a:ln>
+                <a:solidFill>
+                  <a:schemeClr val="tx1"/>
+                </a:solidFill>
+                <a:effectLst/>
+                <a:latin typeface="Arial" panose="020B0604020202020204" pitchFamily="34" charset="0"/>
+              </a:rPr>
+              <a:t>might</a:t>
+            </a:r>
+            <a:r>
+              <a:rPr kumimoji="0" lang="fi-FI" altLang="fi-FI" sz="1800" b="0" i="0" u="none" strike="noStrike" cap="none" normalizeH="0" baseline="0" dirty="0">
+                <a:ln>
+                  <a:noFill/>
+                </a:ln>
+                <a:solidFill>
+                  <a:schemeClr val="tx1"/>
+                </a:solidFill>
+                <a:effectLst/>
+                <a:latin typeface="Arial" panose="020B0604020202020204" pitchFamily="34" charset="0"/>
+              </a:rPr>
+              <a:t> </a:t>
+            </a:r>
+            <a:r>
+              <a:rPr kumimoji="0" lang="fi-FI" altLang="fi-FI" sz="1800" b="0" i="0" u="none" strike="noStrike" cap="none" normalizeH="0" baseline="0" dirty="0" err="1">
+                <a:ln>
+                  <a:noFill/>
+                </a:ln>
+                <a:solidFill>
+                  <a:schemeClr val="tx1"/>
+                </a:solidFill>
+                <a:effectLst/>
+                <a:latin typeface="Arial" panose="020B0604020202020204" pitchFamily="34" charset="0"/>
+              </a:rPr>
+              <a:t>need</a:t>
+            </a:r>
+            <a:r>
+              <a:rPr kumimoji="0" lang="fi-FI" altLang="fi-FI" sz="1800" b="0" i="0" u="none" strike="noStrike" cap="none" normalizeH="0" baseline="0" dirty="0">
+                <a:ln>
+                  <a:noFill/>
+                </a:ln>
+                <a:solidFill>
+                  <a:schemeClr val="tx1"/>
+                </a:solidFill>
+                <a:effectLst/>
+                <a:latin typeface="Arial" panose="020B0604020202020204" pitchFamily="34" charset="0"/>
+              </a:rPr>
+              <a:t> to </a:t>
+            </a:r>
+            <a:r>
+              <a:rPr kumimoji="0" lang="fi-FI" altLang="fi-FI" sz="1800" b="0" i="0" u="none" strike="noStrike" cap="none" normalizeH="0" baseline="0" dirty="0" err="1">
+                <a:ln>
+                  <a:noFill/>
+                </a:ln>
+                <a:solidFill>
+                  <a:schemeClr val="tx1"/>
+                </a:solidFill>
+                <a:effectLst/>
+                <a:latin typeface="Arial" panose="020B0604020202020204" pitchFamily="34" charset="0"/>
+              </a:rPr>
+              <a:t>fix</a:t>
+            </a:r>
+            <a:r>
+              <a:rPr kumimoji="0" lang="fi-FI" altLang="fi-FI" sz="1800" b="0" i="0" u="none" strike="noStrike" cap="none" normalizeH="0" baseline="0" dirty="0">
+                <a:ln>
+                  <a:noFill/>
+                </a:ln>
+                <a:solidFill>
+                  <a:schemeClr val="tx1"/>
+                </a:solidFill>
+                <a:effectLst/>
+                <a:latin typeface="Arial" panose="020B0604020202020204" pitchFamily="34" charset="0"/>
+              </a:rPr>
+              <a:t> and </a:t>
+            </a:r>
+            <a:r>
+              <a:rPr kumimoji="0" lang="fi-FI" altLang="fi-FI" sz="1800" b="1" i="0" u="none" strike="noStrike" cap="none" normalizeH="0" baseline="0" dirty="0" err="1">
+                <a:ln>
+                  <a:noFill/>
+                </a:ln>
+                <a:solidFill>
+                  <a:schemeClr val="tx1"/>
+                </a:solidFill>
+                <a:effectLst/>
+                <a:latin typeface="Arial" panose="020B0604020202020204" pitchFamily="34" charset="0"/>
+              </a:rPr>
+              <a:t>rewrite</a:t>
+            </a:r>
+            <a:r>
+              <a:rPr kumimoji="0" lang="fi-FI" altLang="fi-FI" sz="1800" b="1" i="0" u="none" strike="noStrike" cap="none" normalizeH="0" baseline="0" dirty="0">
+                <a:ln>
+                  <a:noFill/>
+                </a:ln>
+                <a:solidFill>
+                  <a:schemeClr val="tx1"/>
+                </a:solidFill>
+                <a:effectLst/>
+                <a:latin typeface="Arial" panose="020B0604020202020204" pitchFamily="34" charset="0"/>
+              </a:rPr>
+              <a:t> </a:t>
+            </a:r>
+            <a:r>
+              <a:rPr kumimoji="0" lang="fi-FI" altLang="fi-FI" sz="1800" b="1" i="0" u="none" strike="noStrike" cap="none" normalizeH="0" baseline="0" dirty="0" err="1">
+                <a:ln>
+                  <a:noFill/>
+                </a:ln>
+                <a:solidFill>
+                  <a:schemeClr val="tx1"/>
+                </a:solidFill>
+                <a:effectLst/>
+                <a:latin typeface="Arial" panose="020B0604020202020204" pitchFamily="34" charset="0"/>
+              </a:rPr>
+              <a:t>formatting</a:t>
+            </a:r>
+            <a:r>
+              <a:rPr kumimoji="0" lang="fi-FI" altLang="fi-FI" sz="1800" b="0" i="0" u="none" strike="noStrike" cap="none" normalizeH="0" baseline="0" dirty="0">
+                <a:ln>
+                  <a:noFill/>
+                </a:ln>
+                <a:solidFill>
+                  <a:schemeClr val="tx1"/>
+                </a:solidFill>
+                <a:effectLst/>
+                <a:latin typeface="Arial" panose="020B0604020202020204" pitchFamily="34" charset="0"/>
+              </a:rPr>
+              <a:t> of </a:t>
+            </a:r>
+            <a:r>
+              <a:rPr kumimoji="0" lang="fi-FI" altLang="fi-FI" sz="1800" b="0" i="0" u="none" strike="noStrike" cap="none" normalizeH="0" baseline="0" dirty="0" err="1">
+                <a:ln>
+                  <a:noFill/>
+                </a:ln>
+                <a:solidFill>
+                  <a:schemeClr val="tx1"/>
+                </a:solidFill>
+                <a:effectLst/>
+                <a:latin typeface="Arial" panose="020B0604020202020204" pitchFamily="34" charset="0"/>
+              </a:rPr>
+              <a:t>files</a:t>
+            </a:r>
+            <a:r>
+              <a:rPr kumimoji="0" lang="fi-FI" altLang="fi-FI" sz="1800" b="0" i="0" u="none" strike="noStrike" cap="none" normalizeH="0" baseline="0" dirty="0">
+                <a:ln>
+                  <a:noFill/>
+                </a:ln>
+                <a:solidFill>
+                  <a:schemeClr val="tx1"/>
+                </a:solidFill>
+                <a:effectLst/>
+                <a:latin typeface="Arial" panose="020B0604020202020204" pitchFamily="34" charset="0"/>
+              </a:rPr>
+              <a:t> for </a:t>
+            </a:r>
+            <a:r>
+              <a:rPr kumimoji="0" lang="fi-FI" altLang="fi-FI" sz="1800" b="0" i="0" u="none" strike="noStrike" cap="none" normalizeH="0" baseline="0" dirty="0" err="1">
+                <a:ln>
+                  <a:noFill/>
+                </a:ln>
+                <a:solidFill>
+                  <a:schemeClr val="tx1"/>
+                </a:solidFill>
+                <a:effectLst/>
+                <a:latin typeface="Arial" panose="020B0604020202020204" pitchFamily="34" charset="0"/>
+              </a:rPr>
+              <a:t>your</a:t>
+            </a:r>
+            <a:r>
+              <a:rPr kumimoji="0" lang="fi-FI" altLang="fi-FI" sz="1800" b="0" i="0" u="none" strike="noStrike" cap="none" normalizeH="0" baseline="0" dirty="0">
+                <a:ln>
+                  <a:noFill/>
+                </a:ln>
+                <a:solidFill>
+                  <a:schemeClr val="tx1"/>
+                </a:solidFill>
+                <a:effectLst/>
+                <a:latin typeface="Arial" panose="020B0604020202020204" pitchFamily="34" charset="0"/>
+              </a:rPr>
+              <a:t> </a:t>
+            </a:r>
+            <a:r>
+              <a:rPr kumimoji="0" lang="fi-FI" altLang="fi-FI" sz="1800" b="0" i="0" u="none" strike="noStrike" cap="none" normalizeH="0" baseline="0" dirty="0" err="1">
+                <a:ln>
+                  <a:noFill/>
+                </a:ln>
+                <a:solidFill>
+                  <a:schemeClr val="tx1"/>
+                </a:solidFill>
+                <a:effectLst/>
+                <a:latin typeface="Arial" panose="020B0604020202020204" pitchFamily="34" charset="0"/>
+              </a:rPr>
+              <a:t>enviroment</a:t>
+            </a:r>
+            <a:r>
+              <a:rPr kumimoji="0" lang="fi-FI" altLang="fi-FI" sz="1800" b="0" i="0" u="none" strike="noStrike" cap="none" normalizeH="0" baseline="0" dirty="0">
+                <a:ln>
+                  <a:noFill/>
+                </a:ln>
+                <a:solidFill>
+                  <a:schemeClr val="tx1"/>
+                </a:solidFill>
+                <a:effectLst/>
+                <a:latin typeface="Arial" panose="020B0604020202020204" pitchFamily="34" charset="0"/>
+              </a:rPr>
+              <a:t> (</a:t>
+            </a:r>
+            <a:r>
+              <a:rPr kumimoji="0" lang="fi-FI" altLang="fi-FI" sz="1800" b="0" i="0" u="none" strike="noStrike" cap="none" normalizeH="0" baseline="0" dirty="0" err="1">
+                <a:ln>
+                  <a:noFill/>
+                </a:ln>
+                <a:solidFill>
+                  <a:schemeClr val="tx1"/>
+                </a:solidFill>
+                <a:effectLst/>
+                <a:latin typeface="Arial" panose="020B0604020202020204" pitchFamily="34" charset="0"/>
+              </a:rPr>
+              <a:t>indentation</a:t>
+            </a:r>
+            <a:r>
+              <a:rPr kumimoji="0" lang="fi-FI" altLang="fi-FI" sz="1800" b="0" i="0" u="none" strike="noStrike" cap="none" normalizeH="0" baseline="0" dirty="0">
+                <a:ln>
+                  <a:noFill/>
+                </a:ln>
+                <a:solidFill>
+                  <a:schemeClr val="tx1"/>
+                </a:solidFill>
+                <a:effectLst/>
+                <a:latin typeface="Arial" panose="020B0604020202020204" pitchFamily="34" charset="0"/>
+              </a:rPr>
+              <a:t> and </a:t>
+            </a:r>
+            <a:r>
+              <a:rPr kumimoji="0" lang="fi-FI" altLang="fi-FI" sz="1800" b="0" i="0" u="none" strike="noStrike" cap="none" normalizeH="0" baseline="0" dirty="0" err="1">
+                <a:ln>
+                  <a:noFill/>
+                </a:ln>
+                <a:solidFill>
+                  <a:schemeClr val="tx1"/>
+                </a:solidFill>
+                <a:effectLst/>
+                <a:latin typeface="Arial" panose="020B0604020202020204" pitchFamily="34" charset="0"/>
+              </a:rPr>
+              <a:t>line-endings</a:t>
+            </a:r>
+            <a:r>
+              <a:rPr kumimoji="0" lang="fi-FI" altLang="fi-FI" sz="1800" b="0" i="0" u="none" strike="noStrike" cap="none" normalizeH="0" baseline="0" dirty="0">
+                <a:ln>
+                  <a:noFill/>
+                </a:ln>
+                <a:solidFill>
+                  <a:schemeClr val="tx1"/>
+                </a:solidFill>
+                <a:effectLst/>
+                <a:latin typeface="Arial" panose="020B0604020202020204" pitchFamily="34" charset="0"/>
+              </a:rPr>
+              <a:t>)</a:t>
+            </a:r>
+          </a:p>
+          <a:p>
+            <a:pPr marL="0" marR="0" lvl="0" indent="0" algn="l" defTabSz="914400" rtl="0" eaLnBrk="0" fontAlgn="base" latinLnBrk="0" hangingPunct="0">
+              <a:lnSpc>
+                <a:spcPct val="100000"/>
+              </a:lnSpc>
+              <a:spcBef>
+                <a:spcPct val="0"/>
+              </a:spcBef>
+              <a:spcAft>
+                <a:spcPct val="0"/>
+              </a:spcAft>
+              <a:buClrTx/>
+              <a:buSzTx/>
+              <a:buFontTx/>
+              <a:buAutoNum type="arabicPeriod" startAt="2"/>
+              <a:tabLst/>
+            </a:pPr>
+            <a:r>
+              <a:rPr kumimoji="0" lang="fi-FI" altLang="fi-FI" sz="1800" b="0" i="0" u="none" strike="noStrike" cap="none" normalizeH="0" baseline="0" dirty="0">
+                <a:ln>
+                  <a:noFill/>
+                </a:ln>
+                <a:solidFill>
+                  <a:schemeClr val="tx1"/>
+                </a:solidFill>
+                <a:effectLst/>
+                <a:latin typeface="Arial" panose="020B0604020202020204" pitchFamily="34" charset="0"/>
+              </a:rPr>
+              <a:t> Second </a:t>
+            </a:r>
+            <a:r>
+              <a:rPr kumimoji="0" lang="fi-FI" altLang="fi-FI" sz="1800" b="0" i="0" u="none" strike="noStrike" cap="none" normalizeH="0" baseline="0" dirty="0" err="1">
+                <a:ln>
+                  <a:noFill/>
+                </a:ln>
+                <a:solidFill>
+                  <a:schemeClr val="tx1"/>
+                </a:solidFill>
+                <a:effectLst/>
+                <a:latin typeface="Arial" panose="020B0604020202020204" pitchFamily="34" charset="0"/>
+              </a:rPr>
+              <a:t>you</a:t>
+            </a:r>
+            <a:r>
+              <a:rPr kumimoji="0" lang="fi-FI" altLang="fi-FI" sz="1800" b="0" i="0" u="none" strike="noStrike" cap="none" normalizeH="0" baseline="0" dirty="0">
+                <a:ln>
+                  <a:noFill/>
+                </a:ln>
+                <a:solidFill>
+                  <a:schemeClr val="tx1"/>
+                </a:solidFill>
+                <a:effectLst/>
+                <a:latin typeface="Arial" panose="020B0604020202020204" pitchFamily="34" charset="0"/>
+              </a:rPr>
+              <a:t> </a:t>
+            </a:r>
+            <a:r>
+              <a:rPr kumimoji="0" lang="fi-FI" altLang="fi-FI" sz="1800" b="0" i="0" u="none" strike="noStrike" cap="none" normalizeH="0" baseline="0" dirty="0" err="1">
+                <a:ln>
+                  <a:noFill/>
+                </a:ln>
+                <a:solidFill>
+                  <a:schemeClr val="tx1"/>
+                </a:solidFill>
+                <a:effectLst/>
+                <a:latin typeface="Arial" panose="020B0604020202020204" pitchFamily="34" charset="0"/>
+              </a:rPr>
+              <a:t>can</a:t>
+            </a:r>
+            <a:r>
+              <a:rPr kumimoji="0" lang="fi-FI" altLang="fi-FI" sz="1800" b="0" i="0" u="none" strike="noStrike" cap="none" normalizeH="0" baseline="0" dirty="0">
+                <a:ln>
+                  <a:noFill/>
+                </a:ln>
+                <a:solidFill>
+                  <a:schemeClr val="tx1"/>
+                </a:solidFill>
+                <a:effectLst/>
+                <a:latin typeface="Arial" panose="020B0604020202020204" pitchFamily="34" charset="0"/>
+              </a:rPr>
+              <a:t> just </a:t>
+            </a:r>
+            <a:r>
+              <a:rPr kumimoji="0" lang="fi-FI" altLang="fi-FI" sz="1800" b="1" i="0" u="none" strike="noStrike" cap="none" normalizeH="0" baseline="0" dirty="0" err="1">
+                <a:ln>
+                  <a:noFill/>
+                </a:ln>
+                <a:solidFill>
+                  <a:schemeClr val="tx1"/>
+                </a:solidFill>
+                <a:effectLst/>
+                <a:latin typeface="Arial" panose="020B0604020202020204" pitchFamily="34" charset="0"/>
+              </a:rPr>
+              <a:t>check</a:t>
+            </a:r>
+            <a:r>
+              <a:rPr kumimoji="0" lang="fi-FI" altLang="fi-FI" sz="1800" b="0" i="0" u="none" strike="noStrike" cap="none" normalizeH="0" baseline="0" dirty="0">
+                <a:ln>
+                  <a:noFill/>
+                </a:ln>
+                <a:solidFill>
+                  <a:schemeClr val="tx1"/>
+                </a:solidFill>
+                <a:effectLst/>
+                <a:latin typeface="Arial" panose="020B0604020202020204" pitchFamily="34" charset="0"/>
+              </a:rPr>
+              <a:t> (for </a:t>
+            </a:r>
+            <a:r>
+              <a:rPr kumimoji="0" lang="fi-FI" altLang="fi-FI" sz="1800" b="1" i="0" u="none" strike="noStrike" cap="none" normalizeH="0" baseline="0" dirty="0" err="1">
+                <a:ln>
+                  <a:noFill/>
+                </a:ln>
+                <a:solidFill>
+                  <a:schemeClr val="tx1"/>
+                </a:solidFill>
+                <a:effectLst/>
+                <a:latin typeface="Arial" panose="020B0604020202020204" pitchFamily="34" charset="0"/>
+              </a:rPr>
+              <a:t>other</a:t>
+            </a:r>
+            <a:r>
+              <a:rPr kumimoji="0" lang="fi-FI" altLang="fi-FI" sz="1800" b="1" i="0" u="none" strike="noStrike" cap="none" normalizeH="0" baseline="0" dirty="0">
+                <a:ln>
+                  <a:noFill/>
+                </a:ln>
+                <a:solidFill>
+                  <a:schemeClr val="tx1"/>
+                </a:solidFill>
+                <a:effectLst/>
+                <a:latin typeface="Arial" panose="020B0604020202020204" pitchFamily="34" charset="0"/>
+              </a:rPr>
+              <a:t> </a:t>
+            </a:r>
+            <a:r>
+              <a:rPr kumimoji="0" lang="fi-FI" altLang="fi-FI" sz="1800" b="1" i="0" u="none" strike="noStrike" cap="none" normalizeH="0" baseline="0" dirty="0" err="1">
+                <a:ln>
+                  <a:noFill/>
+                </a:ln>
+                <a:solidFill>
+                  <a:schemeClr val="tx1"/>
+                </a:solidFill>
+                <a:effectLst/>
+                <a:latin typeface="Arial" panose="020B0604020202020204" pitchFamily="34" charset="0"/>
+              </a:rPr>
+              <a:t>problems</a:t>
+            </a:r>
+            <a:r>
+              <a:rPr kumimoji="0" lang="fi-FI" altLang="fi-FI" sz="1800" b="0" i="0" u="none" strike="noStrike" cap="none" normalizeH="0" baseline="0" dirty="0">
+                <a:ln>
+                  <a:noFill/>
+                </a:ln>
+                <a:solidFill>
+                  <a:schemeClr val="tx1"/>
+                </a:solidFill>
+                <a:effectLst/>
+                <a:latin typeface="Arial" panose="020B0604020202020204" pitchFamily="34" charset="0"/>
+              </a:rPr>
+              <a:t>/</a:t>
+            </a:r>
+            <a:r>
+              <a:rPr kumimoji="0" lang="fi-FI" altLang="fi-FI" sz="1800" b="0" i="0" u="none" strike="noStrike" cap="none" normalizeH="0" baseline="0" dirty="0" err="1">
+                <a:ln>
+                  <a:noFill/>
+                </a:ln>
+                <a:solidFill>
+                  <a:schemeClr val="tx1"/>
+                </a:solidFill>
+                <a:effectLst/>
+                <a:latin typeface="Arial" panose="020B0604020202020204" pitchFamily="34" charset="0"/>
+              </a:rPr>
+              <a:t>hints</a:t>
+            </a:r>
+            <a:r>
+              <a:rPr kumimoji="0" lang="fi-FI" altLang="fi-FI" sz="1800" b="0" i="0" u="none" strike="noStrike" cap="none" normalizeH="0" baseline="0" dirty="0">
+                <a:ln>
+                  <a:noFill/>
+                </a:ln>
+                <a:solidFill>
+                  <a:schemeClr val="tx1"/>
+                </a:solidFill>
+                <a:effectLst/>
+                <a:latin typeface="Arial" panose="020B0604020202020204" pitchFamily="34" charset="0"/>
+              </a:rPr>
+              <a:t> </a:t>
+            </a:r>
+            <a:r>
+              <a:rPr kumimoji="0" lang="fi-FI" altLang="fi-FI" sz="1800" b="0" i="0" u="none" strike="noStrike" cap="none" normalizeH="0" baseline="0" dirty="0" err="1">
+                <a:ln>
+                  <a:noFill/>
+                </a:ln>
+                <a:solidFill>
+                  <a:schemeClr val="tx1"/>
+                </a:solidFill>
+                <a:effectLst/>
+                <a:latin typeface="Arial" panose="020B0604020202020204" pitchFamily="34" charset="0"/>
+              </a:rPr>
+              <a:t>than</a:t>
+            </a:r>
+            <a:r>
+              <a:rPr kumimoji="0" lang="fi-FI" altLang="fi-FI" sz="1800" b="0" i="0" u="none" strike="noStrike" cap="none" normalizeH="0" baseline="0" dirty="0">
+                <a:ln>
+                  <a:noFill/>
+                </a:ln>
+                <a:solidFill>
+                  <a:schemeClr val="tx1"/>
+                </a:solidFill>
+                <a:effectLst/>
+                <a:latin typeface="Arial" panose="020B0604020202020204" pitchFamily="34" charset="0"/>
+              </a:rPr>
+              <a:t> </a:t>
+            </a:r>
+            <a:r>
+              <a:rPr kumimoji="0" lang="fi-FI" altLang="fi-FI" sz="1800" b="0" i="0" u="none" strike="noStrike" cap="none" normalizeH="0" baseline="0" dirty="0" err="1">
+                <a:ln>
+                  <a:noFill/>
+                </a:ln>
+                <a:solidFill>
+                  <a:schemeClr val="tx1"/>
+                </a:solidFill>
+                <a:effectLst/>
+                <a:latin typeface="Arial" panose="020B0604020202020204" pitchFamily="34" charset="0"/>
+              </a:rPr>
+              <a:t>formatting</a:t>
+            </a:r>
+            <a:r>
+              <a:rPr kumimoji="0" lang="fi-FI" altLang="fi-FI" sz="1800" b="0" i="0" u="none" strike="noStrike" cap="none" normalizeH="0" baseline="0" dirty="0">
+                <a:ln>
+                  <a:noFill/>
+                </a:ln>
+                <a:solidFill>
+                  <a:schemeClr val="tx1"/>
+                </a:solidFill>
+                <a:effectLst/>
+                <a:latin typeface="Arial" panose="020B0604020202020204" pitchFamily="34" charset="0"/>
+              </a:rPr>
+              <a:t>)</a:t>
+            </a:r>
+          </a:p>
+          <a:p>
+            <a:pPr marL="0" marR="0" lvl="0" indent="0" algn="l" defTabSz="914400" rtl="0" eaLnBrk="0" fontAlgn="base" latinLnBrk="0" hangingPunct="0">
+              <a:lnSpc>
+                <a:spcPct val="100000"/>
+              </a:lnSpc>
+              <a:spcBef>
+                <a:spcPct val="0"/>
+              </a:spcBef>
+              <a:spcAft>
+                <a:spcPct val="0"/>
+              </a:spcAft>
+              <a:buClrTx/>
+              <a:buSzTx/>
+              <a:buFontTx/>
+              <a:buAutoNum type="arabicPeriod" startAt="3"/>
+              <a:tabLst/>
+            </a:pPr>
+            <a:r>
+              <a:rPr kumimoji="0" lang="fi-FI" altLang="fi-FI" sz="1800" b="0" i="0" u="none" strike="noStrike" cap="none" normalizeH="0" baseline="0" dirty="0">
+                <a:ln>
+                  <a:noFill/>
+                </a:ln>
+                <a:solidFill>
+                  <a:schemeClr val="tx1"/>
+                </a:solidFill>
+                <a:effectLst/>
+                <a:latin typeface="Arial" panose="020B0604020202020204" pitchFamily="34" charset="0"/>
+              </a:rPr>
+              <a:t> Third </a:t>
+            </a:r>
+            <a:r>
+              <a:rPr kumimoji="0" lang="fi-FI" altLang="fi-FI" sz="1800" b="0" i="0" u="none" strike="noStrike" cap="none" normalizeH="0" baseline="0" dirty="0" err="1">
+                <a:ln>
+                  <a:noFill/>
+                </a:ln>
+                <a:solidFill>
+                  <a:schemeClr val="tx1"/>
+                </a:solidFill>
+                <a:effectLst/>
+                <a:latin typeface="Arial" panose="020B0604020202020204" pitchFamily="34" charset="0"/>
+              </a:rPr>
+              <a:t>would</a:t>
+            </a:r>
+            <a:r>
+              <a:rPr kumimoji="0" lang="fi-FI" altLang="fi-FI" sz="1800" b="0" i="0" u="none" strike="noStrike" cap="none" normalizeH="0" baseline="0" dirty="0">
+                <a:ln>
+                  <a:noFill/>
+                </a:ln>
+                <a:solidFill>
+                  <a:schemeClr val="tx1"/>
+                </a:solidFill>
+                <a:effectLst/>
+                <a:latin typeface="Arial" panose="020B0604020202020204" pitchFamily="34" charset="0"/>
+              </a:rPr>
+              <a:t> </a:t>
+            </a:r>
+            <a:r>
+              <a:rPr kumimoji="0" lang="fi-FI" altLang="fi-FI" sz="1800" b="0" i="0" u="none" strike="noStrike" cap="none" normalizeH="0" baseline="0" dirty="0" err="1">
+                <a:ln>
+                  <a:noFill/>
+                </a:ln>
+                <a:solidFill>
+                  <a:schemeClr val="tx1"/>
+                </a:solidFill>
+                <a:effectLst/>
+                <a:latin typeface="Arial" panose="020B0604020202020204" pitchFamily="34" charset="0"/>
+              </a:rPr>
+              <a:t>also</a:t>
+            </a:r>
+            <a:r>
+              <a:rPr kumimoji="0" lang="fi-FI" altLang="fi-FI" sz="1800" b="0" i="0" u="none" strike="noStrike" cap="none" normalizeH="0" baseline="0" dirty="0">
+                <a:ln>
+                  <a:noFill/>
+                </a:ln>
+                <a:solidFill>
+                  <a:schemeClr val="tx1"/>
+                </a:solidFill>
+                <a:effectLst/>
+                <a:latin typeface="Arial" panose="020B0604020202020204" pitchFamily="34" charset="0"/>
+              </a:rPr>
+              <a:t> </a:t>
+            </a:r>
+            <a:r>
+              <a:rPr kumimoji="0" lang="fi-FI" altLang="fi-FI" sz="1800" b="0" i="0" u="none" strike="noStrike" cap="none" normalizeH="0" baseline="0" dirty="0" err="1">
+                <a:ln>
+                  <a:noFill/>
+                </a:ln>
+                <a:solidFill>
+                  <a:schemeClr val="tx1"/>
+                </a:solidFill>
+                <a:effectLst/>
+                <a:latin typeface="Arial" panose="020B0604020202020204" pitchFamily="34" charset="0"/>
+              </a:rPr>
+              <a:t>apply</a:t>
+            </a:r>
+            <a:r>
+              <a:rPr kumimoji="0" lang="fi-FI" altLang="fi-FI" sz="1800" b="0" i="0" u="none" strike="noStrike" cap="none" normalizeH="0" baseline="0" dirty="0">
+                <a:ln>
+                  <a:noFill/>
+                </a:ln>
+                <a:solidFill>
+                  <a:schemeClr val="tx1"/>
+                </a:solidFill>
+                <a:effectLst/>
+                <a:latin typeface="Arial" panose="020B0604020202020204" pitchFamily="34" charset="0"/>
+              </a:rPr>
+              <a:t>  = </a:t>
+            </a:r>
+            <a:r>
+              <a:rPr kumimoji="0" lang="fi-FI" altLang="fi-FI" sz="1800" b="1" i="0" u="none" strike="noStrike" cap="none" normalizeH="0" baseline="0" dirty="0" err="1">
+                <a:ln>
+                  <a:noFill/>
+                </a:ln>
+                <a:solidFill>
+                  <a:schemeClr val="tx1"/>
+                </a:solidFill>
+                <a:effectLst/>
+                <a:latin typeface="Arial" panose="020B0604020202020204" pitchFamily="34" charset="0"/>
+              </a:rPr>
+              <a:t>write</a:t>
+            </a:r>
+            <a:r>
+              <a:rPr kumimoji="0" lang="fi-FI" altLang="fi-FI" sz="1800" b="1" i="0" u="none" strike="noStrike" cap="none" normalizeH="0" baseline="0" dirty="0">
+                <a:ln>
+                  <a:noFill/>
+                </a:ln>
+                <a:solidFill>
+                  <a:schemeClr val="tx1"/>
+                </a:solidFill>
+                <a:effectLst/>
+                <a:latin typeface="Arial" panose="020B0604020202020204" pitchFamily="34" charset="0"/>
+              </a:rPr>
+              <a:t> </a:t>
+            </a:r>
+            <a:r>
+              <a:rPr kumimoji="0" lang="fi-FI" altLang="fi-FI" sz="1800" b="1" i="0" u="none" strike="noStrike" cap="none" normalizeH="0" baseline="0" dirty="0" err="1">
+                <a:ln>
+                  <a:noFill/>
+                </a:ln>
+                <a:solidFill>
+                  <a:schemeClr val="tx1"/>
+                </a:solidFill>
+                <a:effectLst/>
+                <a:latin typeface="Arial" panose="020B0604020202020204" pitchFamily="34" charset="0"/>
+              </a:rPr>
+              <a:t>those</a:t>
+            </a:r>
+            <a:r>
+              <a:rPr kumimoji="0" lang="fi-FI" altLang="fi-FI" sz="1800" b="1" i="0" u="none" strike="noStrike" cap="none" normalizeH="0" baseline="0" dirty="0">
+                <a:ln>
+                  <a:noFill/>
+                </a:ln>
+                <a:solidFill>
+                  <a:schemeClr val="tx1"/>
+                </a:solidFill>
+                <a:effectLst/>
+                <a:latin typeface="Arial" panose="020B0604020202020204" pitchFamily="34" charset="0"/>
+              </a:rPr>
+              <a:t> </a:t>
+            </a:r>
+            <a:r>
+              <a:rPr kumimoji="0" lang="fi-FI" altLang="fi-FI" sz="1800" b="1" i="0" u="none" strike="noStrike" cap="none" normalizeH="0" baseline="0" dirty="0" err="1">
+                <a:ln>
+                  <a:noFill/>
+                </a:ln>
+                <a:solidFill>
+                  <a:schemeClr val="tx1"/>
+                </a:solidFill>
+                <a:effectLst/>
+                <a:latin typeface="Arial" panose="020B0604020202020204" pitchFamily="34" charset="0"/>
+              </a:rPr>
+              <a:t>changes</a:t>
+            </a:r>
+            <a:r>
+              <a:rPr kumimoji="0" lang="fi-FI" altLang="fi-FI" sz="1800" b="1" i="0" u="none" strike="noStrike" cap="none" normalizeH="0" baseline="0" dirty="0">
+                <a:ln>
+                  <a:noFill/>
+                </a:ln>
+                <a:solidFill>
+                  <a:schemeClr val="tx1"/>
+                </a:solidFill>
+                <a:effectLst/>
+                <a:latin typeface="Arial" panose="020B0604020202020204" pitchFamily="34" charset="0"/>
+              </a:rPr>
+              <a:t> </a:t>
+            </a:r>
+            <a:r>
+              <a:rPr kumimoji="0" lang="fi-FI" altLang="fi-FI" sz="1800" b="0" i="0" u="none" strike="noStrike" cap="none" normalizeH="0" baseline="0" dirty="0">
+                <a:ln>
+                  <a:noFill/>
+                </a:ln>
+                <a:solidFill>
+                  <a:schemeClr val="tx1"/>
+                </a:solidFill>
+                <a:effectLst/>
+                <a:latin typeface="Arial" panose="020B0604020202020204" pitchFamily="34" charset="0"/>
+              </a:rPr>
+              <a:t>to </a:t>
+            </a:r>
+            <a:r>
+              <a:rPr kumimoji="0" lang="fi-FI" altLang="fi-FI" sz="1800" b="0" i="0" u="none" strike="noStrike" cap="none" normalizeH="0" baseline="0" dirty="0" err="1">
+                <a:ln>
+                  <a:noFill/>
+                </a:ln>
+                <a:solidFill>
+                  <a:schemeClr val="tx1"/>
+                </a:solidFill>
+                <a:effectLst/>
+                <a:latin typeface="Arial" panose="020B0604020202020204" pitchFamily="34" charset="0"/>
+              </a:rPr>
+              <a:t>the</a:t>
+            </a:r>
+            <a:r>
+              <a:rPr kumimoji="0" lang="fi-FI" altLang="fi-FI" sz="1800" b="0" i="0" u="none" strike="noStrike" cap="none" normalizeH="0" baseline="0" dirty="0">
+                <a:ln>
+                  <a:noFill/>
+                </a:ln>
+                <a:solidFill>
+                  <a:schemeClr val="tx1"/>
+                </a:solidFill>
+                <a:effectLst/>
+                <a:latin typeface="Arial" panose="020B0604020202020204" pitchFamily="34" charset="0"/>
+              </a:rPr>
+              <a:t> </a:t>
+            </a:r>
+            <a:r>
+              <a:rPr kumimoji="0" lang="fi-FI" altLang="fi-FI" sz="1800" b="0" i="0" u="none" strike="noStrike" cap="none" normalizeH="0" baseline="0" dirty="0" err="1">
+                <a:ln>
+                  <a:noFill/>
+                </a:ln>
+                <a:solidFill>
+                  <a:schemeClr val="tx1"/>
+                </a:solidFill>
+                <a:effectLst/>
+                <a:latin typeface="Arial" panose="020B0604020202020204" pitchFamily="34" charset="0"/>
+              </a:rPr>
+              <a:t>files</a:t>
+            </a:r>
+            <a:endParaRPr kumimoji="0" lang="fi-FI" altLang="fi-FI" sz="1800" b="0" i="0" u="none" strike="noStrike" cap="none" normalizeH="0" baseline="0" dirty="0">
+              <a:ln>
+                <a:noFill/>
+              </a:ln>
+              <a:solidFill>
+                <a:schemeClr val="tx1"/>
+              </a:solidFill>
+              <a:effectLst/>
+              <a:latin typeface="Arial" panose="020B0604020202020204" pitchFamily="34" charset="0"/>
+            </a:endParaRPr>
+          </a:p>
+          <a:p>
+            <a:pPr marL="0" marR="0" lvl="0" indent="0" algn="l" defTabSz="914400" rtl="0" eaLnBrk="0" fontAlgn="base" latinLnBrk="0" hangingPunct="0">
+              <a:lnSpc>
+                <a:spcPct val="100000"/>
+              </a:lnSpc>
+              <a:spcBef>
+                <a:spcPct val="0"/>
+              </a:spcBef>
+              <a:spcAft>
+                <a:spcPct val="0"/>
+              </a:spcAft>
+              <a:buClrTx/>
+              <a:buSzTx/>
+              <a:tabLst/>
+            </a:pPr>
+            <a:endParaRPr kumimoji="0" lang="fi-FI" altLang="fi-FI" sz="1800" b="0" i="0" u="none" strike="noStrike" cap="none" normalizeH="0" baseline="0" dirty="0">
+              <a:ln>
+                <a:noFill/>
+              </a:ln>
+              <a:solidFill>
+                <a:schemeClr val="tx1"/>
+              </a:solidFill>
+              <a:effectLst/>
+              <a:latin typeface="Arial" panose="020B0604020202020204" pitchFamily="34" charset="0"/>
+            </a:endParaRPr>
+          </a:p>
+          <a:p>
+            <a:pPr marL="0" marR="0" lvl="0" indent="0" algn="l" defTabSz="914400" rtl="0" eaLnBrk="0" fontAlgn="base" latinLnBrk="0" hangingPunct="0">
+              <a:lnSpc>
+                <a:spcPct val="100000"/>
+              </a:lnSpc>
+              <a:spcBef>
+                <a:spcPct val="0"/>
+              </a:spcBef>
+              <a:spcAft>
+                <a:spcPct val="0"/>
+              </a:spcAft>
+              <a:buClrTx/>
+              <a:buSzTx/>
+              <a:buFontTx/>
+              <a:buNone/>
+              <a:tabLst/>
+            </a:pPr>
+            <a:r>
+              <a:rPr kumimoji="0" lang="fi-FI" altLang="fi-FI" sz="1800" b="0" i="0" u="none" strike="noStrike" cap="none" normalizeH="0" baseline="0" dirty="0" err="1">
+                <a:ln>
+                  <a:noFill/>
+                </a:ln>
+                <a:solidFill>
+                  <a:schemeClr val="tx1"/>
+                </a:solidFill>
+                <a:effectLst/>
+                <a:highlight>
+                  <a:srgbClr val="C0C0C0"/>
+                </a:highlight>
+                <a:latin typeface="Consolas" panose="020B0609020204030204" pitchFamily="49" charset="0"/>
+              </a:rPr>
+              <a:t>npx</a:t>
+            </a:r>
+            <a:r>
+              <a:rPr kumimoji="0" lang="fi-FI" altLang="fi-FI" sz="1800" b="0" i="0" u="none" strike="noStrike" cap="none" normalizeH="0" baseline="0" dirty="0">
+                <a:ln>
+                  <a:noFill/>
+                </a:ln>
+                <a:solidFill>
+                  <a:schemeClr val="tx1"/>
+                </a:solidFill>
+                <a:effectLst/>
+                <a:highlight>
+                  <a:srgbClr val="C0C0C0"/>
+                </a:highlight>
+                <a:latin typeface="Consolas" panose="020B0609020204030204" pitchFamily="49" charset="0"/>
+              </a:rPr>
+              <a:t> @biomejs/biome </a:t>
+            </a:r>
+            <a:r>
+              <a:rPr kumimoji="0" lang="fi-FI" altLang="fi-FI" sz="1800" b="1" i="0" u="none" strike="noStrike" cap="none" normalizeH="0" baseline="0" dirty="0" err="1">
+                <a:ln>
+                  <a:noFill/>
+                </a:ln>
+                <a:solidFill>
+                  <a:schemeClr val="tx1"/>
+                </a:solidFill>
+                <a:effectLst/>
+                <a:highlight>
+                  <a:srgbClr val="C0C0C0"/>
+                </a:highlight>
+                <a:latin typeface="Consolas" panose="020B0609020204030204" pitchFamily="49" charset="0"/>
+              </a:rPr>
+              <a:t>format</a:t>
+            </a:r>
+            <a:r>
+              <a:rPr kumimoji="0" lang="fi-FI" altLang="fi-FI" sz="1800" b="1" i="0" u="none" strike="noStrike" cap="none" normalizeH="0" baseline="0" dirty="0">
+                <a:ln>
+                  <a:noFill/>
+                </a:ln>
+                <a:solidFill>
+                  <a:schemeClr val="tx1"/>
+                </a:solidFill>
+                <a:effectLst/>
+                <a:highlight>
+                  <a:srgbClr val="C0C0C0"/>
+                </a:highlight>
+                <a:latin typeface="Consolas" panose="020B0609020204030204" pitchFamily="49" charset="0"/>
+              </a:rPr>
+              <a:t> --</a:t>
+            </a:r>
+            <a:r>
+              <a:rPr kumimoji="0" lang="fi-FI" altLang="fi-FI" sz="1800" b="1" i="0" u="none" strike="noStrike" cap="none" normalizeH="0" baseline="0" dirty="0" err="1">
+                <a:ln>
+                  <a:noFill/>
+                </a:ln>
+                <a:solidFill>
+                  <a:schemeClr val="tx1"/>
+                </a:solidFill>
+                <a:effectLst/>
+                <a:highlight>
+                  <a:srgbClr val="C0C0C0"/>
+                </a:highlight>
+                <a:latin typeface="Consolas" panose="020B0609020204030204" pitchFamily="49" charset="0"/>
+              </a:rPr>
+              <a:t>write</a:t>
+            </a:r>
+            <a:r>
+              <a:rPr kumimoji="0" lang="fi-FI" altLang="fi-FI" sz="1800" b="0" i="0" u="none" strike="noStrike" cap="none" normalizeH="0" baseline="0" dirty="0">
+                <a:ln>
+                  <a:noFill/>
+                </a:ln>
+                <a:solidFill>
+                  <a:schemeClr val="tx1"/>
+                </a:solidFill>
+                <a:effectLst/>
+                <a:highlight>
+                  <a:srgbClr val="C0C0C0"/>
+                </a:highlight>
+                <a:latin typeface="Consolas" panose="020B0609020204030204" pitchFamily="49" charset="0"/>
+              </a:rPr>
+              <a:t> --</a:t>
+            </a:r>
+            <a:r>
+              <a:rPr kumimoji="0" lang="fi-FI" altLang="fi-FI" sz="1800" b="0" i="0" u="none" strike="noStrike" cap="none" normalizeH="0" baseline="0" dirty="0" err="1">
+                <a:ln>
+                  <a:noFill/>
+                </a:ln>
+                <a:solidFill>
+                  <a:schemeClr val="tx1"/>
+                </a:solidFill>
+                <a:effectLst/>
+                <a:highlight>
+                  <a:srgbClr val="C0C0C0"/>
+                </a:highlight>
+                <a:latin typeface="Consolas" panose="020B0609020204030204" pitchFamily="49" charset="0"/>
+              </a:rPr>
+              <a:t>max-diagnostics</a:t>
+            </a:r>
+            <a:r>
+              <a:rPr kumimoji="0" lang="fi-FI" altLang="fi-FI" sz="1800" b="0" i="0" u="none" strike="noStrike" cap="none" normalizeH="0" baseline="0" dirty="0">
+                <a:ln>
+                  <a:noFill/>
+                </a:ln>
+                <a:solidFill>
+                  <a:schemeClr val="tx1"/>
+                </a:solidFill>
+                <a:effectLst/>
+                <a:highlight>
+                  <a:srgbClr val="C0C0C0"/>
+                </a:highlight>
+                <a:latin typeface="Consolas" panose="020B0609020204030204" pitchFamily="49" charset="0"/>
+              </a:rPr>
+              <a:t>=200 --</a:t>
+            </a:r>
+            <a:r>
+              <a:rPr kumimoji="0" lang="fi-FI" altLang="fi-FI" sz="1800" b="0" i="0" u="none" strike="noStrike" cap="none" normalizeH="0" baseline="0" dirty="0" err="1">
+                <a:ln>
+                  <a:noFill/>
+                </a:ln>
+                <a:solidFill>
+                  <a:schemeClr val="tx1"/>
+                </a:solidFill>
+                <a:effectLst/>
+                <a:highlight>
+                  <a:srgbClr val="C0C0C0"/>
+                </a:highlight>
+                <a:latin typeface="Consolas" panose="020B0609020204030204" pitchFamily="49" charset="0"/>
+              </a:rPr>
+              <a:t>line-ending</a:t>
+            </a:r>
+            <a:r>
+              <a:rPr kumimoji="0" lang="fi-FI" altLang="fi-FI" sz="1800" b="0" i="0" u="none" strike="noStrike" cap="none" normalizeH="0" baseline="0" dirty="0">
+                <a:ln>
+                  <a:noFill/>
+                </a:ln>
+                <a:solidFill>
+                  <a:schemeClr val="tx1"/>
+                </a:solidFill>
+                <a:effectLst/>
+                <a:highlight>
+                  <a:srgbClr val="C0C0C0"/>
+                </a:highlight>
+                <a:latin typeface="Consolas" panose="020B0609020204030204" pitchFamily="49" charset="0"/>
+              </a:rPr>
+              <a:t>=</a:t>
+            </a:r>
+            <a:r>
+              <a:rPr kumimoji="0" lang="fi-FI" altLang="fi-FI" sz="1800" b="0" i="0" u="none" strike="noStrike" cap="none" normalizeH="0" baseline="0" dirty="0" err="1">
+                <a:ln>
+                  <a:noFill/>
+                </a:ln>
+                <a:solidFill>
+                  <a:schemeClr val="tx1"/>
+                </a:solidFill>
+                <a:effectLst/>
+                <a:highlight>
+                  <a:srgbClr val="C0C0C0"/>
+                </a:highlight>
+                <a:latin typeface="Consolas" panose="020B0609020204030204" pitchFamily="49" charset="0"/>
+              </a:rPr>
+              <a:t>crlf</a:t>
+            </a:r>
+            <a:r>
+              <a:rPr kumimoji="0" lang="fi-FI" altLang="fi-FI" sz="1800" b="0" i="0" u="none" strike="noStrike" cap="none" normalizeH="0" baseline="0" dirty="0">
+                <a:ln>
+                  <a:noFill/>
+                </a:ln>
+                <a:solidFill>
+                  <a:schemeClr val="tx1"/>
+                </a:solidFill>
+                <a:effectLst/>
+                <a:highlight>
+                  <a:srgbClr val="C0C0C0"/>
+                </a:highlight>
+                <a:latin typeface="Consolas" panose="020B0609020204030204" pitchFamily="49" charset="0"/>
+              </a:rPr>
+              <a:t> ./</a:t>
+            </a:r>
+            <a:r>
+              <a:rPr kumimoji="0" lang="fi-FI" altLang="fi-FI" sz="1800" b="0" i="0" u="none" strike="noStrike" cap="none" normalizeH="0" baseline="0" dirty="0" err="1">
+                <a:ln>
+                  <a:noFill/>
+                </a:ln>
+                <a:solidFill>
+                  <a:schemeClr val="tx1"/>
+                </a:solidFill>
+                <a:effectLst/>
+                <a:highlight>
+                  <a:srgbClr val="C0C0C0"/>
+                </a:highlight>
+                <a:latin typeface="Consolas" panose="020B0609020204030204" pitchFamily="49" charset="0"/>
+              </a:rPr>
+              <a:t>src</a:t>
+            </a:r>
+            <a:r>
+              <a:rPr kumimoji="0" lang="fi-FI" altLang="fi-FI" sz="1800" b="0" i="0" u="none" strike="noStrike" cap="none" normalizeH="0" baseline="0" dirty="0">
+                <a:ln>
+                  <a:noFill/>
+                </a:ln>
+                <a:solidFill>
+                  <a:schemeClr val="tx1"/>
+                </a:solidFill>
+                <a:effectLst/>
+                <a:highlight>
+                  <a:srgbClr val="C0C0C0"/>
+                </a:highlight>
+                <a:latin typeface="Consolas" panose="020B0609020204030204" pitchFamily="49" charset="0"/>
+              </a:rPr>
+              <a:t> </a:t>
+            </a:r>
+          </a:p>
+          <a:p>
+            <a:pPr marL="0" marR="0" lvl="0" indent="0" algn="l" defTabSz="914400" rtl="0" eaLnBrk="0" fontAlgn="base" latinLnBrk="0" hangingPunct="0">
+              <a:lnSpc>
+                <a:spcPct val="100000"/>
+              </a:lnSpc>
+              <a:spcBef>
+                <a:spcPct val="0"/>
+              </a:spcBef>
+              <a:spcAft>
+                <a:spcPct val="0"/>
+              </a:spcAft>
+              <a:buClrTx/>
+              <a:buSzTx/>
+              <a:buFontTx/>
+              <a:buNone/>
+              <a:tabLst/>
+            </a:pPr>
+            <a:endParaRPr kumimoji="0" lang="fi-FI" altLang="fi-FI" sz="1800" b="0" i="0" u="none" strike="noStrike" cap="none" normalizeH="0" baseline="0" dirty="0">
+              <a:ln>
+                <a:noFill/>
+              </a:ln>
+              <a:solidFill>
+                <a:schemeClr val="tx1"/>
+              </a:solidFill>
+              <a:effectLst/>
+              <a:highlight>
+                <a:srgbClr val="C0C0C0"/>
+              </a:highlight>
+              <a:latin typeface="Consolas" panose="020B0609020204030204" pitchFamily="49" charset="0"/>
+            </a:endParaRPr>
+          </a:p>
+          <a:p>
+            <a:pPr marL="0" marR="0" lvl="0" indent="0" algn="l" defTabSz="914400" rtl="0" eaLnBrk="0" fontAlgn="base" latinLnBrk="0" hangingPunct="0">
+              <a:lnSpc>
+                <a:spcPct val="100000"/>
+              </a:lnSpc>
+              <a:spcBef>
+                <a:spcPct val="0"/>
+              </a:spcBef>
+              <a:spcAft>
+                <a:spcPct val="0"/>
+              </a:spcAft>
+              <a:buClrTx/>
+              <a:buSzTx/>
+              <a:buFontTx/>
+              <a:buNone/>
+              <a:tabLst/>
+            </a:pPr>
+            <a:r>
+              <a:rPr kumimoji="0" lang="fi-FI" altLang="fi-FI" sz="1800" b="0" i="0" u="none" strike="noStrike" cap="none" normalizeH="0" baseline="0" dirty="0" err="1">
+                <a:ln>
+                  <a:noFill/>
+                </a:ln>
+                <a:solidFill>
+                  <a:schemeClr val="tx1"/>
+                </a:solidFill>
+                <a:effectLst/>
+                <a:highlight>
+                  <a:srgbClr val="C0C0C0"/>
+                </a:highlight>
+                <a:latin typeface="Consolas" panose="020B0609020204030204" pitchFamily="49" charset="0"/>
+              </a:rPr>
+              <a:t>npx</a:t>
+            </a:r>
+            <a:r>
+              <a:rPr kumimoji="0" lang="fi-FI" altLang="fi-FI" sz="1800" b="0" i="0" u="none" strike="noStrike" cap="none" normalizeH="0" baseline="0" dirty="0">
+                <a:ln>
+                  <a:noFill/>
+                </a:ln>
+                <a:solidFill>
+                  <a:schemeClr val="tx1"/>
+                </a:solidFill>
+                <a:effectLst/>
+                <a:highlight>
+                  <a:srgbClr val="C0C0C0"/>
+                </a:highlight>
+                <a:latin typeface="Consolas" panose="020B0609020204030204" pitchFamily="49" charset="0"/>
+              </a:rPr>
+              <a:t> @biomejs/biome </a:t>
+            </a:r>
+            <a:r>
+              <a:rPr kumimoji="0" lang="fi-FI" altLang="fi-FI" sz="1800" b="1" i="0" u="none" strike="noStrike" cap="none" normalizeH="0" baseline="0" dirty="0" err="1">
+                <a:ln>
+                  <a:noFill/>
+                </a:ln>
+                <a:solidFill>
+                  <a:schemeClr val="tx1"/>
+                </a:solidFill>
+                <a:effectLst/>
+                <a:highlight>
+                  <a:srgbClr val="C0C0C0"/>
+                </a:highlight>
+                <a:latin typeface="Consolas" panose="020B0609020204030204" pitchFamily="49" charset="0"/>
+              </a:rPr>
+              <a:t>check</a:t>
+            </a:r>
+            <a:r>
+              <a:rPr kumimoji="0" lang="fi-FI" altLang="fi-FI" sz="1800" b="0" i="0" u="none" strike="noStrike" cap="none" normalizeH="0" baseline="0" dirty="0">
+                <a:ln>
+                  <a:noFill/>
+                </a:ln>
+                <a:solidFill>
+                  <a:schemeClr val="tx1"/>
+                </a:solidFill>
+                <a:effectLst/>
+                <a:highlight>
+                  <a:srgbClr val="C0C0C0"/>
+                </a:highlight>
+                <a:latin typeface="Consolas" panose="020B0609020204030204" pitchFamily="49" charset="0"/>
+              </a:rPr>
+              <a:t>  --</a:t>
+            </a:r>
+            <a:r>
+              <a:rPr kumimoji="0" lang="fi-FI" altLang="fi-FI" sz="1800" b="0" i="0" u="none" strike="noStrike" cap="none" normalizeH="0" baseline="0" dirty="0" err="1">
+                <a:ln>
+                  <a:noFill/>
+                </a:ln>
+                <a:solidFill>
+                  <a:schemeClr val="tx1"/>
+                </a:solidFill>
+                <a:effectLst/>
+                <a:highlight>
+                  <a:srgbClr val="C0C0C0"/>
+                </a:highlight>
+                <a:latin typeface="Consolas" panose="020B0609020204030204" pitchFamily="49" charset="0"/>
+              </a:rPr>
+              <a:t>max-diagnostics</a:t>
+            </a:r>
+            <a:r>
+              <a:rPr kumimoji="0" lang="fi-FI" altLang="fi-FI" sz="1800" b="0" i="0" u="none" strike="noStrike" cap="none" normalizeH="0" baseline="0" dirty="0">
+                <a:ln>
+                  <a:noFill/>
+                </a:ln>
+                <a:solidFill>
+                  <a:schemeClr val="tx1"/>
+                </a:solidFill>
+                <a:effectLst/>
+                <a:highlight>
+                  <a:srgbClr val="C0C0C0"/>
+                </a:highlight>
+                <a:latin typeface="Consolas" panose="020B0609020204030204" pitchFamily="49" charset="0"/>
+              </a:rPr>
+              <a:t>=200 --</a:t>
+            </a:r>
+            <a:r>
+              <a:rPr kumimoji="0" lang="fi-FI" altLang="fi-FI" sz="1800" b="0" i="0" u="none" strike="noStrike" cap="none" normalizeH="0" baseline="0" dirty="0" err="1">
+                <a:ln>
+                  <a:noFill/>
+                </a:ln>
+                <a:solidFill>
+                  <a:schemeClr val="tx1"/>
+                </a:solidFill>
+                <a:effectLst/>
+                <a:highlight>
+                  <a:srgbClr val="C0C0C0"/>
+                </a:highlight>
+                <a:latin typeface="Consolas" panose="020B0609020204030204" pitchFamily="49" charset="0"/>
+              </a:rPr>
+              <a:t>line-ending</a:t>
+            </a:r>
+            <a:r>
+              <a:rPr kumimoji="0" lang="fi-FI" altLang="fi-FI" sz="1800" b="0" i="0" u="none" strike="noStrike" cap="none" normalizeH="0" baseline="0" dirty="0">
+                <a:ln>
+                  <a:noFill/>
+                </a:ln>
+                <a:solidFill>
+                  <a:schemeClr val="tx1"/>
+                </a:solidFill>
+                <a:effectLst/>
+                <a:highlight>
+                  <a:srgbClr val="C0C0C0"/>
+                </a:highlight>
+                <a:latin typeface="Consolas" panose="020B0609020204030204" pitchFamily="49" charset="0"/>
+              </a:rPr>
+              <a:t>=</a:t>
+            </a:r>
+            <a:r>
+              <a:rPr kumimoji="0" lang="fi-FI" altLang="fi-FI" sz="1800" b="0" i="0" u="none" strike="noStrike" cap="none" normalizeH="0" baseline="0" dirty="0" err="1">
+                <a:ln>
+                  <a:noFill/>
+                </a:ln>
+                <a:solidFill>
+                  <a:schemeClr val="tx1"/>
+                </a:solidFill>
+                <a:effectLst/>
+                <a:highlight>
+                  <a:srgbClr val="C0C0C0"/>
+                </a:highlight>
+                <a:latin typeface="Consolas" panose="020B0609020204030204" pitchFamily="49" charset="0"/>
+              </a:rPr>
+              <a:t>crlf</a:t>
+            </a:r>
+            <a:r>
+              <a:rPr kumimoji="0" lang="fi-FI" altLang="fi-FI" sz="1800" b="0" i="0" u="none" strike="noStrike" cap="none" normalizeH="0" baseline="0" dirty="0">
+                <a:ln>
+                  <a:noFill/>
+                </a:ln>
+                <a:solidFill>
+                  <a:schemeClr val="tx1"/>
+                </a:solidFill>
+                <a:effectLst/>
+                <a:highlight>
+                  <a:srgbClr val="C0C0C0"/>
+                </a:highlight>
+                <a:latin typeface="Consolas" panose="020B0609020204030204" pitchFamily="49" charset="0"/>
+              </a:rPr>
+              <a:t> ./</a:t>
+            </a:r>
+            <a:r>
+              <a:rPr kumimoji="0" lang="fi-FI" altLang="fi-FI" sz="1800" b="0" i="0" u="none" strike="noStrike" cap="none" normalizeH="0" baseline="0" dirty="0" err="1">
+                <a:ln>
+                  <a:noFill/>
+                </a:ln>
+                <a:solidFill>
+                  <a:schemeClr val="tx1"/>
+                </a:solidFill>
+                <a:effectLst/>
+                <a:highlight>
+                  <a:srgbClr val="C0C0C0"/>
+                </a:highlight>
+                <a:latin typeface="Consolas" panose="020B0609020204030204" pitchFamily="49" charset="0"/>
+              </a:rPr>
+              <a:t>src</a:t>
+            </a:r>
+            <a:endParaRPr kumimoji="0" lang="fi-FI" altLang="fi-FI" sz="1800" b="0" i="0" u="none" strike="noStrike" cap="none" normalizeH="0" baseline="0" dirty="0">
+              <a:ln>
+                <a:noFill/>
+              </a:ln>
+              <a:solidFill>
+                <a:schemeClr val="tx1"/>
+              </a:solidFill>
+              <a:effectLst/>
+              <a:highlight>
+                <a:srgbClr val="C0C0C0"/>
+              </a:highlight>
+              <a:latin typeface="Consolas" panose="020B0609020204030204" pitchFamily="49" charset="0"/>
+            </a:endParaRPr>
+          </a:p>
+          <a:p>
+            <a:pPr marL="0" marR="0" lvl="0" indent="0" algn="l" defTabSz="914400" rtl="0" eaLnBrk="0" fontAlgn="base" latinLnBrk="0" hangingPunct="0">
+              <a:lnSpc>
+                <a:spcPct val="100000"/>
+              </a:lnSpc>
+              <a:spcBef>
+                <a:spcPct val="0"/>
+              </a:spcBef>
+              <a:spcAft>
+                <a:spcPct val="0"/>
+              </a:spcAft>
+              <a:buClrTx/>
+              <a:buSzTx/>
+              <a:buFontTx/>
+              <a:buNone/>
+              <a:tabLst/>
+            </a:pPr>
+            <a:endParaRPr kumimoji="0" lang="fi-FI" altLang="fi-FI" sz="1800" b="0" i="0" u="none" strike="noStrike" cap="none" normalizeH="0" baseline="0" dirty="0">
+              <a:ln>
+                <a:noFill/>
+              </a:ln>
+              <a:solidFill>
+                <a:schemeClr val="tx1"/>
+              </a:solidFill>
+              <a:effectLst/>
+              <a:highlight>
+                <a:srgbClr val="C0C0C0"/>
+              </a:highlight>
+              <a:latin typeface="Consolas" panose="020B0609020204030204" pitchFamily="49" charset="0"/>
+            </a:endParaRPr>
+          </a:p>
+          <a:p>
+            <a:pPr marL="0" marR="0" lvl="0" indent="0" algn="l" defTabSz="914400" rtl="0" eaLnBrk="0" fontAlgn="base" latinLnBrk="0" hangingPunct="0">
+              <a:lnSpc>
+                <a:spcPct val="100000"/>
+              </a:lnSpc>
+              <a:spcBef>
+                <a:spcPct val="0"/>
+              </a:spcBef>
+              <a:spcAft>
+                <a:spcPct val="0"/>
+              </a:spcAft>
+              <a:buClrTx/>
+              <a:buSzTx/>
+              <a:buFontTx/>
+              <a:buNone/>
+              <a:tabLst/>
+            </a:pPr>
+            <a:r>
+              <a:rPr kumimoji="0" lang="fi-FI" altLang="fi-FI" sz="1800" b="0" i="0" u="none" strike="noStrike" cap="none" normalizeH="0" baseline="0" dirty="0" err="1">
+                <a:ln>
+                  <a:noFill/>
+                </a:ln>
+                <a:solidFill>
+                  <a:schemeClr val="tx1"/>
+                </a:solidFill>
+                <a:effectLst/>
+                <a:highlight>
+                  <a:srgbClr val="C0C0C0"/>
+                </a:highlight>
+                <a:latin typeface="Consolas" panose="020B0609020204030204" pitchFamily="49" charset="0"/>
+              </a:rPr>
+              <a:t>npx</a:t>
+            </a:r>
+            <a:r>
+              <a:rPr kumimoji="0" lang="fi-FI" altLang="fi-FI" sz="1800" b="0" i="0" u="none" strike="noStrike" cap="none" normalizeH="0" baseline="0" dirty="0">
+                <a:ln>
+                  <a:noFill/>
+                </a:ln>
+                <a:solidFill>
+                  <a:schemeClr val="tx1"/>
+                </a:solidFill>
+                <a:effectLst/>
+                <a:highlight>
+                  <a:srgbClr val="C0C0C0"/>
+                </a:highlight>
+                <a:latin typeface="Consolas" panose="020B0609020204030204" pitchFamily="49" charset="0"/>
+              </a:rPr>
+              <a:t> @biomejs/biome </a:t>
+            </a:r>
+            <a:r>
+              <a:rPr kumimoji="0" lang="fi-FI" altLang="fi-FI" sz="1800" b="1" i="0" u="none" strike="noStrike" cap="none" normalizeH="0" baseline="0" dirty="0" err="1">
+                <a:ln>
+                  <a:noFill/>
+                </a:ln>
+                <a:solidFill>
+                  <a:schemeClr val="tx1"/>
+                </a:solidFill>
+                <a:effectLst/>
+                <a:highlight>
+                  <a:srgbClr val="C0C0C0"/>
+                </a:highlight>
+                <a:latin typeface="Consolas" panose="020B0609020204030204" pitchFamily="49" charset="0"/>
+              </a:rPr>
+              <a:t>check</a:t>
+            </a:r>
+            <a:r>
+              <a:rPr kumimoji="0" lang="fi-FI" altLang="fi-FI" sz="1800" b="0" i="0" u="none" strike="noStrike" cap="none" normalizeH="0" baseline="0" dirty="0">
+                <a:ln>
+                  <a:noFill/>
+                </a:ln>
+                <a:solidFill>
+                  <a:schemeClr val="tx1"/>
+                </a:solidFill>
+                <a:effectLst/>
+                <a:highlight>
+                  <a:srgbClr val="C0C0C0"/>
+                </a:highlight>
+                <a:latin typeface="Consolas" panose="020B0609020204030204" pitchFamily="49" charset="0"/>
+              </a:rPr>
+              <a:t> </a:t>
+            </a:r>
+            <a:r>
+              <a:rPr kumimoji="0" lang="fi-FI" altLang="fi-FI" sz="1800" b="1" i="0" u="none" strike="noStrike" cap="none" normalizeH="0" baseline="0" dirty="0">
+                <a:ln>
+                  <a:noFill/>
+                </a:ln>
+                <a:solidFill>
+                  <a:schemeClr val="tx1"/>
+                </a:solidFill>
+                <a:effectLst/>
+                <a:highlight>
+                  <a:srgbClr val="C0C0C0"/>
+                </a:highlight>
+                <a:latin typeface="Consolas" panose="020B0609020204030204" pitchFamily="49" charset="0"/>
+              </a:rPr>
+              <a:t>--</a:t>
+            </a:r>
+            <a:r>
+              <a:rPr kumimoji="0" lang="fi-FI" altLang="fi-FI" sz="1800" b="1" i="0" u="none" strike="noStrike" cap="none" normalizeH="0" baseline="0" dirty="0" err="1">
+                <a:ln>
+                  <a:noFill/>
+                </a:ln>
+                <a:solidFill>
+                  <a:schemeClr val="tx1"/>
+                </a:solidFill>
+                <a:effectLst/>
+                <a:highlight>
+                  <a:srgbClr val="C0C0C0"/>
+                </a:highlight>
+                <a:latin typeface="Consolas" panose="020B0609020204030204" pitchFamily="49" charset="0"/>
+              </a:rPr>
+              <a:t>apply</a:t>
+            </a:r>
+            <a:r>
+              <a:rPr kumimoji="0" lang="fi-FI" altLang="fi-FI" sz="1800" b="1" i="0" u="none" strike="noStrike" cap="none" normalizeH="0" baseline="0" dirty="0">
+                <a:ln>
+                  <a:noFill/>
+                </a:ln>
+                <a:solidFill>
+                  <a:schemeClr val="tx1"/>
+                </a:solidFill>
+                <a:effectLst/>
+                <a:highlight>
+                  <a:srgbClr val="C0C0C0"/>
+                </a:highlight>
+                <a:latin typeface="Consolas" panose="020B0609020204030204" pitchFamily="49" charset="0"/>
+              </a:rPr>
+              <a:t> </a:t>
+            </a:r>
+            <a:r>
+              <a:rPr kumimoji="0" lang="fi-FI" altLang="fi-FI" sz="1800" b="0" i="0" u="none" strike="noStrike" cap="none" normalizeH="0" baseline="0" dirty="0">
+                <a:ln>
+                  <a:noFill/>
+                </a:ln>
+                <a:solidFill>
+                  <a:schemeClr val="tx1"/>
+                </a:solidFill>
+                <a:effectLst/>
+                <a:highlight>
+                  <a:srgbClr val="C0C0C0"/>
+                </a:highlight>
+                <a:latin typeface="Consolas" panose="020B0609020204030204" pitchFamily="49" charset="0"/>
+              </a:rPr>
+              <a:t>--</a:t>
+            </a:r>
+            <a:r>
+              <a:rPr kumimoji="0" lang="fi-FI" altLang="fi-FI" sz="1800" b="0" i="0" u="none" strike="noStrike" cap="none" normalizeH="0" baseline="0" dirty="0" err="1">
+                <a:ln>
+                  <a:noFill/>
+                </a:ln>
+                <a:solidFill>
+                  <a:schemeClr val="tx1"/>
+                </a:solidFill>
+                <a:effectLst/>
+                <a:highlight>
+                  <a:srgbClr val="C0C0C0"/>
+                </a:highlight>
+                <a:latin typeface="Consolas" panose="020B0609020204030204" pitchFamily="49" charset="0"/>
+              </a:rPr>
+              <a:t>max-diagnostics</a:t>
+            </a:r>
+            <a:r>
+              <a:rPr kumimoji="0" lang="fi-FI" altLang="fi-FI" sz="1800" b="0" i="0" u="none" strike="noStrike" cap="none" normalizeH="0" baseline="0" dirty="0">
+                <a:ln>
+                  <a:noFill/>
+                </a:ln>
+                <a:solidFill>
+                  <a:schemeClr val="tx1"/>
+                </a:solidFill>
+                <a:effectLst/>
+                <a:highlight>
+                  <a:srgbClr val="C0C0C0"/>
+                </a:highlight>
+                <a:latin typeface="Consolas" panose="020B0609020204030204" pitchFamily="49" charset="0"/>
+              </a:rPr>
+              <a:t>=200 --</a:t>
+            </a:r>
+            <a:r>
+              <a:rPr kumimoji="0" lang="fi-FI" altLang="fi-FI" sz="1800" b="0" i="0" u="none" strike="noStrike" cap="none" normalizeH="0" baseline="0" dirty="0" err="1">
+                <a:ln>
+                  <a:noFill/>
+                </a:ln>
+                <a:solidFill>
+                  <a:schemeClr val="tx1"/>
+                </a:solidFill>
+                <a:effectLst/>
+                <a:highlight>
+                  <a:srgbClr val="C0C0C0"/>
+                </a:highlight>
+                <a:latin typeface="Consolas" panose="020B0609020204030204" pitchFamily="49" charset="0"/>
+              </a:rPr>
+              <a:t>line-ending</a:t>
+            </a:r>
+            <a:r>
+              <a:rPr kumimoji="0" lang="fi-FI" altLang="fi-FI" sz="1800" b="0" i="0" u="none" strike="noStrike" cap="none" normalizeH="0" baseline="0" dirty="0">
+                <a:ln>
+                  <a:noFill/>
+                </a:ln>
+                <a:solidFill>
+                  <a:schemeClr val="tx1"/>
+                </a:solidFill>
+                <a:effectLst/>
+                <a:highlight>
+                  <a:srgbClr val="C0C0C0"/>
+                </a:highlight>
+                <a:latin typeface="Consolas" panose="020B0609020204030204" pitchFamily="49" charset="0"/>
+              </a:rPr>
+              <a:t>=</a:t>
+            </a:r>
+            <a:r>
+              <a:rPr kumimoji="0" lang="fi-FI" altLang="fi-FI" sz="1800" b="0" i="0" u="none" strike="noStrike" cap="none" normalizeH="0" baseline="0" dirty="0" err="1">
+                <a:ln>
+                  <a:noFill/>
+                </a:ln>
+                <a:solidFill>
+                  <a:schemeClr val="tx1"/>
+                </a:solidFill>
+                <a:effectLst/>
+                <a:highlight>
+                  <a:srgbClr val="C0C0C0"/>
+                </a:highlight>
+                <a:latin typeface="Consolas" panose="020B0609020204030204" pitchFamily="49" charset="0"/>
+              </a:rPr>
+              <a:t>crlf</a:t>
+            </a:r>
+            <a:r>
+              <a:rPr kumimoji="0" lang="fi-FI" altLang="fi-FI" sz="1800" b="0" i="0" u="none" strike="noStrike" cap="none" normalizeH="0" baseline="0" dirty="0">
+                <a:ln>
+                  <a:noFill/>
+                </a:ln>
+                <a:solidFill>
+                  <a:schemeClr val="tx1"/>
+                </a:solidFill>
+                <a:effectLst/>
+                <a:highlight>
+                  <a:srgbClr val="C0C0C0"/>
+                </a:highlight>
+                <a:latin typeface="Consolas" panose="020B0609020204030204" pitchFamily="49" charset="0"/>
+              </a:rPr>
+              <a:t> ./</a:t>
+            </a:r>
+            <a:r>
+              <a:rPr kumimoji="0" lang="fi-FI" altLang="fi-FI" sz="1800" b="0" i="0" u="none" strike="noStrike" cap="none" normalizeH="0" baseline="0" dirty="0" err="1">
+                <a:ln>
+                  <a:noFill/>
+                </a:ln>
+                <a:solidFill>
+                  <a:schemeClr val="tx1"/>
+                </a:solidFill>
+                <a:effectLst/>
+                <a:highlight>
+                  <a:srgbClr val="C0C0C0"/>
+                </a:highlight>
+                <a:latin typeface="Consolas" panose="020B0609020204030204" pitchFamily="49" charset="0"/>
+              </a:rPr>
+              <a:t>src</a:t>
+            </a:r>
+            <a:endParaRPr kumimoji="0" lang="fi-FI" altLang="fi-FI" sz="1800" b="0" i="0" u="none" strike="noStrike" cap="none" normalizeH="0" baseline="0" dirty="0">
+              <a:ln>
+                <a:noFill/>
+              </a:ln>
+              <a:solidFill>
+                <a:schemeClr val="tx1"/>
+              </a:solidFill>
+              <a:effectLst/>
+              <a:highlight>
+                <a:srgbClr val="C0C0C0"/>
+              </a:highlight>
+              <a:latin typeface="Consolas" panose="020B0609020204030204" pitchFamily="49" charset="0"/>
+            </a:endParaRPr>
+          </a:p>
+          <a:p>
+            <a:pPr marL="0" marR="0" lvl="0" indent="0" algn="l" defTabSz="914400" rtl="0" eaLnBrk="0" fontAlgn="base" latinLnBrk="0" hangingPunct="0">
+              <a:lnSpc>
+                <a:spcPct val="100000"/>
+              </a:lnSpc>
+              <a:spcBef>
+                <a:spcPct val="0"/>
+              </a:spcBef>
+              <a:spcAft>
+                <a:spcPct val="0"/>
+              </a:spcAft>
+              <a:buClrTx/>
+              <a:buSzTx/>
+              <a:buFontTx/>
+              <a:buNone/>
+              <a:tabLst/>
+            </a:pPr>
+            <a:endParaRPr lang="fi-FI" altLang="fi-FI" dirty="0">
+              <a:latin typeface="Consolas" panose="020B0609020204030204" pitchFamily="49" charset="0"/>
+            </a:endParaRPr>
+          </a:p>
+          <a:p>
+            <a:pPr marL="0" marR="0" lvl="0" indent="0" algn="l" defTabSz="914400" rtl="0" eaLnBrk="0" fontAlgn="base" latinLnBrk="0" hangingPunct="0">
+              <a:lnSpc>
+                <a:spcPct val="100000"/>
+              </a:lnSpc>
+              <a:spcBef>
+                <a:spcPct val="0"/>
+              </a:spcBef>
+              <a:spcAft>
+                <a:spcPct val="0"/>
+              </a:spcAft>
+              <a:buClrTx/>
+              <a:buSzTx/>
+              <a:buFontTx/>
+              <a:buNone/>
+              <a:tabLst/>
+            </a:pPr>
+            <a:r>
+              <a:rPr kumimoji="0" lang="fi-FI" altLang="fi-FI" sz="1800" b="0" i="0" u="none" strike="noStrike" cap="none" normalizeH="0" baseline="0" dirty="0">
+                <a:ln>
+                  <a:noFill/>
+                </a:ln>
+                <a:solidFill>
+                  <a:schemeClr val="tx1"/>
+                </a:solidFill>
+                <a:effectLst/>
+                <a:latin typeface="+mj-lt"/>
+              </a:rPr>
+              <a:t># 200 </a:t>
+            </a:r>
+            <a:r>
+              <a:rPr kumimoji="0" lang="fi-FI" altLang="fi-FI" sz="1800" b="0" i="0" u="none" strike="noStrike" cap="none" normalizeH="0" baseline="0" dirty="0" err="1">
+                <a:ln>
+                  <a:noFill/>
+                </a:ln>
+                <a:solidFill>
+                  <a:schemeClr val="tx1"/>
+                </a:solidFill>
+                <a:effectLst/>
+                <a:latin typeface="+mj-lt"/>
+              </a:rPr>
+              <a:t>here</a:t>
+            </a:r>
+            <a:r>
+              <a:rPr kumimoji="0" lang="fi-FI" altLang="fi-FI" sz="1800" b="0" i="0" u="none" strike="noStrike" cap="none" normalizeH="0" baseline="0" dirty="0">
+                <a:ln>
+                  <a:noFill/>
+                </a:ln>
+                <a:solidFill>
+                  <a:schemeClr val="tx1"/>
+                </a:solidFill>
+                <a:effectLst/>
+                <a:latin typeface="+mj-lt"/>
+              </a:rPr>
+              <a:t> </a:t>
+            </a:r>
+            <a:r>
+              <a:rPr kumimoji="0" lang="fi-FI" altLang="fi-FI" sz="1800" b="0" i="0" u="none" strike="noStrike" cap="none" normalizeH="0" baseline="0" dirty="0" err="1">
+                <a:ln>
+                  <a:noFill/>
+                </a:ln>
+                <a:solidFill>
+                  <a:schemeClr val="tx1"/>
+                </a:solidFill>
+                <a:effectLst/>
+                <a:latin typeface="+mj-lt"/>
+              </a:rPr>
+              <a:t>means</a:t>
+            </a:r>
+            <a:r>
+              <a:rPr kumimoji="0" lang="fi-FI" altLang="fi-FI" sz="1800" b="0" i="0" u="none" strike="noStrike" cap="none" normalizeH="0" baseline="0" dirty="0">
+                <a:ln>
+                  <a:noFill/>
+                </a:ln>
+                <a:solidFill>
+                  <a:schemeClr val="tx1"/>
+                </a:solidFill>
+                <a:effectLst/>
+                <a:latin typeface="+mj-lt"/>
+              </a:rPr>
+              <a:t> it </a:t>
+            </a:r>
+            <a:r>
+              <a:rPr kumimoji="0" lang="fi-FI" altLang="fi-FI" sz="1800" b="0" i="0" u="none" strike="noStrike" cap="none" normalizeH="0" baseline="0" dirty="0" err="1">
+                <a:ln>
+                  <a:noFill/>
+                </a:ln>
+                <a:solidFill>
+                  <a:schemeClr val="tx1"/>
+                </a:solidFill>
+                <a:effectLst/>
+                <a:latin typeface="+mj-lt"/>
+              </a:rPr>
+              <a:t>will</a:t>
+            </a:r>
+            <a:r>
+              <a:rPr kumimoji="0" lang="fi-FI" altLang="fi-FI" sz="1800" b="0" i="0" u="none" strike="noStrike" cap="none" normalizeH="0" baseline="0" dirty="0">
+                <a:ln>
+                  <a:noFill/>
+                </a:ln>
+                <a:solidFill>
+                  <a:schemeClr val="tx1"/>
+                </a:solidFill>
+                <a:effectLst/>
+                <a:latin typeface="+mj-lt"/>
+              </a:rPr>
+              <a:t> </a:t>
+            </a:r>
+            <a:r>
+              <a:rPr kumimoji="0" lang="fi-FI" altLang="fi-FI" sz="1800" b="0" i="0" u="none" strike="noStrike" cap="none" normalizeH="0" baseline="0" dirty="0" err="1">
+                <a:ln>
+                  <a:noFill/>
+                </a:ln>
+                <a:solidFill>
+                  <a:schemeClr val="tx1"/>
+                </a:solidFill>
+                <a:effectLst/>
+                <a:latin typeface="+mj-lt"/>
+              </a:rPr>
+              <a:t>each</a:t>
+            </a:r>
+            <a:r>
+              <a:rPr kumimoji="0" lang="fi-FI" altLang="fi-FI" sz="1800" b="0" i="0" u="none" strike="noStrike" cap="none" normalizeH="0" baseline="0" dirty="0">
+                <a:ln>
+                  <a:noFill/>
+                </a:ln>
+                <a:solidFill>
+                  <a:schemeClr val="tx1"/>
+                </a:solidFill>
+                <a:effectLst/>
+                <a:latin typeface="+mj-lt"/>
+              </a:rPr>
+              <a:t> </a:t>
+            </a:r>
+            <a:r>
+              <a:rPr kumimoji="0" lang="fi-FI" altLang="fi-FI" sz="1800" b="0" i="0" u="none" strike="noStrike" cap="none" normalizeH="0" baseline="0" dirty="0" err="1">
+                <a:ln>
+                  <a:noFill/>
+                </a:ln>
+                <a:solidFill>
+                  <a:schemeClr val="tx1"/>
+                </a:solidFill>
+                <a:effectLst/>
+                <a:latin typeface="+mj-lt"/>
+              </a:rPr>
+              <a:t>time</a:t>
+            </a:r>
+            <a:r>
+              <a:rPr kumimoji="0" lang="fi-FI" altLang="fi-FI" sz="1800" b="0" i="0" u="none" strike="noStrike" cap="none" normalizeH="0" baseline="0" dirty="0">
+                <a:ln>
+                  <a:noFill/>
+                </a:ln>
+                <a:solidFill>
+                  <a:schemeClr val="tx1"/>
+                </a:solidFill>
+                <a:effectLst/>
+                <a:latin typeface="+mj-lt"/>
+              </a:rPr>
+              <a:t> </a:t>
+            </a:r>
+            <a:r>
+              <a:rPr kumimoji="0" lang="fi-FI" altLang="fi-FI" sz="1800" b="0" i="0" u="none" strike="noStrike" cap="none" normalizeH="0" baseline="0" dirty="0" err="1">
+                <a:ln>
+                  <a:noFill/>
+                </a:ln>
+                <a:solidFill>
+                  <a:schemeClr val="tx1"/>
+                </a:solidFill>
+                <a:effectLst/>
+                <a:latin typeface="+mj-lt"/>
+              </a:rPr>
+              <a:t>only</a:t>
+            </a:r>
+            <a:r>
+              <a:rPr kumimoji="0" lang="fi-FI" altLang="fi-FI" sz="1800" b="0" i="0" u="none" strike="noStrike" cap="none" normalizeH="0" baseline="0" dirty="0">
+                <a:ln>
+                  <a:noFill/>
+                </a:ln>
+                <a:solidFill>
+                  <a:schemeClr val="tx1"/>
+                </a:solidFill>
+                <a:effectLst/>
+                <a:latin typeface="+mj-lt"/>
+              </a:rPr>
+              <a:t> </a:t>
+            </a:r>
+            <a:r>
+              <a:rPr kumimoji="0" lang="fi-FI" altLang="fi-FI" sz="1800" b="0" i="0" u="none" strike="noStrike" cap="none" normalizeH="0" baseline="0" dirty="0" err="1">
+                <a:ln>
+                  <a:noFill/>
+                </a:ln>
+                <a:solidFill>
+                  <a:schemeClr val="tx1"/>
+                </a:solidFill>
+                <a:effectLst/>
+                <a:latin typeface="+mj-lt"/>
+              </a:rPr>
+              <a:t>notice</a:t>
+            </a:r>
+            <a:r>
+              <a:rPr kumimoji="0" lang="fi-FI" altLang="fi-FI" sz="1800" b="0" i="0" u="none" strike="noStrike" cap="none" normalizeH="0" baseline="0" dirty="0">
+                <a:ln>
+                  <a:noFill/>
+                </a:ln>
+                <a:solidFill>
+                  <a:schemeClr val="tx1"/>
+                </a:solidFill>
+                <a:effectLst/>
+                <a:latin typeface="+mj-lt"/>
+              </a:rPr>
+              <a:t>/</a:t>
+            </a:r>
+            <a:r>
+              <a:rPr kumimoji="0" lang="fi-FI" altLang="fi-FI" sz="1800" b="0" i="0" u="none" strike="noStrike" cap="none" normalizeH="0" baseline="0" dirty="0" err="1">
+                <a:ln>
+                  <a:noFill/>
+                </a:ln>
+                <a:solidFill>
+                  <a:schemeClr val="tx1"/>
+                </a:solidFill>
+                <a:effectLst/>
+                <a:latin typeface="+mj-lt"/>
+              </a:rPr>
+              <a:t>fix</a:t>
+            </a:r>
+            <a:r>
+              <a:rPr kumimoji="0" lang="fi-FI" altLang="fi-FI" sz="1800" b="0" i="0" u="none" strike="noStrike" cap="none" normalizeH="0" baseline="0" dirty="0">
+                <a:ln>
+                  <a:noFill/>
+                </a:ln>
+                <a:solidFill>
+                  <a:schemeClr val="tx1"/>
+                </a:solidFill>
+                <a:effectLst/>
+                <a:latin typeface="+mj-lt"/>
+              </a:rPr>
+              <a:t> </a:t>
+            </a:r>
+            <a:r>
+              <a:rPr kumimoji="0" lang="fi-FI" altLang="fi-FI" sz="1800" b="0" i="0" u="none" strike="noStrike" cap="none" normalizeH="0" baseline="0" dirty="0" err="1">
+                <a:ln>
+                  <a:noFill/>
+                </a:ln>
+                <a:solidFill>
+                  <a:schemeClr val="tx1"/>
+                </a:solidFill>
+                <a:effectLst/>
+                <a:latin typeface="+mj-lt"/>
+              </a:rPr>
+              <a:t>first</a:t>
+            </a:r>
+            <a:r>
+              <a:rPr kumimoji="0" lang="fi-FI" altLang="fi-FI" sz="1800" b="0" i="0" u="none" strike="noStrike" cap="none" normalizeH="0" baseline="0" dirty="0">
+                <a:ln>
+                  <a:noFill/>
+                </a:ln>
+                <a:solidFill>
+                  <a:schemeClr val="tx1"/>
+                </a:solidFill>
+                <a:effectLst/>
+                <a:latin typeface="+mj-lt"/>
+              </a:rPr>
+              <a:t> 200 </a:t>
+            </a:r>
+            <a:r>
+              <a:rPr kumimoji="0" lang="fi-FI" altLang="fi-FI" sz="1800" b="0" i="0" u="none" strike="noStrike" cap="none" normalizeH="0" baseline="0" dirty="0" err="1">
+                <a:ln>
+                  <a:noFill/>
+                </a:ln>
+                <a:solidFill>
+                  <a:schemeClr val="tx1"/>
+                </a:solidFill>
+                <a:effectLst/>
+                <a:latin typeface="+mj-lt"/>
+              </a:rPr>
+              <a:t>probs</a:t>
+            </a:r>
+            <a:r>
+              <a:rPr kumimoji="0" lang="fi-FI" altLang="fi-FI" sz="1800" b="0" i="0" u="none" strike="noStrike" cap="none" normalizeH="0" baseline="0" dirty="0">
+                <a:ln>
+                  <a:noFill/>
+                </a:ln>
+                <a:solidFill>
+                  <a:schemeClr val="tx1"/>
+                </a:solidFill>
+                <a:effectLst/>
+                <a:latin typeface="+mj-lt"/>
+              </a:rPr>
+              <a:t>!</a:t>
+            </a:r>
+          </a:p>
+        </p:txBody>
+      </p:sp>
     </p:spTree>
     <p:extLst>
       <p:ext uri="{BB962C8B-B14F-4D97-AF65-F5344CB8AC3E}">
-        <p14:creationId xmlns:p14="http://schemas.microsoft.com/office/powerpoint/2010/main" val="3501655305"/>
+        <p14:creationId xmlns:p14="http://schemas.microsoft.com/office/powerpoint/2010/main" val="1492789356"/>
       </p:ext>
     </p:extLst>
   </p:cSld>
@@ -7359,48 +9649,55 @@
             <p:ph type="title"/>
           </p:nvPr>
         </p:nvSpPr>
+        <p:spPr>
+          <a:xfrm>
+            <a:off x="348521" y="549276"/>
+            <a:ext cx="11658600" cy="649938"/>
+          </a:xfrm>
+        </p:spPr>
+        <p:txBody>
+          <a:bodyPr>
+            <a:normAutofit/>
+          </a:bodyPr>
+          <a:lstStyle/>
+          <a:p>
+            <a:pPr lvl="0"/>
+            <a:r>
+              <a:rPr lang="en-US" dirty="0" err="1"/>
+              <a:t>biome.json</a:t>
+            </a:r>
+            <a:r>
+              <a:rPr lang="en-US" dirty="0"/>
+              <a:t> example configuration files (March 2024)</a:t>
+            </a:r>
+            <a:endParaRPr lang="fi-FI" dirty="0"/>
+          </a:p>
+        </p:txBody>
+      </p:sp>
+      <p:sp>
+        <p:nvSpPr>
+          <p:cNvPr id="5" name="Date Placeholder 4">
+            <a:extLst>
+              <a:ext uri="{FF2B5EF4-FFF2-40B4-BE49-F238E27FC236}">
+                <a16:creationId xmlns:a16="http://schemas.microsoft.com/office/drawing/2014/main" id="{976244E2-AA76-2742-B2EC-FEC79276155C}"/>
+              </a:ext>
+            </a:extLst>
+          </p:cNvPr>
+          <p:cNvSpPr>
+            <a:spLocks noGrp="1"/>
+          </p:cNvSpPr>
+          <p:nvPr>
+            <p:ph type="dt" sz="half" idx="10"/>
+          </p:nvPr>
+        </p:nvSpPr>
         <p:spPr/>
         <p:txBody>
           <a:bodyPr/>
           <a:lstStyle/>
           <a:p>
-            <a:pPr lvl="0"/>
-            <a:r>
-              <a:rPr lang="en-US" dirty="0" err="1"/>
-              <a:t>tsc</a:t>
-            </a:r>
-            <a:r>
-              <a:rPr lang="en-US" dirty="0"/>
-              <a:t> compilation as the image</a:t>
-            </a:r>
-            <a:endParaRPr lang="fi-FI" dirty="0"/>
-          </a:p>
-        </p:txBody>
-      </p:sp>
-      <p:sp>
-        <p:nvSpPr>
-          <p:cNvPr id="5" name="Date Placeholder 4">
-            <a:extLst>
-              <a:ext uri="{FF2B5EF4-FFF2-40B4-BE49-F238E27FC236}">
-                <a16:creationId xmlns:a16="http://schemas.microsoft.com/office/drawing/2014/main" id="{976244E2-AA76-2742-B2EC-FEC79276155C}"/>
-              </a:ext>
-            </a:extLst>
-          </p:cNvPr>
-          <p:cNvSpPr>
-            <a:spLocks noGrp="1"/>
-          </p:cNvSpPr>
-          <p:nvPr>
-            <p:ph type="dt" sz="half" idx="10"/>
-          </p:nvPr>
-        </p:nvSpPr>
-        <p:spPr/>
-        <p:txBody>
-          <a:bodyPr/>
-          <a:lstStyle/>
-          <a:p>
             <a:fld id="{202E1EC2-47B8-044B-A09E-6A63B4D80C87}" type="datetime1">
               <a:rPr lang="fi-FI" smtClean="0"/>
-              <a:t>2.10.2024</a:t>
+              <a:t>3.10.2024</a:t>
             </a:fld>
             <a:endParaRPr lang="en-GB"/>
           </a:p>
@@ -7455,6 +9752,1755 @@
             <a:fld id="{76BAB7ED-EDE9-4D4B-9A2D-30E18C47C16E}" type="slidenum">
               <a:rPr lang="en-GB" smtClean="0"/>
               <a:t>12</a:t>
+            </a:fld>
+            <a:endParaRPr lang="en-GB"/>
+          </a:p>
+        </p:txBody>
+      </p:sp>
+      <p:sp>
+        <p:nvSpPr>
+          <p:cNvPr id="3" name="TextBox 2">
+            <a:extLst>
+              <a:ext uri="{FF2B5EF4-FFF2-40B4-BE49-F238E27FC236}">
+                <a16:creationId xmlns:a16="http://schemas.microsoft.com/office/drawing/2014/main" id="{04FC0B10-DAE4-7D62-2D60-2F4AFA4FDFB5}"/>
+              </a:ext>
+            </a:extLst>
+          </p:cNvPr>
+          <p:cNvSpPr txBox="1"/>
+          <p:nvPr/>
+        </p:nvSpPr>
+        <p:spPr>
+          <a:xfrm>
+            <a:off x="7242211" y="1542863"/>
+            <a:ext cx="3577964" cy="4616648"/>
+          </a:xfrm>
+          <a:prstGeom prst="rect">
+            <a:avLst/>
+          </a:prstGeom>
+          <a:noFill/>
+        </p:spPr>
+        <p:txBody>
+          <a:bodyPr wrap="square">
+            <a:spAutoFit/>
+          </a:bodyPr>
+          <a:lstStyle/>
+          <a:p>
+            <a:r>
+              <a:rPr lang="fi-FI" sz="1400" dirty="0">
+                <a:latin typeface="Consolas" panose="020B0609020204030204" pitchFamily="49" charset="0"/>
+              </a:rPr>
+              <a:t>{</a:t>
+            </a:r>
+          </a:p>
+          <a:p>
+            <a:r>
+              <a:rPr lang="fi-FI" sz="1400" dirty="0">
+                <a:latin typeface="Consolas" panose="020B0609020204030204" pitchFamily="49" charset="0"/>
+              </a:rPr>
+              <a:t>  "</a:t>
+            </a:r>
+            <a:r>
+              <a:rPr lang="fi-FI" sz="1400" dirty="0" err="1">
+                <a:latin typeface="Consolas" panose="020B0609020204030204" pitchFamily="49" charset="0"/>
+              </a:rPr>
+              <a:t>files</a:t>
+            </a:r>
+            <a:r>
+              <a:rPr lang="fi-FI" sz="1400" dirty="0">
+                <a:latin typeface="Consolas" panose="020B0609020204030204" pitchFamily="49" charset="0"/>
+              </a:rPr>
+              <a:t>": {</a:t>
+            </a:r>
+          </a:p>
+          <a:p>
+            <a:r>
+              <a:rPr lang="fi-FI" sz="1400" dirty="0">
+                <a:latin typeface="Consolas" panose="020B0609020204030204" pitchFamily="49" charset="0"/>
+              </a:rPr>
+              <a:t>    "</a:t>
+            </a:r>
+            <a:r>
+              <a:rPr lang="fi-FI" sz="1400" dirty="0" err="1">
+                <a:latin typeface="Consolas" panose="020B0609020204030204" pitchFamily="49" charset="0"/>
+              </a:rPr>
+              <a:t>ignore</a:t>
+            </a:r>
+            <a:r>
+              <a:rPr lang="fi-FI" sz="1400" dirty="0">
+                <a:latin typeface="Consolas" panose="020B0609020204030204" pitchFamily="49" charset="0"/>
+              </a:rPr>
+              <a:t>": ["</a:t>
+            </a:r>
+            <a:r>
+              <a:rPr lang="fi-FI" sz="1400" dirty="0" err="1">
+                <a:latin typeface="Consolas" panose="020B0609020204030204" pitchFamily="49" charset="0"/>
+              </a:rPr>
+              <a:t>dist</a:t>
+            </a:r>
+            <a:r>
+              <a:rPr lang="fi-FI" sz="1400" dirty="0">
+                <a:latin typeface="Consolas" panose="020B0609020204030204" pitchFamily="49" charset="0"/>
+              </a:rPr>
+              <a:t>/"]</a:t>
+            </a:r>
+          </a:p>
+          <a:p>
+            <a:r>
+              <a:rPr lang="fi-FI" sz="1400" dirty="0">
+                <a:latin typeface="Consolas" panose="020B0609020204030204" pitchFamily="49" charset="0"/>
+              </a:rPr>
+              <a:t>  },</a:t>
+            </a:r>
+          </a:p>
+          <a:p>
+            <a:r>
+              <a:rPr lang="fi-FI" sz="1400" dirty="0">
+                <a:latin typeface="Consolas" panose="020B0609020204030204" pitchFamily="49" charset="0"/>
+              </a:rPr>
+              <a:t>  "</a:t>
+            </a:r>
+            <a:r>
+              <a:rPr lang="fi-FI" sz="1400" dirty="0" err="1">
+                <a:latin typeface="Consolas" panose="020B0609020204030204" pitchFamily="49" charset="0"/>
+              </a:rPr>
+              <a:t>formatter</a:t>
+            </a:r>
+            <a:r>
+              <a:rPr lang="fi-FI" sz="1400" dirty="0">
+                <a:latin typeface="Consolas" panose="020B0609020204030204" pitchFamily="49" charset="0"/>
+              </a:rPr>
+              <a:t>": {</a:t>
+            </a:r>
+          </a:p>
+          <a:p>
+            <a:r>
+              <a:rPr lang="fi-FI" sz="1400" dirty="0">
+                <a:latin typeface="Consolas" panose="020B0609020204030204" pitchFamily="49" charset="0"/>
+              </a:rPr>
+              <a:t>    "</a:t>
+            </a:r>
+            <a:r>
+              <a:rPr lang="fi-FI" sz="1400" dirty="0" err="1">
+                <a:latin typeface="Consolas" panose="020B0609020204030204" pitchFamily="49" charset="0"/>
+              </a:rPr>
+              <a:t>indentStyle</a:t>
+            </a:r>
+            <a:r>
+              <a:rPr lang="fi-FI" sz="1400" dirty="0">
+                <a:latin typeface="Consolas" panose="020B0609020204030204" pitchFamily="49" charset="0"/>
+              </a:rPr>
+              <a:t>": "</a:t>
+            </a:r>
+            <a:r>
+              <a:rPr lang="fi-FI" sz="1400" dirty="0" err="1">
+                <a:latin typeface="Consolas" panose="020B0609020204030204" pitchFamily="49" charset="0"/>
+              </a:rPr>
+              <a:t>space</a:t>
+            </a:r>
+            <a:r>
+              <a:rPr lang="fi-FI" sz="1400" dirty="0">
+                <a:latin typeface="Consolas" panose="020B0609020204030204" pitchFamily="49" charset="0"/>
+              </a:rPr>
+              <a:t>"</a:t>
+            </a:r>
+          </a:p>
+          <a:p>
+            <a:r>
+              <a:rPr lang="fi-FI" sz="1400" dirty="0">
+                <a:latin typeface="Consolas" panose="020B0609020204030204" pitchFamily="49" charset="0"/>
+              </a:rPr>
+              <a:t>  },</a:t>
+            </a:r>
+          </a:p>
+          <a:p>
+            <a:r>
+              <a:rPr lang="fi-FI" sz="1400" dirty="0">
+                <a:latin typeface="Consolas" panose="020B0609020204030204" pitchFamily="49" charset="0"/>
+              </a:rPr>
+              <a:t>  "</a:t>
+            </a:r>
+            <a:r>
+              <a:rPr lang="fi-FI" sz="1400" dirty="0" err="1">
+                <a:latin typeface="Consolas" panose="020B0609020204030204" pitchFamily="49" charset="0"/>
+              </a:rPr>
+              <a:t>javascript</a:t>
+            </a:r>
+            <a:r>
+              <a:rPr lang="fi-FI" sz="1400" dirty="0">
+                <a:latin typeface="Consolas" panose="020B0609020204030204" pitchFamily="49" charset="0"/>
+              </a:rPr>
+              <a:t>": {</a:t>
+            </a:r>
+          </a:p>
+          <a:p>
+            <a:r>
+              <a:rPr lang="fi-FI" sz="1400" dirty="0">
+                <a:latin typeface="Consolas" panose="020B0609020204030204" pitchFamily="49" charset="0"/>
+              </a:rPr>
+              <a:t>    "</a:t>
+            </a:r>
+            <a:r>
+              <a:rPr lang="fi-FI" sz="1400" dirty="0" err="1">
+                <a:latin typeface="Consolas" panose="020B0609020204030204" pitchFamily="49" charset="0"/>
+              </a:rPr>
+              <a:t>formatter</a:t>
+            </a:r>
+            <a:r>
+              <a:rPr lang="fi-FI" sz="1400" dirty="0">
+                <a:latin typeface="Consolas" panose="020B0609020204030204" pitchFamily="49" charset="0"/>
+              </a:rPr>
+              <a:t>": {</a:t>
+            </a:r>
+          </a:p>
+          <a:p>
+            <a:r>
+              <a:rPr lang="fi-FI" sz="1400" dirty="0">
+                <a:latin typeface="Consolas" panose="020B0609020204030204" pitchFamily="49" charset="0"/>
+              </a:rPr>
+              <a:t>      "</a:t>
+            </a:r>
+            <a:r>
+              <a:rPr lang="fi-FI" sz="1400" dirty="0" err="1">
+                <a:latin typeface="Consolas" panose="020B0609020204030204" pitchFamily="49" charset="0"/>
+              </a:rPr>
+              <a:t>quoteStyle</a:t>
+            </a:r>
+            <a:r>
+              <a:rPr lang="fi-FI" sz="1400" dirty="0">
+                <a:latin typeface="Consolas" panose="020B0609020204030204" pitchFamily="49" charset="0"/>
+              </a:rPr>
+              <a:t>": "single"</a:t>
+            </a:r>
+          </a:p>
+          <a:p>
+            <a:r>
+              <a:rPr lang="fi-FI" sz="1400" dirty="0">
+                <a:latin typeface="Consolas" panose="020B0609020204030204" pitchFamily="49" charset="0"/>
+              </a:rPr>
+              <a:t>    }</a:t>
+            </a:r>
+          </a:p>
+          <a:p>
+            <a:r>
+              <a:rPr lang="fi-FI" sz="1400" dirty="0">
+                <a:latin typeface="Consolas" panose="020B0609020204030204" pitchFamily="49" charset="0"/>
+              </a:rPr>
+              <a:t>  },</a:t>
+            </a:r>
+          </a:p>
+          <a:p>
+            <a:r>
+              <a:rPr lang="fi-FI" sz="1400" dirty="0">
+                <a:latin typeface="Consolas" panose="020B0609020204030204" pitchFamily="49" charset="0"/>
+              </a:rPr>
+              <a:t>  "</a:t>
+            </a:r>
+            <a:r>
+              <a:rPr lang="fi-FI" sz="1400" dirty="0" err="1">
+                <a:latin typeface="Consolas" panose="020B0609020204030204" pitchFamily="49" charset="0"/>
+              </a:rPr>
+              <a:t>linter</a:t>
+            </a:r>
+            <a:r>
+              <a:rPr lang="fi-FI" sz="1400" dirty="0">
+                <a:latin typeface="Consolas" panose="020B0609020204030204" pitchFamily="49" charset="0"/>
+              </a:rPr>
+              <a:t>": {</a:t>
+            </a:r>
+          </a:p>
+          <a:p>
+            <a:r>
+              <a:rPr lang="fi-FI" sz="1400" dirty="0">
+                <a:latin typeface="Consolas" panose="020B0609020204030204" pitchFamily="49" charset="0"/>
+              </a:rPr>
+              <a:t>    "</a:t>
+            </a:r>
+            <a:r>
+              <a:rPr lang="fi-FI" sz="1400" dirty="0" err="1">
+                <a:latin typeface="Consolas" panose="020B0609020204030204" pitchFamily="49" charset="0"/>
+              </a:rPr>
+              <a:t>enabled</a:t>
+            </a:r>
+            <a:r>
+              <a:rPr lang="fi-FI" sz="1400" dirty="0">
+                <a:latin typeface="Consolas" panose="020B0609020204030204" pitchFamily="49" charset="0"/>
+              </a:rPr>
+              <a:t>": </a:t>
+            </a:r>
+            <a:r>
+              <a:rPr lang="fi-FI" sz="1400" dirty="0" err="1">
+                <a:latin typeface="Consolas" panose="020B0609020204030204" pitchFamily="49" charset="0"/>
+              </a:rPr>
+              <a:t>true</a:t>
+            </a:r>
+            <a:r>
+              <a:rPr lang="fi-FI" sz="1400" dirty="0">
+                <a:latin typeface="Consolas" panose="020B0609020204030204" pitchFamily="49" charset="0"/>
+              </a:rPr>
+              <a:t>,</a:t>
+            </a:r>
+          </a:p>
+          <a:p>
+            <a:r>
+              <a:rPr lang="fi-FI" sz="1400" dirty="0">
+                <a:latin typeface="Consolas" panose="020B0609020204030204" pitchFamily="49" charset="0"/>
+              </a:rPr>
+              <a:t>    "</a:t>
+            </a:r>
+            <a:r>
+              <a:rPr lang="fi-FI" sz="1400" dirty="0" err="1">
+                <a:latin typeface="Consolas" panose="020B0609020204030204" pitchFamily="49" charset="0"/>
+              </a:rPr>
+              <a:t>rules</a:t>
+            </a:r>
+            <a:r>
+              <a:rPr lang="fi-FI" sz="1400" dirty="0">
+                <a:latin typeface="Consolas" panose="020B0609020204030204" pitchFamily="49" charset="0"/>
+              </a:rPr>
+              <a:t>": {</a:t>
+            </a:r>
+          </a:p>
+          <a:p>
+            <a:r>
+              <a:rPr lang="fi-FI" sz="1400" dirty="0">
+                <a:latin typeface="Consolas" panose="020B0609020204030204" pitchFamily="49" charset="0"/>
+              </a:rPr>
+              <a:t>      "</a:t>
+            </a:r>
+            <a:r>
+              <a:rPr lang="fi-FI" sz="1400" dirty="0" err="1">
+                <a:latin typeface="Consolas" panose="020B0609020204030204" pitchFamily="49" charset="0"/>
+              </a:rPr>
+              <a:t>style</a:t>
+            </a:r>
+            <a:r>
+              <a:rPr lang="fi-FI" sz="1400" dirty="0">
+                <a:latin typeface="Consolas" panose="020B0609020204030204" pitchFamily="49" charset="0"/>
+              </a:rPr>
+              <a:t>": {</a:t>
+            </a:r>
+          </a:p>
+          <a:p>
+            <a:r>
+              <a:rPr lang="fi-FI" sz="1400" dirty="0">
+                <a:latin typeface="Consolas" panose="020B0609020204030204" pitchFamily="49" charset="0"/>
+              </a:rPr>
+              <a:t>        "</a:t>
+            </a:r>
+            <a:r>
+              <a:rPr lang="fi-FI" sz="1400" dirty="0" err="1">
+                <a:latin typeface="Consolas" panose="020B0609020204030204" pitchFamily="49" charset="0"/>
+              </a:rPr>
+              <a:t>noUselessElse</a:t>
+            </a:r>
+            <a:r>
+              <a:rPr lang="fi-FI" sz="1400" dirty="0">
+                <a:latin typeface="Consolas" panose="020B0609020204030204" pitchFamily="49" charset="0"/>
+              </a:rPr>
+              <a:t>": "</a:t>
+            </a:r>
+            <a:r>
+              <a:rPr lang="fi-FI" sz="1400" dirty="0" err="1">
+                <a:latin typeface="Consolas" panose="020B0609020204030204" pitchFamily="49" charset="0"/>
+              </a:rPr>
+              <a:t>off</a:t>
+            </a:r>
+            <a:r>
+              <a:rPr lang="fi-FI" sz="1400" dirty="0">
+                <a:latin typeface="Consolas" panose="020B0609020204030204" pitchFamily="49" charset="0"/>
+              </a:rPr>
+              <a:t>"</a:t>
+            </a:r>
+          </a:p>
+          <a:p>
+            <a:r>
+              <a:rPr lang="fi-FI" sz="1400" dirty="0">
+                <a:latin typeface="Consolas" panose="020B0609020204030204" pitchFamily="49" charset="0"/>
+              </a:rPr>
+              <a:t>      }</a:t>
+            </a:r>
+          </a:p>
+          <a:p>
+            <a:r>
+              <a:rPr lang="fi-FI" sz="1400" dirty="0">
+                <a:latin typeface="Consolas" panose="020B0609020204030204" pitchFamily="49" charset="0"/>
+              </a:rPr>
+              <a:t>    }</a:t>
+            </a:r>
+          </a:p>
+          <a:p>
+            <a:r>
+              <a:rPr lang="fi-FI" sz="1400" dirty="0">
+                <a:latin typeface="Consolas" panose="020B0609020204030204" pitchFamily="49" charset="0"/>
+              </a:rPr>
+              <a:t>  }</a:t>
+            </a:r>
+          </a:p>
+          <a:p>
+            <a:r>
+              <a:rPr lang="fi-FI" sz="1400" dirty="0">
+                <a:latin typeface="Consolas" panose="020B0609020204030204" pitchFamily="49" charset="0"/>
+              </a:rPr>
+              <a:t>}</a:t>
+            </a:r>
+          </a:p>
+        </p:txBody>
+      </p:sp>
+      <p:sp>
+        <p:nvSpPr>
+          <p:cNvPr id="9" name="TextBox 8">
+            <a:extLst>
+              <a:ext uri="{FF2B5EF4-FFF2-40B4-BE49-F238E27FC236}">
+                <a16:creationId xmlns:a16="http://schemas.microsoft.com/office/drawing/2014/main" id="{46189089-1AB9-21AF-A22B-BF636AD33BBF}"/>
+              </a:ext>
+            </a:extLst>
+          </p:cNvPr>
+          <p:cNvSpPr txBox="1"/>
+          <p:nvPr/>
+        </p:nvSpPr>
+        <p:spPr>
+          <a:xfrm>
+            <a:off x="754530" y="1542863"/>
+            <a:ext cx="4563231" cy="3754874"/>
+          </a:xfrm>
+          <a:prstGeom prst="rect">
+            <a:avLst/>
+          </a:prstGeom>
+          <a:noFill/>
+        </p:spPr>
+        <p:txBody>
+          <a:bodyPr wrap="square">
+            <a:spAutoFit/>
+          </a:bodyPr>
+          <a:lstStyle/>
+          <a:p>
+            <a:r>
+              <a:rPr lang="fi-FI" sz="1400" dirty="0">
+                <a:latin typeface="Consolas" panose="020B0609020204030204" pitchFamily="49" charset="0"/>
+              </a:rPr>
+              <a:t>{</a:t>
+            </a:r>
+          </a:p>
+          <a:p>
+            <a:r>
+              <a:rPr lang="fi-FI" sz="1400" dirty="0">
+                <a:latin typeface="Consolas" panose="020B0609020204030204" pitchFamily="49" charset="0"/>
+              </a:rPr>
+              <a:t>  "</a:t>
+            </a:r>
+            <a:r>
+              <a:rPr lang="fi-FI" sz="1400" dirty="0" err="1">
+                <a:latin typeface="Consolas" panose="020B0609020204030204" pitchFamily="49" charset="0"/>
+              </a:rPr>
+              <a:t>formatter</a:t>
+            </a:r>
+            <a:r>
+              <a:rPr lang="fi-FI" sz="1400" dirty="0">
+                <a:latin typeface="Consolas" panose="020B0609020204030204" pitchFamily="49" charset="0"/>
+              </a:rPr>
+              <a:t>": {</a:t>
+            </a:r>
+          </a:p>
+          <a:p>
+            <a:r>
+              <a:rPr lang="fi-FI" sz="1400" dirty="0">
+                <a:latin typeface="Consolas" panose="020B0609020204030204" pitchFamily="49" charset="0"/>
+              </a:rPr>
+              <a:t>    "</a:t>
+            </a:r>
+            <a:r>
+              <a:rPr lang="fi-FI" sz="1400" dirty="0" err="1">
+                <a:latin typeface="Consolas" panose="020B0609020204030204" pitchFamily="49" charset="0"/>
+              </a:rPr>
+              <a:t>indentStyle</a:t>
+            </a:r>
+            <a:r>
+              <a:rPr lang="fi-FI" sz="1400" dirty="0">
+                <a:latin typeface="Consolas" panose="020B0609020204030204" pitchFamily="49" charset="0"/>
+              </a:rPr>
+              <a:t>": "</a:t>
+            </a:r>
+            <a:r>
+              <a:rPr lang="fi-FI" sz="1400" dirty="0" err="1">
+                <a:latin typeface="Consolas" panose="020B0609020204030204" pitchFamily="49" charset="0"/>
+              </a:rPr>
+              <a:t>space</a:t>
+            </a:r>
+            <a:r>
+              <a:rPr lang="fi-FI" sz="1400" dirty="0">
+                <a:latin typeface="Consolas" panose="020B0609020204030204" pitchFamily="49" charset="0"/>
+              </a:rPr>
+              <a:t>"</a:t>
+            </a:r>
+          </a:p>
+          <a:p>
+            <a:r>
+              <a:rPr lang="fi-FI" sz="1400" dirty="0">
+                <a:latin typeface="Consolas" panose="020B0609020204030204" pitchFamily="49" charset="0"/>
+              </a:rPr>
+              <a:t>  },</a:t>
+            </a:r>
+          </a:p>
+          <a:p>
+            <a:r>
+              <a:rPr lang="fi-FI" sz="1400" dirty="0">
+                <a:latin typeface="Consolas" panose="020B0609020204030204" pitchFamily="49" charset="0"/>
+              </a:rPr>
+              <a:t> </a:t>
+            </a:r>
+          </a:p>
+          <a:p>
+            <a:r>
+              <a:rPr lang="fi-FI" sz="1400" dirty="0">
+                <a:latin typeface="Consolas" panose="020B0609020204030204" pitchFamily="49" charset="0"/>
+              </a:rPr>
+              <a:t>  "</a:t>
+            </a:r>
+            <a:r>
+              <a:rPr lang="fi-FI" sz="1400" dirty="0" err="1">
+                <a:latin typeface="Consolas" panose="020B0609020204030204" pitchFamily="49" charset="0"/>
+              </a:rPr>
+              <a:t>linter</a:t>
+            </a:r>
+            <a:r>
+              <a:rPr lang="fi-FI" sz="1400" dirty="0">
+                <a:latin typeface="Consolas" panose="020B0609020204030204" pitchFamily="49" charset="0"/>
+              </a:rPr>
+              <a:t>": {</a:t>
+            </a:r>
+          </a:p>
+          <a:p>
+            <a:r>
+              <a:rPr lang="fi-FI" sz="1400" dirty="0">
+                <a:latin typeface="Consolas" panose="020B0609020204030204" pitchFamily="49" charset="0"/>
+              </a:rPr>
+              <a:t>    "</a:t>
+            </a:r>
+            <a:r>
+              <a:rPr lang="fi-FI" sz="1400" dirty="0" err="1">
+                <a:latin typeface="Consolas" panose="020B0609020204030204" pitchFamily="49" charset="0"/>
+              </a:rPr>
+              <a:t>enabled</a:t>
+            </a:r>
+            <a:r>
+              <a:rPr lang="fi-FI" sz="1400" dirty="0">
+                <a:latin typeface="Consolas" panose="020B0609020204030204" pitchFamily="49" charset="0"/>
+              </a:rPr>
+              <a:t>": </a:t>
+            </a:r>
+            <a:r>
+              <a:rPr lang="fi-FI" sz="1400" dirty="0" err="1">
+                <a:latin typeface="Consolas" panose="020B0609020204030204" pitchFamily="49" charset="0"/>
+              </a:rPr>
+              <a:t>true</a:t>
+            </a:r>
+            <a:r>
+              <a:rPr lang="fi-FI" sz="1400" dirty="0">
+                <a:latin typeface="Consolas" panose="020B0609020204030204" pitchFamily="49" charset="0"/>
+              </a:rPr>
+              <a:t>,</a:t>
+            </a:r>
+          </a:p>
+          <a:p>
+            <a:r>
+              <a:rPr lang="fi-FI" sz="1400" dirty="0">
+                <a:latin typeface="Consolas" panose="020B0609020204030204" pitchFamily="49" charset="0"/>
+              </a:rPr>
+              <a:t>    "</a:t>
+            </a:r>
+            <a:r>
+              <a:rPr lang="fi-FI" sz="1400" dirty="0" err="1">
+                <a:latin typeface="Consolas" panose="020B0609020204030204" pitchFamily="49" charset="0"/>
+              </a:rPr>
+              <a:t>rules</a:t>
+            </a:r>
+            <a:r>
+              <a:rPr lang="fi-FI" sz="1400" dirty="0">
+                <a:latin typeface="Consolas" panose="020B0609020204030204" pitchFamily="49" charset="0"/>
+              </a:rPr>
+              <a:t>": {</a:t>
+            </a:r>
+          </a:p>
+          <a:p>
+            <a:r>
+              <a:rPr lang="fi-FI" sz="1400" dirty="0">
+                <a:latin typeface="Consolas" panose="020B0609020204030204" pitchFamily="49" charset="0"/>
+              </a:rPr>
+              <a:t>      "</a:t>
+            </a:r>
+            <a:r>
+              <a:rPr lang="fi-FI" sz="1400" dirty="0" err="1">
+                <a:latin typeface="Consolas" panose="020B0609020204030204" pitchFamily="49" charset="0"/>
+              </a:rPr>
+              <a:t>correctness</a:t>
+            </a:r>
+            <a:r>
+              <a:rPr lang="fi-FI" sz="1400" dirty="0">
+                <a:latin typeface="Consolas" panose="020B0609020204030204" pitchFamily="49" charset="0"/>
+              </a:rPr>
+              <a:t>": {</a:t>
+            </a:r>
+          </a:p>
+          <a:p>
+            <a:r>
+              <a:rPr lang="fi-FI" sz="1400" dirty="0">
+                <a:latin typeface="Consolas" panose="020B0609020204030204" pitchFamily="49" charset="0"/>
+              </a:rPr>
+              <a:t>        "</a:t>
+            </a:r>
+            <a:r>
+              <a:rPr lang="fi-FI" sz="1400" dirty="0" err="1">
+                <a:latin typeface="Consolas" panose="020B0609020204030204" pitchFamily="49" charset="0"/>
+              </a:rPr>
+              <a:t>useExhaustiveDependencies</a:t>
+            </a:r>
+            <a:r>
+              <a:rPr lang="fi-FI" sz="1400" dirty="0">
+                <a:latin typeface="Consolas" panose="020B0609020204030204" pitchFamily="49" charset="0"/>
+              </a:rPr>
+              <a:t>": "</a:t>
+            </a:r>
+            <a:r>
+              <a:rPr lang="fi-FI" sz="1400" dirty="0" err="1">
+                <a:latin typeface="Consolas" panose="020B0609020204030204" pitchFamily="49" charset="0"/>
+              </a:rPr>
+              <a:t>off</a:t>
+            </a:r>
+            <a:r>
+              <a:rPr lang="fi-FI" sz="1400" dirty="0">
+                <a:latin typeface="Consolas" panose="020B0609020204030204" pitchFamily="49" charset="0"/>
+              </a:rPr>
+              <a:t>"</a:t>
+            </a:r>
+          </a:p>
+          <a:p>
+            <a:r>
+              <a:rPr lang="fi-FI" sz="1400" dirty="0">
+                <a:latin typeface="Consolas" panose="020B0609020204030204" pitchFamily="49" charset="0"/>
+              </a:rPr>
+              <a:t>      },</a:t>
+            </a:r>
+          </a:p>
+          <a:p>
+            <a:r>
+              <a:rPr lang="fi-FI" sz="1400" dirty="0">
+                <a:latin typeface="Consolas" panose="020B0609020204030204" pitchFamily="49" charset="0"/>
+              </a:rPr>
+              <a:t>      "</a:t>
+            </a:r>
+            <a:r>
+              <a:rPr lang="fi-FI" sz="1400" dirty="0" err="1">
+                <a:latin typeface="Consolas" panose="020B0609020204030204" pitchFamily="49" charset="0"/>
+              </a:rPr>
+              <a:t>style</a:t>
+            </a:r>
+            <a:r>
+              <a:rPr lang="fi-FI" sz="1400" dirty="0">
+                <a:latin typeface="Consolas" panose="020B0609020204030204" pitchFamily="49" charset="0"/>
+              </a:rPr>
+              <a:t>": {</a:t>
+            </a:r>
+          </a:p>
+          <a:p>
+            <a:r>
+              <a:rPr lang="fi-FI" sz="1400" dirty="0">
+                <a:latin typeface="Consolas" panose="020B0609020204030204" pitchFamily="49" charset="0"/>
+              </a:rPr>
+              <a:t>        "</a:t>
+            </a:r>
+            <a:r>
+              <a:rPr lang="fi-FI" sz="1400" dirty="0" err="1">
+                <a:latin typeface="Consolas" panose="020B0609020204030204" pitchFamily="49" charset="0"/>
+              </a:rPr>
+              <a:t>noUselessElse</a:t>
+            </a:r>
+            <a:r>
+              <a:rPr lang="fi-FI" sz="1400" dirty="0">
+                <a:latin typeface="Consolas" panose="020B0609020204030204" pitchFamily="49" charset="0"/>
+              </a:rPr>
+              <a:t>": "</a:t>
+            </a:r>
+            <a:r>
+              <a:rPr lang="fi-FI" sz="1400" dirty="0" err="1">
+                <a:latin typeface="Consolas" panose="020B0609020204030204" pitchFamily="49" charset="0"/>
+              </a:rPr>
+              <a:t>off</a:t>
+            </a:r>
+            <a:r>
+              <a:rPr lang="fi-FI" sz="1400" dirty="0">
+                <a:latin typeface="Consolas" panose="020B0609020204030204" pitchFamily="49" charset="0"/>
+              </a:rPr>
+              <a:t>"</a:t>
+            </a:r>
+          </a:p>
+          <a:p>
+            <a:r>
+              <a:rPr lang="fi-FI" sz="1400" dirty="0">
+                <a:latin typeface="Consolas" panose="020B0609020204030204" pitchFamily="49" charset="0"/>
+              </a:rPr>
+              <a:t>      }</a:t>
+            </a:r>
+          </a:p>
+          <a:p>
+            <a:r>
+              <a:rPr lang="fi-FI" sz="1400" dirty="0">
+                <a:latin typeface="Consolas" panose="020B0609020204030204" pitchFamily="49" charset="0"/>
+              </a:rPr>
+              <a:t>    }</a:t>
+            </a:r>
+          </a:p>
+          <a:p>
+            <a:r>
+              <a:rPr lang="fi-FI" sz="1400" dirty="0">
+                <a:latin typeface="Consolas" panose="020B0609020204030204" pitchFamily="49" charset="0"/>
+              </a:rPr>
+              <a:t>  }</a:t>
+            </a:r>
+          </a:p>
+          <a:p>
+            <a:r>
+              <a:rPr lang="fi-FI" sz="1400" dirty="0">
+                <a:latin typeface="Consolas" panose="020B0609020204030204" pitchFamily="49" charset="0"/>
+              </a:rPr>
+              <a:t>}</a:t>
+            </a:r>
+          </a:p>
+        </p:txBody>
+      </p:sp>
+      <p:sp>
+        <p:nvSpPr>
+          <p:cNvPr id="11" name="TextBox 10">
+            <a:extLst>
+              <a:ext uri="{FF2B5EF4-FFF2-40B4-BE49-F238E27FC236}">
+                <a16:creationId xmlns:a16="http://schemas.microsoft.com/office/drawing/2014/main" id="{17254472-3792-1521-2341-9C4110ECAB18}"/>
+              </a:ext>
+            </a:extLst>
+          </p:cNvPr>
+          <p:cNvSpPr txBox="1"/>
+          <p:nvPr/>
+        </p:nvSpPr>
+        <p:spPr>
+          <a:xfrm>
+            <a:off x="754530" y="1206098"/>
+            <a:ext cx="3889860" cy="369332"/>
+          </a:xfrm>
+          <a:prstGeom prst="rect">
+            <a:avLst/>
+          </a:prstGeom>
+          <a:noFill/>
+        </p:spPr>
+        <p:txBody>
+          <a:bodyPr wrap="square">
+            <a:spAutoFit/>
+          </a:bodyPr>
+          <a:lstStyle/>
+          <a:p>
+            <a:r>
+              <a:rPr lang="fi-FI" sz="1800" b="1" dirty="0">
+                <a:latin typeface="Consolas" panose="020B0609020204030204" pitchFamily="49" charset="0"/>
+              </a:rPr>
+              <a:t>A </a:t>
+            </a:r>
+            <a:r>
+              <a:rPr lang="fi-FI" sz="1800" b="1" dirty="0" err="1">
+                <a:latin typeface="Consolas" panose="020B0609020204030204" pitchFamily="49" charset="0"/>
+              </a:rPr>
+              <a:t>React</a:t>
+            </a:r>
+            <a:r>
+              <a:rPr lang="fi-FI" sz="1800" b="1" dirty="0">
+                <a:latin typeface="Consolas" panose="020B0609020204030204" pitchFamily="49" charset="0"/>
+              </a:rPr>
+              <a:t> </a:t>
+            </a:r>
+            <a:r>
+              <a:rPr lang="fi-FI" sz="1800" b="1" dirty="0" err="1">
+                <a:latin typeface="Consolas" panose="020B0609020204030204" pitchFamily="49" charset="0"/>
+              </a:rPr>
+              <a:t>Material</a:t>
+            </a:r>
+            <a:r>
+              <a:rPr lang="fi-FI" sz="1800" b="1" dirty="0">
+                <a:latin typeface="Consolas" panose="020B0609020204030204" pitchFamily="49" charset="0"/>
+              </a:rPr>
+              <a:t> UI </a:t>
+            </a:r>
+            <a:r>
+              <a:rPr lang="fi-FI" b="1" dirty="0" err="1">
+                <a:latin typeface="Consolas" panose="020B0609020204030204" pitchFamily="49" charset="0"/>
+              </a:rPr>
+              <a:t>f</a:t>
+            </a:r>
+            <a:r>
+              <a:rPr lang="fi-FI" sz="1800" b="1" dirty="0" err="1">
+                <a:latin typeface="Consolas" panose="020B0609020204030204" pitchFamily="49" charset="0"/>
+              </a:rPr>
+              <a:t>rontend</a:t>
+            </a:r>
+            <a:endParaRPr lang="fi-FI" b="1" dirty="0"/>
+          </a:p>
+        </p:txBody>
+      </p:sp>
+      <p:sp>
+        <p:nvSpPr>
+          <p:cNvPr id="13" name="TextBox 12">
+            <a:extLst>
+              <a:ext uri="{FF2B5EF4-FFF2-40B4-BE49-F238E27FC236}">
+                <a16:creationId xmlns:a16="http://schemas.microsoft.com/office/drawing/2014/main" id="{0F12F26A-C2F2-1822-ADDD-B7859BE2C151}"/>
+              </a:ext>
+            </a:extLst>
+          </p:cNvPr>
+          <p:cNvSpPr txBox="1"/>
+          <p:nvPr/>
+        </p:nvSpPr>
+        <p:spPr>
+          <a:xfrm>
+            <a:off x="7292340" y="1130721"/>
+            <a:ext cx="6216608" cy="369332"/>
+          </a:xfrm>
+          <a:prstGeom prst="rect">
+            <a:avLst/>
+          </a:prstGeom>
+          <a:noFill/>
+        </p:spPr>
+        <p:txBody>
+          <a:bodyPr wrap="square">
+            <a:spAutoFit/>
+          </a:bodyPr>
+          <a:lstStyle/>
+          <a:p>
+            <a:r>
+              <a:rPr lang="fi-FI" sz="1800" b="1" dirty="0">
+                <a:latin typeface="Consolas" panose="020B0609020204030204" pitchFamily="49" charset="0"/>
+              </a:rPr>
+              <a:t>A </a:t>
+            </a:r>
+            <a:r>
+              <a:rPr lang="fi-FI" sz="1800" b="1" dirty="0" err="1">
+                <a:latin typeface="Consolas" panose="020B0609020204030204" pitchFamily="49" charset="0"/>
+              </a:rPr>
+              <a:t>Node</a:t>
+            </a:r>
+            <a:r>
+              <a:rPr lang="fi-FI" sz="1800" b="1" dirty="0">
+                <a:latin typeface="Consolas" panose="020B0609020204030204" pitchFamily="49" charset="0"/>
+              </a:rPr>
+              <a:t>/Express/</a:t>
+            </a:r>
+            <a:r>
+              <a:rPr lang="fi-FI" sz="1800" b="1" dirty="0" err="1">
+                <a:latin typeface="Consolas" panose="020B0609020204030204" pitchFamily="49" charset="0"/>
+              </a:rPr>
+              <a:t>Knex</a:t>
+            </a:r>
+            <a:r>
+              <a:rPr lang="fi-FI" sz="1800" b="1" dirty="0">
+                <a:latin typeface="Consolas" panose="020B0609020204030204" pitchFamily="49" charset="0"/>
+              </a:rPr>
+              <a:t>/</a:t>
+            </a:r>
+            <a:r>
+              <a:rPr lang="fi-FI" sz="1800" b="1" dirty="0" err="1">
+                <a:latin typeface="Consolas" panose="020B0609020204030204" pitchFamily="49" charset="0"/>
+              </a:rPr>
+              <a:t>MariaDB</a:t>
+            </a:r>
+            <a:r>
+              <a:rPr lang="fi-FI" sz="1800" b="1" dirty="0">
+                <a:latin typeface="Consolas" panose="020B0609020204030204" pitchFamily="49" charset="0"/>
+              </a:rPr>
+              <a:t> </a:t>
+            </a:r>
+            <a:r>
+              <a:rPr lang="fi-FI" sz="1800" b="1" dirty="0" err="1">
+                <a:latin typeface="Consolas" panose="020B0609020204030204" pitchFamily="49" charset="0"/>
+              </a:rPr>
+              <a:t>backend</a:t>
+            </a:r>
+            <a:endParaRPr lang="fi-FI" b="1" dirty="0"/>
+          </a:p>
+        </p:txBody>
+      </p:sp>
+      <p:sp>
+        <p:nvSpPr>
+          <p:cNvPr id="15" name="TextBox 14">
+            <a:extLst>
+              <a:ext uri="{FF2B5EF4-FFF2-40B4-BE49-F238E27FC236}">
+                <a16:creationId xmlns:a16="http://schemas.microsoft.com/office/drawing/2014/main" id="{AA917385-4E10-01B3-7738-50E550B06244}"/>
+              </a:ext>
+            </a:extLst>
+          </p:cNvPr>
+          <p:cNvSpPr txBox="1"/>
+          <p:nvPr/>
+        </p:nvSpPr>
+        <p:spPr>
+          <a:xfrm>
+            <a:off x="348522" y="5608421"/>
+            <a:ext cx="6611078" cy="646331"/>
+          </a:xfrm>
+          <a:prstGeom prst="rect">
+            <a:avLst/>
+          </a:prstGeom>
+          <a:solidFill>
+            <a:schemeClr val="bg1">
+              <a:lumMod val="85000"/>
+            </a:schemeClr>
+          </a:solidFill>
+          <a:ln>
+            <a:solidFill>
+              <a:schemeClr val="accent1"/>
+            </a:solidFill>
+          </a:ln>
+        </p:spPr>
+        <p:txBody>
+          <a:bodyPr wrap="square">
+            <a:spAutoFit/>
+          </a:bodyPr>
+          <a:lstStyle/>
+          <a:p>
+            <a:r>
+              <a:rPr lang="fi-FI" sz="1800" dirty="0">
+                <a:latin typeface="+mj-lt"/>
+              </a:rPr>
+              <a:t>(</a:t>
+            </a:r>
+            <a:r>
+              <a:rPr lang="fi-FI" sz="1800" dirty="0" err="1">
+                <a:latin typeface="+mj-lt"/>
+              </a:rPr>
+              <a:t>Probably</a:t>
+            </a:r>
+            <a:r>
+              <a:rPr lang="fi-FI" sz="1800" dirty="0">
+                <a:latin typeface="+mj-lt"/>
+              </a:rPr>
+              <a:t> </a:t>
+            </a:r>
+            <a:r>
+              <a:rPr lang="fi-FI" sz="1800" dirty="0" err="1">
+                <a:latin typeface="+mj-lt"/>
+              </a:rPr>
+              <a:t>not</a:t>
+            </a:r>
+            <a:r>
+              <a:rPr lang="fi-FI" sz="1800" dirty="0">
+                <a:latin typeface="+mj-lt"/>
+              </a:rPr>
+              <a:t> </a:t>
+            </a:r>
+            <a:r>
+              <a:rPr lang="fi-FI" sz="1800" dirty="0" err="1">
+                <a:latin typeface="+mj-lt"/>
+              </a:rPr>
+              <a:t>perfect</a:t>
+            </a:r>
+            <a:r>
+              <a:rPr lang="fi-FI" sz="1800" dirty="0">
+                <a:latin typeface="+mj-lt"/>
+              </a:rPr>
+              <a:t> </a:t>
+            </a:r>
+            <a:r>
+              <a:rPr lang="fi-FI" sz="1800" dirty="0" err="1">
+                <a:latin typeface="+mj-lt"/>
+              </a:rPr>
+              <a:t>configs</a:t>
+            </a:r>
+            <a:r>
+              <a:rPr lang="fi-FI" sz="1800" dirty="0">
+                <a:latin typeface="+mj-lt"/>
+              </a:rPr>
+              <a:t>, </a:t>
+            </a:r>
+            <a:r>
+              <a:rPr lang="fi-FI" sz="1800" dirty="0" err="1">
+                <a:latin typeface="+mj-lt"/>
+              </a:rPr>
+              <a:t>but</a:t>
+            </a:r>
+            <a:r>
+              <a:rPr lang="fi-FI" sz="1800" dirty="0">
+                <a:latin typeface="+mj-lt"/>
+              </a:rPr>
+              <a:t> </a:t>
+            </a:r>
+            <a:r>
+              <a:rPr lang="fi-FI" sz="1800" dirty="0" err="1">
+                <a:latin typeface="+mj-lt"/>
+              </a:rPr>
+              <a:t>fixed</a:t>
+            </a:r>
+            <a:r>
+              <a:rPr lang="fi-FI" sz="1800" dirty="0">
+                <a:latin typeface="+mj-lt"/>
+              </a:rPr>
+              <a:t> some </a:t>
+            </a:r>
+            <a:r>
+              <a:rPr lang="fi-FI" sz="1800" dirty="0" err="1">
+                <a:latin typeface="+mj-lt"/>
+              </a:rPr>
+              <a:t>needed</a:t>
+            </a:r>
+            <a:r>
+              <a:rPr lang="fi-FI" sz="1800" dirty="0">
+                <a:latin typeface="+mj-lt"/>
+              </a:rPr>
+              <a:t> </a:t>
+            </a:r>
+            <a:r>
+              <a:rPr lang="fi-FI" sz="1800" dirty="0" err="1">
+                <a:latin typeface="+mj-lt"/>
+              </a:rPr>
+              <a:t>issues</a:t>
+            </a:r>
+            <a:r>
+              <a:rPr lang="fi-FI" sz="1800" dirty="0">
+                <a:latin typeface="+mj-lt"/>
+              </a:rPr>
+              <a:t>, and </a:t>
+            </a:r>
+            <a:r>
+              <a:rPr lang="fi-FI" sz="1800" dirty="0" err="1">
+                <a:latin typeface="+mj-lt"/>
+              </a:rPr>
+              <a:t>worked</a:t>
+            </a:r>
+            <a:r>
+              <a:rPr lang="fi-FI" sz="1800" dirty="0">
+                <a:latin typeface="+mj-lt"/>
+              </a:rPr>
+              <a:t> for us. </a:t>
+            </a:r>
+            <a:r>
+              <a:rPr lang="fi-FI" sz="1800" dirty="0" err="1">
+                <a:latin typeface="+mj-lt"/>
+              </a:rPr>
+              <a:t>Consult</a:t>
+            </a:r>
+            <a:r>
+              <a:rPr lang="fi-FI" sz="1800" dirty="0">
+                <a:latin typeface="+mj-lt"/>
+              </a:rPr>
+              <a:t> </a:t>
+            </a:r>
+            <a:r>
+              <a:rPr lang="fi-FI" sz="1800" dirty="0" err="1">
+                <a:latin typeface="+mj-lt"/>
+              </a:rPr>
+              <a:t>biome</a:t>
+            </a:r>
+            <a:r>
+              <a:rPr lang="fi-FI" sz="1800" dirty="0">
+                <a:latin typeface="+mj-lt"/>
+              </a:rPr>
+              <a:t> </a:t>
+            </a:r>
+            <a:r>
+              <a:rPr lang="fi-FI" sz="1800" dirty="0" err="1">
+                <a:latin typeface="+mj-lt"/>
+              </a:rPr>
+              <a:t>documentation</a:t>
+            </a:r>
+            <a:r>
+              <a:rPr lang="fi-FI" sz="1800" dirty="0">
+                <a:latin typeface="+mj-lt"/>
+              </a:rPr>
+              <a:t> for </a:t>
+            </a:r>
+            <a:r>
+              <a:rPr lang="fi-FI" sz="1800" dirty="0" err="1">
+                <a:latin typeface="+mj-lt"/>
+              </a:rPr>
+              <a:t>more</a:t>
+            </a:r>
+            <a:r>
+              <a:rPr lang="fi-FI" sz="1800" dirty="0">
+                <a:latin typeface="+mj-lt"/>
+              </a:rPr>
+              <a:t>)</a:t>
+            </a:r>
+            <a:endParaRPr lang="fi-FI" dirty="0">
+              <a:latin typeface="+mj-lt"/>
+            </a:endParaRPr>
+          </a:p>
+        </p:txBody>
+      </p:sp>
+    </p:spTree>
+    <p:extLst>
+      <p:ext uri="{BB962C8B-B14F-4D97-AF65-F5344CB8AC3E}">
+        <p14:creationId xmlns:p14="http://schemas.microsoft.com/office/powerpoint/2010/main" val="2691599912"/>
+      </p:ext>
+    </p:extLst>
+  </p:cSld>
+  <p:clrMapOvr>
+    <a:masterClrMapping/>
+  </p:clrMapOvr>
+</p:sld>
+</file>
+
+<file path=ppt/slides/slide13.xml><?xml version="1.0" encoding="utf-8"?>
+<p:sld xmlns:a="http://schemas.openxmlformats.org/drawingml/2006/main" xmlns:r="http://schemas.openxmlformats.org/officeDocument/2006/relationships" xmlns:p="http://schemas.openxmlformats.org/presentationml/2006/main">
+  <p:cSld>
+    <p:spTree>
+      <p:nvGrpSpPr>
+        <p:cNvPr id="1" name=""/>
+        <p:cNvGrpSpPr/>
+        <p:nvPr/>
+      </p:nvGrpSpPr>
+      <p:grpSpPr>
+        <a:xfrm>
+          <a:off x="0" y="0"/>
+          <a:ext cx="0" cy="0"/>
+          <a:chOff x="0" y="0"/>
+          <a:chExt cx="0" cy="0"/>
+        </a:xfrm>
+      </p:grpSpPr>
+      <p:sp>
+        <p:nvSpPr>
+          <p:cNvPr id="8" name="Title 7">
+            <a:extLst>
+              <a:ext uri="{FF2B5EF4-FFF2-40B4-BE49-F238E27FC236}">
+                <a16:creationId xmlns:a16="http://schemas.microsoft.com/office/drawing/2014/main" id="{197044C3-CD23-D844-B780-26FABA91AD0F}"/>
+              </a:ext>
+            </a:extLst>
+          </p:cNvPr>
+          <p:cNvSpPr>
+            <a:spLocks noGrp="1"/>
+          </p:cNvSpPr>
+          <p:nvPr>
+            <p:ph type="title"/>
+          </p:nvPr>
+        </p:nvSpPr>
+        <p:spPr/>
+        <p:txBody>
+          <a:bodyPr/>
+          <a:lstStyle/>
+          <a:p>
+            <a:pPr lvl="0"/>
+            <a:r>
+              <a:rPr lang="en-US" dirty="0"/>
+              <a:t>Install the TS versions of libraries, with their type definition modules</a:t>
+            </a:r>
+            <a:endParaRPr lang="fi-FI" dirty="0"/>
+          </a:p>
+        </p:txBody>
+      </p:sp>
+      <p:sp>
+        <p:nvSpPr>
+          <p:cNvPr id="9" name="Content Placeholder 8">
+            <a:extLst>
+              <a:ext uri="{FF2B5EF4-FFF2-40B4-BE49-F238E27FC236}">
+                <a16:creationId xmlns:a16="http://schemas.microsoft.com/office/drawing/2014/main" id="{ACDE61D8-A75A-F94B-B57A-46F276C03311}"/>
+              </a:ext>
+            </a:extLst>
+          </p:cNvPr>
+          <p:cNvSpPr>
+            <a:spLocks noGrp="1"/>
+          </p:cNvSpPr>
+          <p:nvPr>
+            <p:ph sz="half" idx="2"/>
+          </p:nvPr>
+        </p:nvSpPr>
+        <p:spPr>
+          <a:xfrm>
+            <a:off x="550864" y="1295074"/>
+            <a:ext cx="11125198" cy="4759498"/>
+          </a:xfrm>
+        </p:spPr>
+        <p:txBody>
+          <a:bodyPr>
+            <a:normAutofit/>
+          </a:bodyPr>
+          <a:lstStyle/>
+          <a:p>
+            <a:endParaRPr lang="en-US" dirty="0"/>
+          </a:p>
+          <a:p>
+            <a:endParaRPr lang="en-US" dirty="0"/>
+          </a:p>
+          <a:p>
+            <a:r>
+              <a:rPr lang="en-US" dirty="0"/>
+              <a:t>E.g. </a:t>
+            </a:r>
+          </a:p>
+          <a:p>
+            <a:pPr marL="0" indent="0">
+              <a:buNone/>
+            </a:pPr>
+            <a:r>
+              <a:rPr lang="en-US" dirty="0">
+                <a:latin typeface="Consolas" panose="020B0609020204030204" pitchFamily="49" charset="0"/>
+              </a:rPr>
+              <a:t>&gt; </a:t>
+            </a:r>
+            <a:r>
+              <a:rPr lang="en-US" dirty="0" err="1">
+                <a:latin typeface="Consolas" panose="020B0609020204030204" pitchFamily="49" charset="0"/>
+              </a:rPr>
+              <a:t>npm</a:t>
+            </a:r>
+            <a:r>
+              <a:rPr lang="en-US" dirty="0">
+                <a:latin typeface="Consolas" panose="020B0609020204030204" pitchFamily="49" charset="0"/>
+              </a:rPr>
+              <a:t> </a:t>
+            </a:r>
+            <a:r>
+              <a:rPr lang="en-US" dirty="0" err="1">
+                <a:latin typeface="Consolas" panose="020B0609020204030204" pitchFamily="49" charset="0"/>
+              </a:rPr>
+              <a:t>i</a:t>
+            </a:r>
+            <a:r>
+              <a:rPr lang="en-US" dirty="0">
+                <a:latin typeface="Consolas" panose="020B0609020204030204" pitchFamily="49" charset="0"/>
+              </a:rPr>
+              <a:t> --save express @types/node @types/react @types/react-dom @types/jest</a:t>
+            </a:r>
+          </a:p>
+        </p:txBody>
+      </p:sp>
+      <p:sp>
+        <p:nvSpPr>
+          <p:cNvPr id="5" name="Date Placeholder 4">
+            <a:extLst>
+              <a:ext uri="{FF2B5EF4-FFF2-40B4-BE49-F238E27FC236}">
+                <a16:creationId xmlns:a16="http://schemas.microsoft.com/office/drawing/2014/main" id="{976244E2-AA76-2742-B2EC-FEC79276155C}"/>
+              </a:ext>
+            </a:extLst>
+          </p:cNvPr>
+          <p:cNvSpPr>
+            <a:spLocks noGrp="1"/>
+          </p:cNvSpPr>
+          <p:nvPr>
+            <p:ph type="dt" sz="half" idx="10"/>
+          </p:nvPr>
+        </p:nvSpPr>
+        <p:spPr/>
+        <p:txBody>
+          <a:bodyPr/>
+          <a:lstStyle/>
+          <a:p>
+            <a:fld id="{202E1EC2-47B8-044B-A09E-6A63B4D80C87}" type="datetime1">
+              <a:rPr lang="fi-FI" smtClean="0"/>
+              <a:t>3.10.2024</a:t>
+            </a:fld>
+            <a:endParaRPr lang="en-GB"/>
+          </a:p>
+        </p:txBody>
+      </p:sp>
+      <p:sp>
+        <p:nvSpPr>
+          <p:cNvPr id="6" name="Footer Placeholder 5">
+            <a:extLst>
+              <a:ext uri="{FF2B5EF4-FFF2-40B4-BE49-F238E27FC236}">
+                <a16:creationId xmlns:a16="http://schemas.microsoft.com/office/drawing/2014/main" id="{588CE607-4137-8840-8FEA-42EAC857E3A3}"/>
+              </a:ext>
+            </a:extLst>
+          </p:cNvPr>
+          <p:cNvSpPr>
+            <a:spLocks noGrp="1"/>
+          </p:cNvSpPr>
+          <p:nvPr>
+            <p:ph type="ftr" sz="quarter" idx="11"/>
+          </p:nvPr>
+        </p:nvSpPr>
+        <p:spPr/>
+        <p:txBody>
+          <a:bodyPr/>
+          <a:lstStyle/>
+          <a:p>
+            <a:endParaRPr lang="en-GB"/>
+          </a:p>
+        </p:txBody>
+      </p:sp>
+      <p:sp>
+        <p:nvSpPr>
+          <p:cNvPr id="7" name="Slide Number Placeholder 6">
+            <a:extLst>
+              <a:ext uri="{FF2B5EF4-FFF2-40B4-BE49-F238E27FC236}">
+                <a16:creationId xmlns:a16="http://schemas.microsoft.com/office/drawing/2014/main" id="{2E133A96-6C73-0844-B8CB-27C2B5F4CFB1}"/>
+              </a:ext>
+            </a:extLst>
+          </p:cNvPr>
+          <p:cNvSpPr>
+            <a:spLocks noGrp="1"/>
+          </p:cNvSpPr>
+          <p:nvPr>
+            <p:ph type="sldNum" sz="quarter" idx="12"/>
+          </p:nvPr>
+        </p:nvSpPr>
+        <p:spPr/>
+        <p:txBody>
+          <a:bodyPr/>
+          <a:lstStyle/>
+          <a:p>
+            <a:fld id="{76BAB7ED-EDE9-4D4B-9A2D-30E18C47C16E}" type="slidenum">
+              <a:rPr lang="en-GB" smtClean="0"/>
+              <a:t>13</a:t>
+            </a:fld>
+            <a:endParaRPr lang="en-GB"/>
+          </a:p>
+        </p:txBody>
+      </p:sp>
+    </p:spTree>
+    <p:extLst>
+      <p:ext uri="{BB962C8B-B14F-4D97-AF65-F5344CB8AC3E}">
+        <p14:creationId xmlns:p14="http://schemas.microsoft.com/office/powerpoint/2010/main" val="1945319992"/>
+      </p:ext>
+    </p:extLst>
+  </p:cSld>
+  <p:clrMapOvr>
+    <a:masterClrMapping/>
+  </p:clrMapOvr>
+</p:sld>
+</file>
+
+<file path=ppt/slides/slide14.xml><?xml version="1.0" encoding="utf-8"?>
+<p:sld xmlns:a="http://schemas.openxmlformats.org/drawingml/2006/main" xmlns:r="http://schemas.openxmlformats.org/officeDocument/2006/relationships" xmlns:p="http://schemas.openxmlformats.org/presentationml/2006/main">
+  <p:cSld>
+    <p:spTree>
+      <p:nvGrpSpPr>
+        <p:cNvPr id="1" name=""/>
+        <p:cNvGrpSpPr/>
+        <p:nvPr/>
+      </p:nvGrpSpPr>
+      <p:grpSpPr>
+        <a:xfrm>
+          <a:off x="0" y="0"/>
+          <a:ext cx="0" cy="0"/>
+          <a:chOff x="0" y="0"/>
+          <a:chExt cx="0" cy="0"/>
+        </a:xfrm>
+      </p:grpSpPr>
+      <p:sp>
+        <p:nvSpPr>
+          <p:cNvPr id="8" name="Title 7">
+            <a:extLst>
+              <a:ext uri="{FF2B5EF4-FFF2-40B4-BE49-F238E27FC236}">
+                <a16:creationId xmlns:a16="http://schemas.microsoft.com/office/drawing/2014/main" id="{197044C3-CD23-D844-B780-26FABA91AD0F}"/>
+              </a:ext>
+            </a:extLst>
+          </p:cNvPr>
+          <p:cNvSpPr>
+            <a:spLocks noGrp="1"/>
+          </p:cNvSpPr>
+          <p:nvPr>
+            <p:ph type="title"/>
+          </p:nvPr>
+        </p:nvSpPr>
+        <p:spPr/>
+        <p:txBody>
+          <a:bodyPr/>
+          <a:lstStyle/>
+          <a:p>
+            <a:pPr lvl="0"/>
+            <a:r>
+              <a:rPr lang="en-US" dirty="0"/>
+              <a:t>Understand compilation-time vs run-time</a:t>
+            </a:r>
+            <a:endParaRPr lang="fi-FI" dirty="0"/>
+          </a:p>
+        </p:txBody>
+      </p:sp>
+      <p:sp>
+        <p:nvSpPr>
+          <p:cNvPr id="9" name="Content Placeholder 8">
+            <a:extLst>
+              <a:ext uri="{FF2B5EF4-FFF2-40B4-BE49-F238E27FC236}">
+                <a16:creationId xmlns:a16="http://schemas.microsoft.com/office/drawing/2014/main" id="{ACDE61D8-A75A-F94B-B57A-46F276C03311}"/>
+              </a:ext>
+            </a:extLst>
+          </p:cNvPr>
+          <p:cNvSpPr>
+            <a:spLocks noGrp="1"/>
+          </p:cNvSpPr>
+          <p:nvPr>
+            <p:ph sz="half" idx="2"/>
+          </p:nvPr>
+        </p:nvSpPr>
+        <p:spPr>
+          <a:xfrm>
+            <a:off x="550864" y="1295074"/>
+            <a:ext cx="11125198" cy="4759498"/>
+          </a:xfrm>
+        </p:spPr>
+        <p:txBody>
+          <a:bodyPr>
+            <a:normAutofit/>
+          </a:bodyPr>
+          <a:lstStyle/>
+          <a:p>
+            <a:r>
+              <a:rPr lang="en-US" dirty="0"/>
+              <a:t>- 1. Compilation time:    </a:t>
+            </a:r>
+            <a:r>
+              <a:rPr lang="en-US" b="1" dirty="0" err="1"/>
+              <a:t>tsc</a:t>
+            </a:r>
+            <a:r>
+              <a:rPr lang="en-US" dirty="0"/>
+              <a:t> (TypeScript compiler) </a:t>
+            </a:r>
+            <a:r>
+              <a:rPr lang="en-US" b="1" dirty="0"/>
+              <a:t>.</a:t>
+            </a:r>
+            <a:r>
+              <a:rPr lang="en-US" b="1" dirty="0" err="1"/>
+              <a:t>ts</a:t>
+            </a:r>
+            <a:r>
+              <a:rPr lang="en-US" b="1" dirty="0"/>
+              <a:t> </a:t>
+            </a:r>
+            <a:r>
+              <a:rPr lang="en-US" dirty="0">
+                <a:sym typeface="Symbol" panose="05050102010706020507" pitchFamily="18" charset="2"/>
+              </a:rPr>
+              <a:t></a:t>
+            </a:r>
+            <a:r>
+              <a:rPr lang="en-US" dirty="0"/>
+              <a:t> </a:t>
+            </a:r>
+            <a:r>
+              <a:rPr lang="en-US" b="1" dirty="0"/>
+              <a:t>.</a:t>
+            </a:r>
+            <a:r>
+              <a:rPr lang="en-US" b="1" dirty="0" err="1"/>
+              <a:t>js</a:t>
+            </a:r>
+            <a:endParaRPr lang="en-US" b="1" dirty="0"/>
+          </a:p>
+          <a:p>
+            <a:r>
+              <a:rPr lang="en-US" dirty="0"/>
+              <a:t>- 2. Runtime:                run the </a:t>
+            </a:r>
+            <a:r>
+              <a:rPr lang="en-US" b="1" dirty="0"/>
+              <a:t>.</a:t>
+            </a:r>
+            <a:r>
+              <a:rPr lang="en-US" b="1" dirty="0" err="1"/>
+              <a:t>js</a:t>
+            </a:r>
+            <a:r>
+              <a:rPr lang="en-US" dirty="0"/>
+              <a:t>,    e.g. with </a:t>
+            </a:r>
+            <a:r>
+              <a:rPr lang="en-US" b="1" dirty="0"/>
+              <a:t>node</a:t>
+            </a:r>
+            <a:r>
+              <a:rPr lang="en-US" dirty="0"/>
+              <a:t>, </a:t>
+            </a:r>
+            <a:r>
+              <a:rPr lang="en-US" b="1" dirty="0" err="1"/>
+              <a:t>nodemon</a:t>
+            </a:r>
+            <a:r>
+              <a:rPr lang="en-US" dirty="0"/>
+              <a:t>, </a:t>
+            </a:r>
+            <a:r>
+              <a:rPr lang="en-US" b="1" dirty="0"/>
+              <a:t>pm2</a:t>
+            </a:r>
+            <a:r>
+              <a:rPr lang="en-US" dirty="0"/>
+              <a:t>         or so</a:t>
+            </a:r>
+          </a:p>
+          <a:p>
+            <a:endParaRPr lang="en-US" dirty="0"/>
+          </a:p>
+          <a:p>
+            <a:r>
+              <a:rPr lang="en-US" dirty="0"/>
+              <a:t>See also how all TS tools are in </a:t>
+            </a:r>
+            <a:r>
+              <a:rPr lang="en-US" b="1" dirty="0" err="1"/>
+              <a:t>devDependencies</a:t>
+            </a:r>
+            <a:r>
+              <a:rPr lang="en-US" dirty="0"/>
+              <a:t> in </a:t>
+            </a:r>
+            <a:r>
+              <a:rPr lang="en-US" b="1" dirty="0" err="1"/>
+              <a:t>package.json</a:t>
+            </a:r>
+            <a:r>
+              <a:rPr lang="en-US" dirty="0"/>
+              <a:t>, for development time steps and processes. Whereas JS tools and modules are in </a:t>
+            </a:r>
+            <a:r>
+              <a:rPr lang="en-US" b="1" dirty="0"/>
+              <a:t>dependencies</a:t>
+            </a:r>
+            <a:r>
+              <a:rPr lang="en-US" dirty="0"/>
+              <a:t> for the running time </a:t>
+            </a:r>
+            <a:r>
+              <a:rPr lang="en-US"/>
+              <a:t>/ production.</a:t>
+            </a:r>
+            <a:endParaRPr lang="en-US" dirty="0"/>
+          </a:p>
+          <a:p>
+            <a:endParaRPr lang="en-US" dirty="0"/>
+          </a:p>
+          <a:p>
+            <a:r>
+              <a:rPr lang="en-US" dirty="0"/>
+              <a:t>(2. or use the </a:t>
+            </a:r>
+            <a:r>
+              <a:rPr lang="en-US" b="1" dirty="0" err="1"/>
+              <a:t>ts</a:t>
+            </a:r>
+            <a:r>
+              <a:rPr lang="en-US" b="1" dirty="0"/>
+              <a:t>-node</a:t>
+            </a:r>
+            <a:r>
+              <a:rPr lang="en-US" dirty="0"/>
+              <a:t> for combining the compilation and running as one bit slower step)</a:t>
+            </a:r>
+          </a:p>
+        </p:txBody>
+      </p:sp>
+      <p:sp>
+        <p:nvSpPr>
+          <p:cNvPr id="5" name="Date Placeholder 4">
+            <a:extLst>
+              <a:ext uri="{FF2B5EF4-FFF2-40B4-BE49-F238E27FC236}">
+                <a16:creationId xmlns:a16="http://schemas.microsoft.com/office/drawing/2014/main" id="{976244E2-AA76-2742-B2EC-FEC79276155C}"/>
+              </a:ext>
+            </a:extLst>
+          </p:cNvPr>
+          <p:cNvSpPr>
+            <a:spLocks noGrp="1"/>
+          </p:cNvSpPr>
+          <p:nvPr>
+            <p:ph type="dt" sz="half" idx="10"/>
+          </p:nvPr>
+        </p:nvSpPr>
+        <p:spPr/>
+        <p:txBody>
+          <a:bodyPr/>
+          <a:lstStyle/>
+          <a:p>
+            <a:fld id="{202E1EC2-47B8-044B-A09E-6A63B4D80C87}" type="datetime1">
+              <a:rPr lang="fi-FI" smtClean="0"/>
+              <a:t>3.10.2024</a:t>
+            </a:fld>
+            <a:endParaRPr lang="en-GB"/>
+          </a:p>
+        </p:txBody>
+      </p:sp>
+      <p:sp>
+        <p:nvSpPr>
+          <p:cNvPr id="6" name="Footer Placeholder 5">
+            <a:extLst>
+              <a:ext uri="{FF2B5EF4-FFF2-40B4-BE49-F238E27FC236}">
+                <a16:creationId xmlns:a16="http://schemas.microsoft.com/office/drawing/2014/main" id="{588CE607-4137-8840-8FEA-42EAC857E3A3}"/>
+              </a:ext>
+            </a:extLst>
+          </p:cNvPr>
+          <p:cNvSpPr>
+            <a:spLocks noGrp="1"/>
+          </p:cNvSpPr>
+          <p:nvPr>
+            <p:ph type="ftr" sz="quarter" idx="11"/>
+          </p:nvPr>
+        </p:nvSpPr>
+        <p:spPr/>
+        <p:txBody>
+          <a:bodyPr/>
+          <a:lstStyle/>
+          <a:p>
+            <a:endParaRPr lang="en-GB"/>
+          </a:p>
+        </p:txBody>
+      </p:sp>
+      <p:sp>
+        <p:nvSpPr>
+          <p:cNvPr id="7" name="Slide Number Placeholder 6">
+            <a:extLst>
+              <a:ext uri="{FF2B5EF4-FFF2-40B4-BE49-F238E27FC236}">
+                <a16:creationId xmlns:a16="http://schemas.microsoft.com/office/drawing/2014/main" id="{2E133A96-6C73-0844-B8CB-27C2B5F4CFB1}"/>
+              </a:ext>
+            </a:extLst>
+          </p:cNvPr>
+          <p:cNvSpPr>
+            <a:spLocks noGrp="1"/>
+          </p:cNvSpPr>
+          <p:nvPr>
+            <p:ph type="sldNum" sz="quarter" idx="12"/>
+          </p:nvPr>
+        </p:nvSpPr>
+        <p:spPr/>
+        <p:txBody>
+          <a:bodyPr/>
+          <a:lstStyle/>
+          <a:p>
+            <a:fld id="{76BAB7ED-EDE9-4D4B-9A2D-30E18C47C16E}" type="slidenum">
+              <a:rPr lang="en-GB" smtClean="0"/>
+              <a:t>14</a:t>
+            </a:fld>
+            <a:endParaRPr lang="en-GB"/>
+          </a:p>
+        </p:txBody>
+      </p:sp>
+    </p:spTree>
+    <p:extLst>
+      <p:ext uri="{BB962C8B-B14F-4D97-AF65-F5344CB8AC3E}">
+        <p14:creationId xmlns:p14="http://schemas.microsoft.com/office/powerpoint/2010/main" val="3501655305"/>
+      </p:ext>
+    </p:extLst>
+  </p:cSld>
+  <p:clrMapOvr>
+    <a:masterClrMapping/>
+  </p:clrMapOvr>
+</p:sld>
+</file>
+
+<file path=ppt/slides/slide2.xml><?xml version="1.0" encoding="utf-8"?>
+<p:sld xmlns:a="http://schemas.openxmlformats.org/drawingml/2006/main" xmlns:r="http://schemas.openxmlformats.org/officeDocument/2006/relationships" xmlns:p="http://schemas.openxmlformats.org/presentationml/2006/main">
+  <p:cSld>
+    <p:spTree>
+      <p:nvGrpSpPr>
+        <p:cNvPr id="1" name=""/>
+        <p:cNvGrpSpPr/>
+        <p:nvPr/>
+      </p:nvGrpSpPr>
+      <p:grpSpPr>
+        <a:xfrm>
+          <a:off x="0" y="0"/>
+          <a:ext cx="0" cy="0"/>
+          <a:chOff x="0" y="0"/>
+          <a:chExt cx="0" cy="0"/>
+        </a:xfrm>
+      </p:grpSpPr>
+      <p:sp>
+        <p:nvSpPr>
+          <p:cNvPr id="8" name="Title 7">
+            <a:extLst>
+              <a:ext uri="{FF2B5EF4-FFF2-40B4-BE49-F238E27FC236}">
+                <a16:creationId xmlns:a16="http://schemas.microsoft.com/office/drawing/2014/main" id="{197044C3-CD23-D844-B780-26FABA91AD0F}"/>
+              </a:ext>
+            </a:extLst>
+          </p:cNvPr>
+          <p:cNvSpPr>
+            <a:spLocks noGrp="1"/>
+          </p:cNvSpPr>
+          <p:nvPr>
+            <p:ph type="title"/>
+          </p:nvPr>
+        </p:nvSpPr>
+        <p:spPr/>
+        <p:txBody>
+          <a:bodyPr/>
+          <a:lstStyle/>
+          <a:p>
+            <a:pPr lvl="0"/>
+            <a:r>
+              <a:rPr lang="en-US" dirty="0"/>
+              <a:t>Principles as a picture</a:t>
+            </a:r>
+            <a:endParaRPr lang="fi-FI" dirty="0"/>
+          </a:p>
+        </p:txBody>
+      </p:sp>
+      <p:sp>
+        <p:nvSpPr>
+          <p:cNvPr id="5" name="Date Placeholder 4">
+            <a:extLst>
+              <a:ext uri="{FF2B5EF4-FFF2-40B4-BE49-F238E27FC236}">
+                <a16:creationId xmlns:a16="http://schemas.microsoft.com/office/drawing/2014/main" id="{976244E2-AA76-2742-B2EC-FEC79276155C}"/>
+              </a:ext>
+            </a:extLst>
+          </p:cNvPr>
+          <p:cNvSpPr>
+            <a:spLocks noGrp="1"/>
+          </p:cNvSpPr>
+          <p:nvPr>
+            <p:ph type="dt" sz="half" idx="10"/>
+          </p:nvPr>
+        </p:nvSpPr>
+        <p:spPr/>
+        <p:txBody>
+          <a:bodyPr/>
+          <a:lstStyle/>
+          <a:p>
+            <a:fld id="{202E1EC2-47B8-044B-A09E-6A63B4D80C87}" type="datetime1">
+              <a:rPr lang="fi-FI" smtClean="0"/>
+              <a:t>3.10.2024</a:t>
+            </a:fld>
+            <a:endParaRPr lang="en-GB"/>
+          </a:p>
+        </p:txBody>
+      </p:sp>
+      <p:sp>
+        <p:nvSpPr>
+          <p:cNvPr id="6" name="Footer Placeholder 5">
+            <a:extLst>
+              <a:ext uri="{FF2B5EF4-FFF2-40B4-BE49-F238E27FC236}">
+                <a16:creationId xmlns:a16="http://schemas.microsoft.com/office/drawing/2014/main" id="{588CE607-4137-8840-8FEA-42EAC857E3A3}"/>
+              </a:ext>
+            </a:extLst>
+          </p:cNvPr>
+          <p:cNvSpPr>
+            <a:spLocks noGrp="1"/>
+          </p:cNvSpPr>
+          <p:nvPr>
+            <p:ph type="ftr" sz="quarter" idx="11"/>
+          </p:nvPr>
+        </p:nvSpPr>
+        <p:spPr/>
+        <p:txBody>
+          <a:bodyPr/>
+          <a:lstStyle/>
+          <a:p>
+            <a:endParaRPr lang="en-GB"/>
+          </a:p>
+        </p:txBody>
+      </p:sp>
+      <p:sp>
+        <p:nvSpPr>
+          <p:cNvPr id="7" name="Slide Number Placeholder 6">
+            <a:extLst>
+              <a:ext uri="{FF2B5EF4-FFF2-40B4-BE49-F238E27FC236}">
+                <a16:creationId xmlns:a16="http://schemas.microsoft.com/office/drawing/2014/main" id="{2E133A96-6C73-0844-B8CB-27C2B5F4CFB1}"/>
+              </a:ext>
+            </a:extLst>
+          </p:cNvPr>
+          <p:cNvSpPr>
+            <a:spLocks noGrp="1"/>
+          </p:cNvSpPr>
+          <p:nvPr>
+            <p:ph type="sldNum" sz="quarter" idx="12"/>
+          </p:nvPr>
+        </p:nvSpPr>
+        <p:spPr/>
+        <p:txBody>
+          <a:bodyPr/>
+          <a:lstStyle/>
+          <a:p>
+            <a:fld id="{76BAB7ED-EDE9-4D4B-9A2D-30E18C47C16E}" type="slidenum">
+              <a:rPr lang="en-GB" smtClean="0"/>
+              <a:t>2</a:t>
             </a:fld>
             <a:endParaRPr lang="en-GB"/>
           </a:p>
@@ -7506,22 +11552,21 @@
           <a:p>
             <a:pPr algn="ctr"/>
             <a:r>
-              <a:rPr lang="fi-FI" sz="3600" dirty="0" err="1"/>
+              <a:rPr lang="fi-FI" sz="3600"/>
               <a:t>TypeScript</a:t>
             </a:r>
-            <a:endParaRPr lang="fi-FI" sz="3600" dirty="0"/>
           </a:p>
           <a:p>
             <a:pPr algn="ctr"/>
-            <a:endParaRPr lang="fi-FI" sz="3600" dirty="0"/>
+            <a:endParaRPr lang="fi-FI" sz="3600"/>
           </a:p>
           <a:p>
             <a:pPr algn="ctr"/>
-            <a:endParaRPr lang="fi-FI" sz="3600" dirty="0"/>
+            <a:endParaRPr lang="fi-FI" sz="3600"/>
           </a:p>
           <a:p>
             <a:pPr algn="ctr"/>
-            <a:endParaRPr lang="fi-FI" sz="3600" dirty="0"/>
+            <a:endParaRPr lang="fi-FI" sz="3600"/>
           </a:p>
           <a:p>
             <a:pPr algn="ctr"/>
@@ -7675,7 +11720,7 @@
                   </a:schemeClr>
                 </a:solidFill>
               </a:rPr>
-              <a:t> ES/JavaScript</a:t>
+              <a:t> ES/ JavaScript</a:t>
             </a:r>
           </a:p>
           <a:p>
@@ -7733,7 +11778,7 @@
                   </a:schemeClr>
                 </a:solidFill>
               </a:rPr>
-              <a:t>runtimes</a:t>
+              <a:t>runtime</a:t>
             </a:r>
             <a:endParaRPr lang="fi-FI" dirty="0">
               <a:solidFill>
@@ -7746,67 +11791,22 @@
           </a:p>
         </p:txBody>
       </p:sp>
-      <p:cxnSp>
-        <p:nvCxnSpPr>
-          <p:cNvPr id="3" name="Straight Arrow Connector 2">
-            <a:extLst>
-              <a:ext uri="{FF2B5EF4-FFF2-40B4-BE49-F238E27FC236}">
-                <a16:creationId xmlns:a16="http://schemas.microsoft.com/office/drawing/2014/main" id="{BA591374-1CF4-4859-DB08-BD23143A16DB}"/>
-              </a:ext>
-            </a:extLst>
-          </p:cNvPr>
-          <p:cNvCxnSpPr>
-            <a:cxnSpLocks/>
-            <a:stCxn id="4" idx="2"/>
-          </p:cNvCxnSpPr>
+      <p:sp>
+        <p:nvSpPr>
+          <p:cNvPr id="13" name="TextBox 12">
+            <a:extLst>
+              <a:ext uri="{FF2B5EF4-FFF2-40B4-BE49-F238E27FC236}">
+                <a16:creationId xmlns:a16="http://schemas.microsoft.com/office/drawing/2014/main" id="{EC251AB5-4355-ADFF-9C8A-A46BAB84D23C}"/>
+              </a:ext>
+            </a:extLst>
+          </p:cNvPr>
+          <p:cNvSpPr txBox="1"/>
           <p:nvPr/>
-        </p:nvCxnSpPr>
+        </p:nvSpPr>
         <p:spPr>
           <a:xfrm>
-            <a:off x="3089189" y="3790265"/>
-            <a:ext cx="1802407" cy="462139"/>
-          </a:xfrm>
-          <a:prstGeom prst="straightConnector1">
-            <a:avLst/>
-          </a:prstGeom>
-          <a:ln w="63500">
-            <a:solidFill>
-              <a:schemeClr val="bg1"/>
-            </a:solidFill>
-            <a:tailEnd type="triangle"/>
-          </a:ln>
-        </p:spPr>
-        <p:style>
-          <a:lnRef idx="1">
-            <a:schemeClr val="accent1"/>
-          </a:lnRef>
-          <a:fillRef idx="0">
-            <a:schemeClr val="accent1"/>
-          </a:fillRef>
-          <a:effectRef idx="0">
-            <a:schemeClr val="accent1"/>
-          </a:effectRef>
-          <a:fontRef idx="minor">
-            <a:schemeClr val="tx1"/>
-          </a:fontRef>
-        </p:style>
-      </p:cxnSp>
-      <p:sp>
-        <p:nvSpPr>
-          <p:cNvPr id="13" name="TextBox 12">
-            <a:extLst>
-              <a:ext uri="{FF2B5EF4-FFF2-40B4-BE49-F238E27FC236}">
-                <a16:creationId xmlns:a16="http://schemas.microsoft.com/office/drawing/2014/main" id="{1D88B8BC-D260-0335-060F-525A18E0E945}"/>
-              </a:ext>
-            </a:extLst>
-          </p:cNvPr>
-          <p:cNvSpPr txBox="1"/>
-          <p:nvPr/>
-        </p:nvSpPr>
-        <p:spPr>
-          <a:xfrm>
-            <a:off x="3089189" y="3246641"/>
-            <a:ext cx="1492047" cy="646331"/>
+            <a:off x="3048000" y="3311298"/>
+            <a:ext cx="1394691" cy="646331"/>
           </a:xfrm>
           <a:prstGeom prst="rect">
             <a:avLst/>
@@ -7820,36 +11820,20 @@
           <a:lstStyle/>
           <a:p>
             <a:r>
+              <a:rPr lang="fi-FI" dirty="0">
+                <a:solidFill>
+                  <a:schemeClr val="bg1"/>
+                </a:solidFill>
+              </a:rPr>
+              <a:t>e.g. </a:t>
+            </a:r>
+            <a:r>
               <a:rPr lang="fi-FI" dirty="0" err="1">
                 <a:solidFill>
                   <a:schemeClr val="bg1"/>
                 </a:solidFill>
               </a:rPr>
-              <a:t>t</a:t>
-            </a:r>
-            <a:r>
-              <a:rPr lang="fi-FI" sz="1800" dirty="0" err="1">
-                <a:solidFill>
-                  <a:schemeClr val="bg1"/>
-                </a:solidFill>
-              </a:rPr>
-              <a:t>sc</a:t>
-            </a:r>
-            <a:r>
-              <a:rPr lang="fi-FI" sz="1800" dirty="0">
-                <a:solidFill>
-                  <a:schemeClr val="bg1"/>
-                </a:solidFill>
-              </a:rPr>
-              <a:t> </a:t>
-            </a:r>
-            <a:r>
-              <a:rPr lang="fi-FI" sz="1800" dirty="0" err="1">
-                <a:solidFill>
-                  <a:schemeClr val="bg1"/>
-                </a:solidFill>
-              </a:rPr>
-              <a:t>compilation</a:t>
+              <a:t>type</a:t>
             </a:r>
             <a:endParaRPr lang="fi-FI" dirty="0">
               <a:solidFill>
@@ -7857,12 +11841,27 @@
               </a:solidFill>
             </a:endParaRPr>
           </a:p>
+          <a:p>
+            <a:r>
+              <a:rPr lang="fi-FI" dirty="0" err="1">
+                <a:solidFill>
+                  <a:schemeClr val="bg1"/>
+                </a:solidFill>
+              </a:rPr>
+              <a:t>annotations</a:t>
+            </a:r>
+            <a:endParaRPr lang="fi-FI" dirty="0">
+              <a:solidFill>
+                <a:schemeClr val="bg1"/>
+              </a:solidFill>
+            </a:endParaRPr>
+          </a:p>
         </p:txBody>
       </p:sp>
     </p:spTree>
     <p:extLst>
       <p:ext uri="{BB962C8B-B14F-4D97-AF65-F5344CB8AC3E}">
-        <p14:creationId xmlns:p14="http://schemas.microsoft.com/office/powerpoint/2010/main" val="208754456"/>
+        <p14:creationId xmlns:p14="http://schemas.microsoft.com/office/powerpoint/2010/main" val="3033948748"/>
       </p:ext>
     </p:extLst>
   </p:cSld>
@@ -7872,7 +11871,7 @@
 </p:sld>
 </file>
 
-<file path=ppt/slides/slide2.xml><?xml version="1.0" encoding="utf-8"?>
+<file path=ppt/slides/slide3.xml><?xml version="1.0" encoding="utf-8"?>
 <p:sld xmlns:a="http://schemas.openxmlformats.org/drawingml/2006/main" xmlns:r="http://schemas.openxmlformats.org/officeDocument/2006/relationships" xmlns:p="http://schemas.openxmlformats.org/presentationml/2006/main">
   <p:cSld>
     <p:spTree>
@@ -7912,8 +11911,12 @@
           <a:p>
             <a:pPr lvl="0"/>
             <a:r>
+              <a:rPr lang="en-US" dirty="0" err="1"/>
+              <a:t>tsc</a:t>
+            </a:r>
+            <a:r>
               <a:rPr lang="en-US" dirty="0"/>
-              <a:t>Principles as a picture</a:t>
+              <a:t> compilation as the image</a:t>
             </a:r>
             <a:endParaRPr lang="fi-FI" dirty="0"/>
           </a:p>
@@ -7942,7 +11945,7 @@
           <a:p>
             <a:fld id="{202E1EC2-47B8-044B-A09E-6A63B4D80C87}" type="datetime1">
               <a:rPr lang="fi-FI" smtClean="0"/>
-              <a:t>2.10.2024</a:t>
+              <a:t>3.10.2024</a:t>
             </a:fld>
             <a:endParaRPr lang="en-GB"/>
           </a:p>
@@ -7996,7 +11999,7 @@
           <a:p>
             <a:fld id="{76BAB7ED-EDE9-4D4B-9A2D-30E18C47C16E}" type="slidenum">
               <a:rPr lang="en-GB" smtClean="0"/>
-              <a:t>2</a:t>
+              <a:t>3</a:t>
             </a:fld>
             <a:endParaRPr lang="en-GB"/>
           </a:p>
@@ -8048,21 +12051,22 @@
           <a:p>
             <a:pPr algn="ctr"/>
             <a:r>
-              <a:rPr lang="fi-FI" sz="3600"/>
+              <a:rPr lang="fi-FI" sz="3600" dirty="0" err="1"/>
               <a:t>TypeScript</a:t>
             </a:r>
+            <a:endParaRPr lang="fi-FI" sz="3600" dirty="0"/>
           </a:p>
           <a:p>
             <a:pPr algn="ctr"/>
-            <a:endParaRPr lang="fi-FI" sz="3600"/>
+            <a:endParaRPr lang="fi-FI" sz="3600" dirty="0"/>
           </a:p>
           <a:p>
             <a:pPr algn="ctr"/>
-            <a:endParaRPr lang="fi-FI" sz="3600"/>
+            <a:endParaRPr lang="fi-FI" sz="3600" dirty="0"/>
           </a:p>
           <a:p>
             <a:pPr algn="ctr"/>
-            <a:endParaRPr lang="fi-FI" sz="3600"/>
+            <a:endParaRPr lang="fi-FI" sz="3600" dirty="0"/>
           </a:p>
           <a:p>
             <a:pPr algn="ctr"/>
@@ -8197,7 +12201,7 @@
           <a:p>
             <a:pPr algn="ctr"/>
             <a:r>
-              <a:rPr lang="fi-FI" dirty="0" err="1">
+              <a:rPr lang="fi-FI" sz="1600" dirty="0" err="1">
                 <a:solidFill>
                   <a:schemeClr val="tx1">
                     <a:lumMod val="50000"/>
@@ -8208,7 +12212,7 @@
               <a:t>older</a:t>
             </a:r>
             <a:r>
-              <a:rPr lang="fi-FI" dirty="0">
+              <a:rPr lang="fi-FI" sz="1600" dirty="0">
                 <a:solidFill>
                   <a:schemeClr val="tx1">
                     <a:lumMod val="50000"/>
@@ -8222,7 +12226,7 @@
           <a:p>
             <a:pPr algn="ctr"/>
             <a:r>
-              <a:rPr lang="fi-FI" dirty="0" err="1">
+              <a:rPr lang="fi-FI" sz="1600" dirty="0" err="1">
                 <a:solidFill>
                   <a:schemeClr val="tx1">
                     <a:lumMod val="50000"/>
@@ -8232,7 +12236,7 @@
               </a:rPr>
               <a:t>supported</a:t>
             </a:r>
-            <a:endParaRPr lang="fi-FI" dirty="0">
+            <a:endParaRPr lang="fi-FI" sz="1600" dirty="0">
               <a:solidFill>
                 <a:schemeClr val="tx1">
                   <a:lumMod val="50000"/>
@@ -8244,7 +12248,7 @@
           <a:p>
             <a:pPr algn="ctr"/>
             <a:r>
-              <a:rPr lang="fi-FI" dirty="0" err="1">
+              <a:rPr lang="fi-FI" sz="1600" dirty="0" err="1">
                 <a:solidFill>
                   <a:schemeClr val="tx1">
                     <a:lumMod val="50000"/>
@@ -8255,7 +12259,7 @@
               <a:t>by</a:t>
             </a:r>
             <a:r>
-              <a:rPr lang="fi-FI" dirty="0">
+              <a:rPr lang="fi-FI" sz="1600" dirty="0">
                 <a:solidFill>
                   <a:schemeClr val="tx1">
                     <a:lumMod val="50000"/>
@@ -8266,7 +12270,7 @@
               <a:t> </a:t>
             </a:r>
             <a:r>
-              <a:rPr lang="fi-FI" dirty="0" err="1">
+              <a:rPr lang="fi-FI" sz="1600" dirty="0" err="1">
                 <a:solidFill>
                   <a:schemeClr val="tx1">
                     <a:lumMod val="50000"/>
@@ -8274,9 +12278,9 @@
                   </a:schemeClr>
                 </a:solidFill>
               </a:rPr>
-              <a:t>runtime</a:t>
-            </a:r>
-            <a:endParaRPr lang="fi-FI" dirty="0">
+              <a:t>runtimes</a:t>
+            </a:r>
+            <a:endParaRPr lang="fi-FI" sz="1600" dirty="0">
               <a:solidFill>
                 <a:schemeClr val="tx1">
                   <a:lumMod val="50000"/>
@@ -8287,12 +12291,57 @@
           </a:p>
         </p:txBody>
       </p:sp>
+      <p:cxnSp>
+        <p:nvCxnSpPr>
+          <p:cNvPr id="3" name="Straight Arrow Connector 2">
+            <a:extLst>
+              <a:ext uri="{FF2B5EF4-FFF2-40B4-BE49-F238E27FC236}">
+                <a16:creationId xmlns:a16="http://schemas.microsoft.com/office/drawing/2014/main" id="{BA591374-1CF4-4859-DB08-BD23143A16DB}"/>
+              </a:ext>
+            </a:extLst>
+          </p:cNvPr>
+          <p:cNvCxnSpPr>
+            <a:cxnSpLocks/>
+            <a:stCxn id="4" idx="2"/>
+          </p:cNvCxnSpPr>
+          <p:nvPr/>
+        </p:nvCxnSpPr>
+        <p:spPr>
+          <a:xfrm>
+            <a:off x="3089189" y="3790265"/>
+            <a:ext cx="1802407" cy="545640"/>
+          </a:xfrm>
+          <a:prstGeom prst="straightConnector1">
+            <a:avLst/>
+          </a:prstGeom>
+          <a:ln w="63500">
+            <a:solidFill>
+              <a:schemeClr val="bg1"/>
+            </a:solidFill>
+            <a:tailEnd type="triangle"/>
+          </a:ln>
+        </p:spPr>
+        <p:style>
+          <a:lnRef idx="1">
+            <a:schemeClr val="accent1"/>
+          </a:lnRef>
+          <a:fillRef idx="0">
+            <a:schemeClr val="accent1"/>
+          </a:fillRef>
+          <a:effectRef idx="0">
+            <a:schemeClr val="accent1"/>
+          </a:effectRef>
+          <a:fontRef idx="minor">
+            <a:schemeClr val="tx1"/>
+          </a:fontRef>
+        </p:style>
+      </p:cxnSp>
       <p:sp>
         <p:nvSpPr>
           <p:cNvPr id="13" name="TextBox 12">
             <a:extLst>
               <a:ext uri="{FF2B5EF4-FFF2-40B4-BE49-F238E27FC236}">
-                <a16:creationId xmlns:a16="http://schemas.microsoft.com/office/drawing/2014/main" id="{EC251AB5-4355-ADFF-9C8A-A46BAB84D23C}"/>
+                <a16:creationId xmlns:a16="http://schemas.microsoft.com/office/drawing/2014/main" id="{1D88B8BC-D260-0335-060F-525A18E0E945}"/>
               </a:ext>
             </a:extLst>
           </p:cNvPr>
@@ -8301,8 +12350,8 @@
         </p:nvSpPr>
         <p:spPr>
           <a:xfrm>
-            <a:off x="3048000" y="3311298"/>
-            <a:ext cx="1394691" cy="646331"/>
+            <a:off x="3089189" y="3246641"/>
+            <a:ext cx="1492047" cy="646331"/>
           </a:xfrm>
           <a:prstGeom prst="rect">
             <a:avLst/>
@@ -8316,20 +12365,36 @@
           <a:lstStyle/>
           <a:p>
             <a:r>
-              <a:rPr lang="fi-FI" dirty="0">
+              <a:rPr lang="fi-FI" dirty="0" err="1">
                 <a:solidFill>
                   <a:schemeClr val="bg1"/>
                 </a:solidFill>
               </a:rPr>
-              <a:t>e.g. </a:t>
-            </a:r>
-            <a:r>
-              <a:rPr lang="fi-FI" dirty="0" err="1">
+              <a:t>t</a:t>
+            </a:r>
+            <a:r>
+              <a:rPr lang="fi-FI" sz="1800" dirty="0" err="1">
                 <a:solidFill>
                   <a:schemeClr val="bg1"/>
                 </a:solidFill>
               </a:rPr>
-              <a:t>type</a:t>
+              <a:t>sc</a:t>
+            </a:r>
+            <a:r>
+              <a:rPr lang="fi-FI" sz="1800" dirty="0">
+                <a:solidFill>
+                  <a:schemeClr val="bg1"/>
+                </a:solidFill>
+              </a:rPr>
+              <a:t> </a:t>
+            </a:r>
+            <a:r>
+              <a:rPr lang="fi-FI" sz="1800" dirty="0" err="1">
+                <a:solidFill>
+                  <a:schemeClr val="bg1"/>
+                </a:solidFill>
+              </a:rPr>
+              <a:t>compilation</a:t>
             </a:r>
             <a:endParaRPr lang="fi-FI" dirty="0">
               <a:solidFill>
@@ -8337,240 +12402,12 @@
               </a:solidFill>
             </a:endParaRPr>
           </a:p>
-          <a:p>
-            <a:r>
-              <a:rPr lang="fi-FI" dirty="0" err="1">
-                <a:solidFill>
-                  <a:schemeClr val="bg1"/>
-                </a:solidFill>
-              </a:rPr>
-              <a:t>annotations</a:t>
-            </a:r>
-            <a:endParaRPr lang="fi-FI" dirty="0">
-              <a:solidFill>
-                <a:schemeClr val="bg1"/>
-              </a:solidFill>
-            </a:endParaRPr>
-          </a:p>
         </p:txBody>
       </p:sp>
     </p:spTree>
     <p:extLst>
       <p:ext uri="{BB962C8B-B14F-4D97-AF65-F5344CB8AC3E}">
-        <p14:creationId xmlns:p14="http://schemas.microsoft.com/office/powerpoint/2010/main" val="3033948748"/>
-      </p:ext>
-    </p:extLst>
-  </p:cSld>
-  <p:clrMapOvr>
-    <a:masterClrMapping/>
-  </p:clrMapOvr>
-</p:sld>
-</file>
-
-<file path=ppt/slides/slide3.xml><?xml version="1.0" encoding="utf-8"?>
-<p:sld xmlns:a="http://schemas.openxmlformats.org/drawingml/2006/main" xmlns:r="http://schemas.openxmlformats.org/officeDocument/2006/relationships" xmlns:p="http://schemas.openxmlformats.org/presentationml/2006/main">
-  <p:cSld>
-    <p:spTree>
-      <p:nvGrpSpPr>
-        <p:cNvPr id="1" name=""/>
-        <p:cNvGrpSpPr/>
-        <p:nvPr/>
-      </p:nvGrpSpPr>
-      <p:grpSpPr>
-        <a:xfrm>
-          <a:off x="0" y="0"/>
-          <a:ext cx="0" cy="0"/>
-          <a:chOff x="0" y="0"/>
-          <a:chExt cx="0" cy="0"/>
-        </a:xfrm>
-      </p:grpSpPr>
-      <p:sp>
-        <p:nvSpPr>
-          <p:cNvPr id="8" name="Title 7">
-            <a:extLst>
-              <a:ext uri="{FF2B5EF4-FFF2-40B4-BE49-F238E27FC236}">
-                <a16:creationId xmlns:a16="http://schemas.microsoft.com/office/drawing/2014/main" id="{197044C3-CD23-D844-B780-26FABA91AD0F}"/>
-              </a:ext>
-            </a:extLst>
-          </p:cNvPr>
-          <p:cNvSpPr>
-            <a:spLocks noGrp="1"/>
-          </p:cNvSpPr>
-          <p:nvPr>
-            <p:ph type="title"/>
-          </p:nvPr>
-        </p:nvSpPr>
-        <p:spPr/>
-        <p:txBody>
-          <a:bodyPr/>
-          <a:lstStyle/>
-          <a:p>
-            <a:pPr lvl="0"/>
-            <a:r>
-              <a:rPr lang="en-US" dirty="0"/>
-              <a:t>Installing TypeScript to your computer</a:t>
-            </a:r>
-            <a:endParaRPr lang="fi-FI" dirty="0"/>
-          </a:p>
-        </p:txBody>
-      </p:sp>
-      <p:sp>
-        <p:nvSpPr>
-          <p:cNvPr id="9" name="Content Placeholder 8">
-            <a:extLst>
-              <a:ext uri="{FF2B5EF4-FFF2-40B4-BE49-F238E27FC236}">
-                <a16:creationId xmlns:a16="http://schemas.microsoft.com/office/drawing/2014/main" id="{ACDE61D8-A75A-F94B-B57A-46F276C03311}"/>
-              </a:ext>
-            </a:extLst>
-          </p:cNvPr>
-          <p:cNvSpPr>
-            <a:spLocks noGrp="1"/>
-          </p:cNvSpPr>
-          <p:nvPr>
-            <p:ph sz="half" idx="2"/>
-          </p:nvPr>
-        </p:nvSpPr>
-        <p:spPr>
-          <a:xfrm>
-            <a:off x="550864" y="1295074"/>
-            <a:ext cx="11125198" cy="4759498"/>
-          </a:xfrm>
-        </p:spPr>
-        <p:txBody>
-          <a:bodyPr>
-            <a:normAutofit/>
-          </a:bodyPr>
-          <a:lstStyle/>
-          <a:p>
-            <a:r>
-              <a:rPr lang="en-US" dirty="0"/>
-              <a:t>Assuming you have Node.js already installed to your computer, continue by installing TypeScript, e.g. this might be the correct command:</a:t>
-            </a:r>
-          </a:p>
-          <a:p>
-            <a:pPr marL="0" indent="0">
-              <a:buNone/>
-            </a:pPr>
-            <a:r>
-              <a:rPr lang="en-US" dirty="0">
-                <a:latin typeface="Consolas" panose="020B0609020204030204" pitchFamily="49" charset="0"/>
-              </a:rPr>
-              <a:t>&gt; </a:t>
-            </a:r>
-            <a:r>
-              <a:rPr lang="en-US" dirty="0" err="1">
-                <a:latin typeface="Consolas" panose="020B0609020204030204" pitchFamily="49" charset="0"/>
-              </a:rPr>
-              <a:t>npm</a:t>
-            </a:r>
-            <a:r>
-              <a:rPr lang="en-US" dirty="0">
-                <a:latin typeface="Consolas" panose="020B0609020204030204" pitchFamily="49" charset="0"/>
-              </a:rPr>
-              <a:t> </a:t>
-            </a:r>
-            <a:r>
-              <a:rPr lang="en-US" dirty="0" err="1">
-                <a:latin typeface="Consolas" panose="020B0609020204030204" pitchFamily="49" charset="0"/>
-              </a:rPr>
-              <a:t>i</a:t>
-            </a:r>
-            <a:r>
-              <a:rPr lang="en-US" dirty="0">
-                <a:latin typeface="Consolas" panose="020B0609020204030204" pitchFamily="49" charset="0"/>
-              </a:rPr>
-              <a:t> --save -g typescript @types/node</a:t>
-            </a:r>
-          </a:p>
-        </p:txBody>
-      </p:sp>
-      <p:sp>
-        <p:nvSpPr>
-          <p:cNvPr id="5" name="Date Placeholder 4">
-            <a:extLst>
-              <a:ext uri="{FF2B5EF4-FFF2-40B4-BE49-F238E27FC236}">
-                <a16:creationId xmlns:a16="http://schemas.microsoft.com/office/drawing/2014/main" id="{976244E2-AA76-2742-B2EC-FEC79276155C}"/>
-              </a:ext>
-            </a:extLst>
-          </p:cNvPr>
-          <p:cNvSpPr>
-            <a:spLocks noGrp="1"/>
-          </p:cNvSpPr>
-          <p:nvPr>
-            <p:ph type="dt" sz="half" idx="10"/>
-          </p:nvPr>
-        </p:nvSpPr>
-        <p:spPr/>
-        <p:txBody>
-          <a:bodyPr/>
-          <a:lstStyle/>
-          <a:p>
-            <a:fld id="{202E1EC2-47B8-044B-A09E-6A63B4D80C87}" type="datetime1">
-              <a:rPr lang="fi-FI" smtClean="0"/>
-              <a:t>2.10.2024</a:t>
-            </a:fld>
-            <a:endParaRPr lang="en-GB"/>
-          </a:p>
-        </p:txBody>
-      </p:sp>
-      <p:sp>
-        <p:nvSpPr>
-          <p:cNvPr id="6" name="Footer Placeholder 5">
-            <a:extLst>
-              <a:ext uri="{FF2B5EF4-FFF2-40B4-BE49-F238E27FC236}">
-                <a16:creationId xmlns:a16="http://schemas.microsoft.com/office/drawing/2014/main" id="{588CE607-4137-8840-8FEA-42EAC857E3A3}"/>
-              </a:ext>
-            </a:extLst>
-          </p:cNvPr>
-          <p:cNvSpPr>
-            <a:spLocks noGrp="1"/>
-          </p:cNvSpPr>
-          <p:nvPr>
-            <p:ph type="ftr" sz="quarter" idx="11"/>
-          </p:nvPr>
-        </p:nvSpPr>
-        <p:spPr/>
-        <p:txBody>
-          <a:bodyPr/>
-          <a:lstStyle/>
-          <a:p>
-            <a:endParaRPr lang="en-GB"/>
-          </a:p>
-        </p:txBody>
-      </p:sp>
-      <p:sp>
-        <p:nvSpPr>
-          <p:cNvPr id="7" name="Slide Number Placeholder 6">
-            <a:extLst>
-              <a:ext uri="{FF2B5EF4-FFF2-40B4-BE49-F238E27FC236}">
-                <a16:creationId xmlns:a16="http://schemas.microsoft.com/office/drawing/2014/main" id="{2E133A96-6C73-0844-B8CB-27C2B5F4CFB1}"/>
-              </a:ext>
-            </a:extLst>
-          </p:cNvPr>
-          <p:cNvSpPr>
-            <a:spLocks noGrp="1"/>
-          </p:cNvSpPr>
-          <p:nvPr>
-            <p:ph type="sldNum" sz="quarter" idx="12"/>
-          </p:nvPr>
-        </p:nvSpPr>
-        <p:spPr/>
-        <p:txBody>
-          <a:bodyPr/>
-          <a:lstStyle/>
-          <a:p>
-            <a:fld id="{76BAB7ED-EDE9-4D4B-9A2D-30E18C47C16E}" type="slidenum">
-              <a:rPr lang="en-GB" smtClean="0"/>
-              <a:t>3</a:t>
-            </a:fld>
-            <a:endParaRPr lang="en-GB"/>
-          </a:p>
-        </p:txBody>
-      </p:sp>
-    </p:spTree>
-    <p:extLst>
-      <p:ext uri="{BB962C8B-B14F-4D97-AF65-F5344CB8AC3E}">
-        <p14:creationId xmlns:p14="http://schemas.microsoft.com/office/powerpoint/2010/main" val="2821324429"/>
+        <p14:creationId xmlns:p14="http://schemas.microsoft.com/office/powerpoint/2010/main" val="208754456"/>
       </p:ext>
     </p:extLst>
   </p:cSld>
@@ -8621,7 +12458,7 @@
             <a:pPr lvl="0"/>
             <a:r>
               <a:rPr lang="en-US" dirty="0"/>
-              <a:t>Starting to turn JavaScript project to TypeScript</a:t>
+              <a:t>Installing TypeScript to your computer</a:t>
             </a:r>
             <a:endParaRPr lang="fi-FI" dirty="0"/>
           </a:p>
@@ -8657,7 +12494,42 @@
           <a:p>
             <a:r>
               <a:rPr lang="en-US" dirty="0"/>
-              <a:t>…</a:t>
+              <a:t>Assuming you have Node.js already installed to your computer, continue by installing TypeScript, e.g. this might be the correct command:</a:t>
+            </a:r>
+          </a:p>
+          <a:p>
+            <a:pPr marL="0" indent="0">
+              <a:buNone/>
+            </a:pPr>
+            <a:r>
+              <a:rPr lang="en-US" dirty="0">
+                <a:latin typeface="Consolas" panose="020B0609020204030204" pitchFamily="49" charset="0"/>
+              </a:rPr>
+              <a:t>&gt; </a:t>
+            </a:r>
+            <a:r>
+              <a:rPr lang="en-US" dirty="0" err="1">
+                <a:latin typeface="Consolas" panose="020B0609020204030204" pitchFamily="49" charset="0"/>
+              </a:rPr>
+              <a:t>npm</a:t>
+            </a:r>
+            <a:r>
+              <a:rPr lang="en-US" dirty="0">
+                <a:latin typeface="Consolas" panose="020B0609020204030204" pitchFamily="49" charset="0"/>
+              </a:rPr>
+              <a:t> </a:t>
+            </a:r>
+            <a:r>
+              <a:rPr lang="en-US" dirty="0" err="1">
+                <a:latin typeface="Consolas" panose="020B0609020204030204" pitchFamily="49" charset="0"/>
+              </a:rPr>
+              <a:t>i</a:t>
+            </a:r>
+            <a:r>
+              <a:rPr lang="en-US" dirty="0">
+                <a:latin typeface="Consolas" panose="020B0609020204030204" pitchFamily="49" charset="0"/>
+              </a:rPr>
+              <a:t> --save -g typescript @types/node</a:t>
             </a:r>
           </a:p>
         </p:txBody>
@@ -8685,7 +12557,7 @@
           <a:p>
             <a:fld id="{202E1EC2-47B8-044B-A09E-6A63B4D80C87}" type="datetime1">
               <a:rPr lang="fi-FI" smtClean="0"/>
-              <a:t>2.10.2024</a:t>
+              <a:t>3.10.2024</a:t>
             </a:fld>
             <a:endParaRPr lang="en-GB"/>
           </a:p>
@@ -8748,7 +12620,7 @@
     </p:spTree>
     <p:extLst>
       <p:ext uri="{BB962C8B-B14F-4D97-AF65-F5344CB8AC3E}">
-        <p14:creationId xmlns:p14="http://schemas.microsoft.com/office/powerpoint/2010/main" val="702849068"/>
+        <p14:creationId xmlns:p14="http://schemas.microsoft.com/office/powerpoint/2010/main" val="2821324429"/>
       </p:ext>
     </p:extLst>
   </p:cSld>
@@ -8799,7 +12671,7 @@
             <a:pPr lvl="0"/>
             <a:r>
               <a:rPr lang="en-US" dirty="0"/>
-              <a:t>Initialize the (former JS?) project as TS project</a:t>
+              <a:t>Starting to turn JavaScript project to TypeScript</a:t>
             </a:r>
             <a:endParaRPr lang="fi-FI" dirty="0"/>
           </a:p>
@@ -8833,49 +12705,9 @@
           </a:bodyPr>
           <a:lstStyle/>
           <a:p>
-            <a:pPr marL="0" indent="0">
-              <a:buNone/>
-            </a:pPr>
-            <a:r>
-              <a:rPr lang="en-US" dirty="0">
-                <a:latin typeface="Consolas" panose="020B0609020204030204" pitchFamily="49" charset="0"/>
-              </a:rPr>
-              <a:t>&gt; </a:t>
-            </a:r>
-            <a:r>
-              <a:rPr lang="en-US" dirty="0" err="1">
-                <a:latin typeface="Consolas" panose="020B0609020204030204" pitchFamily="49" charset="0"/>
-              </a:rPr>
-              <a:t>tsc</a:t>
-            </a:r>
-            <a:r>
-              <a:rPr lang="en-US" dirty="0">
-                <a:latin typeface="Consolas" panose="020B0609020204030204" pitchFamily="49" charset="0"/>
-              </a:rPr>
-              <a:t> </a:t>
-            </a:r>
-            <a:r>
-              <a:rPr lang="en-US" dirty="0" err="1">
-                <a:latin typeface="Consolas" panose="020B0609020204030204" pitchFamily="49" charset="0"/>
-              </a:rPr>
-              <a:t>init</a:t>
-            </a:r>
-            <a:endParaRPr lang="en-US" dirty="0">
-              <a:latin typeface="Consolas" panose="020B0609020204030204" pitchFamily="49" charset="0"/>
-            </a:endParaRPr>
-          </a:p>
-          <a:p>
             <a:r>
               <a:rPr lang="en-US" dirty="0"/>
-              <a:t>Creates the </a:t>
-            </a:r>
-            <a:r>
-              <a:rPr lang="en-US" dirty="0" err="1"/>
-              <a:t>tsconfig.json</a:t>
-            </a:r>
-            <a:r>
-              <a:rPr lang="en-US" dirty="0"/>
-              <a:t> file to the project root</a:t>
+              <a:t>… or starting TypeScript project from zero (basically same steps!)</a:t>
             </a:r>
           </a:p>
         </p:txBody>
@@ -8903,7 +12735,7 @@
           <a:p>
             <a:fld id="{202E1EC2-47B8-044B-A09E-6A63B4D80C87}" type="datetime1">
               <a:rPr lang="fi-FI" smtClean="0"/>
-              <a:t>2.10.2024</a:t>
+              <a:t>3.10.2024</a:t>
             </a:fld>
             <a:endParaRPr lang="en-GB"/>
           </a:p>
@@ -8966,7 +12798,7 @@
     </p:spTree>
     <p:extLst>
       <p:ext uri="{BB962C8B-B14F-4D97-AF65-F5344CB8AC3E}">
-        <p14:creationId xmlns:p14="http://schemas.microsoft.com/office/powerpoint/2010/main" val="1715487246"/>
+        <p14:creationId xmlns:p14="http://schemas.microsoft.com/office/powerpoint/2010/main" val="702849068"/>
       </p:ext>
     </p:extLst>
   </p:cSld>
@@ -9016,12 +12848,8 @@
           <a:p>
             <a:pPr lvl="0"/>
             <a:r>
-              <a:rPr lang="en-US" dirty="0" err="1"/>
-              <a:t>tsconfig.json</a:t>
-            </a:r>
-            <a:r>
               <a:rPr lang="en-US" dirty="0"/>
-              <a:t> file:</a:t>
+              <a:t>Initialize the (former JS?) project as TS project</a:t>
             </a:r>
             <a:endParaRPr lang="fi-FI" dirty="0"/>
           </a:p>
@@ -9055,55 +12883,49 @@
           </a:bodyPr>
           <a:lstStyle/>
           <a:p>
+            <a:pPr marL="0" indent="0">
+              <a:buNone/>
+            </a:pPr>
+            <a:r>
+              <a:rPr lang="en-US" dirty="0">
+                <a:latin typeface="Consolas" panose="020B0609020204030204" pitchFamily="49" charset="0"/>
+              </a:rPr>
+              <a:t>&gt; </a:t>
+            </a:r>
+            <a:r>
+              <a:rPr lang="en-US" dirty="0" err="1">
+                <a:latin typeface="Consolas" panose="020B0609020204030204" pitchFamily="49" charset="0"/>
+              </a:rPr>
+              <a:t>tsc</a:t>
+            </a:r>
+            <a:r>
+              <a:rPr lang="en-US" dirty="0">
+                <a:latin typeface="Consolas" panose="020B0609020204030204" pitchFamily="49" charset="0"/>
+              </a:rPr>
+              <a:t> </a:t>
+            </a:r>
+            <a:r>
+              <a:rPr lang="en-US" dirty="0" err="1">
+                <a:latin typeface="Consolas" panose="020B0609020204030204" pitchFamily="49" charset="0"/>
+              </a:rPr>
+              <a:t>init</a:t>
+            </a:r>
+            <a:endParaRPr lang="en-US" dirty="0">
+              <a:latin typeface="Consolas" panose="020B0609020204030204" pitchFamily="49" charset="0"/>
+            </a:endParaRPr>
+          </a:p>
+          <a:p>
             <a:r>
               <a:rPr lang="en-US" dirty="0"/>
-              <a:t>E.g. </a:t>
-            </a:r>
-          </a:p>
-          <a:p>
+              <a:t>Creates the </a:t>
+            </a:r>
+            <a:r>
+              <a:rPr lang="en-US" dirty="0" err="1"/>
+              <a:t>tsconfig.json</a:t>
+            </a:r>
             <a:r>
               <a:rPr lang="en-US" dirty="0"/>
-              <a:t>source folder (for TS files)</a:t>
-            </a:r>
-          </a:p>
-          <a:p>
-            <a:r>
-              <a:rPr lang="en-US" dirty="0"/>
-              <a:t>Output/</a:t>
-            </a:r>
-            <a:r>
-              <a:rPr lang="en-US" dirty="0" err="1"/>
-              <a:t>dist</a:t>
-            </a:r>
-            <a:r>
-              <a:rPr lang="en-US" dirty="0"/>
-              <a:t> folder (for compiled JS files)</a:t>
-            </a:r>
-          </a:p>
-          <a:p>
-            <a:r>
-              <a:rPr lang="en-US" dirty="0"/>
-              <a:t>How strict TypeScript required/followed?</a:t>
-            </a:r>
-          </a:p>
-          <a:p>
-            <a:r>
-              <a:rPr lang="en-US" dirty="0"/>
-              <a:t>What version of ES should the output be?  ES 2020?</a:t>
-            </a:r>
-          </a:p>
-          <a:p>
-            <a:r>
-              <a:rPr lang="en-US" dirty="0"/>
-              <a:t>The module mechanism to use?  e.g. export/import instead of </a:t>
-            </a:r>
-            <a:r>
-              <a:rPr lang="en-US" dirty="0" err="1"/>
-              <a:t>module.exports</a:t>
-            </a:r>
-            <a:r>
-              <a:rPr lang="en-US" dirty="0"/>
-              <a:t>/require</a:t>
+              <a:t> file to the project root</a:t>
             </a:r>
           </a:p>
         </p:txBody>
@@ -9131,7 +12953,7 @@
           <a:p>
             <a:fld id="{202E1EC2-47B8-044B-A09E-6A63B4D80C87}" type="datetime1">
               <a:rPr lang="fi-FI" smtClean="0"/>
-              <a:t>2.10.2024</a:t>
+              <a:t>3.10.2024</a:t>
             </a:fld>
             <a:endParaRPr lang="en-GB"/>
           </a:p>
@@ -9194,7 +13016,7 @@
     </p:spTree>
     <p:extLst>
       <p:ext uri="{BB962C8B-B14F-4D97-AF65-F5344CB8AC3E}">
-        <p14:creationId xmlns:p14="http://schemas.microsoft.com/office/powerpoint/2010/main" val="1845058198"/>
+        <p14:creationId xmlns:p14="http://schemas.microsoft.com/office/powerpoint/2010/main" val="1715487246"/>
       </p:ext>
     </p:extLst>
   </p:cSld>
@@ -9245,27 +13067,11 @@
             <a:pPr lvl="0"/>
             <a:r>
               <a:rPr lang="en-US" dirty="0" err="1"/>
-              <a:t>Package.json</a:t>
+              <a:t>tsconfig.json</a:t>
             </a:r>
             <a:r>
               <a:rPr lang="en-US" dirty="0"/>
-              <a:t> </a:t>
-            </a:r>
-            <a:r>
-              <a:rPr lang="en-US" dirty="0" err="1"/>
-              <a:t>npm</a:t>
-            </a:r>
-            <a:r>
-              <a:rPr lang="en-US" dirty="0"/>
-              <a:t> run/build </a:t>
-            </a:r>
-            <a:r>
-              <a:rPr lang="en-US" dirty="0" err="1"/>
-              <a:t>etc</a:t>
-            </a:r>
-            <a:r>
-              <a:rPr lang="en-US" dirty="0"/>
-              <a:t> scripts changed </a:t>
+              <a:t> file:</a:t>
             </a:r>
             <a:endParaRPr lang="fi-FI" dirty="0"/>
           </a:p>
@@ -9301,45 +13107,53 @@
           <a:p>
             <a:r>
               <a:rPr lang="en-US" dirty="0"/>
-              <a:t>…scripts won’t be using JS tools anymore, but use TS tools like </a:t>
+              <a:t>E.g. </a:t>
+            </a:r>
+          </a:p>
+          <a:p>
+            <a:r>
+              <a:rPr lang="en-US" dirty="0"/>
+              <a:t>source folder (for TS files)</a:t>
+            </a:r>
+          </a:p>
+          <a:p>
+            <a:r>
+              <a:rPr lang="en-US" dirty="0"/>
+              <a:t>Output / </a:t>
             </a:r>
             <a:r>
               <a:rPr lang="en-US" dirty="0" err="1"/>
-              <a:t>tsc</a:t>
+              <a:t>dist</a:t>
             </a:r>
             <a:r>
               <a:rPr lang="en-US" dirty="0"/>
-              <a:t> compiler</a:t>
+              <a:t> folder (for compiled JS files)</a:t>
             </a:r>
           </a:p>
           <a:p>
             <a:r>
               <a:rPr lang="en-US" dirty="0"/>
-              <a:t>Or e.g. </a:t>
+              <a:t>How strict TypeScript should be required/followed?</a:t>
+            </a:r>
+          </a:p>
+          <a:p>
+            <a:r>
+              <a:rPr lang="en-US" dirty="0"/>
+              <a:t>What version of ES should the output be?  ES 2020?</a:t>
+            </a:r>
+          </a:p>
+          <a:p>
+            <a:r>
+              <a:rPr lang="en-US" dirty="0"/>
+              <a:t>The module mechanism to use?  e.g. export/import instead of </a:t>
             </a:r>
             <a:r>
               <a:rPr lang="en-US" dirty="0" err="1"/>
-              <a:t>ts</a:t>
+              <a:t>module.exports</a:t>
             </a:r>
             <a:r>
               <a:rPr lang="en-US" dirty="0"/>
-              <a:t>-watch could look for changing .</a:t>
-            </a:r>
-            <a:r>
-              <a:rPr lang="en-US" dirty="0" err="1"/>
-              <a:t>ts</a:t>
-            </a:r>
-            <a:r>
-              <a:rPr lang="en-US" dirty="0"/>
-              <a:t> files and compile them automatically to .</a:t>
-            </a:r>
-            <a:r>
-              <a:rPr lang="en-US" dirty="0" err="1"/>
-              <a:t>js</a:t>
-            </a:r>
-            <a:r>
-              <a:rPr lang="en-US" dirty="0"/>
-              <a:t> files</a:t>
+              <a:t>/require</a:t>
             </a:r>
           </a:p>
         </p:txBody>
@@ -9367,7 +13181,7 @@
           <a:p>
             <a:fld id="{202E1EC2-47B8-044B-A09E-6A63B4D80C87}" type="datetime1">
               <a:rPr lang="fi-FI" smtClean="0"/>
-              <a:t>2.10.2024</a:t>
+              <a:t>3.10.2024</a:t>
             </a:fld>
             <a:endParaRPr lang="en-GB"/>
           </a:p>
@@ -9430,7 +13244,7 @@
     </p:spTree>
     <p:extLst>
       <p:ext uri="{BB962C8B-B14F-4D97-AF65-F5344CB8AC3E}">
-        <p14:creationId xmlns:p14="http://schemas.microsoft.com/office/powerpoint/2010/main" val="3263424136"/>
+        <p14:creationId xmlns:p14="http://schemas.microsoft.com/office/powerpoint/2010/main" val="1845058198"/>
       </p:ext>
     </p:extLst>
   </p:cSld>
@@ -9480,20 +13294,28 @@
           <a:p>
             <a:pPr lvl="0"/>
             <a:r>
+              <a:rPr lang="en-US" dirty="0" err="1"/>
+              <a:t>Package.json</a:t>
+            </a:r>
+            <a:r>
               <a:rPr lang="en-US" dirty="0"/>
-              <a:t>Renaming source files from .</a:t>
+              <a:t> </a:t>
             </a:r>
             <a:r>
               <a:rPr lang="en-US" dirty="0" err="1"/>
-              <a:t>js</a:t>
+              <a:t>npm</a:t>
             </a:r>
             <a:r>
               <a:rPr lang="en-US" dirty="0"/>
-              <a:t> to .</a:t>
+              <a:t> run/build </a:t>
             </a:r>
             <a:r>
               <a:rPr lang="en-US" dirty="0" err="1"/>
-              <a:t>ts</a:t>
+              <a:t>etc</a:t>
+            </a:r>
+            <a:r>
+              <a:rPr lang="en-US" dirty="0"/>
+              <a:t> scripts changed </a:t>
             </a:r>
             <a:endParaRPr lang="fi-FI" dirty="0"/>
           </a:p>
@@ -9529,7 +13351,45 @@
           <a:p>
             <a:r>
               <a:rPr lang="en-US" dirty="0"/>
-              <a:t>… and start using TypeScript features (e.g. according to the list on course materials)</a:t>
+              <a:t>…scripts won’t be using JS tools anymore, but use TS tools like </a:t>
+            </a:r>
+            <a:r>
+              <a:rPr lang="en-US" dirty="0" err="1"/>
+              <a:t>tsc</a:t>
+            </a:r>
+            <a:r>
+              <a:rPr lang="en-US" dirty="0"/>
+              <a:t> compiler</a:t>
+            </a:r>
+          </a:p>
+          <a:p>
+            <a:r>
+              <a:rPr lang="en-US" dirty="0"/>
+              <a:t>Or e.g. </a:t>
+            </a:r>
+            <a:r>
+              <a:rPr lang="en-US" dirty="0" err="1"/>
+              <a:t>tsc</a:t>
+            </a:r>
+            <a:r>
+              <a:rPr lang="en-US" dirty="0"/>
+              <a:t>-watch could look for changing .</a:t>
+            </a:r>
+            <a:r>
+              <a:rPr lang="en-US" dirty="0" err="1"/>
+              <a:t>ts</a:t>
+            </a:r>
+            <a:r>
+              <a:rPr lang="en-US" dirty="0"/>
+              <a:t> files and compile them automatically to .</a:t>
+            </a:r>
+            <a:r>
+              <a:rPr lang="en-US" dirty="0" err="1"/>
+              <a:t>js</a:t>
+            </a:r>
+            <a:r>
+              <a:rPr lang="en-US" dirty="0"/>
+              <a:t> files</a:t>
             </a:r>
           </a:p>
         </p:txBody>
@@ -9557,7 +13417,7 @@
           <a:p>
             <a:fld id="{202E1EC2-47B8-044B-A09E-6A63B4D80C87}" type="datetime1">
               <a:rPr lang="fi-FI" smtClean="0"/>
-              <a:t>2.10.2024</a:t>
+              <a:t>3.10.2024</a:t>
             </a:fld>
             <a:endParaRPr lang="en-GB"/>
           </a:p>
@@ -9620,7 +13480,7 @@
     </p:spTree>
     <p:extLst>
       <p:ext uri="{BB962C8B-B14F-4D97-AF65-F5344CB8AC3E}">
-        <p14:creationId xmlns:p14="http://schemas.microsoft.com/office/powerpoint/2010/main" val="663343295"/>
+        <p14:creationId xmlns:p14="http://schemas.microsoft.com/office/powerpoint/2010/main" val="3263424136"/>
       </p:ext>
     </p:extLst>
   </p:cSld>
@@ -9671,9 +13531,56 @@
             <a:pPr lvl="0"/>
             <a:r>
               <a:rPr lang="en-US" dirty="0"/>
-              <a:t>Run some checker that forces to 1. use TS features and 2. to use them correctly</a:t>
+              <a:t>Renaming source files from .</a:t>
+            </a:r>
+            <a:r>
+              <a:rPr lang="en-US" dirty="0" err="1"/>
+              <a:t>js</a:t>
+            </a:r>
+            <a:r>
+              <a:rPr lang="en-US" dirty="0"/>
+              <a:t> to .</a:t>
+            </a:r>
+            <a:r>
+              <a:rPr lang="en-US" dirty="0" err="1"/>
+              <a:t>ts</a:t>
             </a:r>
             <a:endParaRPr lang="fi-FI" dirty="0"/>
+          </a:p>
+        </p:txBody>
+      </p:sp>
+      <p:sp>
+        <p:nvSpPr>
+          <p:cNvPr id="9" name="Content Placeholder 8">
+            <a:extLst>
+              <a:ext uri="{FF2B5EF4-FFF2-40B4-BE49-F238E27FC236}">
+                <a16:creationId xmlns:a16="http://schemas.microsoft.com/office/drawing/2014/main" id="{ACDE61D8-A75A-F94B-B57A-46F276C03311}"/>
+              </a:ext>
+            </a:extLst>
+          </p:cNvPr>
+          <p:cNvSpPr>
+            <a:spLocks noGrp="1"/>
+          </p:cNvSpPr>
+          <p:nvPr>
+            <p:ph sz="half" idx="2"/>
+          </p:nvPr>
+        </p:nvSpPr>
+        <p:spPr>
+          <a:xfrm>
+            <a:off x="550864" y="1295074"/>
+            <a:ext cx="11125198" cy="4759498"/>
+          </a:xfrm>
+        </p:spPr>
+        <p:txBody>
+          <a:bodyPr>
+            <a:normAutofit/>
+          </a:bodyPr>
+          <a:lstStyle/>
+          <a:p>
+            <a:r>
+              <a:rPr lang="en-US" dirty="0"/>
+              <a:t>… and start using TypeScript / ECMAScript features (e.g. according to the list on course materials)</a:t>
+            </a:r>
           </a:p>
         </p:txBody>
       </p:sp>
@@ -9700,7 +13607,7 @@
           <a:p>
             <a:fld id="{202E1EC2-47B8-044B-A09E-6A63B4D80C87}" type="datetime1">
               <a:rPr lang="fi-FI" smtClean="0"/>
-              <a:t>2.10.2024</a:t>
+              <a:t>3.10.2024</a:t>
             </a:fld>
             <a:endParaRPr lang="en-GB"/>
           </a:p>
@@ -9760,2253 +13667,10 @@
           </a:p>
         </p:txBody>
       </p:sp>
-      <p:sp>
-        <p:nvSpPr>
-          <p:cNvPr id="4" name="Rectangle 3">
-            <a:extLst>
-              <a:ext uri="{FF2B5EF4-FFF2-40B4-BE49-F238E27FC236}">
-                <a16:creationId xmlns:a16="http://schemas.microsoft.com/office/drawing/2014/main" id="{C7A12394-ED83-A1B5-EE59-DD745C6B124F}"/>
-              </a:ext>
-            </a:extLst>
-          </p:cNvPr>
-          <p:cNvSpPr>
-            <a:spLocks noChangeArrowheads="1"/>
-          </p:cNvSpPr>
-          <p:nvPr/>
-        </p:nvSpPr>
-        <p:spPr bwMode="auto">
-          <a:xfrm>
-            <a:off x="319596" y="2040615"/>
-            <a:ext cx="11762913" cy="3693319"/>
-          </a:xfrm>
-          <a:prstGeom prst="rect">
-            <a:avLst/>
-          </a:prstGeom>
-          <a:noFill/>
-          <a:ln>
-            <a:noFill/>
-          </a:ln>
-          <a:effectLst/>
-          <a:extLst>
-            <a:ext uri="{909E8E84-426E-40DD-AFC4-6F175D3DCCD1}">
-              <a14:hiddenFill xmlns:a14="http://schemas.microsoft.com/office/drawing/2010/main">
-                <a:solidFill>
-                  <a:schemeClr val="accent1"/>
-                </a:solidFill>
-              </a14:hiddenFill>
-            </a:ext>
-            <a:ext uri="{91240B29-F687-4F45-9708-019B960494DF}">
-              <a14:hiddenLine xmlns:a14="http://schemas.microsoft.com/office/drawing/2010/main" w="9525">
-                <a:solidFill>
-                  <a:schemeClr val="tx1"/>
-                </a:solidFill>
-                <a:miter lim="800000"/>
-                <a:headEnd/>
-                <a:tailEnd/>
-              </a14:hiddenLine>
-            </a:ext>
-            <a:ext uri="{AF507438-7753-43E0-B8FC-AC1667EBCBE1}">
-              <a14:hiddenEffects xmlns:a14="http://schemas.microsoft.com/office/drawing/2010/main">
-                <a:effectLst>
-                  <a:outerShdw dist="35921" dir="2700000" algn="ctr" rotWithShape="0">
-                    <a:schemeClr val="bg2"/>
-                  </a:outerShdw>
-                </a:effectLst>
-              </a14:hiddenEffects>
-            </a:ext>
-          </a:extLst>
-        </p:spPr>
-        <p:txBody>
-          <a:bodyPr vert="horz" wrap="square" lIns="91440" tIns="45720" rIns="91440" bIns="45720" numCol="1" anchor="ctr" anchorCtr="0" compatLnSpc="1">
-            <a:prstTxWarp prst="textNoShape">
-              <a:avLst/>
-            </a:prstTxWarp>
-            <a:spAutoFit/>
-          </a:bodyPr>
-          <a:lstStyle/>
-          <a:p>
-            <a:pPr marL="0" marR="0" lvl="0" indent="0" algn="l" defTabSz="914400" rtl="0" eaLnBrk="0" fontAlgn="base" latinLnBrk="0" hangingPunct="0">
-              <a:lnSpc>
-                <a:spcPct val="100000"/>
-              </a:lnSpc>
-              <a:spcBef>
-                <a:spcPct val="0"/>
-              </a:spcBef>
-              <a:spcAft>
-                <a:spcPct val="0"/>
-              </a:spcAft>
-              <a:buClrTx/>
-              <a:buSzTx/>
-              <a:buFontTx/>
-              <a:buNone/>
-              <a:tabLst/>
-            </a:pPr>
-            <a:r>
-              <a:rPr kumimoji="0" lang="fi-FI" altLang="fi-FI" sz="1800" b="0" i="0" u="none" strike="noStrike" cap="none" normalizeH="0" baseline="0" dirty="0" err="1">
-                <a:ln>
-                  <a:noFill/>
-                </a:ln>
-                <a:solidFill>
-                  <a:schemeClr val="tx1"/>
-                </a:solidFill>
-                <a:effectLst/>
-                <a:latin typeface="Arial" panose="020B0604020202020204" pitchFamily="34" charset="0"/>
-              </a:rPr>
-              <a:t>This</a:t>
-            </a:r>
-            <a:r>
-              <a:rPr kumimoji="0" lang="fi-FI" altLang="fi-FI" sz="1800" b="0" i="0" u="none" strike="noStrike" cap="none" normalizeH="0" baseline="0" dirty="0">
-                <a:ln>
-                  <a:noFill/>
-                </a:ln>
-                <a:solidFill>
-                  <a:schemeClr val="tx1"/>
-                </a:solidFill>
-                <a:effectLst/>
-                <a:latin typeface="Arial" panose="020B0604020202020204" pitchFamily="34" charset="0"/>
-              </a:rPr>
-              <a:t> </a:t>
-            </a:r>
-            <a:r>
-              <a:rPr kumimoji="0" lang="fi-FI" altLang="fi-FI" sz="1800" b="0" i="0" u="none" strike="noStrike" cap="none" normalizeH="0" baseline="0" dirty="0" err="1">
-                <a:ln>
-                  <a:noFill/>
-                </a:ln>
-                <a:solidFill>
-                  <a:schemeClr val="tx1"/>
-                </a:solidFill>
-                <a:effectLst/>
-                <a:latin typeface="Arial" panose="020B0604020202020204" pitchFamily="34" charset="0"/>
-              </a:rPr>
-              <a:t>seems</a:t>
-            </a:r>
-            <a:r>
-              <a:rPr kumimoji="0" lang="fi-FI" altLang="fi-FI" sz="1800" b="0" i="0" u="none" strike="noStrike" cap="none" normalizeH="0" baseline="0" dirty="0">
-                <a:ln>
-                  <a:noFill/>
-                </a:ln>
-                <a:solidFill>
-                  <a:schemeClr val="tx1"/>
-                </a:solidFill>
-                <a:effectLst/>
-                <a:latin typeface="Arial" panose="020B0604020202020204" pitchFamily="34" charset="0"/>
-              </a:rPr>
-              <a:t> to </a:t>
-            </a:r>
-            <a:r>
-              <a:rPr kumimoji="0" lang="fi-FI" altLang="fi-FI" sz="1800" b="0" i="0" u="none" strike="noStrike" cap="none" normalizeH="0" baseline="0" dirty="0" err="1">
-                <a:ln>
-                  <a:noFill/>
-                </a:ln>
-                <a:solidFill>
-                  <a:schemeClr val="tx1"/>
-                </a:solidFill>
-                <a:effectLst/>
-                <a:latin typeface="Arial" panose="020B0604020202020204" pitchFamily="34" charset="0"/>
-              </a:rPr>
-              <a:t>be</a:t>
-            </a:r>
-            <a:r>
-              <a:rPr kumimoji="0" lang="fi-FI" altLang="fi-FI" sz="1800" b="0" i="0" u="none" strike="noStrike" cap="none" normalizeH="0" baseline="0" dirty="0">
-                <a:ln>
-                  <a:noFill/>
-                </a:ln>
-                <a:solidFill>
-                  <a:schemeClr val="tx1"/>
-                </a:solidFill>
-                <a:effectLst/>
-                <a:latin typeface="Arial" panose="020B0604020202020204" pitchFamily="34" charset="0"/>
-              </a:rPr>
-              <a:t> </a:t>
-            </a:r>
-            <a:r>
-              <a:rPr kumimoji="0" lang="fi-FI" altLang="fi-FI" sz="1800" b="0" i="0" u="none" strike="noStrike" cap="none" normalizeH="0" baseline="0" dirty="0" err="1">
-                <a:ln>
-                  <a:noFill/>
-                </a:ln>
-                <a:solidFill>
-                  <a:schemeClr val="tx1"/>
-                </a:solidFill>
-                <a:effectLst/>
-                <a:latin typeface="Arial" panose="020B0604020202020204" pitchFamily="34" charset="0"/>
-              </a:rPr>
-              <a:t>correct</a:t>
-            </a:r>
-            <a:r>
-              <a:rPr kumimoji="0" lang="fi-FI" altLang="fi-FI" sz="1800" b="0" i="0" u="none" strike="noStrike" cap="none" normalizeH="0" baseline="0" dirty="0">
-                <a:ln>
-                  <a:noFill/>
-                </a:ln>
-                <a:solidFill>
-                  <a:schemeClr val="tx1"/>
-                </a:solidFill>
-                <a:effectLst/>
-                <a:latin typeface="Arial" panose="020B0604020202020204" pitchFamily="34" charset="0"/>
-              </a:rPr>
-              <a:t> </a:t>
-            </a:r>
-            <a:r>
-              <a:rPr kumimoji="0" lang="fi-FI" altLang="fi-FI" sz="1800" b="0" i="0" u="none" strike="noStrike" cap="none" normalizeH="0" baseline="0" dirty="0" err="1">
-                <a:ln>
-                  <a:noFill/>
-                </a:ln>
-                <a:solidFill>
-                  <a:schemeClr val="tx1"/>
-                </a:solidFill>
-                <a:effectLst/>
-                <a:latin typeface="Arial" panose="020B0604020202020204" pitchFamily="34" charset="0"/>
-              </a:rPr>
-              <a:t>way</a:t>
-            </a:r>
-            <a:r>
-              <a:rPr kumimoji="0" lang="fi-FI" altLang="fi-FI" sz="1800" b="0" i="0" u="none" strike="noStrike" cap="none" normalizeH="0" baseline="0" dirty="0">
-                <a:ln>
-                  <a:noFill/>
-                </a:ln>
-                <a:solidFill>
-                  <a:schemeClr val="tx1"/>
-                </a:solidFill>
-                <a:effectLst/>
-                <a:latin typeface="Arial" panose="020B0604020202020204" pitchFamily="34" charset="0"/>
-              </a:rPr>
-              <a:t> to </a:t>
-            </a:r>
-            <a:r>
-              <a:rPr kumimoji="0" lang="fi-FI" altLang="fi-FI" sz="1800" b="0" i="0" u="none" strike="noStrike" cap="none" normalizeH="0" baseline="0" dirty="0" err="1">
-                <a:ln>
-                  <a:noFill/>
-                </a:ln>
-                <a:solidFill>
-                  <a:schemeClr val="tx1"/>
-                </a:solidFill>
-                <a:effectLst/>
-                <a:latin typeface="Arial" panose="020B0604020202020204" pitchFamily="34" charset="0"/>
-              </a:rPr>
-              <a:t>run</a:t>
-            </a:r>
-            <a:r>
-              <a:rPr kumimoji="0" lang="fi-FI" altLang="fi-FI" sz="1800" b="0" i="0" u="none" strike="noStrike" cap="none" normalizeH="0" baseline="0" dirty="0">
-                <a:ln>
-                  <a:noFill/>
-                </a:ln>
-                <a:solidFill>
-                  <a:schemeClr val="tx1"/>
-                </a:solidFill>
-                <a:effectLst/>
-                <a:latin typeface="Arial" panose="020B0604020202020204" pitchFamily="34" charset="0"/>
-              </a:rPr>
-              <a:t> </a:t>
-            </a:r>
-            <a:r>
-              <a:rPr kumimoji="0" lang="fi-FI" altLang="fi-FI" sz="1800" b="1" i="0" u="none" strike="noStrike" cap="none" normalizeH="0" baseline="0" dirty="0" err="1">
-                <a:ln>
-                  <a:noFill/>
-                </a:ln>
-                <a:solidFill>
-                  <a:schemeClr val="tx1"/>
-                </a:solidFill>
-                <a:effectLst/>
-                <a:latin typeface="Arial" panose="020B0604020202020204" pitchFamily="34" charset="0"/>
-              </a:rPr>
-              <a:t>biome</a:t>
-            </a:r>
-            <a:r>
-              <a:rPr kumimoji="0" lang="fi-FI" altLang="fi-FI" sz="1800" b="0" i="0" u="none" strike="noStrike" cap="none" normalizeH="0" baseline="0" dirty="0">
-                <a:ln>
-                  <a:noFill/>
-                </a:ln>
-                <a:solidFill>
-                  <a:schemeClr val="tx1"/>
-                </a:solidFill>
-                <a:effectLst/>
-                <a:latin typeface="Arial" panose="020B0604020202020204" pitchFamily="34" charset="0"/>
-              </a:rPr>
-              <a:t> in Windows </a:t>
-            </a:r>
-            <a:r>
-              <a:rPr kumimoji="0" lang="fi-FI" altLang="fi-FI" sz="1800" b="0" i="0" u="none" strike="noStrike" cap="none" normalizeH="0" baseline="0" dirty="0" err="1">
-                <a:ln>
-                  <a:noFill/>
-                </a:ln>
-                <a:solidFill>
-                  <a:schemeClr val="tx1"/>
-                </a:solidFill>
-                <a:effectLst/>
-                <a:latin typeface="Arial" panose="020B0604020202020204" pitchFamily="34" charset="0"/>
-              </a:rPr>
-              <a:t>computers</a:t>
-            </a:r>
-            <a:r>
-              <a:rPr kumimoji="0" lang="fi-FI" altLang="fi-FI" sz="1800" b="0" i="0" u="none" strike="noStrike" cap="none" normalizeH="0" baseline="0" dirty="0">
-                <a:ln>
-                  <a:noFill/>
-                </a:ln>
-                <a:solidFill>
-                  <a:schemeClr val="tx1"/>
-                </a:solidFill>
-                <a:effectLst/>
-                <a:latin typeface="Arial" panose="020B0604020202020204" pitchFamily="34" charset="0"/>
-              </a:rPr>
-              <a:t>, </a:t>
-            </a:r>
-            <a:r>
-              <a:rPr kumimoji="0" lang="fi-FI" altLang="fi-FI" sz="1800" b="1" i="0" u="none" strike="noStrike" cap="none" normalizeH="0" baseline="0" dirty="0" err="1">
-                <a:ln>
-                  <a:noFill/>
-                </a:ln>
-                <a:solidFill>
-                  <a:schemeClr val="tx1"/>
-                </a:solidFill>
-                <a:effectLst/>
-                <a:latin typeface="Arial" panose="020B0604020202020204" pitchFamily="34" charset="0"/>
-              </a:rPr>
-              <a:t>crlf</a:t>
-            </a:r>
-            <a:r>
-              <a:rPr kumimoji="0" lang="fi-FI" altLang="fi-FI" sz="1800" b="0" i="0" u="none" strike="noStrike" cap="none" normalizeH="0" baseline="0" dirty="0">
-                <a:ln>
-                  <a:noFill/>
-                </a:ln>
-                <a:solidFill>
-                  <a:schemeClr val="tx1"/>
-                </a:solidFill>
-                <a:effectLst/>
-                <a:latin typeface="Arial" panose="020B0604020202020204" pitchFamily="34" charset="0"/>
-              </a:rPr>
-              <a:t> : (Linux &amp; Mac: </a:t>
-            </a:r>
-            <a:r>
-              <a:rPr kumimoji="0" lang="fi-FI" altLang="fi-FI" sz="1800" b="0" i="0" u="none" strike="noStrike" cap="none" normalizeH="0" baseline="0" dirty="0" err="1">
-                <a:ln>
-                  <a:noFill/>
-                </a:ln>
-                <a:solidFill>
-                  <a:schemeClr val="tx1"/>
-                </a:solidFill>
-                <a:effectLst/>
-                <a:latin typeface="Arial" panose="020B0604020202020204" pitchFamily="34" charset="0"/>
-              </a:rPr>
-              <a:t>change</a:t>
-            </a:r>
-            <a:r>
-              <a:rPr kumimoji="0" lang="fi-FI" altLang="fi-FI" sz="1800" b="0" i="0" u="none" strike="noStrike" cap="none" normalizeH="0" baseline="0" dirty="0">
-                <a:ln>
-                  <a:noFill/>
-                </a:ln>
-                <a:solidFill>
-                  <a:schemeClr val="tx1"/>
-                </a:solidFill>
-                <a:effectLst/>
-                <a:latin typeface="Arial" panose="020B0604020202020204" pitchFamily="34" charset="0"/>
-              </a:rPr>
-              <a:t> </a:t>
-            </a:r>
-            <a:r>
-              <a:rPr kumimoji="0" lang="fi-FI" altLang="fi-FI" sz="1800" b="0" i="0" u="none" strike="noStrike" cap="none" normalizeH="0" baseline="0" dirty="0" err="1">
-                <a:ln>
-                  <a:noFill/>
-                </a:ln>
-                <a:solidFill>
-                  <a:schemeClr val="tx1"/>
-                </a:solidFill>
-                <a:effectLst/>
-                <a:latin typeface="Arial" panose="020B0604020202020204" pitchFamily="34" charset="0"/>
-              </a:rPr>
-              <a:t>crlf</a:t>
-            </a:r>
-            <a:r>
-              <a:rPr kumimoji="0" lang="fi-FI" altLang="fi-FI" sz="1800" b="0" i="0" u="none" strike="noStrike" cap="none" normalizeH="0" baseline="0" dirty="0">
-                <a:ln>
-                  <a:noFill/>
-                </a:ln>
-                <a:solidFill>
-                  <a:schemeClr val="tx1"/>
-                </a:solidFill>
-                <a:effectLst/>
-                <a:latin typeface="Arial" panose="020B0604020202020204" pitchFamily="34" charset="0"/>
-              </a:rPr>
-              <a:t> to </a:t>
-            </a:r>
-            <a:r>
-              <a:rPr kumimoji="0" lang="fi-FI" altLang="fi-FI" sz="1800" b="1" i="0" u="none" strike="noStrike" cap="none" normalizeH="0" baseline="0" dirty="0" err="1">
-                <a:ln>
-                  <a:noFill/>
-                </a:ln>
-                <a:solidFill>
-                  <a:schemeClr val="tx1"/>
-                </a:solidFill>
-                <a:effectLst/>
-                <a:latin typeface="Arial" panose="020B0604020202020204" pitchFamily="34" charset="0"/>
-              </a:rPr>
-              <a:t>cr</a:t>
-            </a:r>
-            <a:r>
-              <a:rPr kumimoji="0" lang="fi-FI" altLang="fi-FI" sz="1800" b="0" i="0" u="none" strike="noStrike" cap="none" normalizeH="0" baseline="0" dirty="0">
-                <a:ln>
-                  <a:noFill/>
-                </a:ln>
-                <a:solidFill>
-                  <a:schemeClr val="tx1"/>
-                </a:solidFill>
-                <a:effectLst/>
-                <a:latin typeface="Arial" panose="020B0604020202020204" pitchFamily="34" charset="0"/>
-              </a:rPr>
-              <a:t> )</a:t>
-            </a:r>
-          </a:p>
-          <a:p>
-            <a:pPr marL="0" marR="0" lvl="0" indent="0" algn="l" defTabSz="914400" rtl="0" eaLnBrk="0" fontAlgn="base" latinLnBrk="0" hangingPunct="0">
-              <a:lnSpc>
-                <a:spcPct val="100000"/>
-              </a:lnSpc>
-              <a:spcBef>
-                <a:spcPct val="0"/>
-              </a:spcBef>
-              <a:spcAft>
-                <a:spcPct val="0"/>
-              </a:spcAft>
-              <a:buClrTx/>
-              <a:buSzTx/>
-              <a:buFontTx/>
-              <a:buNone/>
-              <a:tabLst/>
-            </a:pPr>
-            <a:endParaRPr kumimoji="0" lang="fi-FI" altLang="fi-FI" sz="1800" b="0" i="0" u="none" strike="noStrike" cap="none" normalizeH="0" baseline="0" dirty="0">
-              <a:ln>
-                <a:noFill/>
-              </a:ln>
-              <a:solidFill>
-                <a:schemeClr val="tx1"/>
-              </a:solidFill>
-              <a:effectLst/>
-              <a:latin typeface="Arial" panose="020B0604020202020204" pitchFamily="34" charset="0"/>
-            </a:endParaRPr>
-          </a:p>
-          <a:p>
-            <a:pPr marL="0" marR="0" lvl="0" indent="0" algn="l" defTabSz="914400" rtl="0" eaLnBrk="0" fontAlgn="base" latinLnBrk="0" hangingPunct="0">
-              <a:lnSpc>
-                <a:spcPct val="100000"/>
-              </a:lnSpc>
-              <a:spcBef>
-                <a:spcPct val="0"/>
-              </a:spcBef>
-              <a:spcAft>
-                <a:spcPct val="0"/>
-              </a:spcAft>
-              <a:buClrTx/>
-              <a:buSzTx/>
-              <a:buFontTx/>
-              <a:buAutoNum type="arabicPeriod"/>
-              <a:tabLst/>
-            </a:pPr>
-            <a:r>
-              <a:rPr kumimoji="0" lang="fi-FI" altLang="fi-FI" sz="1800" b="0" i="0" u="none" strike="noStrike" cap="none" normalizeH="0" baseline="0" dirty="0">
-                <a:ln>
-                  <a:noFill/>
-                </a:ln>
-                <a:solidFill>
-                  <a:schemeClr val="tx1"/>
-                </a:solidFill>
-                <a:effectLst/>
-                <a:latin typeface="Arial" panose="020B0604020202020204" pitchFamily="34" charset="0"/>
-              </a:rPr>
-              <a:t> </a:t>
-            </a:r>
-            <a:r>
-              <a:rPr kumimoji="0" lang="fi-FI" altLang="fi-FI" sz="1800" b="0" i="0" u="none" strike="noStrike" cap="none" normalizeH="0" baseline="0" dirty="0" err="1">
-                <a:ln>
-                  <a:noFill/>
-                </a:ln>
-                <a:solidFill>
-                  <a:schemeClr val="tx1"/>
-                </a:solidFill>
-                <a:effectLst/>
-                <a:latin typeface="Arial" panose="020B0604020202020204" pitchFamily="34" charset="0"/>
-              </a:rPr>
-              <a:t>First</a:t>
-            </a:r>
-            <a:r>
-              <a:rPr kumimoji="0" lang="fi-FI" altLang="fi-FI" sz="1800" b="0" i="0" u="none" strike="noStrike" cap="none" normalizeH="0" baseline="0" dirty="0">
-                <a:ln>
-                  <a:noFill/>
-                </a:ln>
-                <a:solidFill>
-                  <a:schemeClr val="tx1"/>
-                </a:solidFill>
-                <a:effectLst/>
-                <a:latin typeface="Arial" panose="020B0604020202020204" pitchFamily="34" charset="0"/>
-              </a:rPr>
-              <a:t> </a:t>
-            </a:r>
-            <a:r>
-              <a:rPr kumimoji="0" lang="fi-FI" altLang="fi-FI" sz="1800" b="0" i="0" u="none" strike="noStrike" cap="none" normalizeH="0" baseline="0" dirty="0" err="1">
-                <a:ln>
-                  <a:noFill/>
-                </a:ln>
-                <a:solidFill>
-                  <a:schemeClr val="tx1"/>
-                </a:solidFill>
-                <a:effectLst/>
-                <a:latin typeface="Arial" panose="020B0604020202020204" pitchFamily="34" charset="0"/>
-              </a:rPr>
-              <a:t>you</a:t>
-            </a:r>
-            <a:r>
-              <a:rPr kumimoji="0" lang="fi-FI" altLang="fi-FI" sz="1800" b="0" i="0" u="none" strike="noStrike" cap="none" normalizeH="0" baseline="0" dirty="0">
-                <a:ln>
-                  <a:noFill/>
-                </a:ln>
-                <a:solidFill>
-                  <a:schemeClr val="tx1"/>
-                </a:solidFill>
-                <a:effectLst/>
-                <a:latin typeface="Arial" panose="020B0604020202020204" pitchFamily="34" charset="0"/>
-              </a:rPr>
-              <a:t> </a:t>
-            </a:r>
-            <a:r>
-              <a:rPr kumimoji="0" lang="fi-FI" altLang="fi-FI" sz="1800" b="0" i="0" u="none" strike="noStrike" cap="none" normalizeH="0" baseline="0" dirty="0" err="1">
-                <a:ln>
-                  <a:noFill/>
-                </a:ln>
-                <a:solidFill>
-                  <a:schemeClr val="tx1"/>
-                </a:solidFill>
-                <a:effectLst/>
-                <a:latin typeface="Arial" panose="020B0604020202020204" pitchFamily="34" charset="0"/>
-              </a:rPr>
-              <a:t>might</a:t>
-            </a:r>
-            <a:r>
-              <a:rPr kumimoji="0" lang="fi-FI" altLang="fi-FI" sz="1800" b="0" i="0" u="none" strike="noStrike" cap="none" normalizeH="0" baseline="0" dirty="0">
-                <a:ln>
-                  <a:noFill/>
-                </a:ln>
-                <a:solidFill>
-                  <a:schemeClr val="tx1"/>
-                </a:solidFill>
-                <a:effectLst/>
-                <a:latin typeface="Arial" panose="020B0604020202020204" pitchFamily="34" charset="0"/>
-              </a:rPr>
-              <a:t> </a:t>
-            </a:r>
-            <a:r>
-              <a:rPr kumimoji="0" lang="fi-FI" altLang="fi-FI" sz="1800" b="0" i="0" u="none" strike="noStrike" cap="none" normalizeH="0" baseline="0" dirty="0" err="1">
-                <a:ln>
-                  <a:noFill/>
-                </a:ln>
-                <a:solidFill>
-                  <a:schemeClr val="tx1"/>
-                </a:solidFill>
-                <a:effectLst/>
-                <a:latin typeface="Arial" panose="020B0604020202020204" pitchFamily="34" charset="0"/>
-              </a:rPr>
-              <a:t>need</a:t>
-            </a:r>
-            <a:r>
-              <a:rPr kumimoji="0" lang="fi-FI" altLang="fi-FI" sz="1800" b="0" i="0" u="none" strike="noStrike" cap="none" normalizeH="0" baseline="0" dirty="0">
-                <a:ln>
-                  <a:noFill/>
-                </a:ln>
-                <a:solidFill>
-                  <a:schemeClr val="tx1"/>
-                </a:solidFill>
-                <a:effectLst/>
-                <a:latin typeface="Arial" panose="020B0604020202020204" pitchFamily="34" charset="0"/>
-              </a:rPr>
-              <a:t> to </a:t>
-            </a:r>
-            <a:r>
-              <a:rPr kumimoji="0" lang="fi-FI" altLang="fi-FI" sz="1800" b="0" i="0" u="none" strike="noStrike" cap="none" normalizeH="0" baseline="0" dirty="0" err="1">
-                <a:ln>
-                  <a:noFill/>
-                </a:ln>
-                <a:solidFill>
-                  <a:schemeClr val="tx1"/>
-                </a:solidFill>
-                <a:effectLst/>
-                <a:latin typeface="Arial" panose="020B0604020202020204" pitchFamily="34" charset="0"/>
-              </a:rPr>
-              <a:t>fix</a:t>
-            </a:r>
-            <a:r>
-              <a:rPr kumimoji="0" lang="fi-FI" altLang="fi-FI" sz="1800" b="0" i="0" u="none" strike="noStrike" cap="none" normalizeH="0" baseline="0" dirty="0">
-                <a:ln>
-                  <a:noFill/>
-                </a:ln>
-                <a:solidFill>
-                  <a:schemeClr val="tx1"/>
-                </a:solidFill>
-                <a:effectLst/>
-                <a:latin typeface="Arial" panose="020B0604020202020204" pitchFamily="34" charset="0"/>
-              </a:rPr>
-              <a:t> and </a:t>
-            </a:r>
-            <a:r>
-              <a:rPr kumimoji="0" lang="fi-FI" altLang="fi-FI" sz="1800" b="1" i="0" u="none" strike="noStrike" cap="none" normalizeH="0" baseline="0" dirty="0" err="1">
-                <a:ln>
-                  <a:noFill/>
-                </a:ln>
-                <a:solidFill>
-                  <a:schemeClr val="tx1"/>
-                </a:solidFill>
-                <a:effectLst/>
-                <a:latin typeface="Arial" panose="020B0604020202020204" pitchFamily="34" charset="0"/>
-              </a:rPr>
-              <a:t>rewrite</a:t>
-            </a:r>
-            <a:r>
-              <a:rPr kumimoji="0" lang="fi-FI" altLang="fi-FI" sz="1800" b="1" i="0" u="none" strike="noStrike" cap="none" normalizeH="0" baseline="0" dirty="0">
-                <a:ln>
-                  <a:noFill/>
-                </a:ln>
-                <a:solidFill>
-                  <a:schemeClr val="tx1"/>
-                </a:solidFill>
-                <a:effectLst/>
-                <a:latin typeface="Arial" panose="020B0604020202020204" pitchFamily="34" charset="0"/>
-              </a:rPr>
-              <a:t> </a:t>
-            </a:r>
-            <a:r>
-              <a:rPr kumimoji="0" lang="fi-FI" altLang="fi-FI" sz="1800" b="1" i="0" u="none" strike="noStrike" cap="none" normalizeH="0" baseline="0" dirty="0" err="1">
-                <a:ln>
-                  <a:noFill/>
-                </a:ln>
-                <a:solidFill>
-                  <a:schemeClr val="tx1"/>
-                </a:solidFill>
-                <a:effectLst/>
-                <a:latin typeface="Arial" panose="020B0604020202020204" pitchFamily="34" charset="0"/>
-              </a:rPr>
-              <a:t>formatting</a:t>
-            </a:r>
-            <a:r>
-              <a:rPr kumimoji="0" lang="fi-FI" altLang="fi-FI" sz="1800" b="0" i="0" u="none" strike="noStrike" cap="none" normalizeH="0" baseline="0" dirty="0">
-                <a:ln>
-                  <a:noFill/>
-                </a:ln>
-                <a:solidFill>
-                  <a:schemeClr val="tx1"/>
-                </a:solidFill>
-                <a:effectLst/>
-                <a:latin typeface="Arial" panose="020B0604020202020204" pitchFamily="34" charset="0"/>
-              </a:rPr>
-              <a:t> of </a:t>
-            </a:r>
-            <a:r>
-              <a:rPr kumimoji="0" lang="fi-FI" altLang="fi-FI" sz="1800" b="0" i="0" u="none" strike="noStrike" cap="none" normalizeH="0" baseline="0" dirty="0" err="1">
-                <a:ln>
-                  <a:noFill/>
-                </a:ln>
-                <a:solidFill>
-                  <a:schemeClr val="tx1"/>
-                </a:solidFill>
-                <a:effectLst/>
-                <a:latin typeface="Arial" panose="020B0604020202020204" pitchFamily="34" charset="0"/>
-              </a:rPr>
-              <a:t>files</a:t>
-            </a:r>
-            <a:r>
-              <a:rPr kumimoji="0" lang="fi-FI" altLang="fi-FI" sz="1800" b="0" i="0" u="none" strike="noStrike" cap="none" normalizeH="0" baseline="0" dirty="0">
-                <a:ln>
-                  <a:noFill/>
-                </a:ln>
-                <a:solidFill>
-                  <a:schemeClr val="tx1"/>
-                </a:solidFill>
-                <a:effectLst/>
-                <a:latin typeface="Arial" panose="020B0604020202020204" pitchFamily="34" charset="0"/>
-              </a:rPr>
-              <a:t> for </a:t>
-            </a:r>
-            <a:r>
-              <a:rPr kumimoji="0" lang="fi-FI" altLang="fi-FI" sz="1800" b="0" i="0" u="none" strike="noStrike" cap="none" normalizeH="0" baseline="0" dirty="0" err="1">
-                <a:ln>
-                  <a:noFill/>
-                </a:ln>
-                <a:solidFill>
-                  <a:schemeClr val="tx1"/>
-                </a:solidFill>
-                <a:effectLst/>
-                <a:latin typeface="Arial" panose="020B0604020202020204" pitchFamily="34" charset="0"/>
-              </a:rPr>
-              <a:t>your</a:t>
-            </a:r>
-            <a:r>
-              <a:rPr kumimoji="0" lang="fi-FI" altLang="fi-FI" sz="1800" b="0" i="0" u="none" strike="noStrike" cap="none" normalizeH="0" baseline="0" dirty="0">
-                <a:ln>
-                  <a:noFill/>
-                </a:ln>
-                <a:solidFill>
-                  <a:schemeClr val="tx1"/>
-                </a:solidFill>
-                <a:effectLst/>
-                <a:latin typeface="Arial" panose="020B0604020202020204" pitchFamily="34" charset="0"/>
-              </a:rPr>
-              <a:t> </a:t>
-            </a:r>
-            <a:r>
-              <a:rPr kumimoji="0" lang="fi-FI" altLang="fi-FI" sz="1800" b="0" i="0" u="none" strike="noStrike" cap="none" normalizeH="0" baseline="0" dirty="0" err="1">
-                <a:ln>
-                  <a:noFill/>
-                </a:ln>
-                <a:solidFill>
-                  <a:schemeClr val="tx1"/>
-                </a:solidFill>
-                <a:effectLst/>
-                <a:latin typeface="Arial" panose="020B0604020202020204" pitchFamily="34" charset="0"/>
-              </a:rPr>
-              <a:t>enviroment</a:t>
-            </a:r>
-            <a:r>
-              <a:rPr kumimoji="0" lang="fi-FI" altLang="fi-FI" sz="1800" b="0" i="0" u="none" strike="noStrike" cap="none" normalizeH="0" baseline="0" dirty="0">
-                <a:ln>
-                  <a:noFill/>
-                </a:ln>
-                <a:solidFill>
-                  <a:schemeClr val="tx1"/>
-                </a:solidFill>
-                <a:effectLst/>
-                <a:latin typeface="Arial" panose="020B0604020202020204" pitchFamily="34" charset="0"/>
-              </a:rPr>
-              <a:t> (</a:t>
-            </a:r>
-            <a:r>
-              <a:rPr kumimoji="0" lang="fi-FI" altLang="fi-FI" sz="1800" b="0" i="0" u="none" strike="noStrike" cap="none" normalizeH="0" baseline="0" dirty="0" err="1">
-                <a:ln>
-                  <a:noFill/>
-                </a:ln>
-                <a:solidFill>
-                  <a:schemeClr val="tx1"/>
-                </a:solidFill>
-                <a:effectLst/>
-                <a:latin typeface="Arial" panose="020B0604020202020204" pitchFamily="34" charset="0"/>
-              </a:rPr>
-              <a:t>indentation</a:t>
-            </a:r>
-            <a:r>
-              <a:rPr kumimoji="0" lang="fi-FI" altLang="fi-FI" sz="1800" b="0" i="0" u="none" strike="noStrike" cap="none" normalizeH="0" baseline="0" dirty="0">
-                <a:ln>
-                  <a:noFill/>
-                </a:ln>
-                <a:solidFill>
-                  <a:schemeClr val="tx1"/>
-                </a:solidFill>
-                <a:effectLst/>
-                <a:latin typeface="Arial" panose="020B0604020202020204" pitchFamily="34" charset="0"/>
-              </a:rPr>
-              <a:t> and </a:t>
-            </a:r>
-            <a:r>
-              <a:rPr kumimoji="0" lang="fi-FI" altLang="fi-FI" sz="1800" b="0" i="0" u="none" strike="noStrike" cap="none" normalizeH="0" baseline="0" dirty="0" err="1">
-                <a:ln>
-                  <a:noFill/>
-                </a:ln>
-                <a:solidFill>
-                  <a:schemeClr val="tx1"/>
-                </a:solidFill>
-                <a:effectLst/>
-                <a:latin typeface="Arial" panose="020B0604020202020204" pitchFamily="34" charset="0"/>
-              </a:rPr>
-              <a:t>line-endings</a:t>
-            </a:r>
-            <a:r>
-              <a:rPr kumimoji="0" lang="fi-FI" altLang="fi-FI" sz="1800" b="0" i="0" u="none" strike="noStrike" cap="none" normalizeH="0" baseline="0" dirty="0">
-                <a:ln>
-                  <a:noFill/>
-                </a:ln>
-                <a:solidFill>
-                  <a:schemeClr val="tx1"/>
-                </a:solidFill>
-                <a:effectLst/>
-                <a:latin typeface="Arial" panose="020B0604020202020204" pitchFamily="34" charset="0"/>
-              </a:rPr>
-              <a:t>)</a:t>
-            </a:r>
-          </a:p>
-          <a:p>
-            <a:pPr marL="0" marR="0" lvl="0" indent="0" algn="l" defTabSz="914400" rtl="0" eaLnBrk="0" fontAlgn="base" latinLnBrk="0" hangingPunct="0">
-              <a:lnSpc>
-                <a:spcPct val="100000"/>
-              </a:lnSpc>
-              <a:spcBef>
-                <a:spcPct val="0"/>
-              </a:spcBef>
-              <a:spcAft>
-                <a:spcPct val="0"/>
-              </a:spcAft>
-              <a:buClrTx/>
-              <a:buSzTx/>
-              <a:buFontTx/>
-              <a:buAutoNum type="arabicPeriod" startAt="2"/>
-              <a:tabLst/>
-            </a:pPr>
-            <a:r>
-              <a:rPr kumimoji="0" lang="fi-FI" altLang="fi-FI" sz="1800" b="0" i="0" u="none" strike="noStrike" cap="none" normalizeH="0" baseline="0" dirty="0">
-                <a:ln>
-                  <a:noFill/>
-                </a:ln>
-                <a:solidFill>
-                  <a:schemeClr val="tx1"/>
-                </a:solidFill>
-                <a:effectLst/>
-                <a:latin typeface="Arial" panose="020B0604020202020204" pitchFamily="34" charset="0"/>
-              </a:rPr>
-              <a:t> Second </a:t>
-            </a:r>
-            <a:r>
-              <a:rPr kumimoji="0" lang="fi-FI" altLang="fi-FI" sz="1800" b="0" i="0" u="none" strike="noStrike" cap="none" normalizeH="0" baseline="0" dirty="0" err="1">
-                <a:ln>
-                  <a:noFill/>
-                </a:ln>
-                <a:solidFill>
-                  <a:schemeClr val="tx1"/>
-                </a:solidFill>
-                <a:effectLst/>
-                <a:latin typeface="Arial" panose="020B0604020202020204" pitchFamily="34" charset="0"/>
-              </a:rPr>
-              <a:t>you</a:t>
-            </a:r>
-            <a:r>
-              <a:rPr kumimoji="0" lang="fi-FI" altLang="fi-FI" sz="1800" b="0" i="0" u="none" strike="noStrike" cap="none" normalizeH="0" baseline="0" dirty="0">
-                <a:ln>
-                  <a:noFill/>
-                </a:ln>
-                <a:solidFill>
-                  <a:schemeClr val="tx1"/>
-                </a:solidFill>
-                <a:effectLst/>
-                <a:latin typeface="Arial" panose="020B0604020202020204" pitchFamily="34" charset="0"/>
-              </a:rPr>
-              <a:t> </a:t>
-            </a:r>
-            <a:r>
-              <a:rPr kumimoji="0" lang="fi-FI" altLang="fi-FI" sz="1800" b="0" i="0" u="none" strike="noStrike" cap="none" normalizeH="0" baseline="0" dirty="0" err="1">
-                <a:ln>
-                  <a:noFill/>
-                </a:ln>
-                <a:solidFill>
-                  <a:schemeClr val="tx1"/>
-                </a:solidFill>
-                <a:effectLst/>
-                <a:latin typeface="Arial" panose="020B0604020202020204" pitchFamily="34" charset="0"/>
-              </a:rPr>
-              <a:t>can</a:t>
-            </a:r>
-            <a:r>
-              <a:rPr kumimoji="0" lang="fi-FI" altLang="fi-FI" sz="1800" b="0" i="0" u="none" strike="noStrike" cap="none" normalizeH="0" baseline="0" dirty="0">
-                <a:ln>
-                  <a:noFill/>
-                </a:ln>
-                <a:solidFill>
-                  <a:schemeClr val="tx1"/>
-                </a:solidFill>
-                <a:effectLst/>
-                <a:latin typeface="Arial" panose="020B0604020202020204" pitchFamily="34" charset="0"/>
-              </a:rPr>
-              <a:t> just </a:t>
-            </a:r>
-            <a:r>
-              <a:rPr kumimoji="0" lang="fi-FI" altLang="fi-FI" sz="1800" b="1" i="0" u="none" strike="noStrike" cap="none" normalizeH="0" baseline="0" dirty="0" err="1">
-                <a:ln>
-                  <a:noFill/>
-                </a:ln>
-                <a:solidFill>
-                  <a:schemeClr val="tx1"/>
-                </a:solidFill>
-                <a:effectLst/>
-                <a:latin typeface="Arial" panose="020B0604020202020204" pitchFamily="34" charset="0"/>
-              </a:rPr>
-              <a:t>check</a:t>
-            </a:r>
-            <a:r>
-              <a:rPr kumimoji="0" lang="fi-FI" altLang="fi-FI" sz="1800" b="0" i="0" u="none" strike="noStrike" cap="none" normalizeH="0" baseline="0" dirty="0">
-                <a:ln>
-                  <a:noFill/>
-                </a:ln>
-                <a:solidFill>
-                  <a:schemeClr val="tx1"/>
-                </a:solidFill>
-                <a:effectLst/>
-                <a:latin typeface="Arial" panose="020B0604020202020204" pitchFamily="34" charset="0"/>
-              </a:rPr>
-              <a:t> (for </a:t>
-            </a:r>
-            <a:r>
-              <a:rPr kumimoji="0" lang="fi-FI" altLang="fi-FI" sz="1800" b="1" i="0" u="none" strike="noStrike" cap="none" normalizeH="0" baseline="0" dirty="0" err="1">
-                <a:ln>
-                  <a:noFill/>
-                </a:ln>
-                <a:solidFill>
-                  <a:schemeClr val="tx1"/>
-                </a:solidFill>
-                <a:effectLst/>
-                <a:latin typeface="Arial" panose="020B0604020202020204" pitchFamily="34" charset="0"/>
-              </a:rPr>
-              <a:t>other</a:t>
-            </a:r>
-            <a:r>
-              <a:rPr kumimoji="0" lang="fi-FI" altLang="fi-FI" sz="1800" b="1" i="0" u="none" strike="noStrike" cap="none" normalizeH="0" baseline="0" dirty="0">
-                <a:ln>
-                  <a:noFill/>
-                </a:ln>
-                <a:solidFill>
-                  <a:schemeClr val="tx1"/>
-                </a:solidFill>
-                <a:effectLst/>
-                <a:latin typeface="Arial" panose="020B0604020202020204" pitchFamily="34" charset="0"/>
-              </a:rPr>
-              <a:t> </a:t>
-            </a:r>
-            <a:r>
-              <a:rPr kumimoji="0" lang="fi-FI" altLang="fi-FI" sz="1800" b="1" i="0" u="none" strike="noStrike" cap="none" normalizeH="0" baseline="0" dirty="0" err="1">
-                <a:ln>
-                  <a:noFill/>
-                </a:ln>
-                <a:solidFill>
-                  <a:schemeClr val="tx1"/>
-                </a:solidFill>
-                <a:effectLst/>
-                <a:latin typeface="Arial" panose="020B0604020202020204" pitchFamily="34" charset="0"/>
-              </a:rPr>
-              <a:t>problems</a:t>
-            </a:r>
-            <a:r>
-              <a:rPr kumimoji="0" lang="fi-FI" altLang="fi-FI" sz="1800" b="0" i="0" u="none" strike="noStrike" cap="none" normalizeH="0" baseline="0" dirty="0">
-                <a:ln>
-                  <a:noFill/>
-                </a:ln>
-                <a:solidFill>
-                  <a:schemeClr val="tx1"/>
-                </a:solidFill>
-                <a:effectLst/>
-                <a:latin typeface="Arial" panose="020B0604020202020204" pitchFamily="34" charset="0"/>
-              </a:rPr>
-              <a:t>/</a:t>
-            </a:r>
-            <a:r>
-              <a:rPr kumimoji="0" lang="fi-FI" altLang="fi-FI" sz="1800" b="0" i="0" u="none" strike="noStrike" cap="none" normalizeH="0" baseline="0" dirty="0" err="1">
-                <a:ln>
-                  <a:noFill/>
-                </a:ln>
-                <a:solidFill>
-                  <a:schemeClr val="tx1"/>
-                </a:solidFill>
-                <a:effectLst/>
-                <a:latin typeface="Arial" panose="020B0604020202020204" pitchFamily="34" charset="0"/>
-              </a:rPr>
-              <a:t>hints</a:t>
-            </a:r>
-            <a:r>
-              <a:rPr kumimoji="0" lang="fi-FI" altLang="fi-FI" sz="1800" b="0" i="0" u="none" strike="noStrike" cap="none" normalizeH="0" baseline="0" dirty="0">
-                <a:ln>
-                  <a:noFill/>
-                </a:ln>
-                <a:solidFill>
-                  <a:schemeClr val="tx1"/>
-                </a:solidFill>
-                <a:effectLst/>
-                <a:latin typeface="Arial" panose="020B0604020202020204" pitchFamily="34" charset="0"/>
-              </a:rPr>
-              <a:t> </a:t>
-            </a:r>
-            <a:r>
-              <a:rPr kumimoji="0" lang="fi-FI" altLang="fi-FI" sz="1800" b="0" i="0" u="none" strike="noStrike" cap="none" normalizeH="0" baseline="0" dirty="0" err="1">
-                <a:ln>
-                  <a:noFill/>
-                </a:ln>
-                <a:solidFill>
-                  <a:schemeClr val="tx1"/>
-                </a:solidFill>
-                <a:effectLst/>
-                <a:latin typeface="Arial" panose="020B0604020202020204" pitchFamily="34" charset="0"/>
-              </a:rPr>
-              <a:t>than</a:t>
-            </a:r>
-            <a:r>
-              <a:rPr kumimoji="0" lang="fi-FI" altLang="fi-FI" sz="1800" b="0" i="0" u="none" strike="noStrike" cap="none" normalizeH="0" baseline="0" dirty="0">
-                <a:ln>
-                  <a:noFill/>
-                </a:ln>
-                <a:solidFill>
-                  <a:schemeClr val="tx1"/>
-                </a:solidFill>
-                <a:effectLst/>
-                <a:latin typeface="Arial" panose="020B0604020202020204" pitchFamily="34" charset="0"/>
-              </a:rPr>
-              <a:t> </a:t>
-            </a:r>
-            <a:r>
-              <a:rPr kumimoji="0" lang="fi-FI" altLang="fi-FI" sz="1800" b="0" i="0" u="none" strike="noStrike" cap="none" normalizeH="0" baseline="0" dirty="0" err="1">
-                <a:ln>
-                  <a:noFill/>
-                </a:ln>
-                <a:solidFill>
-                  <a:schemeClr val="tx1"/>
-                </a:solidFill>
-                <a:effectLst/>
-                <a:latin typeface="Arial" panose="020B0604020202020204" pitchFamily="34" charset="0"/>
-              </a:rPr>
-              <a:t>formatting</a:t>
-            </a:r>
-            <a:r>
-              <a:rPr kumimoji="0" lang="fi-FI" altLang="fi-FI" sz="1800" b="0" i="0" u="none" strike="noStrike" cap="none" normalizeH="0" baseline="0" dirty="0">
-                <a:ln>
-                  <a:noFill/>
-                </a:ln>
-                <a:solidFill>
-                  <a:schemeClr val="tx1"/>
-                </a:solidFill>
-                <a:effectLst/>
-                <a:latin typeface="Arial" panose="020B0604020202020204" pitchFamily="34" charset="0"/>
-              </a:rPr>
-              <a:t>)</a:t>
-            </a:r>
-          </a:p>
-          <a:p>
-            <a:pPr marL="0" marR="0" lvl="0" indent="0" algn="l" defTabSz="914400" rtl="0" eaLnBrk="0" fontAlgn="base" latinLnBrk="0" hangingPunct="0">
-              <a:lnSpc>
-                <a:spcPct val="100000"/>
-              </a:lnSpc>
-              <a:spcBef>
-                <a:spcPct val="0"/>
-              </a:spcBef>
-              <a:spcAft>
-                <a:spcPct val="0"/>
-              </a:spcAft>
-              <a:buClrTx/>
-              <a:buSzTx/>
-              <a:buFontTx/>
-              <a:buAutoNum type="arabicPeriod" startAt="3"/>
-              <a:tabLst/>
-            </a:pPr>
-            <a:r>
-              <a:rPr kumimoji="0" lang="fi-FI" altLang="fi-FI" sz="1800" b="0" i="0" u="none" strike="noStrike" cap="none" normalizeH="0" baseline="0" dirty="0">
-                <a:ln>
-                  <a:noFill/>
-                </a:ln>
-                <a:solidFill>
-                  <a:schemeClr val="tx1"/>
-                </a:solidFill>
-                <a:effectLst/>
-                <a:latin typeface="Arial" panose="020B0604020202020204" pitchFamily="34" charset="0"/>
-              </a:rPr>
-              <a:t> Third </a:t>
-            </a:r>
-            <a:r>
-              <a:rPr kumimoji="0" lang="fi-FI" altLang="fi-FI" sz="1800" b="0" i="0" u="none" strike="noStrike" cap="none" normalizeH="0" baseline="0" dirty="0" err="1">
-                <a:ln>
-                  <a:noFill/>
-                </a:ln>
-                <a:solidFill>
-                  <a:schemeClr val="tx1"/>
-                </a:solidFill>
-                <a:effectLst/>
-                <a:latin typeface="Arial" panose="020B0604020202020204" pitchFamily="34" charset="0"/>
-              </a:rPr>
-              <a:t>would</a:t>
-            </a:r>
-            <a:r>
-              <a:rPr kumimoji="0" lang="fi-FI" altLang="fi-FI" sz="1800" b="0" i="0" u="none" strike="noStrike" cap="none" normalizeH="0" baseline="0" dirty="0">
-                <a:ln>
-                  <a:noFill/>
-                </a:ln>
-                <a:solidFill>
-                  <a:schemeClr val="tx1"/>
-                </a:solidFill>
-                <a:effectLst/>
-                <a:latin typeface="Arial" panose="020B0604020202020204" pitchFamily="34" charset="0"/>
-              </a:rPr>
-              <a:t> </a:t>
-            </a:r>
-            <a:r>
-              <a:rPr kumimoji="0" lang="fi-FI" altLang="fi-FI" sz="1800" b="0" i="0" u="none" strike="noStrike" cap="none" normalizeH="0" baseline="0" dirty="0" err="1">
-                <a:ln>
-                  <a:noFill/>
-                </a:ln>
-                <a:solidFill>
-                  <a:schemeClr val="tx1"/>
-                </a:solidFill>
-                <a:effectLst/>
-                <a:latin typeface="Arial" panose="020B0604020202020204" pitchFamily="34" charset="0"/>
-              </a:rPr>
-              <a:t>also</a:t>
-            </a:r>
-            <a:r>
-              <a:rPr kumimoji="0" lang="fi-FI" altLang="fi-FI" sz="1800" b="0" i="0" u="none" strike="noStrike" cap="none" normalizeH="0" baseline="0" dirty="0">
-                <a:ln>
-                  <a:noFill/>
-                </a:ln>
-                <a:solidFill>
-                  <a:schemeClr val="tx1"/>
-                </a:solidFill>
-                <a:effectLst/>
-                <a:latin typeface="Arial" panose="020B0604020202020204" pitchFamily="34" charset="0"/>
-              </a:rPr>
-              <a:t> </a:t>
-            </a:r>
-            <a:r>
-              <a:rPr kumimoji="0" lang="fi-FI" altLang="fi-FI" sz="1800" b="0" i="0" u="none" strike="noStrike" cap="none" normalizeH="0" baseline="0" dirty="0" err="1">
-                <a:ln>
-                  <a:noFill/>
-                </a:ln>
-                <a:solidFill>
-                  <a:schemeClr val="tx1"/>
-                </a:solidFill>
-                <a:effectLst/>
-                <a:latin typeface="Arial" panose="020B0604020202020204" pitchFamily="34" charset="0"/>
-              </a:rPr>
-              <a:t>apply</a:t>
-            </a:r>
-            <a:r>
-              <a:rPr kumimoji="0" lang="fi-FI" altLang="fi-FI" sz="1800" b="0" i="0" u="none" strike="noStrike" cap="none" normalizeH="0" baseline="0" dirty="0">
-                <a:ln>
-                  <a:noFill/>
-                </a:ln>
-                <a:solidFill>
-                  <a:schemeClr val="tx1"/>
-                </a:solidFill>
-                <a:effectLst/>
-                <a:latin typeface="Arial" panose="020B0604020202020204" pitchFamily="34" charset="0"/>
-              </a:rPr>
-              <a:t>  = </a:t>
-            </a:r>
-            <a:r>
-              <a:rPr kumimoji="0" lang="fi-FI" altLang="fi-FI" sz="1800" b="1" i="0" u="none" strike="noStrike" cap="none" normalizeH="0" baseline="0" dirty="0" err="1">
-                <a:ln>
-                  <a:noFill/>
-                </a:ln>
-                <a:solidFill>
-                  <a:schemeClr val="tx1"/>
-                </a:solidFill>
-                <a:effectLst/>
-                <a:latin typeface="Arial" panose="020B0604020202020204" pitchFamily="34" charset="0"/>
-              </a:rPr>
-              <a:t>write</a:t>
-            </a:r>
-            <a:r>
-              <a:rPr kumimoji="0" lang="fi-FI" altLang="fi-FI" sz="1800" b="1" i="0" u="none" strike="noStrike" cap="none" normalizeH="0" baseline="0" dirty="0">
-                <a:ln>
-                  <a:noFill/>
-                </a:ln>
-                <a:solidFill>
-                  <a:schemeClr val="tx1"/>
-                </a:solidFill>
-                <a:effectLst/>
-                <a:latin typeface="Arial" panose="020B0604020202020204" pitchFamily="34" charset="0"/>
-              </a:rPr>
-              <a:t> </a:t>
-            </a:r>
-            <a:r>
-              <a:rPr kumimoji="0" lang="fi-FI" altLang="fi-FI" sz="1800" b="1" i="0" u="none" strike="noStrike" cap="none" normalizeH="0" baseline="0" dirty="0" err="1">
-                <a:ln>
-                  <a:noFill/>
-                </a:ln>
-                <a:solidFill>
-                  <a:schemeClr val="tx1"/>
-                </a:solidFill>
-                <a:effectLst/>
-                <a:latin typeface="Arial" panose="020B0604020202020204" pitchFamily="34" charset="0"/>
-              </a:rPr>
-              <a:t>those</a:t>
-            </a:r>
-            <a:r>
-              <a:rPr kumimoji="0" lang="fi-FI" altLang="fi-FI" sz="1800" b="1" i="0" u="none" strike="noStrike" cap="none" normalizeH="0" baseline="0" dirty="0">
-                <a:ln>
-                  <a:noFill/>
-                </a:ln>
-                <a:solidFill>
-                  <a:schemeClr val="tx1"/>
-                </a:solidFill>
-                <a:effectLst/>
-                <a:latin typeface="Arial" panose="020B0604020202020204" pitchFamily="34" charset="0"/>
-              </a:rPr>
-              <a:t> </a:t>
-            </a:r>
-            <a:r>
-              <a:rPr kumimoji="0" lang="fi-FI" altLang="fi-FI" sz="1800" b="1" i="0" u="none" strike="noStrike" cap="none" normalizeH="0" baseline="0" dirty="0" err="1">
-                <a:ln>
-                  <a:noFill/>
-                </a:ln>
-                <a:solidFill>
-                  <a:schemeClr val="tx1"/>
-                </a:solidFill>
-                <a:effectLst/>
-                <a:latin typeface="Arial" panose="020B0604020202020204" pitchFamily="34" charset="0"/>
-              </a:rPr>
-              <a:t>changes</a:t>
-            </a:r>
-            <a:r>
-              <a:rPr kumimoji="0" lang="fi-FI" altLang="fi-FI" sz="1800" b="1" i="0" u="none" strike="noStrike" cap="none" normalizeH="0" baseline="0" dirty="0">
-                <a:ln>
-                  <a:noFill/>
-                </a:ln>
-                <a:solidFill>
-                  <a:schemeClr val="tx1"/>
-                </a:solidFill>
-                <a:effectLst/>
-                <a:latin typeface="Arial" panose="020B0604020202020204" pitchFamily="34" charset="0"/>
-              </a:rPr>
-              <a:t> </a:t>
-            </a:r>
-            <a:r>
-              <a:rPr kumimoji="0" lang="fi-FI" altLang="fi-FI" sz="1800" b="0" i="0" u="none" strike="noStrike" cap="none" normalizeH="0" baseline="0" dirty="0">
-                <a:ln>
-                  <a:noFill/>
-                </a:ln>
-                <a:solidFill>
-                  <a:schemeClr val="tx1"/>
-                </a:solidFill>
-                <a:effectLst/>
-                <a:latin typeface="Arial" panose="020B0604020202020204" pitchFamily="34" charset="0"/>
-              </a:rPr>
-              <a:t>to </a:t>
-            </a:r>
-            <a:r>
-              <a:rPr kumimoji="0" lang="fi-FI" altLang="fi-FI" sz="1800" b="0" i="0" u="none" strike="noStrike" cap="none" normalizeH="0" baseline="0" dirty="0" err="1">
-                <a:ln>
-                  <a:noFill/>
-                </a:ln>
-                <a:solidFill>
-                  <a:schemeClr val="tx1"/>
-                </a:solidFill>
-                <a:effectLst/>
-                <a:latin typeface="Arial" panose="020B0604020202020204" pitchFamily="34" charset="0"/>
-              </a:rPr>
-              <a:t>the</a:t>
-            </a:r>
-            <a:r>
-              <a:rPr kumimoji="0" lang="fi-FI" altLang="fi-FI" sz="1800" b="0" i="0" u="none" strike="noStrike" cap="none" normalizeH="0" baseline="0" dirty="0">
-                <a:ln>
-                  <a:noFill/>
-                </a:ln>
-                <a:solidFill>
-                  <a:schemeClr val="tx1"/>
-                </a:solidFill>
-                <a:effectLst/>
-                <a:latin typeface="Arial" panose="020B0604020202020204" pitchFamily="34" charset="0"/>
-              </a:rPr>
-              <a:t> </a:t>
-            </a:r>
-            <a:r>
-              <a:rPr kumimoji="0" lang="fi-FI" altLang="fi-FI" sz="1800" b="0" i="0" u="none" strike="noStrike" cap="none" normalizeH="0" baseline="0" dirty="0" err="1">
-                <a:ln>
-                  <a:noFill/>
-                </a:ln>
-                <a:solidFill>
-                  <a:schemeClr val="tx1"/>
-                </a:solidFill>
-                <a:effectLst/>
-                <a:latin typeface="Arial" panose="020B0604020202020204" pitchFamily="34" charset="0"/>
-              </a:rPr>
-              <a:t>files</a:t>
-            </a:r>
-            <a:endParaRPr kumimoji="0" lang="fi-FI" altLang="fi-FI" sz="1800" b="0" i="0" u="none" strike="noStrike" cap="none" normalizeH="0" baseline="0" dirty="0">
-              <a:ln>
-                <a:noFill/>
-              </a:ln>
-              <a:solidFill>
-                <a:schemeClr val="tx1"/>
-              </a:solidFill>
-              <a:effectLst/>
-              <a:latin typeface="Arial" panose="020B0604020202020204" pitchFamily="34" charset="0"/>
-            </a:endParaRPr>
-          </a:p>
-          <a:p>
-            <a:pPr marL="0" marR="0" lvl="0" indent="0" algn="l" defTabSz="914400" rtl="0" eaLnBrk="0" fontAlgn="base" latinLnBrk="0" hangingPunct="0">
-              <a:lnSpc>
-                <a:spcPct val="100000"/>
-              </a:lnSpc>
-              <a:spcBef>
-                <a:spcPct val="0"/>
-              </a:spcBef>
-              <a:spcAft>
-                <a:spcPct val="0"/>
-              </a:spcAft>
-              <a:buClrTx/>
-              <a:buSzTx/>
-              <a:tabLst/>
-            </a:pPr>
-            <a:endParaRPr kumimoji="0" lang="fi-FI" altLang="fi-FI" sz="1800" b="0" i="0" u="none" strike="noStrike" cap="none" normalizeH="0" baseline="0" dirty="0">
-              <a:ln>
-                <a:noFill/>
-              </a:ln>
-              <a:solidFill>
-                <a:schemeClr val="tx1"/>
-              </a:solidFill>
-              <a:effectLst/>
-              <a:latin typeface="Arial" panose="020B0604020202020204" pitchFamily="34" charset="0"/>
-            </a:endParaRPr>
-          </a:p>
-          <a:p>
-            <a:pPr marL="0" marR="0" lvl="0" indent="0" algn="l" defTabSz="914400" rtl="0" eaLnBrk="0" fontAlgn="base" latinLnBrk="0" hangingPunct="0">
-              <a:lnSpc>
-                <a:spcPct val="100000"/>
-              </a:lnSpc>
-              <a:spcBef>
-                <a:spcPct val="0"/>
-              </a:spcBef>
-              <a:spcAft>
-                <a:spcPct val="0"/>
-              </a:spcAft>
-              <a:buClrTx/>
-              <a:buSzTx/>
-              <a:buFontTx/>
-              <a:buNone/>
-              <a:tabLst/>
-            </a:pPr>
-            <a:r>
-              <a:rPr kumimoji="0" lang="fi-FI" altLang="fi-FI" sz="1800" b="0" i="0" u="none" strike="noStrike" cap="none" normalizeH="0" baseline="0" dirty="0" err="1">
-                <a:ln>
-                  <a:noFill/>
-                </a:ln>
-                <a:solidFill>
-                  <a:schemeClr val="tx1"/>
-                </a:solidFill>
-                <a:effectLst/>
-                <a:latin typeface="Consolas" panose="020B0609020204030204" pitchFamily="49" charset="0"/>
-              </a:rPr>
-              <a:t>npx</a:t>
-            </a:r>
-            <a:r>
-              <a:rPr kumimoji="0" lang="fi-FI" altLang="fi-FI" sz="1800" b="0" i="0" u="none" strike="noStrike" cap="none" normalizeH="0" baseline="0" dirty="0">
-                <a:ln>
-                  <a:noFill/>
-                </a:ln>
-                <a:solidFill>
-                  <a:schemeClr val="tx1"/>
-                </a:solidFill>
-                <a:effectLst/>
-                <a:latin typeface="Consolas" panose="020B0609020204030204" pitchFamily="49" charset="0"/>
-              </a:rPr>
-              <a:t> @biomejs/biome </a:t>
-            </a:r>
-            <a:r>
-              <a:rPr kumimoji="0" lang="fi-FI" altLang="fi-FI" sz="1800" b="1" i="0" u="none" strike="noStrike" cap="none" normalizeH="0" baseline="0" dirty="0" err="1">
-                <a:ln>
-                  <a:noFill/>
-                </a:ln>
-                <a:solidFill>
-                  <a:schemeClr val="tx1"/>
-                </a:solidFill>
-                <a:effectLst/>
-                <a:latin typeface="Consolas" panose="020B0609020204030204" pitchFamily="49" charset="0"/>
-              </a:rPr>
-              <a:t>format</a:t>
-            </a:r>
-            <a:r>
-              <a:rPr kumimoji="0" lang="fi-FI" altLang="fi-FI" sz="1800" b="1" i="0" u="none" strike="noStrike" cap="none" normalizeH="0" baseline="0" dirty="0">
-                <a:ln>
-                  <a:noFill/>
-                </a:ln>
-                <a:solidFill>
-                  <a:schemeClr val="tx1"/>
-                </a:solidFill>
-                <a:effectLst/>
-                <a:latin typeface="Consolas" panose="020B0609020204030204" pitchFamily="49" charset="0"/>
-              </a:rPr>
-              <a:t> --</a:t>
-            </a:r>
-            <a:r>
-              <a:rPr kumimoji="0" lang="fi-FI" altLang="fi-FI" sz="1800" b="1" i="0" u="none" strike="noStrike" cap="none" normalizeH="0" baseline="0" dirty="0" err="1">
-                <a:ln>
-                  <a:noFill/>
-                </a:ln>
-                <a:solidFill>
-                  <a:schemeClr val="tx1"/>
-                </a:solidFill>
-                <a:effectLst/>
-                <a:latin typeface="Consolas" panose="020B0609020204030204" pitchFamily="49" charset="0"/>
-              </a:rPr>
-              <a:t>write</a:t>
-            </a:r>
-            <a:r>
-              <a:rPr kumimoji="0" lang="fi-FI" altLang="fi-FI" sz="1800" b="0" i="0" u="none" strike="noStrike" cap="none" normalizeH="0" baseline="0" dirty="0">
-                <a:ln>
-                  <a:noFill/>
-                </a:ln>
-                <a:solidFill>
-                  <a:schemeClr val="tx1"/>
-                </a:solidFill>
-                <a:effectLst/>
-                <a:latin typeface="Consolas" panose="020B0609020204030204" pitchFamily="49" charset="0"/>
-              </a:rPr>
-              <a:t> --</a:t>
-            </a:r>
-            <a:r>
-              <a:rPr kumimoji="0" lang="fi-FI" altLang="fi-FI" sz="1800" b="0" i="0" u="none" strike="noStrike" cap="none" normalizeH="0" baseline="0" dirty="0" err="1">
-                <a:ln>
-                  <a:noFill/>
-                </a:ln>
-                <a:solidFill>
-                  <a:schemeClr val="tx1"/>
-                </a:solidFill>
-                <a:effectLst/>
-                <a:latin typeface="Consolas" panose="020B0609020204030204" pitchFamily="49" charset="0"/>
-              </a:rPr>
-              <a:t>max-diagnostics</a:t>
-            </a:r>
-            <a:r>
-              <a:rPr kumimoji="0" lang="fi-FI" altLang="fi-FI" sz="1800" b="0" i="0" u="none" strike="noStrike" cap="none" normalizeH="0" baseline="0" dirty="0">
-                <a:ln>
-                  <a:noFill/>
-                </a:ln>
-                <a:solidFill>
-                  <a:schemeClr val="tx1"/>
-                </a:solidFill>
-                <a:effectLst/>
-                <a:latin typeface="Consolas" panose="020B0609020204030204" pitchFamily="49" charset="0"/>
-              </a:rPr>
-              <a:t>=200 --</a:t>
-            </a:r>
-            <a:r>
-              <a:rPr kumimoji="0" lang="fi-FI" altLang="fi-FI" sz="1800" b="0" i="0" u="none" strike="noStrike" cap="none" normalizeH="0" baseline="0" dirty="0" err="1">
-                <a:ln>
-                  <a:noFill/>
-                </a:ln>
-                <a:solidFill>
-                  <a:schemeClr val="tx1"/>
-                </a:solidFill>
-                <a:effectLst/>
-                <a:latin typeface="Consolas" panose="020B0609020204030204" pitchFamily="49" charset="0"/>
-              </a:rPr>
-              <a:t>line-ending</a:t>
-            </a:r>
-            <a:r>
-              <a:rPr kumimoji="0" lang="fi-FI" altLang="fi-FI" sz="1800" b="0" i="0" u="none" strike="noStrike" cap="none" normalizeH="0" baseline="0" dirty="0">
-                <a:ln>
-                  <a:noFill/>
-                </a:ln>
-                <a:solidFill>
-                  <a:schemeClr val="tx1"/>
-                </a:solidFill>
-                <a:effectLst/>
-                <a:latin typeface="Consolas" panose="020B0609020204030204" pitchFamily="49" charset="0"/>
-              </a:rPr>
-              <a:t>=</a:t>
-            </a:r>
-            <a:r>
-              <a:rPr kumimoji="0" lang="fi-FI" altLang="fi-FI" sz="1800" b="0" i="0" u="none" strike="noStrike" cap="none" normalizeH="0" baseline="0" dirty="0" err="1">
-                <a:ln>
-                  <a:noFill/>
-                </a:ln>
-                <a:solidFill>
-                  <a:schemeClr val="tx1"/>
-                </a:solidFill>
-                <a:effectLst/>
-                <a:latin typeface="Consolas" panose="020B0609020204030204" pitchFamily="49" charset="0"/>
-              </a:rPr>
-              <a:t>crlf</a:t>
-            </a:r>
-            <a:r>
-              <a:rPr kumimoji="0" lang="fi-FI" altLang="fi-FI" sz="1800" b="0" i="0" u="none" strike="noStrike" cap="none" normalizeH="0" baseline="0" dirty="0">
-                <a:ln>
-                  <a:noFill/>
-                </a:ln>
-                <a:solidFill>
-                  <a:schemeClr val="tx1"/>
-                </a:solidFill>
-                <a:effectLst/>
-                <a:latin typeface="Consolas" panose="020B0609020204030204" pitchFamily="49" charset="0"/>
-              </a:rPr>
-              <a:t> ./</a:t>
-            </a:r>
-            <a:r>
-              <a:rPr kumimoji="0" lang="fi-FI" altLang="fi-FI" sz="1800" b="0" i="0" u="none" strike="noStrike" cap="none" normalizeH="0" baseline="0" dirty="0" err="1">
-                <a:ln>
-                  <a:noFill/>
-                </a:ln>
-                <a:solidFill>
-                  <a:schemeClr val="tx1"/>
-                </a:solidFill>
-                <a:effectLst/>
-                <a:latin typeface="Consolas" panose="020B0609020204030204" pitchFamily="49" charset="0"/>
-              </a:rPr>
-              <a:t>src</a:t>
-            </a:r>
-            <a:r>
-              <a:rPr kumimoji="0" lang="fi-FI" altLang="fi-FI" sz="1800" b="0" i="0" u="none" strike="noStrike" cap="none" normalizeH="0" baseline="0" dirty="0">
-                <a:ln>
-                  <a:noFill/>
-                </a:ln>
-                <a:solidFill>
-                  <a:schemeClr val="tx1"/>
-                </a:solidFill>
-                <a:effectLst/>
-                <a:latin typeface="Consolas" panose="020B0609020204030204" pitchFamily="49" charset="0"/>
-              </a:rPr>
-              <a:t> </a:t>
-            </a:r>
-          </a:p>
-          <a:p>
-            <a:pPr marL="0" marR="0" lvl="0" indent="0" algn="l" defTabSz="914400" rtl="0" eaLnBrk="0" fontAlgn="base" latinLnBrk="0" hangingPunct="0">
-              <a:lnSpc>
-                <a:spcPct val="100000"/>
-              </a:lnSpc>
-              <a:spcBef>
-                <a:spcPct val="0"/>
-              </a:spcBef>
-              <a:spcAft>
-                <a:spcPct val="0"/>
-              </a:spcAft>
-              <a:buClrTx/>
-              <a:buSzTx/>
-              <a:buFontTx/>
-              <a:buNone/>
-              <a:tabLst/>
-            </a:pPr>
-            <a:endParaRPr kumimoji="0" lang="fi-FI" altLang="fi-FI" sz="1800" b="0" i="0" u="none" strike="noStrike" cap="none" normalizeH="0" baseline="0" dirty="0">
-              <a:ln>
-                <a:noFill/>
-              </a:ln>
-              <a:solidFill>
-                <a:schemeClr val="tx1"/>
-              </a:solidFill>
-              <a:effectLst/>
-              <a:latin typeface="Consolas" panose="020B0609020204030204" pitchFamily="49" charset="0"/>
-            </a:endParaRPr>
-          </a:p>
-          <a:p>
-            <a:pPr marL="0" marR="0" lvl="0" indent="0" algn="l" defTabSz="914400" rtl="0" eaLnBrk="0" fontAlgn="base" latinLnBrk="0" hangingPunct="0">
-              <a:lnSpc>
-                <a:spcPct val="100000"/>
-              </a:lnSpc>
-              <a:spcBef>
-                <a:spcPct val="0"/>
-              </a:spcBef>
-              <a:spcAft>
-                <a:spcPct val="0"/>
-              </a:spcAft>
-              <a:buClrTx/>
-              <a:buSzTx/>
-              <a:buFontTx/>
-              <a:buNone/>
-              <a:tabLst/>
-            </a:pPr>
-            <a:r>
-              <a:rPr kumimoji="0" lang="fi-FI" altLang="fi-FI" sz="1800" b="0" i="0" u="none" strike="noStrike" cap="none" normalizeH="0" baseline="0" dirty="0" err="1">
-                <a:ln>
-                  <a:noFill/>
-                </a:ln>
-                <a:solidFill>
-                  <a:schemeClr val="tx1"/>
-                </a:solidFill>
-                <a:effectLst/>
-                <a:latin typeface="Consolas" panose="020B0609020204030204" pitchFamily="49" charset="0"/>
-              </a:rPr>
-              <a:t>npx</a:t>
-            </a:r>
-            <a:r>
-              <a:rPr kumimoji="0" lang="fi-FI" altLang="fi-FI" sz="1800" b="0" i="0" u="none" strike="noStrike" cap="none" normalizeH="0" baseline="0" dirty="0">
-                <a:ln>
-                  <a:noFill/>
-                </a:ln>
-                <a:solidFill>
-                  <a:schemeClr val="tx1"/>
-                </a:solidFill>
-                <a:effectLst/>
-                <a:latin typeface="Consolas" panose="020B0609020204030204" pitchFamily="49" charset="0"/>
-              </a:rPr>
-              <a:t> @biomejs/biome </a:t>
-            </a:r>
-            <a:r>
-              <a:rPr kumimoji="0" lang="fi-FI" altLang="fi-FI" sz="1800" b="1" i="0" u="none" strike="noStrike" cap="none" normalizeH="0" baseline="0" dirty="0" err="1">
-                <a:ln>
-                  <a:noFill/>
-                </a:ln>
-                <a:solidFill>
-                  <a:schemeClr val="tx1"/>
-                </a:solidFill>
-                <a:effectLst/>
-                <a:latin typeface="Consolas" panose="020B0609020204030204" pitchFamily="49" charset="0"/>
-              </a:rPr>
-              <a:t>check</a:t>
-            </a:r>
-            <a:r>
-              <a:rPr kumimoji="0" lang="fi-FI" altLang="fi-FI" sz="1800" b="0" i="0" u="none" strike="noStrike" cap="none" normalizeH="0" baseline="0" dirty="0">
-                <a:ln>
-                  <a:noFill/>
-                </a:ln>
-                <a:solidFill>
-                  <a:schemeClr val="tx1"/>
-                </a:solidFill>
-                <a:effectLst/>
-                <a:latin typeface="Consolas" panose="020B0609020204030204" pitchFamily="49" charset="0"/>
-              </a:rPr>
-              <a:t>  --</a:t>
-            </a:r>
-            <a:r>
-              <a:rPr kumimoji="0" lang="fi-FI" altLang="fi-FI" sz="1800" b="0" i="0" u="none" strike="noStrike" cap="none" normalizeH="0" baseline="0" dirty="0" err="1">
-                <a:ln>
-                  <a:noFill/>
-                </a:ln>
-                <a:solidFill>
-                  <a:schemeClr val="tx1"/>
-                </a:solidFill>
-                <a:effectLst/>
-                <a:latin typeface="Consolas" panose="020B0609020204030204" pitchFamily="49" charset="0"/>
-              </a:rPr>
-              <a:t>max-diagnostics</a:t>
-            </a:r>
-            <a:r>
-              <a:rPr kumimoji="0" lang="fi-FI" altLang="fi-FI" sz="1800" b="0" i="0" u="none" strike="noStrike" cap="none" normalizeH="0" baseline="0" dirty="0">
-                <a:ln>
-                  <a:noFill/>
-                </a:ln>
-                <a:solidFill>
-                  <a:schemeClr val="tx1"/>
-                </a:solidFill>
-                <a:effectLst/>
-                <a:latin typeface="Consolas" panose="020B0609020204030204" pitchFamily="49" charset="0"/>
-              </a:rPr>
-              <a:t>=200 --</a:t>
-            </a:r>
-            <a:r>
-              <a:rPr kumimoji="0" lang="fi-FI" altLang="fi-FI" sz="1800" b="0" i="0" u="none" strike="noStrike" cap="none" normalizeH="0" baseline="0" dirty="0" err="1">
-                <a:ln>
-                  <a:noFill/>
-                </a:ln>
-                <a:solidFill>
-                  <a:schemeClr val="tx1"/>
-                </a:solidFill>
-                <a:effectLst/>
-                <a:latin typeface="Consolas" panose="020B0609020204030204" pitchFamily="49" charset="0"/>
-              </a:rPr>
-              <a:t>line-ending</a:t>
-            </a:r>
-            <a:r>
-              <a:rPr kumimoji="0" lang="fi-FI" altLang="fi-FI" sz="1800" b="0" i="0" u="none" strike="noStrike" cap="none" normalizeH="0" baseline="0" dirty="0">
-                <a:ln>
-                  <a:noFill/>
-                </a:ln>
-                <a:solidFill>
-                  <a:schemeClr val="tx1"/>
-                </a:solidFill>
-                <a:effectLst/>
-                <a:latin typeface="Consolas" panose="020B0609020204030204" pitchFamily="49" charset="0"/>
-              </a:rPr>
-              <a:t>=</a:t>
-            </a:r>
-            <a:r>
-              <a:rPr kumimoji="0" lang="fi-FI" altLang="fi-FI" sz="1800" b="0" i="0" u="none" strike="noStrike" cap="none" normalizeH="0" baseline="0" dirty="0" err="1">
-                <a:ln>
-                  <a:noFill/>
-                </a:ln>
-                <a:solidFill>
-                  <a:schemeClr val="tx1"/>
-                </a:solidFill>
-                <a:effectLst/>
-                <a:latin typeface="Consolas" panose="020B0609020204030204" pitchFamily="49" charset="0"/>
-              </a:rPr>
-              <a:t>crlf</a:t>
-            </a:r>
-            <a:r>
-              <a:rPr kumimoji="0" lang="fi-FI" altLang="fi-FI" sz="1800" b="0" i="0" u="none" strike="noStrike" cap="none" normalizeH="0" baseline="0" dirty="0">
-                <a:ln>
-                  <a:noFill/>
-                </a:ln>
-                <a:solidFill>
-                  <a:schemeClr val="tx1"/>
-                </a:solidFill>
-                <a:effectLst/>
-                <a:latin typeface="Consolas" panose="020B0609020204030204" pitchFamily="49" charset="0"/>
-              </a:rPr>
-              <a:t> ./</a:t>
-            </a:r>
-            <a:r>
-              <a:rPr kumimoji="0" lang="fi-FI" altLang="fi-FI" sz="1800" b="0" i="0" u="none" strike="noStrike" cap="none" normalizeH="0" baseline="0" dirty="0" err="1">
-                <a:ln>
-                  <a:noFill/>
-                </a:ln>
-                <a:solidFill>
-                  <a:schemeClr val="tx1"/>
-                </a:solidFill>
-                <a:effectLst/>
-                <a:latin typeface="Consolas" panose="020B0609020204030204" pitchFamily="49" charset="0"/>
-              </a:rPr>
-              <a:t>src</a:t>
-            </a:r>
-            <a:endParaRPr kumimoji="0" lang="fi-FI" altLang="fi-FI" sz="1800" b="0" i="0" u="none" strike="noStrike" cap="none" normalizeH="0" baseline="0" dirty="0">
-              <a:ln>
-                <a:noFill/>
-              </a:ln>
-              <a:solidFill>
-                <a:schemeClr val="tx1"/>
-              </a:solidFill>
-              <a:effectLst/>
-              <a:latin typeface="Consolas" panose="020B0609020204030204" pitchFamily="49" charset="0"/>
-            </a:endParaRPr>
-          </a:p>
-          <a:p>
-            <a:pPr marL="0" marR="0" lvl="0" indent="0" algn="l" defTabSz="914400" rtl="0" eaLnBrk="0" fontAlgn="base" latinLnBrk="0" hangingPunct="0">
-              <a:lnSpc>
-                <a:spcPct val="100000"/>
-              </a:lnSpc>
-              <a:spcBef>
-                <a:spcPct val="0"/>
-              </a:spcBef>
-              <a:spcAft>
-                <a:spcPct val="0"/>
-              </a:spcAft>
-              <a:buClrTx/>
-              <a:buSzTx/>
-              <a:buFontTx/>
-              <a:buNone/>
-              <a:tabLst/>
-            </a:pPr>
-            <a:endParaRPr kumimoji="0" lang="fi-FI" altLang="fi-FI" sz="1800" b="0" i="0" u="none" strike="noStrike" cap="none" normalizeH="0" baseline="0" dirty="0">
-              <a:ln>
-                <a:noFill/>
-              </a:ln>
-              <a:solidFill>
-                <a:schemeClr val="tx1"/>
-              </a:solidFill>
-              <a:effectLst/>
-              <a:latin typeface="Consolas" panose="020B0609020204030204" pitchFamily="49" charset="0"/>
-            </a:endParaRPr>
-          </a:p>
-          <a:p>
-            <a:pPr marL="0" marR="0" lvl="0" indent="0" algn="l" defTabSz="914400" rtl="0" eaLnBrk="0" fontAlgn="base" latinLnBrk="0" hangingPunct="0">
-              <a:lnSpc>
-                <a:spcPct val="100000"/>
-              </a:lnSpc>
-              <a:spcBef>
-                <a:spcPct val="0"/>
-              </a:spcBef>
-              <a:spcAft>
-                <a:spcPct val="0"/>
-              </a:spcAft>
-              <a:buClrTx/>
-              <a:buSzTx/>
-              <a:buFontTx/>
-              <a:buNone/>
-              <a:tabLst/>
-            </a:pPr>
-            <a:r>
-              <a:rPr kumimoji="0" lang="fi-FI" altLang="fi-FI" sz="1800" b="0" i="0" u="none" strike="noStrike" cap="none" normalizeH="0" baseline="0" dirty="0" err="1">
-                <a:ln>
-                  <a:noFill/>
-                </a:ln>
-                <a:solidFill>
-                  <a:schemeClr val="tx1"/>
-                </a:solidFill>
-                <a:effectLst/>
-                <a:latin typeface="Consolas" panose="020B0609020204030204" pitchFamily="49" charset="0"/>
-              </a:rPr>
-              <a:t>npx</a:t>
-            </a:r>
-            <a:r>
-              <a:rPr kumimoji="0" lang="fi-FI" altLang="fi-FI" sz="1800" b="0" i="0" u="none" strike="noStrike" cap="none" normalizeH="0" baseline="0" dirty="0">
-                <a:ln>
-                  <a:noFill/>
-                </a:ln>
-                <a:solidFill>
-                  <a:schemeClr val="tx1"/>
-                </a:solidFill>
-                <a:effectLst/>
-                <a:latin typeface="Consolas" panose="020B0609020204030204" pitchFamily="49" charset="0"/>
-              </a:rPr>
-              <a:t> @biomejs/biome </a:t>
-            </a:r>
-            <a:r>
-              <a:rPr kumimoji="0" lang="fi-FI" altLang="fi-FI" sz="1800" b="1" i="0" u="none" strike="noStrike" cap="none" normalizeH="0" baseline="0" dirty="0" err="1">
-                <a:ln>
-                  <a:noFill/>
-                </a:ln>
-                <a:solidFill>
-                  <a:schemeClr val="tx1"/>
-                </a:solidFill>
-                <a:effectLst/>
-                <a:latin typeface="Consolas" panose="020B0609020204030204" pitchFamily="49" charset="0"/>
-              </a:rPr>
-              <a:t>check</a:t>
-            </a:r>
-            <a:r>
-              <a:rPr kumimoji="0" lang="fi-FI" altLang="fi-FI" sz="1800" b="0" i="0" u="none" strike="noStrike" cap="none" normalizeH="0" baseline="0" dirty="0">
-                <a:ln>
-                  <a:noFill/>
-                </a:ln>
-                <a:solidFill>
-                  <a:schemeClr val="tx1"/>
-                </a:solidFill>
-                <a:effectLst/>
-                <a:latin typeface="Consolas" panose="020B0609020204030204" pitchFamily="49" charset="0"/>
-              </a:rPr>
-              <a:t> </a:t>
-            </a:r>
-            <a:r>
-              <a:rPr kumimoji="0" lang="fi-FI" altLang="fi-FI" sz="1800" b="1" i="0" u="none" strike="noStrike" cap="none" normalizeH="0" baseline="0" dirty="0">
-                <a:ln>
-                  <a:noFill/>
-                </a:ln>
-                <a:solidFill>
-                  <a:schemeClr val="tx1"/>
-                </a:solidFill>
-                <a:effectLst/>
-                <a:latin typeface="Consolas" panose="020B0609020204030204" pitchFamily="49" charset="0"/>
-              </a:rPr>
-              <a:t>--</a:t>
-            </a:r>
-            <a:r>
-              <a:rPr kumimoji="0" lang="fi-FI" altLang="fi-FI" sz="1800" b="1" i="0" u="none" strike="noStrike" cap="none" normalizeH="0" baseline="0" dirty="0" err="1">
-                <a:ln>
-                  <a:noFill/>
-                </a:ln>
-                <a:solidFill>
-                  <a:schemeClr val="tx1"/>
-                </a:solidFill>
-                <a:effectLst/>
-                <a:latin typeface="Consolas" panose="020B0609020204030204" pitchFamily="49" charset="0"/>
-              </a:rPr>
-              <a:t>apply</a:t>
-            </a:r>
-            <a:r>
-              <a:rPr kumimoji="0" lang="fi-FI" altLang="fi-FI" sz="1800" b="1" i="0" u="none" strike="noStrike" cap="none" normalizeH="0" baseline="0" dirty="0">
-                <a:ln>
-                  <a:noFill/>
-                </a:ln>
-                <a:solidFill>
-                  <a:schemeClr val="tx1"/>
-                </a:solidFill>
-                <a:effectLst/>
-                <a:latin typeface="Consolas" panose="020B0609020204030204" pitchFamily="49" charset="0"/>
-              </a:rPr>
-              <a:t> </a:t>
-            </a:r>
-            <a:r>
-              <a:rPr kumimoji="0" lang="fi-FI" altLang="fi-FI" sz="1800" b="0" i="0" u="none" strike="noStrike" cap="none" normalizeH="0" baseline="0" dirty="0">
-                <a:ln>
-                  <a:noFill/>
-                </a:ln>
-                <a:solidFill>
-                  <a:schemeClr val="tx1"/>
-                </a:solidFill>
-                <a:effectLst/>
-                <a:latin typeface="Consolas" panose="020B0609020204030204" pitchFamily="49" charset="0"/>
-              </a:rPr>
-              <a:t>--</a:t>
-            </a:r>
-            <a:r>
-              <a:rPr kumimoji="0" lang="fi-FI" altLang="fi-FI" sz="1800" b="0" i="0" u="none" strike="noStrike" cap="none" normalizeH="0" baseline="0" dirty="0" err="1">
-                <a:ln>
-                  <a:noFill/>
-                </a:ln>
-                <a:solidFill>
-                  <a:schemeClr val="tx1"/>
-                </a:solidFill>
-                <a:effectLst/>
-                <a:latin typeface="Consolas" panose="020B0609020204030204" pitchFamily="49" charset="0"/>
-              </a:rPr>
-              <a:t>max-diagnostics</a:t>
-            </a:r>
-            <a:r>
-              <a:rPr kumimoji="0" lang="fi-FI" altLang="fi-FI" sz="1800" b="0" i="0" u="none" strike="noStrike" cap="none" normalizeH="0" baseline="0" dirty="0">
-                <a:ln>
-                  <a:noFill/>
-                </a:ln>
-                <a:solidFill>
-                  <a:schemeClr val="tx1"/>
-                </a:solidFill>
-                <a:effectLst/>
-                <a:latin typeface="Consolas" panose="020B0609020204030204" pitchFamily="49" charset="0"/>
-              </a:rPr>
-              <a:t>=200 --</a:t>
-            </a:r>
-            <a:r>
-              <a:rPr kumimoji="0" lang="fi-FI" altLang="fi-FI" sz="1800" b="0" i="0" u="none" strike="noStrike" cap="none" normalizeH="0" baseline="0" dirty="0" err="1">
-                <a:ln>
-                  <a:noFill/>
-                </a:ln>
-                <a:solidFill>
-                  <a:schemeClr val="tx1"/>
-                </a:solidFill>
-                <a:effectLst/>
-                <a:latin typeface="Consolas" panose="020B0609020204030204" pitchFamily="49" charset="0"/>
-              </a:rPr>
-              <a:t>line-ending</a:t>
-            </a:r>
-            <a:r>
-              <a:rPr kumimoji="0" lang="fi-FI" altLang="fi-FI" sz="1800" b="0" i="0" u="none" strike="noStrike" cap="none" normalizeH="0" baseline="0" dirty="0">
-                <a:ln>
-                  <a:noFill/>
-                </a:ln>
-                <a:solidFill>
-                  <a:schemeClr val="tx1"/>
-                </a:solidFill>
-                <a:effectLst/>
-                <a:latin typeface="Consolas" panose="020B0609020204030204" pitchFamily="49" charset="0"/>
-              </a:rPr>
-              <a:t>=</a:t>
-            </a:r>
-            <a:r>
-              <a:rPr kumimoji="0" lang="fi-FI" altLang="fi-FI" sz="1800" b="0" i="0" u="none" strike="noStrike" cap="none" normalizeH="0" baseline="0" dirty="0" err="1">
-                <a:ln>
-                  <a:noFill/>
-                </a:ln>
-                <a:solidFill>
-                  <a:schemeClr val="tx1"/>
-                </a:solidFill>
-                <a:effectLst/>
-                <a:latin typeface="Consolas" panose="020B0609020204030204" pitchFamily="49" charset="0"/>
-              </a:rPr>
-              <a:t>crlf</a:t>
-            </a:r>
-            <a:r>
-              <a:rPr kumimoji="0" lang="fi-FI" altLang="fi-FI" sz="1800" b="0" i="0" u="none" strike="noStrike" cap="none" normalizeH="0" baseline="0" dirty="0">
-                <a:ln>
-                  <a:noFill/>
-                </a:ln>
-                <a:solidFill>
-                  <a:schemeClr val="tx1"/>
-                </a:solidFill>
-                <a:effectLst/>
-                <a:latin typeface="Consolas" panose="020B0609020204030204" pitchFamily="49" charset="0"/>
-              </a:rPr>
-              <a:t> ./</a:t>
-            </a:r>
-            <a:r>
-              <a:rPr kumimoji="0" lang="fi-FI" altLang="fi-FI" sz="1800" b="0" i="0" u="none" strike="noStrike" cap="none" normalizeH="0" baseline="0" dirty="0" err="1">
-                <a:ln>
-                  <a:noFill/>
-                </a:ln>
-                <a:solidFill>
-                  <a:schemeClr val="tx1"/>
-                </a:solidFill>
-                <a:effectLst/>
-                <a:latin typeface="Consolas" panose="020B0609020204030204" pitchFamily="49" charset="0"/>
-              </a:rPr>
-              <a:t>src</a:t>
-            </a:r>
-            <a:endParaRPr kumimoji="0" lang="fi-FI" altLang="fi-FI" sz="1800" b="0" i="0" u="none" strike="noStrike" cap="none" normalizeH="0" baseline="0" dirty="0">
-              <a:ln>
-                <a:noFill/>
-              </a:ln>
-              <a:solidFill>
-                <a:schemeClr val="tx1"/>
-              </a:solidFill>
-              <a:effectLst/>
-              <a:latin typeface="Consolas" panose="020B0609020204030204" pitchFamily="49" charset="0"/>
-            </a:endParaRPr>
-          </a:p>
-          <a:p>
-            <a:pPr marL="0" marR="0" lvl="0" indent="0" algn="l" defTabSz="914400" rtl="0" eaLnBrk="0" fontAlgn="base" latinLnBrk="0" hangingPunct="0">
-              <a:lnSpc>
-                <a:spcPct val="100000"/>
-              </a:lnSpc>
-              <a:spcBef>
-                <a:spcPct val="0"/>
-              </a:spcBef>
-              <a:spcAft>
-                <a:spcPct val="0"/>
-              </a:spcAft>
-              <a:buClrTx/>
-              <a:buSzTx/>
-              <a:buFontTx/>
-              <a:buNone/>
-              <a:tabLst/>
-            </a:pPr>
-            <a:endParaRPr lang="fi-FI" altLang="fi-FI" dirty="0">
-              <a:latin typeface="Consolas" panose="020B0609020204030204" pitchFamily="49" charset="0"/>
-            </a:endParaRPr>
-          </a:p>
-          <a:p>
-            <a:pPr marL="0" marR="0" lvl="0" indent="0" algn="l" defTabSz="914400" rtl="0" eaLnBrk="0" fontAlgn="base" latinLnBrk="0" hangingPunct="0">
-              <a:lnSpc>
-                <a:spcPct val="100000"/>
-              </a:lnSpc>
-              <a:spcBef>
-                <a:spcPct val="0"/>
-              </a:spcBef>
-              <a:spcAft>
-                <a:spcPct val="0"/>
-              </a:spcAft>
-              <a:buClrTx/>
-              <a:buSzTx/>
-              <a:buFontTx/>
-              <a:buNone/>
-              <a:tabLst/>
-            </a:pPr>
-            <a:r>
-              <a:rPr kumimoji="0" lang="fi-FI" altLang="fi-FI" sz="1800" b="0" i="0" u="none" strike="noStrike" cap="none" normalizeH="0" baseline="0" dirty="0">
-                <a:ln>
-                  <a:noFill/>
-                </a:ln>
-                <a:solidFill>
-                  <a:schemeClr val="tx1"/>
-                </a:solidFill>
-                <a:effectLst/>
-                <a:latin typeface="+mj-lt"/>
-              </a:rPr>
-              <a:t># 200 </a:t>
-            </a:r>
-            <a:r>
-              <a:rPr kumimoji="0" lang="fi-FI" altLang="fi-FI" sz="1800" b="0" i="0" u="none" strike="noStrike" cap="none" normalizeH="0" baseline="0" dirty="0" err="1">
-                <a:ln>
-                  <a:noFill/>
-                </a:ln>
-                <a:solidFill>
-                  <a:schemeClr val="tx1"/>
-                </a:solidFill>
-                <a:effectLst/>
-                <a:latin typeface="+mj-lt"/>
-              </a:rPr>
-              <a:t>here</a:t>
-            </a:r>
-            <a:r>
-              <a:rPr kumimoji="0" lang="fi-FI" altLang="fi-FI" sz="1800" b="0" i="0" u="none" strike="noStrike" cap="none" normalizeH="0" baseline="0" dirty="0">
-                <a:ln>
-                  <a:noFill/>
-                </a:ln>
-                <a:solidFill>
-                  <a:schemeClr val="tx1"/>
-                </a:solidFill>
-                <a:effectLst/>
-                <a:latin typeface="+mj-lt"/>
-              </a:rPr>
-              <a:t> </a:t>
-            </a:r>
-            <a:r>
-              <a:rPr kumimoji="0" lang="fi-FI" altLang="fi-FI" sz="1800" b="0" i="0" u="none" strike="noStrike" cap="none" normalizeH="0" baseline="0" dirty="0" err="1">
-                <a:ln>
-                  <a:noFill/>
-                </a:ln>
-                <a:solidFill>
-                  <a:schemeClr val="tx1"/>
-                </a:solidFill>
-                <a:effectLst/>
-                <a:latin typeface="+mj-lt"/>
-              </a:rPr>
-              <a:t>means</a:t>
-            </a:r>
-            <a:r>
-              <a:rPr kumimoji="0" lang="fi-FI" altLang="fi-FI" sz="1800" b="0" i="0" u="none" strike="noStrike" cap="none" normalizeH="0" baseline="0" dirty="0">
-                <a:ln>
-                  <a:noFill/>
-                </a:ln>
-                <a:solidFill>
-                  <a:schemeClr val="tx1"/>
-                </a:solidFill>
-                <a:effectLst/>
-                <a:latin typeface="+mj-lt"/>
-              </a:rPr>
-              <a:t> it </a:t>
-            </a:r>
-            <a:r>
-              <a:rPr kumimoji="0" lang="fi-FI" altLang="fi-FI" sz="1800" b="0" i="0" u="none" strike="noStrike" cap="none" normalizeH="0" baseline="0" dirty="0" err="1">
-                <a:ln>
-                  <a:noFill/>
-                </a:ln>
-                <a:solidFill>
-                  <a:schemeClr val="tx1"/>
-                </a:solidFill>
-                <a:effectLst/>
-                <a:latin typeface="+mj-lt"/>
-              </a:rPr>
-              <a:t>will</a:t>
-            </a:r>
-            <a:r>
-              <a:rPr kumimoji="0" lang="fi-FI" altLang="fi-FI" sz="1800" b="0" i="0" u="none" strike="noStrike" cap="none" normalizeH="0" baseline="0" dirty="0">
-                <a:ln>
-                  <a:noFill/>
-                </a:ln>
-                <a:solidFill>
-                  <a:schemeClr val="tx1"/>
-                </a:solidFill>
-                <a:effectLst/>
-                <a:latin typeface="+mj-lt"/>
-              </a:rPr>
-              <a:t> </a:t>
-            </a:r>
-            <a:r>
-              <a:rPr kumimoji="0" lang="fi-FI" altLang="fi-FI" sz="1800" b="0" i="0" u="none" strike="noStrike" cap="none" normalizeH="0" baseline="0" dirty="0" err="1">
-                <a:ln>
-                  <a:noFill/>
-                </a:ln>
-                <a:solidFill>
-                  <a:schemeClr val="tx1"/>
-                </a:solidFill>
-                <a:effectLst/>
-                <a:latin typeface="+mj-lt"/>
-              </a:rPr>
-              <a:t>each</a:t>
-            </a:r>
-            <a:r>
-              <a:rPr kumimoji="0" lang="fi-FI" altLang="fi-FI" sz="1800" b="0" i="0" u="none" strike="noStrike" cap="none" normalizeH="0" baseline="0" dirty="0">
-                <a:ln>
-                  <a:noFill/>
-                </a:ln>
-                <a:solidFill>
-                  <a:schemeClr val="tx1"/>
-                </a:solidFill>
-                <a:effectLst/>
-                <a:latin typeface="+mj-lt"/>
-              </a:rPr>
-              <a:t> </a:t>
-            </a:r>
-            <a:r>
-              <a:rPr kumimoji="0" lang="fi-FI" altLang="fi-FI" sz="1800" b="0" i="0" u="none" strike="noStrike" cap="none" normalizeH="0" baseline="0" dirty="0" err="1">
-                <a:ln>
-                  <a:noFill/>
-                </a:ln>
-                <a:solidFill>
-                  <a:schemeClr val="tx1"/>
-                </a:solidFill>
-                <a:effectLst/>
-                <a:latin typeface="+mj-lt"/>
-              </a:rPr>
-              <a:t>time</a:t>
-            </a:r>
-            <a:r>
-              <a:rPr kumimoji="0" lang="fi-FI" altLang="fi-FI" sz="1800" b="0" i="0" u="none" strike="noStrike" cap="none" normalizeH="0" baseline="0" dirty="0">
-                <a:ln>
-                  <a:noFill/>
-                </a:ln>
-                <a:solidFill>
-                  <a:schemeClr val="tx1"/>
-                </a:solidFill>
-                <a:effectLst/>
-                <a:latin typeface="+mj-lt"/>
-              </a:rPr>
-              <a:t> </a:t>
-            </a:r>
-            <a:r>
-              <a:rPr kumimoji="0" lang="fi-FI" altLang="fi-FI" sz="1800" b="0" i="0" u="none" strike="noStrike" cap="none" normalizeH="0" baseline="0" dirty="0" err="1">
-                <a:ln>
-                  <a:noFill/>
-                </a:ln>
-                <a:solidFill>
-                  <a:schemeClr val="tx1"/>
-                </a:solidFill>
-                <a:effectLst/>
-                <a:latin typeface="+mj-lt"/>
-              </a:rPr>
-              <a:t>only</a:t>
-            </a:r>
-            <a:r>
-              <a:rPr kumimoji="0" lang="fi-FI" altLang="fi-FI" sz="1800" b="0" i="0" u="none" strike="noStrike" cap="none" normalizeH="0" baseline="0" dirty="0">
-                <a:ln>
-                  <a:noFill/>
-                </a:ln>
-                <a:solidFill>
-                  <a:schemeClr val="tx1"/>
-                </a:solidFill>
-                <a:effectLst/>
-                <a:latin typeface="+mj-lt"/>
-              </a:rPr>
-              <a:t> </a:t>
-            </a:r>
-            <a:r>
-              <a:rPr kumimoji="0" lang="fi-FI" altLang="fi-FI" sz="1800" b="0" i="0" u="none" strike="noStrike" cap="none" normalizeH="0" baseline="0" dirty="0" err="1">
-                <a:ln>
-                  <a:noFill/>
-                </a:ln>
-                <a:solidFill>
-                  <a:schemeClr val="tx1"/>
-                </a:solidFill>
-                <a:effectLst/>
-                <a:latin typeface="+mj-lt"/>
-              </a:rPr>
-              <a:t>notice</a:t>
-            </a:r>
-            <a:r>
-              <a:rPr kumimoji="0" lang="fi-FI" altLang="fi-FI" sz="1800" b="0" i="0" u="none" strike="noStrike" cap="none" normalizeH="0" baseline="0" dirty="0">
-                <a:ln>
-                  <a:noFill/>
-                </a:ln>
-                <a:solidFill>
-                  <a:schemeClr val="tx1"/>
-                </a:solidFill>
-                <a:effectLst/>
-                <a:latin typeface="+mj-lt"/>
-              </a:rPr>
-              <a:t>/</a:t>
-            </a:r>
-            <a:r>
-              <a:rPr kumimoji="0" lang="fi-FI" altLang="fi-FI" sz="1800" b="0" i="0" u="none" strike="noStrike" cap="none" normalizeH="0" baseline="0" dirty="0" err="1">
-                <a:ln>
-                  <a:noFill/>
-                </a:ln>
-                <a:solidFill>
-                  <a:schemeClr val="tx1"/>
-                </a:solidFill>
-                <a:effectLst/>
-                <a:latin typeface="+mj-lt"/>
-              </a:rPr>
-              <a:t>fix</a:t>
-            </a:r>
-            <a:r>
-              <a:rPr kumimoji="0" lang="fi-FI" altLang="fi-FI" sz="1800" b="0" i="0" u="none" strike="noStrike" cap="none" normalizeH="0" baseline="0" dirty="0">
-                <a:ln>
-                  <a:noFill/>
-                </a:ln>
-                <a:solidFill>
-                  <a:schemeClr val="tx1"/>
-                </a:solidFill>
-                <a:effectLst/>
-                <a:latin typeface="+mj-lt"/>
-              </a:rPr>
-              <a:t> </a:t>
-            </a:r>
-            <a:r>
-              <a:rPr kumimoji="0" lang="fi-FI" altLang="fi-FI" sz="1800" b="0" i="0" u="none" strike="noStrike" cap="none" normalizeH="0" baseline="0" dirty="0" err="1">
-                <a:ln>
-                  <a:noFill/>
-                </a:ln>
-                <a:solidFill>
-                  <a:schemeClr val="tx1"/>
-                </a:solidFill>
-                <a:effectLst/>
-                <a:latin typeface="+mj-lt"/>
-              </a:rPr>
-              <a:t>first</a:t>
-            </a:r>
-            <a:r>
-              <a:rPr kumimoji="0" lang="fi-FI" altLang="fi-FI" sz="1800" b="0" i="0" u="none" strike="noStrike" cap="none" normalizeH="0" baseline="0" dirty="0">
-                <a:ln>
-                  <a:noFill/>
-                </a:ln>
-                <a:solidFill>
-                  <a:schemeClr val="tx1"/>
-                </a:solidFill>
-                <a:effectLst/>
-                <a:latin typeface="+mj-lt"/>
-              </a:rPr>
-              <a:t> 200 </a:t>
-            </a:r>
-            <a:r>
-              <a:rPr kumimoji="0" lang="fi-FI" altLang="fi-FI" sz="1800" b="0" i="0" u="none" strike="noStrike" cap="none" normalizeH="0" baseline="0" dirty="0" err="1">
-                <a:ln>
-                  <a:noFill/>
-                </a:ln>
-                <a:solidFill>
-                  <a:schemeClr val="tx1"/>
-                </a:solidFill>
-                <a:effectLst/>
-                <a:latin typeface="+mj-lt"/>
-              </a:rPr>
-              <a:t>probs</a:t>
-            </a:r>
-            <a:r>
-              <a:rPr kumimoji="0" lang="fi-FI" altLang="fi-FI" sz="1800" b="0" i="0" u="none" strike="noStrike" cap="none" normalizeH="0" baseline="0" dirty="0">
-                <a:ln>
-                  <a:noFill/>
-                </a:ln>
-                <a:solidFill>
-                  <a:schemeClr val="tx1"/>
-                </a:solidFill>
-                <a:effectLst/>
-                <a:latin typeface="+mj-lt"/>
-              </a:rPr>
-              <a:t>!</a:t>
-            </a:r>
-          </a:p>
-        </p:txBody>
-      </p:sp>
     </p:spTree>
     <p:extLst>
       <p:ext uri="{BB962C8B-B14F-4D97-AF65-F5344CB8AC3E}">
-        <p14:creationId xmlns:p14="http://schemas.microsoft.com/office/powerpoint/2010/main" val="1492789356"/>
+        <p14:creationId xmlns:p14="http://schemas.microsoft.com/office/powerpoint/2010/main" val="663343295"/>
       </p:ext>
     </p:extLst>
   </p:cSld>
@@ -12573,21 +14237,21 @@
 </file>
 
 <file path=customXml/item1.xml><?xml version="1.0" encoding="utf-8"?>
+<?mso-contentType ?>
+<FormTemplates xmlns="http://schemas.microsoft.com/sharepoint/v3/contenttype/forms">
+  <Display>DocumentLibraryForm</Display>
+  <Edit>DocumentLibraryForm</Edit>
+  <New>DocumentLibraryForm</New>
+</FormTemplates>
+</file>
+
+<file path=customXml/item2.xml><?xml version="1.0" encoding="utf-8"?>
 <p:properties xmlns:p="http://schemas.microsoft.com/office/2006/metadata/properties" xmlns:xsi="http://www.w3.org/2001/XMLSchema-instance" xmlns:pc="http://schemas.microsoft.com/office/infopath/2007/PartnerControls">
   <documentManagement>
     <PublishingExpirationDate xmlns="http://schemas.microsoft.com/sharepoint/v3" xsi:nil="true"/>
     <PublishingStartDate xmlns="http://schemas.microsoft.com/sharepoint/v3" xsi:nil="true"/>
   </documentManagement>
 </p:properties>
-</file>
-
-<file path=customXml/item2.xml><?xml version="1.0" encoding="utf-8"?>
-<?mso-contentType ?>
-<FormTemplates xmlns="http://schemas.microsoft.com/sharepoint/v3/contenttype/forms">
-  <Display>DocumentLibraryForm</Display>
-  <Edit>DocumentLibraryForm</Edit>
-  <New>DocumentLibraryForm</New>
-</FormTemplates>
 </file>
 
 <file path=customXml/item3.xml><?xml version="1.0" encoding="utf-8"?>
@@ -12723,6 +14387,14 @@
 </file>
 
 <file path=customXml/itemProps1.xml><?xml version="1.0" encoding="utf-8"?>
+<ds:datastoreItem xmlns:ds="http://schemas.openxmlformats.org/officeDocument/2006/customXml" ds:itemID="{D546C03B-CD3A-4EA0-AAA4-0E00E896454E}">
+  <ds:schemaRefs>
+    <ds:schemaRef ds:uri="http://schemas.microsoft.com/sharepoint/v3/contenttype/forms"/>
+  </ds:schemaRefs>
+</ds:datastoreItem>
+</file>
+
+<file path=customXml/itemProps2.xml><?xml version="1.0" encoding="utf-8"?>
 <ds:datastoreItem xmlns:ds="http://schemas.openxmlformats.org/officeDocument/2006/customXml" ds:itemID="{DED4E12E-7268-4B03-A47B-0755D62B5E31}">
   <ds:schemaRefs>
     <ds:schemaRef ds:uri="http://purl.org/dc/dcmitype/"/>
@@ -12734,14 +14406,6 @@
     <ds:schemaRef ds:uri="http://schemas.openxmlformats.org/package/2006/metadata/core-properties"/>
     <ds:schemaRef ds:uri="http://www.w3.org/XML/1998/namespace"/>
     <ds:schemaRef ds:uri="http://purl.org/dc/elements/1.1/"/>
-  </ds:schemaRefs>
-</ds:datastoreItem>
-</file>
-
-<file path=customXml/itemProps2.xml><?xml version="1.0" encoding="utf-8"?>
-<ds:datastoreItem xmlns:ds="http://schemas.openxmlformats.org/officeDocument/2006/customXml" ds:itemID="{D546C03B-CD3A-4EA0-AAA4-0E00E896454E}">
-  <ds:schemaRefs>
-    <ds:schemaRef ds:uri="http://schemas.microsoft.com/sharepoint/v3/contenttype/forms"/>
   </ds:schemaRefs>
 </ds:datastoreItem>
 </file>

--- a/TS_basics/TypeScript_usage_understood.pptx
+++ b/TS_basics/TypeScript_usage_understood.pptx
@@ -5,7 +5,7 @@
     <p:sldMasterId id="2147483648" r:id="rId4"/>
   </p:sldMasterIdLst>
   <p:notesMasterIdLst>
-    <p:notesMasterId r:id="rId19"/>
+    <p:notesMasterId r:id="rId20"/>
   </p:notesMasterIdLst>
   <p:sldIdLst>
     <p:sldId id="256" r:id="rId5"/>
@@ -15,13 +15,14 @@
     <p:sldId id="275" r:id="rId9"/>
     <p:sldId id="280" r:id="rId10"/>
     <p:sldId id="276" r:id="rId11"/>
-    <p:sldId id="277" r:id="rId12"/>
-    <p:sldId id="278" r:id="rId13"/>
-    <p:sldId id="287" r:id="rId14"/>
-    <p:sldId id="281" r:id="rId15"/>
-    <p:sldId id="288" r:id="rId16"/>
-    <p:sldId id="283" r:id="rId17"/>
-    <p:sldId id="284" r:id="rId18"/>
+    <p:sldId id="289" r:id="rId12"/>
+    <p:sldId id="277" r:id="rId13"/>
+    <p:sldId id="278" r:id="rId14"/>
+    <p:sldId id="287" r:id="rId15"/>
+    <p:sldId id="281" r:id="rId16"/>
+    <p:sldId id="288" r:id="rId17"/>
+    <p:sldId id="283" r:id="rId18"/>
+    <p:sldId id="284" r:id="rId19"/>
   </p:sldIdLst>
   <p:sldSz cx="12192000" cy="6858000"/>
   <p:notesSz cx="6858000" cy="9144000"/>
@@ -6888,7 +6889,19 @@
             <a:pPr lvl="0"/>
             <a:r>
               <a:rPr lang="en-US" dirty="0"/>
-              <a:t>You can use TypeScript and modern ECMAScript</a:t>
+              <a:t>Renaming source files from .</a:t>
+            </a:r>
+            <a:r>
+              <a:rPr lang="en-US" dirty="0" err="1"/>
+              <a:t>js</a:t>
+            </a:r>
+            <a:r>
+              <a:rPr lang="en-US" dirty="0"/>
+              <a:t> to .</a:t>
+            </a:r>
+            <a:r>
+              <a:rPr lang="en-US" dirty="0" err="1"/>
+              <a:t>ts</a:t>
             </a:r>
             <a:endParaRPr lang="fi-FI" dirty="0"/>
           </a:p>
@@ -6924,80 +6937,7 @@
           <a:p>
             <a:r>
               <a:rPr lang="en-US" dirty="0"/>
-              <a:t>… as TypeScript compiler </a:t>
-            </a:r>
-            <a:r>
-              <a:rPr lang="en-US" dirty="0" err="1"/>
-              <a:t>tsc</a:t>
-            </a:r>
-            <a:r>
-              <a:rPr lang="en-US" dirty="0"/>
-              <a:t> still makes compilation to older ECMAScript understood by the runtime(s)</a:t>
-            </a:r>
-          </a:p>
-          <a:p>
-            <a:r>
-              <a:rPr lang="en-US" b="1" dirty="0"/>
-              <a:t>ECMAScript</a:t>
-            </a:r>
-            <a:r>
-              <a:rPr lang="en-US" dirty="0"/>
-              <a:t>, some tricky features: </a:t>
-            </a:r>
-            <a:r>
-              <a:rPr lang="en-US" dirty="0">
-                <a:hlinkClick r:id="rId2"/>
-              </a:rPr>
-              <a:t>https://github.com/valju/JS_ES_Features/blob/master/ES_advanced/ES_advanced_or_tricky_features.md</a:t>
-            </a:r>
-            <a:r>
-              <a:rPr lang="en-US" dirty="0"/>
-              <a:t> </a:t>
-            </a:r>
-          </a:p>
-          <a:p>
-            <a:r>
-              <a:rPr lang="en-US" b="1" dirty="0"/>
-              <a:t>TypeScript</a:t>
-            </a:r>
-            <a:r>
-              <a:rPr lang="en-US" dirty="0"/>
-              <a:t>, some useful features: </a:t>
-            </a:r>
-            <a:r>
-              <a:rPr lang="en-US" dirty="0">
-                <a:hlinkClick r:id="rId3"/>
-              </a:rPr>
-              <a:t>https://github.com/valju/JS_ES_Features/blob/master/TS_basics/TS_in_a_fullstack_project.md</a:t>
-            </a:r>
-            <a:endParaRPr lang="en-US" dirty="0"/>
-          </a:p>
-          <a:p>
-            <a:r>
-              <a:rPr lang="en-US" dirty="0"/>
-              <a:t>More? </a:t>
-            </a:r>
-          </a:p>
-          <a:p>
-            <a:pPr lvl="1"/>
-            <a:r>
-              <a:rPr lang="en-US" dirty="0"/>
-              <a:t>Look at the course pages </a:t>
-            </a:r>
-          </a:p>
-          <a:p>
-            <a:pPr lvl="1"/>
-            <a:r>
-              <a:rPr lang="en-US" dirty="0"/>
-              <a:t>Search web for TypeScript and ECMAScript </a:t>
-            </a:r>
-            <a:r>
-              <a:rPr lang="en-US" b="1" dirty="0"/>
-              <a:t>cheat sheets</a:t>
-            </a:r>
-            <a:r>
-              <a:rPr lang="en-US" dirty="0"/>
-              <a:t> </a:t>
+              <a:t>… and start using TypeScript / ECMAScript features (e.g. according to the list on course materials)</a:t>
             </a:r>
           </a:p>
         </p:txBody>
@@ -7088,7 +7028,7 @@
     </p:spTree>
     <p:extLst>
       <p:ext uri="{BB962C8B-B14F-4D97-AF65-F5344CB8AC3E}">
-        <p14:creationId xmlns:p14="http://schemas.microsoft.com/office/powerpoint/2010/main" val="2557779571"/>
+        <p14:creationId xmlns:p14="http://schemas.microsoft.com/office/powerpoint/2010/main" val="663343295"/>
       </p:ext>
     </p:extLst>
   </p:cSld>
@@ -7139,9 +7079,117 @@
             <a:pPr lvl="0"/>
             <a:r>
               <a:rPr lang="en-US" dirty="0"/>
-              <a:t>Biome checker that forces to 1. use TS features and 2. to use them correctly</a:t>
+              <a:t>You can use TypeScript and modern ECMAScript</a:t>
             </a:r>
             <a:endParaRPr lang="fi-FI" dirty="0"/>
+          </a:p>
+        </p:txBody>
+      </p:sp>
+      <p:sp>
+        <p:nvSpPr>
+          <p:cNvPr id="9" name="Content Placeholder 8">
+            <a:extLst>
+              <a:ext uri="{FF2B5EF4-FFF2-40B4-BE49-F238E27FC236}">
+                <a16:creationId xmlns:a16="http://schemas.microsoft.com/office/drawing/2014/main" id="{ACDE61D8-A75A-F94B-B57A-46F276C03311}"/>
+              </a:ext>
+            </a:extLst>
+          </p:cNvPr>
+          <p:cNvSpPr>
+            <a:spLocks noGrp="1"/>
+          </p:cNvSpPr>
+          <p:nvPr>
+            <p:ph sz="half" idx="2"/>
+          </p:nvPr>
+        </p:nvSpPr>
+        <p:spPr>
+          <a:xfrm>
+            <a:off x="550864" y="1295074"/>
+            <a:ext cx="11125198" cy="4759498"/>
+          </a:xfrm>
+        </p:spPr>
+        <p:txBody>
+          <a:bodyPr>
+            <a:normAutofit/>
+          </a:bodyPr>
+          <a:lstStyle/>
+          <a:p>
+            <a:r>
+              <a:rPr lang="en-US" dirty="0"/>
+              <a:t>… as TypeScript compiler </a:t>
+            </a:r>
+            <a:r>
+              <a:rPr lang="en-US" dirty="0" err="1"/>
+              <a:t>tsc</a:t>
+            </a:r>
+            <a:r>
+              <a:rPr lang="en-US" dirty="0"/>
+              <a:t> still makes compilation to older ECMAScript understood by the runtime(s)</a:t>
+            </a:r>
+          </a:p>
+          <a:p>
+            <a:r>
+              <a:rPr lang="en-US" b="1" dirty="0"/>
+              <a:t>ECMAScript</a:t>
+            </a:r>
+            <a:r>
+              <a:rPr lang="en-US" dirty="0"/>
+              <a:t>, some tricky features: </a:t>
+            </a:r>
+            <a:r>
+              <a:rPr lang="en-US" dirty="0">
+                <a:hlinkClick r:id="rId2"/>
+              </a:rPr>
+              <a:t>https://github.com/valju/JS_ES_Features/blob/master/ES_advanced/ES_advanced_or_tricky_features.md</a:t>
+            </a:r>
+            <a:r>
+              <a:rPr lang="en-US" dirty="0"/>
+              <a:t> </a:t>
+            </a:r>
+          </a:p>
+          <a:p>
+            <a:r>
+              <a:rPr lang="en-US" b="1" dirty="0"/>
+              <a:t>TypeScript</a:t>
+            </a:r>
+            <a:r>
+              <a:rPr lang="en-US" dirty="0"/>
+              <a:t>, some useful features: </a:t>
+            </a:r>
+            <a:r>
+              <a:rPr lang="en-US" dirty="0">
+                <a:hlinkClick r:id="rId3"/>
+              </a:rPr>
+              <a:t>https://github.com/valju/JS_ES_Features/blob/master/TS_basics/TS_in_a_fullstack_project.md</a:t>
+            </a:r>
+            <a:endParaRPr lang="en-US" dirty="0"/>
+          </a:p>
+          <a:p>
+            <a:r>
+              <a:rPr lang="en-US" dirty="0"/>
+              <a:t>More? </a:t>
+            </a:r>
+          </a:p>
+          <a:p>
+            <a:pPr lvl="1"/>
+            <a:r>
+              <a:rPr lang="en-US" dirty="0"/>
+              <a:t>Look at the course pages </a:t>
+            </a:r>
+          </a:p>
+          <a:p>
+            <a:pPr lvl="1"/>
+            <a:r>
+              <a:rPr lang="en-US" dirty="0"/>
+              <a:t>Search web for TypeScript and ECMAScript </a:t>
+            </a:r>
+            <a:r>
+              <a:rPr lang="en-US" b="1" dirty="0"/>
+              <a:t>cheat sheets</a:t>
+            </a:r>
+            <a:r>
+              <a:rPr lang="en-US" dirty="0"/>
+              <a:t> </a:t>
+            </a:r>
           </a:p>
         </p:txBody>
       </p:sp>
@@ -7223,6 +7271,149 @@
             <a:fld id="{76BAB7ED-EDE9-4D4B-9A2D-30E18C47C16E}" type="slidenum">
               <a:rPr lang="en-GB" smtClean="0"/>
               <a:t>11</a:t>
+            </a:fld>
+            <a:endParaRPr lang="en-GB"/>
+          </a:p>
+        </p:txBody>
+      </p:sp>
+    </p:spTree>
+    <p:extLst>
+      <p:ext uri="{BB962C8B-B14F-4D97-AF65-F5344CB8AC3E}">
+        <p14:creationId xmlns:p14="http://schemas.microsoft.com/office/powerpoint/2010/main" val="2557779571"/>
+      </p:ext>
+    </p:extLst>
+  </p:cSld>
+  <p:clrMapOvr>
+    <a:masterClrMapping/>
+  </p:clrMapOvr>
+</p:sld>
+</file>
+
+<file path=ppt/slides/slide12.xml><?xml version="1.0" encoding="utf-8"?>
+<p:sld xmlns:a="http://schemas.openxmlformats.org/drawingml/2006/main" xmlns:r="http://schemas.openxmlformats.org/officeDocument/2006/relationships" xmlns:p="http://schemas.openxmlformats.org/presentationml/2006/main">
+  <p:cSld>
+    <p:spTree>
+      <p:nvGrpSpPr>
+        <p:cNvPr id="1" name=""/>
+        <p:cNvGrpSpPr/>
+        <p:nvPr/>
+      </p:nvGrpSpPr>
+      <p:grpSpPr>
+        <a:xfrm>
+          <a:off x="0" y="0"/>
+          <a:ext cx="0" cy="0"/>
+          <a:chOff x="0" y="0"/>
+          <a:chExt cx="0" cy="0"/>
+        </a:xfrm>
+      </p:grpSpPr>
+      <p:sp>
+        <p:nvSpPr>
+          <p:cNvPr id="8" name="Title 7">
+            <a:extLst>
+              <a:ext uri="{FF2B5EF4-FFF2-40B4-BE49-F238E27FC236}">
+                <a16:creationId xmlns:a16="http://schemas.microsoft.com/office/drawing/2014/main" id="{197044C3-CD23-D844-B780-26FABA91AD0F}"/>
+              </a:ext>
+            </a:extLst>
+          </p:cNvPr>
+          <p:cNvSpPr>
+            <a:spLocks noGrp="1"/>
+          </p:cNvSpPr>
+          <p:nvPr>
+            <p:ph type="title"/>
+          </p:nvPr>
+        </p:nvSpPr>
+        <p:spPr/>
+        <p:txBody>
+          <a:bodyPr/>
+          <a:lstStyle/>
+          <a:p>
+            <a:pPr lvl="0"/>
+            <a:r>
+              <a:rPr lang="en-US" dirty="0"/>
+              <a:t>Biome checker that forces to 1. use TS features and 2. to use them correctly</a:t>
+            </a:r>
+            <a:endParaRPr lang="fi-FI" dirty="0"/>
+          </a:p>
+        </p:txBody>
+      </p:sp>
+      <p:sp>
+        <p:nvSpPr>
+          <p:cNvPr id="5" name="Date Placeholder 4">
+            <a:extLst>
+              <a:ext uri="{FF2B5EF4-FFF2-40B4-BE49-F238E27FC236}">
+                <a16:creationId xmlns:a16="http://schemas.microsoft.com/office/drawing/2014/main" id="{976244E2-AA76-2742-B2EC-FEC79276155C}"/>
+              </a:ext>
+            </a:extLst>
+          </p:cNvPr>
+          <p:cNvSpPr>
+            <a:spLocks noGrp="1"/>
+          </p:cNvSpPr>
+          <p:nvPr>
+            <p:ph type="dt" sz="half" idx="10"/>
+          </p:nvPr>
+        </p:nvSpPr>
+        <p:spPr/>
+        <p:txBody>
+          <a:bodyPr/>
+          <a:lstStyle/>
+          <a:p>
+            <a:fld id="{202E1EC2-47B8-044B-A09E-6A63B4D80C87}" type="datetime1">
+              <a:rPr lang="fi-FI" smtClean="0"/>
+              <a:t>3.10.2024</a:t>
+            </a:fld>
+            <a:endParaRPr lang="en-GB"/>
+          </a:p>
+        </p:txBody>
+      </p:sp>
+      <p:sp>
+        <p:nvSpPr>
+          <p:cNvPr id="6" name="Footer Placeholder 5">
+            <a:extLst>
+              <a:ext uri="{FF2B5EF4-FFF2-40B4-BE49-F238E27FC236}">
+                <a16:creationId xmlns:a16="http://schemas.microsoft.com/office/drawing/2014/main" id="{588CE607-4137-8840-8FEA-42EAC857E3A3}"/>
+              </a:ext>
+            </a:extLst>
+          </p:cNvPr>
+          <p:cNvSpPr>
+            <a:spLocks noGrp="1"/>
+          </p:cNvSpPr>
+          <p:nvPr>
+            <p:ph type="ftr" sz="quarter" idx="11"/>
+          </p:nvPr>
+        </p:nvSpPr>
+        <p:spPr/>
+        <p:txBody>
+          <a:bodyPr/>
+          <a:lstStyle/>
+          <a:p>
+            <a:endParaRPr lang="en-GB"/>
+          </a:p>
+        </p:txBody>
+      </p:sp>
+      <p:sp>
+        <p:nvSpPr>
+          <p:cNvPr id="7" name="Slide Number Placeholder 6">
+            <a:extLst>
+              <a:ext uri="{FF2B5EF4-FFF2-40B4-BE49-F238E27FC236}">
+                <a16:creationId xmlns:a16="http://schemas.microsoft.com/office/drawing/2014/main" id="{2E133A96-6C73-0844-B8CB-27C2B5F4CFB1}"/>
+              </a:ext>
+            </a:extLst>
+          </p:cNvPr>
+          <p:cNvSpPr>
+            <a:spLocks noGrp="1"/>
+          </p:cNvSpPr>
+          <p:nvPr>
+            <p:ph type="sldNum" sz="quarter" idx="12"/>
+          </p:nvPr>
+        </p:nvSpPr>
+        <p:spPr/>
+        <p:txBody>
+          <a:bodyPr/>
+          <a:lstStyle/>
+          <a:p>
+            <a:fld id="{76BAB7ED-EDE9-4D4B-9A2D-30E18C47C16E}" type="slidenum">
+              <a:rPr lang="en-GB" smtClean="0"/>
+              <a:t>12</a:t>
             </a:fld>
             <a:endParaRPr lang="en-GB"/>
           </a:p>
@@ -9616,7 +9807,7 @@
 </p:sld>
 </file>
 
-<file path=ppt/slides/slide12.xml><?xml version="1.0" encoding="utf-8"?>
+<file path=ppt/slides/slide13.xml><?xml version="1.0" encoding="utf-8"?>
 <p:sld xmlns:a="http://schemas.openxmlformats.org/drawingml/2006/main" xmlns:r="http://schemas.openxmlformats.org/officeDocument/2006/relationships" xmlns:p="http://schemas.openxmlformats.org/presentationml/2006/main">
   <p:cSld>
     <p:spTree>
@@ -9751,7 +9942,7 @@
           <a:p>
             <a:fld id="{76BAB7ED-EDE9-4D4B-9A2D-30E18C47C16E}" type="slidenum">
               <a:rPr lang="en-GB" smtClean="0"/>
-              <a:t>12</a:t>
+              <a:t>13</a:t>
             </a:fld>
             <a:endParaRPr lang="en-GB"/>
           </a:p>
@@ -10830,225 +11021,6 @@
     <p:extLst>
       <p:ext uri="{BB962C8B-B14F-4D97-AF65-F5344CB8AC3E}">
         <p14:creationId xmlns:p14="http://schemas.microsoft.com/office/powerpoint/2010/main" val="2691599912"/>
-      </p:ext>
-    </p:extLst>
-  </p:cSld>
-  <p:clrMapOvr>
-    <a:masterClrMapping/>
-  </p:clrMapOvr>
-</p:sld>
-</file>
-
-<file path=ppt/slides/slide13.xml><?xml version="1.0" encoding="utf-8"?>
-<p:sld xmlns:a="http://schemas.openxmlformats.org/drawingml/2006/main" xmlns:r="http://schemas.openxmlformats.org/officeDocument/2006/relationships" xmlns:p="http://schemas.openxmlformats.org/presentationml/2006/main">
-  <p:cSld>
-    <p:spTree>
-      <p:nvGrpSpPr>
-        <p:cNvPr id="1" name=""/>
-        <p:cNvGrpSpPr/>
-        <p:nvPr/>
-      </p:nvGrpSpPr>
-      <p:grpSpPr>
-        <a:xfrm>
-          <a:off x="0" y="0"/>
-          <a:ext cx="0" cy="0"/>
-          <a:chOff x="0" y="0"/>
-          <a:chExt cx="0" cy="0"/>
-        </a:xfrm>
-      </p:grpSpPr>
-      <p:sp>
-        <p:nvSpPr>
-          <p:cNvPr id="8" name="Title 7">
-            <a:extLst>
-              <a:ext uri="{FF2B5EF4-FFF2-40B4-BE49-F238E27FC236}">
-                <a16:creationId xmlns:a16="http://schemas.microsoft.com/office/drawing/2014/main" id="{197044C3-CD23-D844-B780-26FABA91AD0F}"/>
-              </a:ext>
-            </a:extLst>
-          </p:cNvPr>
-          <p:cNvSpPr>
-            <a:spLocks noGrp="1"/>
-          </p:cNvSpPr>
-          <p:nvPr>
-            <p:ph type="title"/>
-          </p:nvPr>
-        </p:nvSpPr>
-        <p:spPr/>
-        <p:txBody>
-          <a:bodyPr/>
-          <a:lstStyle/>
-          <a:p>
-            <a:pPr lvl="0"/>
-            <a:r>
-              <a:rPr lang="en-US" dirty="0"/>
-              <a:t>Install the TS versions of libraries, with their type definition modules</a:t>
-            </a:r>
-            <a:endParaRPr lang="fi-FI" dirty="0"/>
-          </a:p>
-        </p:txBody>
-      </p:sp>
-      <p:sp>
-        <p:nvSpPr>
-          <p:cNvPr id="9" name="Content Placeholder 8">
-            <a:extLst>
-              <a:ext uri="{FF2B5EF4-FFF2-40B4-BE49-F238E27FC236}">
-                <a16:creationId xmlns:a16="http://schemas.microsoft.com/office/drawing/2014/main" id="{ACDE61D8-A75A-F94B-B57A-46F276C03311}"/>
-              </a:ext>
-            </a:extLst>
-          </p:cNvPr>
-          <p:cNvSpPr>
-            <a:spLocks noGrp="1"/>
-          </p:cNvSpPr>
-          <p:nvPr>
-            <p:ph sz="half" idx="2"/>
-          </p:nvPr>
-        </p:nvSpPr>
-        <p:spPr>
-          <a:xfrm>
-            <a:off x="550864" y="1295074"/>
-            <a:ext cx="11125198" cy="4759498"/>
-          </a:xfrm>
-        </p:spPr>
-        <p:txBody>
-          <a:bodyPr>
-            <a:normAutofit/>
-          </a:bodyPr>
-          <a:lstStyle/>
-          <a:p>
-            <a:endParaRPr lang="en-US" dirty="0"/>
-          </a:p>
-          <a:p>
-            <a:endParaRPr lang="en-US" dirty="0"/>
-          </a:p>
-          <a:p>
-            <a:r>
-              <a:rPr lang="en-US" dirty="0"/>
-              <a:t>E.g. </a:t>
-            </a:r>
-          </a:p>
-          <a:p>
-            <a:pPr marL="0" indent="0">
-              <a:buNone/>
-            </a:pPr>
-            <a:r>
-              <a:rPr lang="en-US" dirty="0">
-                <a:latin typeface="Consolas" panose="020B0609020204030204" pitchFamily="49" charset="0"/>
-              </a:rPr>
-              <a:t>&gt; </a:t>
-            </a:r>
-            <a:r>
-              <a:rPr lang="en-US" dirty="0" err="1">
-                <a:latin typeface="Consolas" panose="020B0609020204030204" pitchFamily="49" charset="0"/>
-              </a:rPr>
-              <a:t>npm</a:t>
-            </a:r>
-            <a:r>
-              <a:rPr lang="en-US" dirty="0">
-                <a:latin typeface="Consolas" panose="020B0609020204030204" pitchFamily="49" charset="0"/>
-              </a:rPr>
-              <a:t> </a:t>
-            </a:r>
-            <a:r>
-              <a:rPr lang="en-US" dirty="0" err="1">
-                <a:latin typeface="Consolas" panose="020B0609020204030204" pitchFamily="49" charset="0"/>
-              </a:rPr>
-              <a:t>i</a:t>
-            </a:r>
-            <a:r>
-              <a:rPr lang="en-US" dirty="0">
-                <a:latin typeface="Consolas" panose="020B0609020204030204" pitchFamily="49" charset="0"/>
-              </a:rPr>
-              <a:t> --save express @types/node @types/react @types/react-dom @types/jest</a:t>
-            </a:r>
-          </a:p>
-        </p:txBody>
-      </p:sp>
-      <p:sp>
-        <p:nvSpPr>
-          <p:cNvPr id="5" name="Date Placeholder 4">
-            <a:extLst>
-              <a:ext uri="{FF2B5EF4-FFF2-40B4-BE49-F238E27FC236}">
-                <a16:creationId xmlns:a16="http://schemas.microsoft.com/office/drawing/2014/main" id="{976244E2-AA76-2742-B2EC-FEC79276155C}"/>
-              </a:ext>
-            </a:extLst>
-          </p:cNvPr>
-          <p:cNvSpPr>
-            <a:spLocks noGrp="1"/>
-          </p:cNvSpPr>
-          <p:nvPr>
-            <p:ph type="dt" sz="half" idx="10"/>
-          </p:nvPr>
-        </p:nvSpPr>
-        <p:spPr/>
-        <p:txBody>
-          <a:bodyPr/>
-          <a:lstStyle/>
-          <a:p>
-            <a:fld id="{202E1EC2-47B8-044B-A09E-6A63B4D80C87}" type="datetime1">
-              <a:rPr lang="fi-FI" smtClean="0"/>
-              <a:t>3.10.2024</a:t>
-            </a:fld>
-            <a:endParaRPr lang="en-GB"/>
-          </a:p>
-        </p:txBody>
-      </p:sp>
-      <p:sp>
-        <p:nvSpPr>
-          <p:cNvPr id="6" name="Footer Placeholder 5">
-            <a:extLst>
-              <a:ext uri="{FF2B5EF4-FFF2-40B4-BE49-F238E27FC236}">
-                <a16:creationId xmlns:a16="http://schemas.microsoft.com/office/drawing/2014/main" id="{588CE607-4137-8840-8FEA-42EAC857E3A3}"/>
-              </a:ext>
-            </a:extLst>
-          </p:cNvPr>
-          <p:cNvSpPr>
-            <a:spLocks noGrp="1"/>
-          </p:cNvSpPr>
-          <p:nvPr>
-            <p:ph type="ftr" sz="quarter" idx="11"/>
-          </p:nvPr>
-        </p:nvSpPr>
-        <p:spPr/>
-        <p:txBody>
-          <a:bodyPr/>
-          <a:lstStyle/>
-          <a:p>
-            <a:endParaRPr lang="en-GB"/>
-          </a:p>
-        </p:txBody>
-      </p:sp>
-      <p:sp>
-        <p:nvSpPr>
-          <p:cNvPr id="7" name="Slide Number Placeholder 6">
-            <a:extLst>
-              <a:ext uri="{FF2B5EF4-FFF2-40B4-BE49-F238E27FC236}">
-                <a16:creationId xmlns:a16="http://schemas.microsoft.com/office/drawing/2014/main" id="{2E133A96-6C73-0844-B8CB-27C2B5F4CFB1}"/>
-              </a:ext>
-            </a:extLst>
-          </p:cNvPr>
-          <p:cNvSpPr>
-            <a:spLocks noGrp="1"/>
-          </p:cNvSpPr>
-          <p:nvPr>
-            <p:ph type="sldNum" sz="quarter" idx="12"/>
-          </p:nvPr>
-        </p:nvSpPr>
-        <p:spPr/>
-        <p:txBody>
-          <a:bodyPr/>
-          <a:lstStyle/>
-          <a:p>
-            <a:fld id="{76BAB7ED-EDE9-4D4B-9A2D-30E18C47C16E}" type="slidenum">
-              <a:rPr lang="en-GB" smtClean="0"/>
-              <a:t>13</a:t>
-            </a:fld>
-            <a:endParaRPr lang="en-GB"/>
-          </a:p>
-        </p:txBody>
-      </p:sp>
-    </p:spTree>
-    <p:extLst>
-      <p:ext uri="{BB962C8B-B14F-4D97-AF65-F5344CB8AC3E}">
-        <p14:creationId xmlns:p14="http://schemas.microsoft.com/office/powerpoint/2010/main" val="1945319992"/>
       </p:ext>
     </p:extLst>
   </p:cSld>
@@ -11099,7 +11071,7 @@
             <a:pPr lvl="0"/>
             <a:r>
               <a:rPr lang="en-US" dirty="0"/>
-              <a:t>Understand compilation-time vs run-time</a:t>
+              <a:t>Install the TS versions of libraries, with their type definition modules</a:t>
             </a:r>
             <a:endParaRPr lang="fi-FI" dirty="0"/>
           </a:p>
@@ -11133,149 +11105,50 @@
           </a:bodyPr>
           <a:lstStyle/>
           <a:p>
+            <a:endParaRPr lang="en-US" dirty="0"/>
+          </a:p>
+          <a:p>
+            <a:endParaRPr lang="en-US" dirty="0"/>
+          </a:p>
+          <a:p>
             <a:r>
               <a:rPr lang="en-US" dirty="0"/>
-              <a:t>- 1. Compilation time:    </a:t>
-            </a:r>
-            <a:r>
-              <a:rPr lang="en-US" b="1" dirty="0" err="1"/>
-              <a:t>tsc</a:t>
-            </a:r>
-            <a:r>
-              <a:rPr lang="en-US" dirty="0"/>
-              <a:t> (TypeScript compiler) </a:t>
-            </a:r>
-            <a:r>
-              <a:rPr lang="en-US" b="1" dirty="0"/>
-              <a:t>.</a:t>
-            </a:r>
-            <a:r>
-              <a:rPr lang="en-US" b="1" dirty="0" err="1"/>
-              <a:t>ts</a:t>
-            </a:r>
-            <a:r>
-              <a:rPr lang="en-US" b="1" dirty="0"/>
+              <a:t>E.g. </a:t>
+            </a:r>
+          </a:p>
+          <a:p>
+            <a:pPr marL="0" indent="0">
+              <a:buNone/>
+            </a:pPr>
+            <a:r>
+              <a:rPr lang="en-US" dirty="0">
+                <a:latin typeface="Consolas" panose="020B0609020204030204" pitchFamily="49" charset="0"/>
+              </a:rPr>
+              <a:t>&gt; </a:t>
+            </a:r>
+            <a:r>
+              <a:rPr lang="en-US" dirty="0" err="1">
+                <a:latin typeface="Consolas" panose="020B0609020204030204" pitchFamily="49" charset="0"/>
+              </a:rPr>
+              <a:t>npm</a:t>
+            </a:r>
+            <a:r>
+              <a:rPr lang="en-US" dirty="0">
+                <a:latin typeface="Consolas" panose="020B0609020204030204" pitchFamily="49" charset="0"/>
+              </a:rPr>
               <a:t> </a:t>
             </a:r>
             <a:r>
+              <a:rPr lang="en-US" dirty="0" err="1">
+                <a:latin typeface="Consolas" panose="020B0609020204030204" pitchFamily="49" charset="0"/>
+              </a:rPr>
+              <a:t>i</a:t>
+            </a:r>
+            <a:r>
               <a:rPr lang="en-US" dirty="0">
-                <a:sym typeface="Symbol" panose="05050102010706020507" pitchFamily="18" charset="2"/>
-              </a:rPr>
-              <a:t></a:t>
-            </a:r>
-            <a:r>
-              <a:rPr lang="en-US" dirty="0"/>
-              <a:t> </a:t>
-            </a:r>
-            <a:r>
-              <a:rPr lang="en-US" b="1" dirty="0"/>
-              <a:t>.</a:t>
-            </a:r>
-            <a:r>
-              <a:rPr lang="en-US" b="1" dirty="0" err="1"/>
-              <a:t>js</a:t>
-            </a:r>
-            <a:endParaRPr lang="en-US" b="1" dirty="0"/>
-          </a:p>
-          <a:p>
-            <a:r>
-              <a:rPr lang="en-US" dirty="0"/>
-              <a:t>- 2. Runtime:                run the </a:t>
-            </a:r>
-            <a:r>
-              <a:rPr lang="en-US" b="1" dirty="0"/>
-              <a:t>.</a:t>
-            </a:r>
-            <a:r>
-              <a:rPr lang="en-US" b="1" dirty="0" err="1"/>
-              <a:t>js</a:t>
-            </a:r>
-            <a:r>
-              <a:rPr lang="en-US" dirty="0"/>
-              <a:t>,    e.g. with </a:t>
-            </a:r>
-            <a:r>
-              <a:rPr lang="en-US" b="1" dirty="0"/>
-              <a:t>node</a:t>
-            </a:r>
-            <a:r>
-              <a:rPr lang="en-US" dirty="0"/>
-              <a:t>, </a:t>
-            </a:r>
-            <a:r>
-              <a:rPr lang="en-US" b="1" dirty="0" err="1"/>
-              <a:t>nodemon</a:t>
-            </a:r>
-            <a:r>
-              <a:rPr lang="en-US" dirty="0"/>
-              <a:t>, </a:t>
-            </a:r>
-            <a:r>
-              <a:rPr lang="en-US" b="1" dirty="0"/>
-              <a:t>pm2</a:t>
-            </a:r>
-            <a:r>
-              <a:rPr lang="en-US" dirty="0"/>
-              <a:t>         or so</a:t>
-            </a:r>
-          </a:p>
-          <a:p>
-            <a:endParaRPr lang="en-US" dirty="0"/>
-          </a:p>
-          <a:p>
-            <a:r>
-              <a:rPr lang="en-US" dirty="0"/>
-              <a:t>See also how all TS tools are in </a:t>
-            </a:r>
-            <a:r>
-              <a:rPr lang="en-US" b="1" dirty="0" err="1"/>
-              <a:t>devDependencies</a:t>
-            </a:r>
-            <a:r>
-              <a:rPr lang="en-US" dirty="0"/>
-              <a:t> in </a:t>
-            </a:r>
-            <a:r>
-              <a:rPr lang="en-US" b="1" dirty="0" err="1"/>
-              <a:t>package.json</a:t>
-            </a:r>
-            <a:r>
-              <a:rPr lang="en-US" dirty="0"/>
-              <a:t>, for development time steps and processes. Whereas JS tools and modules are in </a:t>
-            </a:r>
-            <a:r>
-              <a:rPr lang="en-US" b="1" dirty="0"/>
-              <a:t>dependencies</a:t>
-            </a:r>
-            <a:r>
-              <a:rPr lang="en-US" dirty="0"/>
-              <a:t> for the running time </a:t>
-            </a:r>
-            <a:r>
-              <a:rPr lang="en-US"/>
-              <a:t>/ production.</a:t>
-            </a:r>
-            <a:endParaRPr lang="en-US" dirty="0"/>
-          </a:p>
-          <a:p>
-            <a:endParaRPr lang="en-US" dirty="0"/>
-          </a:p>
-          <a:p>
-            <a:r>
-              <a:rPr lang="en-US" dirty="0"/>
-              <a:t>(2. or use the </a:t>
-            </a:r>
-            <a:r>
-              <a:rPr lang="en-US" b="1" dirty="0" err="1"/>
-              <a:t>ts</a:t>
-            </a:r>
-            <a:r>
-              <a:rPr lang="en-US" b="1" dirty="0"/>
-              <a:t>-node</a:t>
-            </a:r>
-            <a:r>
-              <a:rPr lang="en-US" dirty="0"/>
-              <a:t> for combining the compilation and running as one bit slower step)</a:t>
+                <a:latin typeface="Consolas" panose="020B0609020204030204" pitchFamily="49" charset="0"/>
+              </a:rPr>
+              <a:t> --save express @types/node @types/react @types/react-dom @types/jest</a:t>
             </a:r>
           </a:p>
         </p:txBody>
@@ -11358,6 +11231,324 @@
             <a:fld id="{76BAB7ED-EDE9-4D4B-9A2D-30E18C47C16E}" type="slidenum">
               <a:rPr lang="en-GB" smtClean="0"/>
               <a:t>14</a:t>
+            </a:fld>
+            <a:endParaRPr lang="en-GB"/>
+          </a:p>
+        </p:txBody>
+      </p:sp>
+    </p:spTree>
+    <p:extLst>
+      <p:ext uri="{BB962C8B-B14F-4D97-AF65-F5344CB8AC3E}">
+        <p14:creationId xmlns:p14="http://schemas.microsoft.com/office/powerpoint/2010/main" val="1945319992"/>
+      </p:ext>
+    </p:extLst>
+  </p:cSld>
+  <p:clrMapOvr>
+    <a:masterClrMapping/>
+  </p:clrMapOvr>
+</p:sld>
+</file>
+
+<file path=ppt/slides/slide15.xml><?xml version="1.0" encoding="utf-8"?>
+<p:sld xmlns:a="http://schemas.openxmlformats.org/drawingml/2006/main" xmlns:r="http://schemas.openxmlformats.org/officeDocument/2006/relationships" xmlns:p="http://schemas.openxmlformats.org/presentationml/2006/main">
+  <p:cSld>
+    <p:spTree>
+      <p:nvGrpSpPr>
+        <p:cNvPr id="1" name=""/>
+        <p:cNvGrpSpPr/>
+        <p:nvPr/>
+      </p:nvGrpSpPr>
+      <p:grpSpPr>
+        <a:xfrm>
+          <a:off x="0" y="0"/>
+          <a:ext cx="0" cy="0"/>
+          <a:chOff x="0" y="0"/>
+          <a:chExt cx="0" cy="0"/>
+        </a:xfrm>
+      </p:grpSpPr>
+      <p:sp>
+        <p:nvSpPr>
+          <p:cNvPr id="8" name="Title 7">
+            <a:extLst>
+              <a:ext uri="{FF2B5EF4-FFF2-40B4-BE49-F238E27FC236}">
+                <a16:creationId xmlns:a16="http://schemas.microsoft.com/office/drawing/2014/main" id="{197044C3-CD23-D844-B780-26FABA91AD0F}"/>
+              </a:ext>
+            </a:extLst>
+          </p:cNvPr>
+          <p:cNvSpPr>
+            <a:spLocks noGrp="1"/>
+          </p:cNvSpPr>
+          <p:nvPr>
+            <p:ph type="title"/>
+          </p:nvPr>
+        </p:nvSpPr>
+        <p:spPr/>
+        <p:txBody>
+          <a:bodyPr/>
+          <a:lstStyle/>
+          <a:p>
+            <a:pPr lvl="0"/>
+            <a:r>
+              <a:rPr lang="en-US" dirty="0"/>
+              <a:t>Understand compilation-time vs run-time</a:t>
+            </a:r>
+            <a:endParaRPr lang="fi-FI" dirty="0"/>
+          </a:p>
+        </p:txBody>
+      </p:sp>
+      <p:sp>
+        <p:nvSpPr>
+          <p:cNvPr id="9" name="Content Placeholder 8">
+            <a:extLst>
+              <a:ext uri="{FF2B5EF4-FFF2-40B4-BE49-F238E27FC236}">
+                <a16:creationId xmlns:a16="http://schemas.microsoft.com/office/drawing/2014/main" id="{ACDE61D8-A75A-F94B-B57A-46F276C03311}"/>
+              </a:ext>
+            </a:extLst>
+          </p:cNvPr>
+          <p:cNvSpPr>
+            <a:spLocks noGrp="1"/>
+          </p:cNvSpPr>
+          <p:nvPr>
+            <p:ph sz="half" idx="2"/>
+          </p:nvPr>
+        </p:nvSpPr>
+        <p:spPr>
+          <a:xfrm>
+            <a:off x="550864" y="1295074"/>
+            <a:ext cx="11125198" cy="4759498"/>
+          </a:xfrm>
+        </p:spPr>
+        <p:txBody>
+          <a:bodyPr>
+            <a:normAutofit/>
+          </a:bodyPr>
+          <a:lstStyle/>
+          <a:p>
+            <a:r>
+              <a:rPr lang="en-US" dirty="0"/>
+              <a:t>- 1. Compilation time:    </a:t>
+            </a:r>
+            <a:r>
+              <a:rPr lang="en-US" b="1" dirty="0" err="1"/>
+              <a:t>tsc</a:t>
+            </a:r>
+            <a:r>
+              <a:rPr lang="en-US" dirty="0"/>
+              <a:t> (TypeScript compiler) </a:t>
+            </a:r>
+            <a:r>
+              <a:rPr lang="en-US" b="1" dirty="0"/>
+              <a:t>.</a:t>
+            </a:r>
+            <a:r>
+              <a:rPr lang="en-US" b="1" dirty="0" err="1"/>
+              <a:t>ts</a:t>
+            </a:r>
+            <a:r>
+              <a:rPr lang="en-US" b="1" dirty="0"/>
+              <a:t> </a:t>
+            </a:r>
+            <a:r>
+              <a:rPr lang="en-US" dirty="0">
+                <a:sym typeface="Symbol" panose="05050102010706020507" pitchFamily="18" charset="2"/>
+              </a:rPr>
+              <a:t></a:t>
+            </a:r>
+            <a:r>
+              <a:rPr lang="en-US" dirty="0"/>
+              <a:t> </a:t>
+            </a:r>
+            <a:r>
+              <a:rPr lang="en-US" b="1" dirty="0"/>
+              <a:t>.</a:t>
+            </a:r>
+            <a:r>
+              <a:rPr lang="en-US" b="1" dirty="0" err="1"/>
+              <a:t>js</a:t>
+            </a:r>
+            <a:endParaRPr lang="en-US" b="1" dirty="0"/>
+          </a:p>
+          <a:p>
+            <a:r>
+              <a:rPr lang="en-US" dirty="0"/>
+              <a:t>- 2. Runtime:                run the </a:t>
+            </a:r>
+            <a:r>
+              <a:rPr lang="en-US" b="1" dirty="0"/>
+              <a:t>.</a:t>
+            </a:r>
+            <a:r>
+              <a:rPr lang="en-US" b="1" dirty="0" err="1"/>
+              <a:t>js</a:t>
+            </a:r>
+            <a:r>
+              <a:rPr lang="en-US" dirty="0"/>
+              <a:t>,    e.g. with </a:t>
+            </a:r>
+            <a:r>
+              <a:rPr lang="en-US" b="1" dirty="0"/>
+              <a:t>node</a:t>
+            </a:r>
+            <a:r>
+              <a:rPr lang="en-US" dirty="0"/>
+              <a:t>, </a:t>
+            </a:r>
+            <a:r>
+              <a:rPr lang="en-US" b="1" dirty="0" err="1"/>
+              <a:t>nodemon</a:t>
+            </a:r>
+            <a:r>
+              <a:rPr lang="en-US" dirty="0"/>
+              <a:t>, </a:t>
+            </a:r>
+            <a:r>
+              <a:rPr lang="en-US" b="1" dirty="0"/>
+              <a:t>pm2</a:t>
+            </a:r>
+            <a:r>
+              <a:rPr lang="en-US" dirty="0"/>
+              <a:t>         or so</a:t>
+            </a:r>
+          </a:p>
+          <a:p>
+            <a:endParaRPr lang="en-US" dirty="0"/>
+          </a:p>
+          <a:p>
+            <a:r>
+              <a:rPr lang="en-US" dirty="0"/>
+              <a:t>See also how all TS tools are in </a:t>
+            </a:r>
+            <a:r>
+              <a:rPr lang="en-US" b="1" dirty="0" err="1"/>
+              <a:t>devDependencies</a:t>
+            </a:r>
+            <a:r>
+              <a:rPr lang="en-US" dirty="0"/>
+              <a:t> in </a:t>
+            </a:r>
+            <a:r>
+              <a:rPr lang="en-US" b="1" dirty="0" err="1"/>
+              <a:t>package.json</a:t>
+            </a:r>
+            <a:r>
+              <a:rPr lang="en-US" dirty="0"/>
+              <a:t>, for development time steps and processes. Whereas JS tools and modules are in </a:t>
+            </a:r>
+            <a:r>
+              <a:rPr lang="en-US" b="1" dirty="0"/>
+              <a:t>dependencies</a:t>
+            </a:r>
+            <a:r>
+              <a:rPr lang="en-US" dirty="0"/>
+              <a:t> for the running time </a:t>
+            </a:r>
+            <a:r>
+              <a:rPr lang="en-US"/>
+              <a:t>/ production.</a:t>
+            </a:r>
+            <a:endParaRPr lang="en-US" dirty="0"/>
+          </a:p>
+          <a:p>
+            <a:endParaRPr lang="en-US" dirty="0"/>
+          </a:p>
+          <a:p>
+            <a:r>
+              <a:rPr lang="en-US" dirty="0"/>
+              <a:t>(2. or use the </a:t>
+            </a:r>
+            <a:r>
+              <a:rPr lang="en-US" b="1" dirty="0" err="1"/>
+              <a:t>ts</a:t>
+            </a:r>
+            <a:r>
+              <a:rPr lang="en-US" b="1" dirty="0"/>
+              <a:t>-node</a:t>
+            </a:r>
+            <a:r>
+              <a:rPr lang="en-US" dirty="0"/>
+              <a:t> for combining the compilation and running as one bit slower step)</a:t>
+            </a:r>
+          </a:p>
+        </p:txBody>
+      </p:sp>
+      <p:sp>
+        <p:nvSpPr>
+          <p:cNvPr id="5" name="Date Placeholder 4">
+            <a:extLst>
+              <a:ext uri="{FF2B5EF4-FFF2-40B4-BE49-F238E27FC236}">
+                <a16:creationId xmlns:a16="http://schemas.microsoft.com/office/drawing/2014/main" id="{976244E2-AA76-2742-B2EC-FEC79276155C}"/>
+              </a:ext>
+            </a:extLst>
+          </p:cNvPr>
+          <p:cNvSpPr>
+            <a:spLocks noGrp="1"/>
+          </p:cNvSpPr>
+          <p:nvPr>
+            <p:ph type="dt" sz="half" idx="10"/>
+          </p:nvPr>
+        </p:nvSpPr>
+        <p:spPr/>
+        <p:txBody>
+          <a:bodyPr/>
+          <a:lstStyle/>
+          <a:p>
+            <a:fld id="{202E1EC2-47B8-044B-A09E-6A63B4D80C87}" type="datetime1">
+              <a:rPr lang="fi-FI" smtClean="0"/>
+              <a:t>3.10.2024</a:t>
+            </a:fld>
+            <a:endParaRPr lang="en-GB"/>
+          </a:p>
+        </p:txBody>
+      </p:sp>
+      <p:sp>
+        <p:nvSpPr>
+          <p:cNvPr id="6" name="Footer Placeholder 5">
+            <a:extLst>
+              <a:ext uri="{FF2B5EF4-FFF2-40B4-BE49-F238E27FC236}">
+                <a16:creationId xmlns:a16="http://schemas.microsoft.com/office/drawing/2014/main" id="{588CE607-4137-8840-8FEA-42EAC857E3A3}"/>
+              </a:ext>
+            </a:extLst>
+          </p:cNvPr>
+          <p:cNvSpPr>
+            <a:spLocks noGrp="1"/>
+          </p:cNvSpPr>
+          <p:nvPr>
+            <p:ph type="ftr" sz="quarter" idx="11"/>
+          </p:nvPr>
+        </p:nvSpPr>
+        <p:spPr/>
+        <p:txBody>
+          <a:bodyPr/>
+          <a:lstStyle/>
+          <a:p>
+            <a:endParaRPr lang="en-GB"/>
+          </a:p>
+        </p:txBody>
+      </p:sp>
+      <p:sp>
+        <p:nvSpPr>
+          <p:cNvPr id="7" name="Slide Number Placeholder 6">
+            <a:extLst>
+              <a:ext uri="{FF2B5EF4-FFF2-40B4-BE49-F238E27FC236}">
+                <a16:creationId xmlns:a16="http://schemas.microsoft.com/office/drawing/2014/main" id="{2E133A96-6C73-0844-B8CB-27C2B5F4CFB1}"/>
+              </a:ext>
+            </a:extLst>
+          </p:cNvPr>
+          <p:cNvSpPr>
+            <a:spLocks noGrp="1"/>
+          </p:cNvSpPr>
+          <p:nvPr>
+            <p:ph type="sldNum" sz="quarter" idx="12"/>
+          </p:nvPr>
+        </p:nvSpPr>
+        <p:spPr/>
+        <p:txBody>
+          <a:bodyPr/>
+          <a:lstStyle/>
+          <a:p>
+            <a:fld id="{76BAB7ED-EDE9-4D4B-9A2D-30E18C47C16E}" type="slidenum">
+              <a:rPr lang="en-GB" smtClean="0"/>
+              <a:t>15</a:t>
             </a:fld>
             <a:endParaRPr lang="en-GB"/>
           </a:p>
@@ -13289,35 +13480,21 @@
         </p:nvSpPr>
         <p:spPr/>
         <p:txBody>
-          <a:bodyPr/>
+          <a:bodyPr>
+            <a:normAutofit/>
+          </a:bodyPr>
           <a:lstStyle/>
           <a:p>
             <a:pPr lvl="0"/>
             <a:r>
-              <a:rPr lang="en-US" dirty="0" err="1"/>
-              <a:t>Package.json</a:t>
-            </a:r>
-            <a:r>
-              <a:rPr lang="en-US" dirty="0"/>
-              <a:t> </a:t>
-            </a:r>
-            <a:r>
-              <a:rPr lang="en-US" dirty="0" err="1"/>
-              <a:t>npm</a:t>
-            </a:r>
-            <a:r>
-              <a:rPr lang="en-US" dirty="0"/>
-              <a:t> run/build </a:t>
-            </a:r>
-            <a:r>
-              <a:rPr lang="en-US" dirty="0" err="1"/>
-              <a:t>etc</a:t>
-            </a:r>
-            <a:r>
-              <a:rPr lang="en-US" dirty="0"/>
-              <a:t> scripts changed </a:t>
-            </a:r>
-            <a:endParaRPr lang="fi-FI" dirty="0"/>
+              <a:rPr lang="en-US" sz="4000" dirty="0" err="1"/>
+              <a:t>tsconfig.json</a:t>
+            </a:r>
+            <a:r>
+              <a:rPr lang="en-US" sz="4000" dirty="0"/>
+              <a:t> file     (An example from 2024)</a:t>
+            </a:r>
+            <a:endParaRPr lang="fi-FI" sz="4000" dirty="0"/>
           </a:p>
         </p:txBody>
       </p:sp>
@@ -13339,7 +13516,7 @@
         </p:nvSpPr>
         <p:spPr>
           <a:xfrm>
-            <a:off x="550864" y="1295074"/>
+            <a:off x="550863" y="1641146"/>
             <a:ext cx="11125198" cy="4759498"/>
           </a:xfrm>
         </p:spPr>
@@ -13350,46 +13527,150 @@
           <a:lstStyle/>
           <a:p>
             <a:r>
-              <a:rPr lang="en-US" dirty="0"/>
-              <a:t>…scripts won’t be using JS tools anymore, but use TS tools like </a:t>
-            </a:r>
-            <a:r>
-              <a:rPr lang="en-US" dirty="0" err="1"/>
-              <a:t>tsc</a:t>
-            </a:r>
-            <a:r>
-              <a:rPr lang="en-US" dirty="0"/>
-              <a:t> compiler</a:t>
-            </a:r>
-          </a:p>
-          <a:p>
-            <a:r>
-              <a:rPr lang="en-US" dirty="0"/>
-              <a:t>Or e.g. </a:t>
-            </a:r>
-            <a:r>
-              <a:rPr lang="en-US" dirty="0" err="1"/>
-              <a:t>tsc</a:t>
-            </a:r>
-            <a:r>
-              <a:rPr lang="en-US" dirty="0"/>
-              <a:t>-watch could look for changing .</a:t>
-            </a:r>
-            <a:r>
-              <a:rPr lang="en-US" dirty="0" err="1"/>
-              <a:t>ts</a:t>
-            </a:r>
-            <a:r>
-              <a:rPr lang="en-US" dirty="0"/>
-              <a:t> files and compile them automatically to .</a:t>
-            </a:r>
-            <a:r>
-              <a:rPr lang="en-US" dirty="0" err="1"/>
-              <a:t>js</a:t>
-            </a:r>
-            <a:r>
-              <a:rPr lang="en-US" dirty="0"/>
-              <a:t> files</a:t>
+              <a:rPr lang="en-US" sz="2600" dirty="0">
+                <a:latin typeface="Consolas" panose="020B0609020204030204" pitchFamily="49" charset="0"/>
+              </a:rPr>
+              <a:t>{</a:t>
+            </a:r>
+          </a:p>
+          <a:p>
+            <a:r>
+              <a:rPr lang="en-US" sz="2600" dirty="0">
+                <a:latin typeface="Consolas" panose="020B0609020204030204" pitchFamily="49" charset="0"/>
+              </a:rPr>
+              <a:t>  "</a:t>
+            </a:r>
+            <a:r>
+              <a:rPr lang="en-US" sz="2600" dirty="0" err="1">
+                <a:latin typeface="Consolas" panose="020B0609020204030204" pitchFamily="49" charset="0"/>
+              </a:rPr>
+              <a:t>compilerOptions</a:t>
+            </a:r>
+            <a:r>
+              <a:rPr lang="en-US" sz="2600" dirty="0">
+                <a:latin typeface="Consolas" panose="020B0609020204030204" pitchFamily="49" charset="0"/>
+              </a:rPr>
+              <a:t>": {</a:t>
+            </a:r>
+          </a:p>
+          <a:p>
+            <a:r>
+              <a:rPr lang="en-US" sz="2600" dirty="0">
+                <a:latin typeface="Consolas" panose="020B0609020204030204" pitchFamily="49" charset="0"/>
+              </a:rPr>
+              <a:t>    "target": "es2022",</a:t>
+            </a:r>
+          </a:p>
+          <a:p>
+            <a:r>
+              <a:rPr lang="en-US" sz="2600" dirty="0">
+                <a:latin typeface="Consolas" panose="020B0609020204030204" pitchFamily="49" charset="0"/>
+              </a:rPr>
+              <a:t>    "module": "</a:t>
+            </a:r>
+            <a:r>
+              <a:rPr lang="en-US" sz="2600" dirty="0" err="1">
+                <a:latin typeface="Consolas" panose="020B0609020204030204" pitchFamily="49" charset="0"/>
+              </a:rPr>
+              <a:t>nodenext</a:t>
+            </a:r>
+            <a:r>
+              <a:rPr lang="en-US" sz="2600" dirty="0">
+                <a:latin typeface="Consolas" panose="020B0609020204030204" pitchFamily="49" charset="0"/>
+              </a:rPr>
+              <a:t>",</a:t>
+            </a:r>
+          </a:p>
+          <a:p>
+            <a:r>
+              <a:rPr lang="en-US" sz="2600" dirty="0">
+                <a:latin typeface="Consolas" panose="020B0609020204030204" pitchFamily="49" charset="0"/>
+              </a:rPr>
+              <a:t>    "</a:t>
+            </a:r>
+            <a:r>
+              <a:rPr lang="en-US" sz="2600" dirty="0" err="1">
+                <a:latin typeface="Consolas" panose="020B0609020204030204" pitchFamily="49" charset="0"/>
+              </a:rPr>
+              <a:t>outDir</a:t>
+            </a:r>
+            <a:r>
+              <a:rPr lang="en-US" sz="2600" dirty="0">
+                <a:latin typeface="Consolas" panose="020B0609020204030204" pitchFamily="49" charset="0"/>
+              </a:rPr>
+              <a:t>": "</a:t>
+            </a:r>
+            <a:r>
+              <a:rPr lang="en-US" sz="2600" dirty="0" err="1">
+                <a:latin typeface="Consolas" panose="020B0609020204030204" pitchFamily="49" charset="0"/>
+              </a:rPr>
+              <a:t>dist</a:t>
+            </a:r>
+            <a:r>
+              <a:rPr lang="en-US" sz="2600" dirty="0">
+                <a:latin typeface="Consolas" panose="020B0609020204030204" pitchFamily="49" charset="0"/>
+              </a:rPr>
+              <a:t>",</a:t>
+            </a:r>
+          </a:p>
+          <a:p>
+            <a:r>
+              <a:rPr lang="en-US" sz="2600" dirty="0">
+                <a:latin typeface="Consolas" panose="020B0609020204030204" pitchFamily="49" charset="0"/>
+              </a:rPr>
+              <a:t>    "strict": true</a:t>
+            </a:r>
+          </a:p>
+          <a:p>
+            <a:r>
+              <a:rPr lang="en-US" sz="2600" dirty="0">
+                <a:latin typeface="Consolas" panose="020B0609020204030204" pitchFamily="49" charset="0"/>
+              </a:rPr>
+              <a:t>  },</a:t>
+            </a:r>
+          </a:p>
+          <a:p>
+            <a:r>
+              <a:rPr lang="en-US" sz="2600" dirty="0">
+                <a:latin typeface="Consolas" panose="020B0609020204030204" pitchFamily="49" charset="0"/>
+              </a:rPr>
+              <a:t>  "include": [</a:t>
+            </a:r>
+          </a:p>
+          <a:p>
+            <a:r>
+              <a:rPr lang="en-US" sz="2600" dirty="0">
+                <a:latin typeface="Consolas" panose="020B0609020204030204" pitchFamily="49" charset="0"/>
+              </a:rPr>
+              <a:t>    "</a:t>
+            </a:r>
+            <a:r>
+              <a:rPr lang="en-US" sz="2600" dirty="0" err="1">
+                <a:latin typeface="Consolas" panose="020B0609020204030204" pitchFamily="49" charset="0"/>
+              </a:rPr>
+              <a:t>src</a:t>
+            </a:r>
+            <a:r>
+              <a:rPr lang="en-US" sz="2600" dirty="0">
+                <a:latin typeface="Consolas" panose="020B0609020204030204" pitchFamily="49" charset="0"/>
+              </a:rPr>
+              <a:t>"</a:t>
+            </a:r>
+          </a:p>
+          <a:p>
+            <a:r>
+              <a:rPr lang="en-US" sz="2600" dirty="0">
+                <a:latin typeface="Consolas" panose="020B0609020204030204" pitchFamily="49" charset="0"/>
+              </a:rPr>
+              <a:t>  ]</a:t>
+            </a:r>
+          </a:p>
+          <a:p>
+            <a:r>
+              <a:rPr lang="en-US" sz="2600" dirty="0">
+                <a:latin typeface="Consolas" panose="020B0609020204030204" pitchFamily="49" charset="0"/>
+              </a:rPr>
+              <a:t>}</a:t>
             </a:r>
           </a:p>
         </p:txBody>
@@ -13480,7 +13761,7 @@
     </p:spTree>
     <p:extLst>
       <p:ext uri="{BB962C8B-B14F-4D97-AF65-F5344CB8AC3E}">
-        <p14:creationId xmlns:p14="http://schemas.microsoft.com/office/powerpoint/2010/main" val="3263424136"/>
+        <p14:creationId xmlns:p14="http://schemas.microsoft.com/office/powerpoint/2010/main" val="2703965651"/>
       </p:ext>
     </p:extLst>
   </p:cSld>
@@ -13530,20 +13811,28 @@
           <a:p>
             <a:pPr lvl="0"/>
             <a:r>
+              <a:rPr lang="en-US" dirty="0" err="1"/>
+              <a:t>Package.json</a:t>
+            </a:r>
+            <a:r>
               <a:rPr lang="en-US" dirty="0"/>
-              <a:t>Renaming source files from .</a:t>
+              <a:t> </a:t>
             </a:r>
             <a:r>
               <a:rPr lang="en-US" dirty="0" err="1"/>
-              <a:t>js</a:t>
+              <a:t>npm</a:t>
             </a:r>
             <a:r>
               <a:rPr lang="en-US" dirty="0"/>
-              <a:t> to .</a:t>
+              <a:t> run/build </a:t>
             </a:r>
             <a:r>
               <a:rPr lang="en-US" dirty="0" err="1"/>
-              <a:t>ts</a:t>
+              <a:t>etc</a:t>
+            </a:r>
+            <a:r>
+              <a:rPr lang="en-US" dirty="0"/>
+              <a:t> scripts changed </a:t>
             </a:r>
             <a:endParaRPr lang="fi-FI" dirty="0"/>
           </a:p>
@@ -13579,7 +13868,45 @@
           <a:p>
             <a:r>
               <a:rPr lang="en-US" dirty="0"/>
-              <a:t>… and start using TypeScript / ECMAScript features (e.g. according to the list on course materials)</a:t>
+              <a:t>…scripts won’t be using JS tools anymore, but use TS tools like </a:t>
+            </a:r>
+            <a:r>
+              <a:rPr lang="en-US" dirty="0" err="1"/>
+              <a:t>tsc</a:t>
+            </a:r>
+            <a:r>
+              <a:rPr lang="en-US" dirty="0"/>
+              <a:t> compiler</a:t>
+            </a:r>
+          </a:p>
+          <a:p>
+            <a:r>
+              <a:rPr lang="en-US" dirty="0"/>
+              <a:t>Or e.g. </a:t>
+            </a:r>
+            <a:r>
+              <a:rPr lang="en-US" dirty="0" err="1"/>
+              <a:t>tsc</a:t>
+            </a:r>
+            <a:r>
+              <a:rPr lang="en-US" dirty="0"/>
+              <a:t>-watch could look for changing .</a:t>
+            </a:r>
+            <a:r>
+              <a:rPr lang="en-US" dirty="0" err="1"/>
+              <a:t>ts</a:t>
+            </a:r>
+            <a:r>
+              <a:rPr lang="en-US" dirty="0"/>
+              <a:t> files and compile them automatically to .</a:t>
+            </a:r>
+            <a:r>
+              <a:rPr lang="en-US" dirty="0" err="1"/>
+              <a:t>js</a:t>
+            </a:r>
+            <a:r>
+              <a:rPr lang="en-US" dirty="0"/>
+              <a:t> files</a:t>
             </a:r>
           </a:p>
         </p:txBody>
@@ -13670,7 +13997,7 @@
     </p:spTree>
     <p:extLst>
       <p:ext uri="{BB962C8B-B14F-4D97-AF65-F5344CB8AC3E}">
-        <p14:creationId xmlns:p14="http://schemas.microsoft.com/office/powerpoint/2010/main" val="663343295"/>
+        <p14:creationId xmlns:p14="http://schemas.microsoft.com/office/powerpoint/2010/main" val="3263424136"/>
       </p:ext>
     </p:extLst>
   </p:cSld>
@@ -14237,21 +14564,21 @@
 </file>
 
 <file path=customXml/item1.xml><?xml version="1.0" encoding="utf-8"?>
+<p:properties xmlns:p="http://schemas.microsoft.com/office/2006/metadata/properties" xmlns:xsi="http://www.w3.org/2001/XMLSchema-instance" xmlns:pc="http://schemas.microsoft.com/office/infopath/2007/PartnerControls">
+  <documentManagement>
+    <PublishingExpirationDate xmlns="http://schemas.microsoft.com/sharepoint/v3" xsi:nil="true"/>
+    <PublishingStartDate xmlns="http://schemas.microsoft.com/sharepoint/v3" xsi:nil="true"/>
+  </documentManagement>
+</p:properties>
+</file>
+
+<file path=customXml/item2.xml><?xml version="1.0" encoding="utf-8"?>
 <?mso-contentType ?>
 <FormTemplates xmlns="http://schemas.microsoft.com/sharepoint/v3/contenttype/forms">
   <Display>DocumentLibraryForm</Display>
   <Edit>DocumentLibraryForm</Edit>
   <New>DocumentLibraryForm</New>
 </FormTemplates>
-</file>
-
-<file path=customXml/item2.xml><?xml version="1.0" encoding="utf-8"?>
-<p:properties xmlns:p="http://schemas.microsoft.com/office/2006/metadata/properties" xmlns:xsi="http://www.w3.org/2001/XMLSchema-instance" xmlns:pc="http://schemas.microsoft.com/office/infopath/2007/PartnerControls">
-  <documentManagement>
-    <PublishingExpirationDate xmlns="http://schemas.microsoft.com/sharepoint/v3" xsi:nil="true"/>
-    <PublishingStartDate xmlns="http://schemas.microsoft.com/sharepoint/v3" xsi:nil="true"/>
-  </documentManagement>
-</p:properties>
 </file>
 
 <file path=customXml/item3.xml><?xml version="1.0" encoding="utf-8"?>
@@ -14387,14 +14714,6 @@
 </file>
 
 <file path=customXml/itemProps1.xml><?xml version="1.0" encoding="utf-8"?>
-<ds:datastoreItem xmlns:ds="http://schemas.openxmlformats.org/officeDocument/2006/customXml" ds:itemID="{D546C03B-CD3A-4EA0-AAA4-0E00E896454E}">
-  <ds:schemaRefs>
-    <ds:schemaRef ds:uri="http://schemas.microsoft.com/sharepoint/v3/contenttype/forms"/>
-  </ds:schemaRefs>
-</ds:datastoreItem>
-</file>
-
-<file path=customXml/itemProps2.xml><?xml version="1.0" encoding="utf-8"?>
 <ds:datastoreItem xmlns:ds="http://schemas.openxmlformats.org/officeDocument/2006/customXml" ds:itemID="{DED4E12E-7268-4B03-A47B-0755D62B5E31}">
   <ds:schemaRefs>
     <ds:schemaRef ds:uri="http://purl.org/dc/dcmitype/"/>
@@ -14406,6 +14725,14 @@
     <ds:schemaRef ds:uri="http://schemas.openxmlformats.org/package/2006/metadata/core-properties"/>
     <ds:schemaRef ds:uri="http://www.w3.org/XML/1998/namespace"/>
     <ds:schemaRef ds:uri="http://purl.org/dc/elements/1.1/"/>
+  </ds:schemaRefs>
+</ds:datastoreItem>
+</file>
+
+<file path=customXml/itemProps2.xml><?xml version="1.0" encoding="utf-8"?>
+<ds:datastoreItem xmlns:ds="http://schemas.openxmlformats.org/officeDocument/2006/customXml" ds:itemID="{D546C03B-CD3A-4EA0-AAA4-0E00E896454E}">
+  <ds:schemaRefs>
+    <ds:schemaRef ds:uri="http://schemas.microsoft.com/sharepoint/v3/contenttype/forms"/>
   </ds:schemaRefs>
 </ds:datastoreItem>
 </file>

--- a/TS_basics/TypeScript_usage_understood.pptx
+++ b/TS_basics/TypeScript_usage_understood.pptx
@@ -13336,7 +13336,33 @@
           <a:p>
             <a:r>
               <a:rPr lang="en-US" dirty="0"/>
-              <a:t>The module mechanism to use?  e.g. export/import instead of </a:t>
+              <a:t>The module mechanism to use?  e.g. </a:t>
+            </a:r>
+          </a:p>
+          <a:p>
+            <a:pPr lvl="1"/>
+            <a:r>
+              <a:rPr lang="en-US" dirty="0"/>
+              <a:t>ES6 (2015</a:t>
+            </a:r>
+            <a:r>
+              <a:rPr lang="en-US"/>
+              <a:t>):      export / import                    instead </a:t>
+            </a:r>
+            <a:r>
+              <a:rPr lang="en-US" dirty="0"/>
+              <a:t>of </a:t>
+            </a:r>
+          </a:p>
+          <a:p>
+            <a:pPr lvl="1"/>
+            <a:r>
+              <a:rPr lang="en-US" dirty="0" err="1"/>
+              <a:t>CommonJS</a:t>
+            </a:r>
+            <a:r>
+              <a:rPr lang="en-US" dirty="0"/>
+              <a:t>:     </a:t>
             </a:r>
             <a:r>
               <a:rPr lang="en-US" dirty="0" err="1"/>
@@ -13344,7 +13370,7 @@
             </a:r>
             <a:r>
               <a:rPr lang="en-US" dirty="0"/>
-              <a:t>/require</a:t>
+              <a:t> / require</a:t>
             </a:r>
           </a:p>
         </p:txBody>
@@ -14564,21 +14590,21 @@
 </file>
 
 <file path=customXml/item1.xml><?xml version="1.0" encoding="utf-8"?>
+<?mso-contentType ?>
+<FormTemplates xmlns="http://schemas.microsoft.com/sharepoint/v3/contenttype/forms">
+  <Display>DocumentLibraryForm</Display>
+  <Edit>DocumentLibraryForm</Edit>
+  <New>DocumentLibraryForm</New>
+</FormTemplates>
+</file>
+
+<file path=customXml/item2.xml><?xml version="1.0" encoding="utf-8"?>
 <p:properties xmlns:p="http://schemas.microsoft.com/office/2006/metadata/properties" xmlns:xsi="http://www.w3.org/2001/XMLSchema-instance" xmlns:pc="http://schemas.microsoft.com/office/infopath/2007/PartnerControls">
   <documentManagement>
     <PublishingExpirationDate xmlns="http://schemas.microsoft.com/sharepoint/v3" xsi:nil="true"/>
     <PublishingStartDate xmlns="http://schemas.microsoft.com/sharepoint/v3" xsi:nil="true"/>
   </documentManagement>
 </p:properties>
-</file>
-
-<file path=customXml/item2.xml><?xml version="1.0" encoding="utf-8"?>
-<?mso-contentType ?>
-<FormTemplates xmlns="http://schemas.microsoft.com/sharepoint/v3/contenttype/forms">
-  <Display>DocumentLibraryForm</Display>
-  <Edit>DocumentLibraryForm</Edit>
-  <New>DocumentLibraryForm</New>
-</FormTemplates>
 </file>
 
 <file path=customXml/item3.xml><?xml version="1.0" encoding="utf-8"?>
@@ -14714,6 +14740,14 @@
 </file>
 
 <file path=customXml/itemProps1.xml><?xml version="1.0" encoding="utf-8"?>
+<ds:datastoreItem xmlns:ds="http://schemas.openxmlformats.org/officeDocument/2006/customXml" ds:itemID="{D546C03B-CD3A-4EA0-AAA4-0E00E896454E}">
+  <ds:schemaRefs>
+    <ds:schemaRef ds:uri="http://schemas.microsoft.com/sharepoint/v3/contenttype/forms"/>
+  </ds:schemaRefs>
+</ds:datastoreItem>
+</file>
+
+<file path=customXml/itemProps2.xml><?xml version="1.0" encoding="utf-8"?>
 <ds:datastoreItem xmlns:ds="http://schemas.openxmlformats.org/officeDocument/2006/customXml" ds:itemID="{DED4E12E-7268-4B03-A47B-0755D62B5E31}">
   <ds:schemaRefs>
     <ds:schemaRef ds:uri="http://purl.org/dc/dcmitype/"/>
@@ -14725,14 +14759,6 @@
     <ds:schemaRef ds:uri="http://schemas.openxmlformats.org/package/2006/metadata/core-properties"/>
     <ds:schemaRef ds:uri="http://www.w3.org/XML/1998/namespace"/>
     <ds:schemaRef ds:uri="http://purl.org/dc/elements/1.1/"/>
-  </ds:schemaRefs>
-</ds:datastoreItem>
-</file>
-
-<file path=customXml/itemProps2.xml><?xml version="1.0" encoding="utf-8"?>
-<ds:datastoreItem xmlns:ds="http://schemas.openxmlformats.org/officeDocument/2006/customXml" ds:itemID="{D546C03B-CD3A-4EA0-AAA4-0E00E896454E}">
-  <ds:schemaRefs>
-    <ds:schemaRef ds:uri="http://schemas.microsoft.com/sharepoint/v3/contenttype/forms"/>
   </ds:schemaRefs>
 </ds:datastoreItem>
 </file>

--- a/TS_basics/TypeScript_usage_understood.pptx
+++ b/TS_basics/TypeScript_usage_understood.pptx
@@ -5,7 +5,7 @@
     <p:sldMasterId id="2147483648" r:id="rId4"/>
   </p:sldMasterIdLst>
   <p:notesMasterIdLst>
-    <p:notesMasterId r:id="rId20"/>
+    <p:notesMasterId r:id="rId22"/>
   </p:notesMasterIdLst>
   <p:sldIdLst>
     <p:sldId id="256" r:id="rId5"/>
@@ -19,10 +19,12 @@
     <p:sldId id="277" r:id="rId13"/>
     <p:sldId id="278" r:id="rId14"/>
     <p:sldId id="287" r:id="rId15"/>
-    <p:sldId id="281" r:id="rId16"/>
-    <p:sldId id="288" r:id="rId17"/>
-    <p:sldId id="283" r:id="rId18"/>
-    <p:sldId id="284" r:id="rId19"/>
+    <p:sldId id="290" r:id="rId16"/>
+    <p:sldId id="291" r:id="rId17"/>
+    <p:sldId id="281" r:id="rId18"/>
+    <p:sldId id="288" r:id="rId19"/>
+    <p:sldId id="283" r:id="rId20"/>
+    <p:sldId id="284" r:id="rId21"/>
   </p:sldIdLst>
   <p:sldSz cx="12192000" cy="6858000"/>
   <p:notesSz cx="6858000" cy="9144000"/>
@@ -1205,7 +1207,7 @@
           <a:p>
             <a:fld id="{5645C365-1C26-6946-87AF-75D6A7DF4277}" type="datetimeFigureOut">
               <a:rPr lang="en-GB" smtClean="0"/>
-              <a:t>03/10/2024</a:t>
+              <a:t>10/02/2025</a:t>
             </a:fld>
             <a:endParaRPr lang="en-GB"/>
           </a:p>
@@ -1704,7 +1706,7 @@
           <a:p>
             <a:fld id="{35B864B8-8D08-7B43-B4FB-B2FB41A5D9E3}" type="datetime1">
               <a:rPr lang="fi-FI" smtClean="0"/>
-              <a:t>3.10.2024</a:t>
+              <a:t>10.2.2025</a:t>
             </a:fld>
             <a:endParaRPr lang="en-GB" dirty="0"/>
           </a:p>
@@ -2031,7 +2033,7 @@
           <a:p>
             <a:fld id="{D5AEA85A-FC56-D34C-9AA6-ECC3D2586F37}" type="datetime1">
               <a:rPr lang="fi-FI" smtClean="0"/>
-              <a:t>3.10.2024</a:t>
+              <a:t>10.2.2025</a:t>
             </a:fld>
             <a:endParaRPr lang="en-GB" dirty="0"/>
           </a:p>
@@ -2241,7 +2243,7 @@
           <a:p>
             <a:fld id="{E6BC6EEF-E660-7844-8930-418AFF95EA40}" type="datetime1">
               <a:rPr lang="fi-FI" smtClean="0"/>
-              <a:t>3.10.2024</a:t>
+              <a:t>10.2.2025</a:t>
             </a:fld>
             <a:endParaRPr lang="en-GB" dirty="0"/>
           </a:p>
@@ -2550,7 +2552,7 @@
           <a:p>
             <a:fld id="{4E10C7EC-C1C1-9849-A573-7692478FCD52}" type="datetime1">
               <a:rPr lang="fi-FI" smtClean="0"/>
-              <a:t>3.10.2024</a:t>
+              <a:t>10.2.2025</a:t>
             </a:fld>
             <a:endParaRPr lang="en-GB" dirty="0"/>
           </a:p>
@@ -2823,7 +2825,7 @@
           <a:p>
             <a:fld id="{844FF3FE-30BE-2040-9151-6FBC4992BF4F}" type="datetime1">
               <a:rPr lang="fi-FI" smtClean="0"/>
-              <a:t>3.10.2024</a:t>
+              <a:t>10.2.2025</a:t>
             </a:fld>
             <a:endParaRPr lang="en-GB" dirty="0"/>
           </a:p>
@@ -3063,7 +3065,7 @@
           <a:p>
             <a:fld id="{11EDCD7B-6966-E249-89F2-D46BDFBF56BE}" type="datetime1">
               <a:rPr lang="fi-FI" smtClean="0"/>
-              <a:t>3.10.2024</a:t>
+              <a:t>10.2.2025</a:t>
             </a:fld>
             <a:endParaRPr lang="en-GB" dirty="0"/>
           </a:p>
@@ -3356,7 +3358,7 @@
           <a:p>
             <a:fld id="{11EDCD7B-6966-E249-89F2-D46BDFBF56BE}" type="datetime1">
               <a:rPr lang="fi-FI" smtClean="0"/>
-              <a:t>3.10.2024</a:t>
+              <a:t>10.2.2025</a:t>
             </a:fld>
             <a:endParaRPr lang="en-GB" dirty="0"/>
           </a:p>
@@ -3795,7 +3797,7 @@
           <a:p>
             <a:fld id="{844FF3FE-30BE-2040-9151-6FBC4992BF4F}" type="datetime1">
               <a:rPr lang="fi-FI" smtClean="0"/>
-              <a:t>3.10.2024</a:t>
+              <a:t>10.2.2025</a:t>
             </a:fld>
             <a:endParaRPr lang="en-GB" dirty="0"/>
           </a:p>
@@ -4023,7 +4025,7 @@
           <a:p>
             <a:fld id="{11EDCD7B-6966-E249-89F2-D46BDFBF56BE}" type="datetime1">
               <a:rPr lang="fi-FI" smtClean="0"/>
-              <a:t>3.10.2024</a:t>
+              <a:t>10.2.2025</a:t>
             </a:fld>
             <a:endParaRPr lang="en-GB" dirty="0"/>
           </a:p>
@@ -4438,7 +4440,7 @@
           <a:p>
             <a:fld id="{B62E192A-D52B-F541-B2AA-4AEB9388F1F7}" type="datetime1">
               <a:rPr lang="fi-FI" smtClean="0"/>
-              <a:t>3.10.2024</a:t>
+              <a:t>10.2.2025</a:t>
             </a:fld>
             <a:endParaRPr lang="en-GB" dirty="0"/>
           </a:p>
@@ -4738,7 +4740,7 @@
           <a:p>
             <a:fld id="{EEA4FAA2-2B3E-264C-A42F-2D6D3EF33A3C}" type="datetime1">
               <a:rPr lang="fi-FI" smtClean="0"/>
-              <a:t>3.10.2024</a:t>
+              <a:t>10.2.2025</a:t>
             </a:fld>
             <a:endParaRPr lang="en-GB" dirty="0"/>
           </a:p>
@@ -5641,7 +5643,7 @@
           <a:p>
             <a:fld id="{B3114A65-8017-1743-A85A-B2A4BB835AE9}" type="datetime1">
               <a:rPr lang="fi-FI" smtClean="0"/>
-              <a:t>3.10.2024</a:t>
+              <a:t>10.2.2025</a:t>
             </a:fld>
             <a:endParaRPr lang="en-GB" dirty="0"/>
           </a:p>
@@ -5869,7 +5871,7 @@
           <a:p>
             <a:fld id="{11EDCD7B-6966-E249-89F2-D46BDFBF56BE}" type="datetime1">
               <a:rPr lang="fi-FI" smtClean="0"/>
-              <a:t>3.10.2024</a:t>
+              <a:t>10.2.2025</a:t>
             </a:fld>
             <a:endParaRPr lang="en-GB" dirty="0"/>
           </a:p>
@@ -6161,7 +6163,7 @@
           <a:p>
             <a:fld id="{45F98643-D206-614D-B596-3C8548138211}" type="datetime1">
               <a:rPr lang="fi-FI" smtClean="0"/>
-              <a:t>3.10.2024</a:t>
+              <a:t>10.2.2025</a:t>
             </a:fld>
             <a:endParaRPr lang="en-GB" dirty="0"/>
           </a:p>
@@ -6801,7 +6803,7 @@
           <a:p>
             <a:fld id="{30BF63A1-919F-FB49-ABA8-182126D24C50}" type="datetime1">
               <a:rPr lang="fi-FI" smtClean="0"/>
-              <a:t>3.10.2024</a:t>
+              <a:t>10.2.2025</a:t>
             </a:fld>
             <a:endParaRPr lang="en-GB" dirty="0"/>
           </a:p>
@@ -6965,7 +6967,7 @@
           <a:p>
             <a:fld id="{202E1EC2-47B8-044B-A09E-6A63B4D80C87}" type="datetime1">
               <a:rPr lang="fi-FI" smtClean="0"/>
-              <a:t>3.10.2024</a:t>
+              <a:t>10.2.2025</a:t>
             </a:fld>
             <a:endParaRPr lang="en-GB"/>
           </a:p>
@@ -7216,7 +7218,7 @@
           <a:p>
             <a:fld id="{202E1EC2-47B8-044B-A09E-6A63B4D80C87}" type="datetime1">
               <a:rPr lang="fi-FI" smtClean="0"/>
-              <a:t>3.10.2024</a:t>
+              <a:t>10.2.2025</a:t>
             </a:fld>
             <a:endParaRPr lang="en-GB"/>
           </a:p>
@@ -7294,6 +7296,386 @@
   <p:cSld>
     <p:spTree>
       <p:nvGrpSpPr>
+        <p:cNvPr id="1" name="">
+          <a:extLst>
+            <a:ext uri="{FF2B5EF4-FFF2-40B4-BE49-F238E27FC236}">
+              <a16:creationId xmlns:a16="http://schemas.microsoft.com/office/drawing/2014/main" id="{2A4B2CE5-EB26-26CC-3F57-4441B90E441D}"/>
+            </a:ext>
+          </a:extLst>
+        </p:cNvPr>
+        <p:cNvGrpSpPr/>
+        <p:nvPr/>
+      </p:nvGrpSpPr>
+      <p:grpSpPr>
+        <a:xfrm>
+          <a:off x="0" y="0"/>
+          <a:ext cx="0" cy="0"/>
+          <a:chOff x="0" y="0"/>
+          <a:chExt cx="0" cy="0"/>
+        </a:xfrm>
+      </p:grpSpPr>
+      <p:sp>
+        <p:nvSpPr>
+          <p:cNvPr id="8" name="Title 7">
+            <a:extLst>
+              <a:ext uri="{FF2B5EF4-FFF2-40B4-BE49-F238E27FC236}">
+                <a16:creationId xmlns:a16="http://schemas.microsoft.com/office/drawing/2014/main" id="{91614063-71A7-E2F0-36A4-D943DFD7E5D9}"/>
+              </a:ext>
+            </a:extLst>
+          </p:cNvPr>
+          <p:cNvSpPr>
+            <a:spLocks noGrp="1"/>
+          </p:cNvSpPr>
+          <p:nvPr>
+            <p:ph type="title"/>
+          </p:nvPr>
+        </p:nvSpPr>
+        <p:spPr/>
+        <p:txBody>
+          <a:bodyPr/>
+          <a:lstStyle/>
+          <a:p>
+            <a:pPr lvl="0"/>
+            <a:r>
+              <a:rPr lang="en-US" dirty="0"/>
+              <a:t>E.g. create your own complex datatypes with ‘interface’</a:t>
+            </a:r>
+            <a:endParaRPr lang="fi-FI" dirty="0"/>
+          </a:p>
+        </p:txBody>
+      </p:sp>
+      <p:sp>
+        <p:nvSpPr>
+          <p:cNvPr id="9" name="Content Placeholder 8">
+            <a:extLst>
+              <a:ext uri="{FF2B5EF4-FFF2-40B4-BE49-F238E27FC236}">
+                <a16:creationId xmlns:a16="http://schemas.microsoft.com/office/drawing/2014/main" id="{C6ABC41D-9B81-67AE-E284-B78D40E1BBD8}"/>
+              </a:ext>
+            </a:extLst>
+          </p:cNvPr>
+          <p:cNvSpPr>
+            <a:spLocks noGrp="1"/>
+          </p:cNvSpPr>
+          <p:nvPr>
+            <p:ph sz="half" idx="2"/>
+          </p:nvPr>
+        </p:nvSpPr>
+        <p:spPr>
+          <a:xfrm>
+            <a:off x="550864" y="1773238"/>
+            <a:ext cx="11125198" cy="4281334"/>
+          </a:xfrm>
+        </p:spPr>
+        <p:txBody>
+          <a:bodyPr>
+            <a:normAutofit/>
+          </a:bodyPr>
+          <a:lstStyle/>
+          <a:p>
+            <a:r>
+              <a:rPr lang="en-US" dirty="0"/>
+              <a:t>So that those types can be used in code as types</a:t>
+            </a:r>
+          </a:p>
+          <a:p>
+            <a:r>
+              <a:rPr lang="en-US" dirty="0"/>
+              <a:t>‘interface’ is better option than ‘type’ as interface can be extended to create more subtypes</a:t>
+            </a:r>
+          </a:p>
+        </p:txBody>
+      </p:sp>
+      <p:sp>
+        <p:nvSpPr>
+          <p:cNvPr id="5" name="Date Placeholder 4">
+            <a:extLst>
+              <a:ext uri="{FF2B5EF4-FFF2-40B4-BE49-F238E27FC236}">
+                <a16:creationId xmlns:a16="http://schemas.microsoft.com/office/drawing/2014/main" id="{9AE58D0D-F6E8-D5F8-CBBF-CAF315D1FB59}"/>
+              </a:ext>
+            </a:extLst>
+          </p:cNvPr>
+          <p:cNvSpPr>
+            <a:spLocks noGrp="1"/>
+          </p:cNvSpPr>
+          <p:nvPr>
+            <p:ph type="dt" sz="half" idx="10"/>
+          </p:nvPr>
+        </p:nvSpPr>
+        <p:spPr/>
+        <p:txBody>
+          <a:bodyPr/>
+          <a:lstStyle/>
+          <a:p>
+            <a:fld id="{202E1EC2-47B8-044B-A09E-6A63B4D80C87}" type="datetime1">
+              <a:rPr lang="fi-FI" smtClean="0"/>
+              <a:t>10.2.2025</a:t>
+            </a:fld>
+            <a:endParaRPr lang="en-GB"/>
+          </a:p>
+        </p:txBody>
+      </p:sp>
+      <p:sp>
+        <p:nvSpPr>
+          <p:cNvPr id="6" name="Footer Placeholder 5">
+            <a:extLst>
+              <a:ext uri="{FF2B5EF4-FFF2-40B4-BE49-F238E27FC236}">
+                <a16:creationId xmlns:a16="http://schemas.microsoft.com/office/drawing/2014/main" id="{04ED4C42-FC03-B025-2E58-F8E1BCBE932D}"/>
+              </a:ext>
+            </a:extLst>
+          </p:cNvPr>
+          <p:cNvSpPr>
+            <a:spLocks noGrp="1"/>
+          </p:cNvSpPr>
+          <p:nvPr>
+            <p:ph type="ftr" sz="quarter" idx="11"/>
+          </p:nvPr>
+        </p:nvSpPr>
+        <p:spPr/>
+        <p:txBody>
+          <a:bodyPr/>
+          <a:lstStyle/>
+          <a:p>
+            <a:endParaRPr lang="en-GB"/>
+          </a:p>
+        </p:txBody>
+      </p:sp>
+      <p:sp>
+        <p:nvSpPr>
+          <p:cNvPr id="7" name="Slide Number Placeholder 6">
+            <a:extLst>
+              <a:ext uri="{FF2B5EF4-FFF2-40B4-BE49-F238E27FC236}">
+                <a16:creationId xmlns:a16="http://schemas.microsoft.com/office/drawing/2014/main" id="{1D748540-6A96-78EB-1A0C-D5FF5A5F33B5}"/>
+              </a:ext>
+            </a:extLst>
+          </p:cNvPr>
+          <p:cNvSpPr>
+            <a:spLocks noGrp="1"/>
+          </p:cNvSpPr>
+          <p:nvPr>
+            <p:ph type="sldNum" sz="quarter" idx="12"/>
+          </p:nvPr>
+        </p:nvSpPr>
+        <p:spPr/>
+        <p:txBody>
+          <a:bodyPr/>
+          <a:lstStyle/>
+          <a:p>
+            <a:fld id="{76BAB7ED-EDE9-4D4B-9A2D-30E18C47C16E}" type="slidenum">
+              <a:rPr lang="en-GB" smtClean="0"/>
+              <a:t>12</a:t>
+            </a:fld>
+            <a:endParaRPr lang="en-GB"/>
+          </a:p>
+        </p:txBody>
+      </p:sp>
+    </p:spTree>
+    <p:extLst>
+      <p:ext uri="{BB962C8B-B14F-4D97-AF65-F5344CB8AC3E}">
+        <p14:creationId xmlns:p14="http://schemas.microsoft.com/office/powerpoint/2010/main" val="3078463348"/>
+      </p:ext>
+    </p:extLst>
+  </p:cSld>
+  <p:clrMapOvr>
+    <a:masterClrMapping/>
+  </p:clrMapOvr>
+</p:sld>
+</file>
+
+<file path=ppt/slides/slide13.xml><?xml version="1.0" encoding="utf-8"?>
+<p:sld xmlns:a="http://schemas.openxmlformats.org/drawingml/2006/main" xmlns:r="http://schemas.openxmlformats.org/officeDocument/2006/relationships" xmlns:p="http://schemas.openxmlformats.org/presentationml/2006/main">
+  <p:cSld>
+    <p:spTree>
+      <p:nvGrpSpPr>
+        <p:cNvPr id="1" name="">
+          <a:extLst>
+            <a:ext uri="{FF2B5EF4-FFF2-40B4-BE49-F238E27FC236}">
+              <a16:creationId xmlns:a16="http://schemas.microsoft.com/office/drawing/2014/main" id="{0E347919-7B2C-163D-D8D7-99E6C358B795}"/>
+            </a:ext>
+          </a:extLst>
+        </p:cNvPr>
+        <p:cNvGrpSpPr/>
+        <p:nvPr/>
+      </p:nvGrpSpPr>
+      <p:grpSpPr>
+        <a:xfrm>
+          <a:off x="0" y="0"/>
+          <a:ext cx="0" cy="0"/>
+          <a:chOff x="0" y="0"/>
+          <a:chExt cx="0" cy="0"/>
+        </a:xfrm>
+      </p:grpSpPr>
+      <p:sp>
+        <p:nvSpPr>
+          <p:cNvPr id="8" name="Title 7">
+            <a:extLst>
+              <a:ext uri="{FF2B5EF4-FFF2-40B4-BE49-F238E27FC236}">
+                <a16:creationId xmlns:a16="http://schemas.microsoft.com/office/drawing/2014/main" id="{6A51F12C-2628-E7E5-2D47-30A9A5BABECE}"/>
+              </a:ext>
+            </a:extLst>
+          </p:cNvPr>
+          <p:cNvSpPr>
+            <a:spLocks noGrp="1"/>
+          </p:cNvSpPr>
+          <p:nvPr>
+            <p:ph type="title"/>
+          </p:nvPr>
+        </p:nvSpPr>
+        <p:spPr/>
+        <p:txBody>
+          <a:bodyPr/>
+          <a:lstStyle/>
+          <a:p>
+            <a:pPr lvl="0"/>
+            <a:r>
+              <a:rPr lang="en-US" dirty="0"/>
+              <a:t>Take into use new versions of libraries, and their @-type modules</a:t>
+            </a:r>
+            <a:endParaRPr lang="fi-FI" dirty="0"/>
+          </a:p>
+        </p:txBody>
+      </p:sp>
+      <p:sp>
+        <p:nvSpPr>
+          <p:cNvPr id="9" name="Content Placeholder 8">
+            <a:extLst>
+              <a:ext uri="{FF2B5EF4-FFF2-40B4-BE49-F238E27FC236}">
+                <a16:creationId xmlns:a16="http://schemas.microsoft.com/office/drawing/2014/main" id="{C8416404-D8A2-E8A8-324D-4B941C70B52A}"/>
+              </a:ext>
+            </a:extLst>
+          </p:cNvPr>
+          <p:cNvSpPr>
+            <a:spLocks noGrp="1"/>
+          </p:cNvSpPr>
+          <p:nvPr>
+            <p:ph sz="half" idx="2"/>
+          </p:nvPr>
+        </p:nvSpPr>
+        <p:spPr>
+          <a:xfrm>
+            <a:off x="550864" y="1773238"/>
+            <a:ext cx="11125198" cy="4281334"/>
+          </a:xfrm>
+        </p:spPr>
+        <p:txBody>
+          <a:bodyPr>
+            <a:normAutofit/>
+          </a:bodyPr>
+          <a:lstStyle/>
+          <a:p>
+            <a:r>
+              <a:rPr lang="en-US" dirty="0"/>
+              <a:t>Then your code that uses and calls the library code will be also valid TypeScript, </a:t>
+            </a:r>
+          </a:p>
+          <a:p>
+            <a:r>
+              <a:rPr lang="en-US" dirty="0"/>
+              <a:t>as the types imported can be used for checking the datatypes compilation time (and in e.g. VS Code source code writing/saving time)</a:t>
+            </a:r>
+          </a:p>
+        </p:txBody>
+      </p:sp>
+      <p:sp>
+        <p:nvSpPr>
+          <p:cNvPr id="5" name="Date Placeholder 4">
+            <a:extLst>
+              <a:ext uri="{FF2B5EF4-FFF2-40B4-BE49-F238E27FC236}">
+                <a16:creationId xmlns:a16="http://schemas.microsoft.com/office/drawing/2014/main" id="{3E81E37E-7033-9C16-8068-CECF076458FD}"/>
+              </a:ext>
+            </a:extLst>
+          </p:cNvPr>
+          <p:cNvSpPr>
+            <a:spLocks noGrp="1"/>
+          </p:cNvSpPr>
+          <p:nvPr>
+            <p:ph type="dt" sz="half" idx="10"/>
+          </p:nvPr>
+        </p:nvSpPr>
+        <p:spPr/>
+        <p:txBody>
+          <a:bodyPr/>
+          <a:lstStyle/>
+          <a:p>
+            <a:fld id="{202E1EC2-47B8-044B-A09E-6A63B4D80C87}" type="datetime1">
+              <a:rPr lang="fi-FI" smtClean="0"/>
+              <a:t>10.2.2025</a:t>
+            </a:fld>
+            <a:endParaRPr lang="en-GB"/>
+          </a:p>
+        </p:txBody>
+      </p:sp>
+      <p:sp>
+        <p:nvSpPr>
+          <p:cNvPr id="6" name="Footer Placeholder 5">
+            <a:extLst>
+              <a:ext uri="{FF2B5EF4-FFF2-40B4-BE49-F238E27FC236}">
+                <a16:creationId xmlns:a16="http://schemas.microsoft.com/office/drawing/2014/main" id="{F99CFDE2-ECC3-2A7D-B79C-691239AF45FC}"/>
+              </a:ext>
+            </a:extLst>
+          </p:cNvPr>
+          <p:cNvSpPr>
+            <a:spLocks noGrp="1"/>
+          </p:cNvSpPr>
+          <p:nvPr>
+            <p:ph type="ftr" sz="quarter" idx="11"/>
+          </p:nvPr>
+        </p:nvSpPr>
+        <p:spPr/>
+        <p:txBody>
+          <a:bodyPr/>
+          <a:lstStyle/>
+          <a:p>
+            <a:endParaRPr lang="en-GB"/>
+          </a:p>
+        </p:txBody>
+      </p:sp>
+      <p:sp>
+        <p:nvSpPr>
+          <p:cNvPr id="7" name="Slide Number Placeholder 6">
+            <a:extLst>
+              <a:ext uri="{FF2B5EF4-FFF2-40B4-BE49-F238E27FC236}">
+                <a16:creationId xmlns:a16="http://schemas.microsoft.com/office/drawing/2014/main" id="{66CB6A31-D63D-31D7-B349-B6FEF78660F1}"/>
+              </a:ext>
+            </a:extLst>
+          </p:cNvPr>
+          <p:cNvSpPr>
+            <a:spLocks noGrp="1"/>
+          </p:cNvSpPr>
+          <p:nvPr>
+            <p:ph type="sldNum" sz="quarter" idx="12"/>
+          </p:nvPr>
+        </p:nvSpPr>
+        <p:spPr/>
+        <p:txBody>
+          <a:bodyPr/>
+          <a:lstStyle/>
+          <a:p>
+            <a:fld id="{76BAB7ED-EDE9-4D4B-9A2D-30E18C47C16E}" type="slidenum">
+              <a:rPr lang="en-GB" smtClean="0"/>
+              <a:t>13</a:t>
+            </a:fld>
+            <a:endParaRPr lang="en-GB"/>
+          </a:p>
+        </p:txBody>
+      </p:sp>
+    </p:spTree>
+    <p:extLst>
+      <p:ext uri="{BB962C8B-B14F-4D97-AF65-F5344CB8AC3E}">
+        <p14:creationId xmlns:p14="http://schemas.microsoft.com/office/powerpoint/2010/main" val="3518395336"/>
+      </p:ext>
+    </p:extLst>
+  </p:cSld>
+  <p:clrMapOvr>
+    <a:masterClrMapping/>
+  </p:clrMapOvr>
+</p:sld>
+</file>
+
+<file path=ppt/slides/slide14.xml><?xml version="1.0" encoding="utf-8"?>
+<p:sld xmlns:a="http://schemas.openxmlformats.org/drawingml/2006/main" xmlns:r="http://schemas.openxmlformats.org/officeDocument/2006/relationships" xmlns:p="http://schemas.openxmlformats.org/presentationml/2006/main">
+  <p:cSld>
+    <p:spTree>
+      <p:nvGrpSpPr>
         <p:cNvPr id="1" name=""/>
         <p:cNvGrpSpPr/>
         <p:nvPr/>
@@ -7359,7 +7741,7 @@
           <a:p>
             <a:fld id="{202E1EC2-47B8-044B-A09E-6A63B4D80C87}" type="datetime1">
               <a:rPr lang="fi-FI" smtClean="0"/>
-              <a:t>3.10.2024</a:t>
+              <a:t>10.2.2025</a:t>
             </a:fld>
             <a:endParaRPr lang="en-GB"/>
           </a:p>
@@ -7413,7 +7795,7 @@
           <a:p>
             <a:fld id="{76BAB7ED-EDE9-4D4B-9A2D-30E18C47C16E}" type="slidenum">
               <a:rPr lang="en-GB" smtClean="0"/>
-              <a:t>12</a:t>
+              <a:t>14</a:t>
             </a:fld>
             <a:endParaRPr lang="en-GB"/>
           </a:p>
@@ -9807,7 +10189,7 @@
 </p:sld>
 </file>
 
-<file path=ppt/slides/slide13.xml><?xml version="1.0" encoding="utf-8"?>
+<file path=ppt/slides/slide15.xml><?xml version="1.0" encoding="utf-8"?>
 <p:sld xmlns:a="http://schemas.openxmlformats.org/drawingml/2006/main" xmlns:r="http://schemas.openxmlformats.org/officeDocument/2006/relationships" xmlns:p="http://schemas.openxmlformats.org/presentationml/2006/main">
   <p:cSld>
     <p:spTree>
@@ -9888,7 +10270,7 @@
           <a:p>
             <a:fld id="{202E1EC2-47B8-044B-A09E-6A63B4D80C87}" type="datetime1">
               <a:rPr lang="fi-FI" smtClean="0"/>
-              <a:t>3.10.2024</a:t>
+              <a:t>10.2.2025</a:t>
             </a:fld>
             <a:endParaRPr lang="en-GB"/>
           </a:p>
@@ -9942,7 +10324,7 @@
           <a:p>
             <a:fld id="{76BAB7ED-EDE9-4D4B-9A2D-30E18C47C16E}" type="slidenum">
               <a:rPr lang="en-GB" smtClean="0"/>
-              <a:t>13</a:t>
+              <a:t>15</a:t>
             </a:fld>
             <a:endParaRPr lang="en-GB"/>
           </a:p>
@@ -11030,7 +11412,7 @@
 </p:sld>
 </file>
 
-<file path=ppt/slides/slide14.xml><?xml version="1.0" encoding="utf-8"?>
+<file path=ppt/slides/slide16.xml><?xml version="1.0" encoding="utf-8"?>
 <p:sld xmlns:a="http://schemas.openxmlformats.org/drawingml/2006/main" xmlns:r="http://schemas.openxmlformats.org/officeDocument/2006/relationships" xmlns:p="http://schemas.openxmlformats.org/presentationml/2006/main">
   <p:cSld>
     <p:spTree>
@@ -11113,7 +11495,7 @@
           <a:p>
             <a:r>
               <a:rPr lang="en-US" dirty="0"/>
-              <a:t>E.g. </a:t>
+              <a:t>Random command example: </a:t>
             </a:r>
           </a:p>
           <a:p>
@@ -11176,7 +11558,7 @@
           <a:p>
             <a:fld id="{202E1EC2-47B8-044B-A09E-6A63B4D80C87}" type="datetime1">
               <a:rPr lang="fi-FI" smtClean="0"/>
-              <a:t>3.10.2024</a:t>
+              <a:t>10.2.2025</a:t>
             </a:fld>
             <a:endParaRPr lang="en-GB"/>
           </a:p>
@@ -11230,7 +11612,7 @@
           <a:p>
             <a:fld id="{76BAB7ED-EDE9-4D4B-9A2D-30E18C47C16E}" type="slidenum">
               <a:rPr lang="en-GB" smtClean="0"/>
-              <a:t>14</a:t>
+              <a:t>16</a:t>
             </a:fld>
             <a:endParaRPr lang="en-GB"/>
           </a:p>
@@ -11249,7 +11631,7 @@
 </p:sld>
 </file>
 
-<file path=ppt/slides/slide15.xml><?xml version="1.0" encoding="utf-8"?>
+<file path=ppt/slides/slide17.xml><?xml version="1.0" encoding="utf-8"?>
 <p:sld xmlns:a="http://schemas.openxmlformats.org/drawingml/2006/main" xmlns:r="http://schemas.openxmlformats.org/officeDocument/2006/relationships" xmlns:p="http://schemas.openxmlformats.org/presentationml/2006/main">
   <p:cSld>
     <p:spTree>
@@ -11440,13 +11822,8 @@
             </a:r>
             <a:r>
               <a:rPr lang="en-US" dirty="0"/>
-              <a:t> for the running time </a:t>
-            </a:r>
-            <a:r>
-              <a:rPr lang="en-US"/>
-              <a:t>/ production.</a:t>
-            </a:r>
-            <a:endParaRPr lang="en-US" dirty="0"/>
+              <a:t> for the running time / production.</a:t>
+            </a:r>
           </a:p>
           <a:p>
             <a:endParaRPr lang="en-US" dirty="0"/>
@@ -11466,7 +11843,7 @@
             </a:r>
             <a:r>
               <a:rPr lang="en-US" dirty="0"/>
-              <a:t> for combining the compilation and running as one bit slower step)</a:t>
+              <a:t> for combining the compilation and running as a one, bit slower, step)</a:t>
             </a:r>
           </a:p>
         </p:txBody>
@@ -11494,7 +11871,7 @@
           <a:p>
             <a:fld id="{202E1EC2-47B8-044B-A09E-6A63B4D80C87}" type="datetime1">
               <a:rPr lang="fi-FI" smtClean="0"/>
-              <a:t>3.10.2024</a:t>
+              <a:t>10.2.2025</a:t>
             </a:fld>
             <a:endParaRPr lang="en-GB"/>
           </a:p>
@@ -11548,7 +11925,7 @@
           <a:p>
             <a:fld id="{76BAB7ED-EDE9-4D4B-9A2D-30E18C47C16E}" type="slidenum">
               <a:rPr lang="en-GB" smtClean="0"/>
-              <a:t>15</a:t>
+              <a:t>17</a:t>
             </a:fld>
             <a:endParaRPr lang="en-GB"/>
           </a:p>
@@ -11637,7 +12014,7 @@
           <a:p>
             <a:fld id="{202E1EC2-47B8-044B-A09E-6A63B4D80C87}" type="datetime1">
               <a:rPr lang="fi-FI" smtClean="0"/>
-              <a:t>3.10.2024</a:t>
+              <a:t>10.2.2025</a:t>
             </a:fld>
             <a:endParaRPr lang="en-GB"/>
           </a:p>
@@ -12136,7 +12513,7 @@
           <a:p>
             <a:fld id="{202E1EC2-47B8-044B-A09E-6A63B4D80C87}" type="datetime1">
               <a:rPr lang="fi-FI" smtClean="0"/>
-              <a:t>3.10.2024</a:t>
+              <a:t>10.2.2025</a:t>
             </a:fld>
             <a:endParaRPr lang="en-GB"/>
           </a:p>
@@ -12720,7 +13097,7 @@
               <a:rPr lang="en-US" dirty="0">
                 <a:latin typeface="Consolas" panose="020B0609020204030204" pitchFamily="49" charset="0"/>
               </a:rPr>
-              <a:t> --save -g typescript @types/node</a:t>
+              <a:t> typescript @types/node</a:t>
             </a:r>
           </a:p>
         </p:txBody>
@@ -12748,7 +13125,7 @@
           <a:p>
             <a:fld id="{202E1EC2-47B8-044B-A09E-6A63B4D80C87}" type="datetime1">
               <a:rPr lang="fi-FI" smtClean="0"/>
-              <a:t>3.10.2024</a:t>
+              <a:t>10.2.2025</a:t>
             </a:fld>
             <a:endParaRPr lang="en-GB"/>
           </a:p>
@@ -12926,7 +13303,7 @@
           <a:p>
             <a:fld id="{202E1EC2-47B8-044B-A09E-6A63B4D80C87}" type="datetime1">
               <a:rPr lang="fi-FI" smtClean="0"/>
-              <a:t>3.10.2024</a:t>
+              <a:t>10.2.2025</a:t>
             </a:fld>
             <a:endParaRPr lang="en-GB"/>
           </a:p>
@@ -13040,7 +13417,7 @@
             <a:pPr lvl="0"/>
             <a:r>
               <a:rPr lang="en-US" dirty="0"/>
-              <a:t>Initialize the (former JS?) project as TS project</a:t>
+              <a:t>Initialize the (JS or new) project as TS project</a:t>
             </a:r>
             <a:endParaRPr lang="fi-FI" dirty="0"/>
           </a:p>
@@ -13093,7 +13470,43 @@
               <a:rPr lang="en-US" dirty="0">
                 <a:latin typeface="Consolas" panose="020B0609020204030204" pitchFamily="49" charset="0"/>
               </a:rPr>
+              <a:t> --</a:t>
+            </a:r>
+            <a:r>
+              <a:rPr lang="en-US" dirty="0" err="1">
+                <a:latin typeface="Consolas" panose="020B0609020204030204" pitchFamily="49" charset="0"/>
+              </a:rPr>
+              <a:t>init</a:t>
+            </a:r>
+            <a:r>
+              <a:rPr lang="en-US" dirty="0">
+                <a:latin typeface="Consolas" panose="020B0609020204030204" pitchFamily="49" charset="0"/>
+              </a:rPr>
+              <a:t>      or  </a:t>
+            </a:r>
+            <a:r>
+              <a:rPr lang="en-US" dirty="0" err="1">
+                <a:latin typeface="Consolas" panose="020B0609020204030204" pitchFamily="49" charset="0"/>
+              </a:rPr>
+              <a:t>npx</a:t>
+            </a:r>
+            <a:r>
+              <a:rPr lang="en-US" dirty="0">
+                <a:latin typeface="Consolas" panose="020B0609020204030204" pitchFamily="49" charset="0"/>
+              </a:rPr>
               <a:t> </a:t>
+            </a:r>
+            <a:r>
+              <a:rPr lang="en-US" dirty="0" err="1">
+                <a:latin typeface="Consolas" panose="020B0609020204030204" pitchFamily="49" charset="0"/>
+              </a:rPr>
+              <a:t>tsc</a:t>
+            </a:r>
+            <a:r>
+              <a:rPr lang="en-US" dirty="0">
+                <a:latin typeface="Consolas" panose="020B0609020204030204" pitchFamily="49" charset="0"/>
+              </a:rPr>
+              <a:t> --</a:t>
             </a:r>
             <a:r>
               <a:rPr lang="en-US" dirty="0" err="1">
@@ -13116,8 +13529,154 @@
             </a:r>
             <a:r>
               <a:rPr lang="en-US" dirty="0"/>
-              <a:t> file to the project root</a:t>
-            </a:r>
+              <a:t> file to the project root. Example console output below from 2025:</a:t>
+            </a:r>
+          </a:p>
+          <a:p>
+            <a:endParaRPr lang="en-US" dirty="0"/>
+          </a:p>
+          <a:p>
+            <a:pPr marL="0" indent="0">
+              <a:buNone/>
+            </a:pPr>
+            <a:r>
+              <a:rPr lang="en-US" dirty="0">
+                <a:latin typeface="Consolas" panose="020B0609020204030204" pitchFamily="49" charset="0"/>
+              </a:rPr>
+              <a:t>Created a new </a:t>
+            </a:r>
+            <a:r>
+              <a:rPr lang="en-US" dirty="0" err="1">
+                <a:latin typeface="Consolas" panose="020B0609020204030204" pitchFamily="49" charset="0"/>
+              </a:rPr>
+              <a:t>tsconfig.json</a:t>
+            </a:r>
+            <a:r>
+              <a:rPr lang="en-US" dirty="0">
+                <a:latin typeface="Consolas" panose="020B0609020204030204" pitchFamily="49" charset="0"/>
+              </a:rPr>
+              <a:t> with:</a:t>
+            </a:r>
+          </a:p>
+          <a:p>
+            <a:pPr marL="0" indent="0">
+              <a:buNone/>
+            </a:pPr>
+            <a:r>
+              <a:rPr lang="en-US" dirty="0">
+                <a:latin typeface="Consolas" panose="020B0609020204030204" pitchFamily="49" charset="0"/>
+              </a:rPr>
+              <a:t>  target: es2016</a:t>
+            </a:r>
+          </a:p>
+          <a:p>
+            <a:pPr marL="0" indent="0">
+              <a:buNone/>
+            </a:pPr>
+            <a:r>
+              <a:rPr lang="en-US" dirty="0">
+                <a:latin typeface="Consolas" panose="020B0609020204030204" pitchFamily="49" charset="0"/>
+              </a:rPr>
+              <a:t>  module: </a:t>
+            </a:r>
+            <a:r>
+              <a:rPr lang="en-US" dirty="0" err="1">
+                <a:latin typeface="Consolas" panose="020B0609020204030204" pitchFamily="49" charset="0"/>
+              </a:rPr>
+              <a:t>commonjs</a:t>
+            </a:r>
+            <a:endParaRPr lang="en-US" dirty="0">
+              <a:latin typeface="Consolas" panose="020B0609020204030204" pitchFamily="49" charset="0"/>
+            </a:endParaRPr>
+          </a:p>
+          <a:p>
+            <a:pPr marL="0" indent="0">
+              <a:buNone/>
+            </a:pPr>
+            <a:r>
+              <a:rPr lang="en-US" dirty="0">
+                <a:latin typeface="Consolas" panose="020B0609020204030204" pitchFamily="49" charset="0"/>
+              </a:rPr>
+              <a:t>  strict: true</a:t>
+            </a:r>
+          </a:p>
+          <a:p>
+            <a:pPr marL="0" indent="0">
+              <a:buNone/>
+            </a:pPr>
+            <a:r>
+              <a:rPr lang="en-US" dirty="0">
+                <a:latin typeface="Consolas" panose="020B0609020204030204" pitchFamily="49" charset="0"/>
+              </a:rPr>
+              <a:t>  </a:t>
+            </a:r>
+            <a:r>
+              <a:rPr lang="en-US" dirty="0" err="1">
+                <a:latin typeface="Consolas" panose="020B0609020204030204" pitchFamily="49" charset="0"/>
+              </a:rPr>
+              <a:t>esModuleInterop</a:t>
+            </a:r>
+            <a:r>
+              <a:rPr lang="en-US" dirty="0">
+                <a:latin typeface="Consolas" panose="020B0609020204030204" pitchFamily="49" charset="0"/>
+              </a:rPr>
+              <a:t>: true</a:t>
+            </a:r>
+          </a:p>
+          <a:p>
+            <a:pPr marL="0" indent="0">
+              <a:buNone/>
+            </a:pPr>
+            <a:r>
+              <a:rPr lang="en-US" dirty="0">
+                <a:latin typeface="Consolas" panose="020B0609020204030204" pitchFamily="49" charset="0"/>
+              </a:rPr>
+              <a:t>  </a:t>
+            </a:r>
+            <a:r>
+              <a:rPr lang="en-US" dirty="0" err="1">
+                <a:latin typeface="Consolas" panose="020B0609020204030204" pitchFamily="49" charset="0"/>
+              </a:rPr>
+              <a:t>skipLibCheck</a:t>
+            </a:r>
+            <a:r>
+              <a:rPr lang="en-US" dirty="0">
+                <a:latin typeface="Consolas" panose="020B0609020204030204" pitchFamily="49" charset="0"/>
+              </a:rPr>
+              <a:t>: true</a:t>
+            </a:r>
+          </a:p>
+          <a:p>
+            <a:pPr marL="0" indent="0">
+              <a:buNone/>
+            </a:pPr>
+            <a:r>
+              <a:rPr lang="en-US" dirty="0">
+                <a:latin typeface="Consolas" panose="020B0609020204030204" pitchFamily="49" charset="0"/>
+              </a:rPr>
+              <a:t>  </a:t>
+            </a:r>
+            <a:r>
+              <a:rPr lang="en-US" dirty="0" err="1">
+                <a:latin typeface="Consolas" panose="020B0609020204030204" pitchFamily="49" charset="0"/>
+              </a:rPr>
+              <a:t>forceConsistentCasingInFileNames</a:t>
+            </a:r>
+            <a:r>
+              <a:rPr lang="en-US" dirty="0">
+                <a:latin typeface="Consolas" panose="020B0609020204030204" pitchFamily="49" charset="0"/>
+              </a:rPr>
+              <a:t>: true</a:t>
+            </a:r>
+          </a:p>
+          <a:p>
+            <a:endParaRPr lang="en-US" dirty="0"/>
+          </a:p>
+          <a:p>
+            <a:pPr marL="0" indent="0">
+              <a:buNone/>
+            </a:pPr>
+            <a:endParaRPr lang="en-US" dirty="0"/>
           </a:p>
         </p:txBody>
       </p:sp>
@@ -13144,7 +13703,7 @@
           <a:p>
             <a:fld id="{202E1EC2-47B8-044B-A09E-6A63B4D80C87}" type="datetime1">
               <a:rPr lang="fi-FI" smtClean="0"/>
-              <a:t>3.10.2024</a:t>
+              <a:t>10.2.2025</a:t>
             </a:fld>
             <a:endParaRPr lang="en-GB"/>
           </a:p>
@@ -13398,7 +13957,7 @@
           <a:p>
             <a:fld id="{202E1EC2-47B8-044B-A09E-6A63B4D80C87}" type="datetime1">
               <a:rPr lang="fi-FI" smtClean="0"/>
-              <a:t>3.10.2024</a:t>
+              <a:t>10.2.2025</a:t>
             </a:fld>
             <a:endParaRPr lang="en-GB"/>
           </a:p>
@@ -13724,7 +14283,7 @@
           <a:p>
             <a:fld id="{202E1EC2-47B8-044B-A09E-6A63B4D80C87}" type="datetime1">
               <a:rPr lang="fi-FI" smtClean="0"/>
-              <a:t>3.10.2024</a:t>
+              <a:t>10.2.2025</a:t>
             </a:fld>
             <a:endParaRPr lang="en-GB"/>
           </a:p>
@@ -13960,7 +14519,7 @@
           <a:p>
             <a:fld id="{202E1EC2-47B8-044B-A09E-6A63B4D80C87}" type="datetime1">
               <a:rPr lang="fi-FI" smtClean="0"/>
-              <a:t>3.10.2024</a:t>
+              <a:t>10.2.2025</a:t>
             </a:fld>
             <a:endParaRPr lang="en-GB"/>
           </a:p>
